--- a/poster updated.pptx
+++ b/poster updated.pptx
@@ -3942,21 +3942,7 @@
                   <a:latin typeface="Garamond"/>
                   <a:cs typeface="Garamond"/>
                 </a:rPr>
-                <a:t>other health </a:t>
-              </a:r>
-              <a:r>
-                <a:rPr lang="en-US" sz="3600" dirty="0" smtClean="0">
-                  <a:latin typeface="Garamond"/>
-                  <a:cs typeface="Garamond"/>
-                </a:rPr>
-                <a:t>data</a:t>
-              </a:r>
-              <a:r>
-                <a:rPr lang="en-US" sz="3600" dirty="0" smtClean="0">
-                  <a:latin typeface="Garamond"/>
-                  <a:cs typeface="Garamond"/>
-                </a:rPr>
-                <a:t>. </a:t>
+                <a:t>other health data. </a:t>
               </a:r>
               <a:r>
                 <a:rPr lang="en-US" sz="3600" dirty="0">
@@ -4664,14 +4650,7 @@
                 <a:latin typeface="Garamond"/>
                 <a:cs typeface="Garamond"/>
               </a:rPr>
-              <a:t>Thoughts on variables. Association</a:t>
-            </a:r>
-            <a:r>
-              <a:rPr lang="en-US" sz="4000" dirty="0" smtClean="0">
-                <a:latin typeface="Garamond"/>
-                <a:cs typeface="Garamond"/>
-              </a:rPr>
-              <a:t>.</a:t>
+              <a:t>Thoughts on variables. Association.</a:t>
             </a:r>
             <a:endParaRPr lang="en-US" sz="4000" dirty="0">
               <a:latin typeface="Garamond"/>
@@ -4742,14 +4721,7 @@
                 <a:latin typeface="Garamond"/>
                 <a:cs typeface="Garamond"/>
               </a:rPr>
-              <a:t>While the ‘Survey’ package in R is incredibly helpful at properly weighting each observation, it does not work seamlessly with generic R functions, greatly limiting our analysis</a:t>
-            </a:r>
-            <a:r>
-              <a:rPr lang="en-US" sz="3600" dirty="0" smtClean="0">
-                <a:latin typeface="Garamond"/>
-                <a:cs typeface="Garamond"/>
-              </a:rPr>
-              <a:t>.</a:t>
+              <a:t>While the ‘Survey’ package in R is incredibly helpful at properly weighting each observation, it does not work seamlessly with generic R functions, greatly limiting our analysis.</a:t>
             </a:r>
           </a:p>
           <a:p>
@@ -4790,42 +4762,7 @@
                 <a:latin typeface="Garamond"/>
                 <a:cs typeface="Garamond"/>
               </a:rPr>
-              <a:t>After removing all observations that contained a missing value, only </a:t>
-            </a:r>
-            <a:r>
-              <a:rPr lang="en-US" sz="3600" dirty="0" smtClean="0">
-                <a:latin typeface="Garamond"/>
-                <a:cs typeface="Garamond"/>
-              </a:rPr>
-              <a:t>22</a:t>
-            </a:r>
-            <a:r>
-              <a:rPr lang="en-US" sz="3600" dirty="0" smtClean="0">
-                <a:latin typeface="Garamond"/>
-                <a:cs typeface="Garamond"/>
-              </a:rPr>
-              <a:t>% </a:t>
-            </a:r>
-            <a:r>
-              <a:rPr lang="en-US" sz="3600" dirty="0" smtClean="0">
-                <a:latin typeface="Garamond"/>
-                <a:cs typeface="Garamond"/>
-              </a:rPr>
-              <a:t>were left for analysis</a:t>
-            </a:r>
-            <a:r>
-              <a:rPr lang="en-US" sz="3600" dirty="0" smtClean="0">
-                <a:latin typeface="Garamond"/>
-                <a:cs typeface="Garamond"/>
-              </a:rPr>
-              <a:t>. Future </a:t>
-            </a:r>
-            <a:r>
-              <a:rPr lang="en-US" sz="3600" dirty="0" smtClean="0">
-                <a:latin typeface="Garamond"/>
-                <a:cs typeface="Garamond"/>
-              </a:rPr>
-              <a:t>studies could look at building models to predict missing values instead of removing them completely.</a:t>
+              <a:t>After removing all observations that contained a missing value, only 22% were left for analysis. Future studies could look at building models to predict missing values instead of removing them completely.</a:t>
             </a:r>
             <a:endParaRPr lang="en-US" sz="3600" b="1" dirty="0" smtClean="0">
               <a:solidFill>
@@ -4945,35 +4882,7 @@
                 <a:latin typeface="Garamond"/>
                 <a:cs typeface="Garamond"/>
               </a:rPr>
-              <a:t>Institute. We are very thankful for the opportunity </a:t>
-            </a:r>
-            <a:r>
-              <a:rPr lang="en-US" sz="3200" dirty="0" smtClean="0">
-                <a:latin typeface="Garamond"/>
-                <a:cs typeface="Garamond"/>
-              </a:rPr>
-              <a:t>to </a:t>
-            </a:r>
-            <a:r>
-              <a:rPr lang="en-US" sz="3200" dirty="0" smtClean="0">
-                <a:latin typeface="Garamond"/>
-                <a:cs typeface="Garamond"/>
-              </a:rPr>
-              <a:t>conduct r</a:t>
-            </a:r>
-            <a:r>
-              <a:rPr lang="en-US" sz="3200" dirty="0" smtClean="0">
-                <a:latin typeface="Garamond"/>
-                <a:cs typeface="Garamond"/>
-              </a:rPr>
-              <a:t>esearch </a:t>
-            </a:r>
-            <a:r>
-              <a:rPr lang="en-US" sz="3200" dirty="0" smtClean="0">
-                <a:latin typeface="Garamond"/>
-                <a:cs typeface="Garamond"/>
-              </a:rPr>
-              <a:t>at the University of Michigan.</a:t>
+              <a:t>Institute. We are very thankful for the opportunity to conduct research at the University of Michigan.</a:t>
             </a:r>
             <a:endParaRPr lang="en-US" sz="3200" dirty="0">
               <a:latin typeface="Garamond"/>
@@ -5110,8 +5019,8 @@
         </p:nvSpPr>
         <p:spPr>
           <a:xfrm>
-            <a:off x="12339065" y="20498611"/>
-            <a:ext cx="9615066" cy="1754327"/>
+            <a:off x="12339065" y="20143922"/>
+            <a:ext cx="9615066" cy="3416320"/>
           </a:xfrm>
           <a:prstGeom prst="rect">
             <a:avLst/>
@@ -5132,27 +5041,7 @@
                 <a:latin typeface="Garamond"/>
                 <a:cs typeface="Garamond"/>
               </a:rPr>
-              <a:t>1. </a:t>
-            </a:r>
-            <a:r>
-              <a:rPr lang="en-US" sz="3600" dirty="0" smtClean="0">
-                <a:solidFill>
-                  <a:srgbClr val="001B3C"/>
-                </a:solidFill>
-                <a:latin typeface="Garamond"/>
-                <a:cs typeface="Garamond"/>
-              </a:rPr>
-              <a:t>Narrow </a:t>
-            </a:r>
-            <a:r>
-              <a:rPr lang="en-US" sz="3600" dirty="0" smtClean="0">
-                <a:solidFill>
-                  <a:srgbClr val="001B3C"/>
-                </a:solidFill>
-                <a:latin typeface="Garamond"/>
-                <a:cs typeface="Garamond"/>
-              </a:rPr>
-              <a:t>down variables of interest</a:t>
+              <a:t>1. Narrow down variables of interest</a:t>
             </a:r>
             <a:endParaRPr lang="en-US" sz="3600" dirty="0">
               <a:solidFill>
@@ -5213,7 +5102,7 @@
                 <a:latin typeface="Garamond"/>
                 <a:cs typeface="Garamond"/>
               </a:rPr>
-              <a:t>tests</a:t>
+              <a:t>tests. Discard some variables due to a high number of missing values and the inability to determine what the different categorical levels meant (e.g. self reported strokes). </a:t>
             </a:r>
             <a:endParaRPr lang="en-US" sz="3600" dirty="0">
               <a:solidFill>
@@ -5289,42 +5178,7 @@
                 <a:latin typeface="Garamond"/>
                 <a:cs typeface="Garamond"/>
               </a:rPr>
-              <a:t>3. </a:t>
-            </a:r>
-            <a:r>
-              <a:rPr lang="en-US" sz="3600" dirty="0" smtClean="0">
-                <a:latin typeface="Garamond"/>
-                <a:cs typeface="Garamond"/>
-              </a:rPr>
-              <a:t>Perform 5-fold </a:t>
-            </a:r>
-            <a:r>
-              <a:rPr lang="en-US" sz="3600" dirty="0" smtClean="0">
-                <a:latin typeface="Garamond"/>
-                <a:cs typeface="Garamond"/>
-              </a:rPr>
-              <a:t>cross validation to find the most </a:t>
-            </a:r>
-            <a:r>
-              <a:rPr lang="en-US" sz="3600" dirty="0" smtClean="0">
-                <a:latin typeface="Garamond"/>
-                <a:cs typeface="Garamond"/>
-              </a:rPr>
-              <a:t>accurate logistic </a:t>
-            </a:r>
-            <a:r>
-              <a:rPr lang="en-US" sz="3600" dirty="0" smtClean="0">
-                <a:latin typeface="Garamond"/>
-                <a:cs typeface="Garamond"/>
-              </a:rPr>
-              <a:t>regression model for predicting </a:t>
-            </a:r>
-            <a:r>
-              <a:rPr lang="en-US" sz="3600" dirty="0" smtClean="0">
-                <a:latin typeface="Garamond"/>
-                <a:cs typeface="Garamond"/>
-              </a:rPr>
-              <a:t>CKD (as a binary response variable and as continuous, </a:t>
+              <a:t>3. Perform 5-fold cross validation to find the most accurate logistic regression model for predicting CKD (as a binary response variable and as continuous, </a:t>
             </a:r>
             <a:r>
               <a:rPr lang="en-US" sz="3600" dirty="0" err="1" smtClean="0">
@@ -5340,38 +5194,27 @@
               </a:rPr>
               <a:t> filtration rate)</a:t>
             </a:r>
+          </a:p>
+          <a:p>
             <a:endParaRPr lang="en-US" sz="3600" dirty="0" smtClean="0">
               <a:latin typeface="Garamond"/>
               <a:cs typeface="Garamond"/>
             </a:endParaRPr>
           </a:p>
           <a:p>
-            <a:endParaRPr lang="en-US" sz="3600" dirty="0" smtClean="0">
-              <a:latin typeface="Garamond"/>
-              <a:cs typeface="Garamond"/>
-            </a:endParaRPr>
-          </a:p>
-          <a:p>
             <a:r>
               <a:rPr lang="en-US" sz="3600" dirty="0" smtClean="0">
                 <a:latin typeface="Garamond"/>
                 <a:cs typeface="Garamond"/>
               </a:rPr>
-              <a:t>Maintained consistency throughout the cross validation </a:t>
+              <a:t>Maintain </a:t>
             </a:r>
             <a:r>
               <a:rPr lang="en-US" sz="3600" dirty="0" smtClean="0">
                 <a:latin typeface="Garamond"/>
                 <a:cs typeface="Garamond"/>
               </a:rPr>
-              <a:t>by </a:t>
-            </a:r>
-            <a:r>
-              <a:rPr lang="en-US" sz="3600" dirty="0" smtClean="0">
-                <a:latin typeface="Garamond"/>
-                <a:cs typeface="Garamond"/>
-              </a:rPr>
-              <a:t>manually adjusting for the weight of each observation.</a:t>
+              <a:t>consistency throughout the cross validation by manually adjusting for the weight of each observation.</a:t>
             </a:r>
           </a:p>
           <a:p>
@@ -5488,8 +5331,8 @@
         </p:nvSpPr>
         <p:spPr>
           <a:xfrm>
-            <a:off x="12339065" y="23237064"/>
-            <a:ext cx="9251430" cy="2523768"/>
+            <a:off x="12339065" y="23800629"/>
+            <a:ext cx="9251430" cy="2308324"/>
           </a:xfrm>
           <a:prstGeom prst="rect">
             <a:avLst/>
@@ -5503,25 +5346,36 @@
           <a:lstStyle/>
           <a:p>
             <a:r>
-              <a:rPr lang="en-US" sz="5000" b="1" dirty="0" smtClean="0">
+              <a:rPr lang="en-US" sz="3600" dirty="0">
                 <a:solidFill>
                   <a:srgbClr val="001B3C"/>
                 </a:solidFill>
-                <a:latin typeface="Times" charset="0"/>
-                <a:ea typeface="Times" charset="0"/>
-                <a:cs typeface="Times" charset="0"/>
+                <a:latin typeface="Garamond" charset="0"/>
+                <a:ea typeface="Garamond" charset="0"/>
+                <a:cs typeface="Garamond" charset="0"/>
               </a:rPr>
-              <a:t>2) </a:t>
+              <a:t>2</a:t>
             </a:r>
             <a:r>
               <a:rPr lang="en-US" sz="3600" dirty="0" smtClean="0">
                 <a:solidFill>
                   <a:srgbClr val="001B3C"/>
                 </a:solidFill>
-                <a:latin typeface="Garamond"/>
-                <a:cs typeface="Garamond"/>
+                <a:latin typeface="Garamond" charset="0"/>
+                <a:ea typeface="Garamond" charset="0"/>
+                <a:cs typeface="Garamond" charset="0"/>
               </a:rPr>
-              <a:t>Used </a:t>
+              <a:t>. </a:t>
+            </a:r>
+            <a:r>
+              <a:rPr lang="en-US" sz="3600" dirty="0" smtClean="0">
+                <a:solidFill>
+                  <a:srgbClr val="001B3C"/>
+                </a:solidFill>
+                <a:latin typeface="Garamond"/>
+                <a:cs typeface="Garamond"/>
+              </a:rPr>
+              <a:t>Use backward </a:t>
             </a:r>
             <a:r>
               <a:rPr lang="en-US" sz="3600" dirty="0">
@@ -5531,27 +5385,18 @@
                 <a:latin typeface="Garamond"/>
                 <a:cs typeface="Garamond"/>
               </a:rPr>
-              <a:t>both forward and backward selection to get models with the lowest AIC and BIC measurements</a:t>
-            </a:r>
-            <a:r>
-              <a:rPr lang="is-IS" sz="3600" dirty="0">
+              <a:t>selection to get models with the lowest </a:t>
+            </a:r>
+            <a:r>
+              <a:rPr lang="en-US" sz="3600" dirty="0" smtClean="0">
                 <a:solidFill>
                   <a:srgbClr val="001B3C"/>
                 </a:solidFill>
                 <a:latin typeface="Garamond"/>
                 <a:cs typeface="Garamond"/>
               </a:rPr>
-              <a:t>…add more specific information......</a:t>
-            </a:r>
-            <a:endParaRPr lang="en-US" sz="3600" dirty="0">
-              <a:solidFill>
-                <a:srgbClr val="001B3C"/>
-              </a:solidFill>
-              <a:latin typeface="Garamond"/>
-              <a:cs typeface="Garamond"/>
-            </a:endParaRPr>
-          </a:p>
-          <a:p>
+              <a:t>BIC measurements. Adjust the initial set of variables after finding that some were never significant.</a:t>
+            </a:r>
             <a:endParaRPr lang="en-US" sz="3600" dirty="0"/>
           </a:p>
         </p:txBody>
@@ -5588,7 +5433,7 @@
           <a:noFill/>
           <a:extLst>
             <a:ext uri="{909E8E84-426E-40dd-AFC4-6F175D3DCCD1}">
-              <a14:hiddenFill xmlns:a14="http://schemas.microsoft.com/office/drawing/2010/main" xmlns="">
+              <a14:hiddenFill xmlns="" xmlns:a14="http://schemas.microsoft.com/office/drawing/2010/main">
                 <a:solidFill>
                   <a:srgbClr val="FFFFFF"/>
                 </a:solidFill>

--- a/poster updated.pptx
+++ b/poster updated.pptx
@@ -109,7 +109,7 @@
   </p:defaultTextStyle>
   <p:extLst>
     <p:ext uri="{EFAFB233-063F-42B5-8137-9DF3F51BA10A}">
-      <p15:sldGuideLst xmlns:p15="http://schemas.microsoft.com/office/powerpoint/2012/main">
+      <p15:sldGuideLst xmlns="" xmlns:p15="http://schemas.microsoft.com/office/powerpoint/2012/main">
         <p15:guide id="1" orient="horz" pos="10368">
           <p15:clr>
             <a:srgbClr val="A4A3A4"/>
@@ -208,7 +208,7 @@
           <a:p>
             <a:fld id="{D19B32DB-0F28-FC4A-87A9-46B3392B9C77}" type="datetimeFigureOut">
               <a:rPr lang="en-US" smtClean="0"/>
-              <a:t>7/15/16</a:t>
+              <a:t>7/16/16</a:t>
             </a:fld>
             <a:endParaRPr lang="es-ES_tradnl"/>
           </a:p>
@@ -741,7 +741,7 @@
           <a:p>
             <a:fld id="{93017D5F-D1C9-1F49-8C24-32103320D25C}" type="datetimeFigureOut">
               <a:rPr lang="en-US" smtClean="0"/>
-              <a:t>7/15/16</a:t>
+              <a:t>7/16/16</a:t>
             </a:fld>
             <a:endParaRPr lang="es-ES_tradnl"/>
           </a:p>
@@ -911,7 +911,7 @@
           <a:p>
             <a:fld id="{93017D5F-D1C9-1F49-8C24-32103320D25C}" type="datetimeFigureOut">
               <a:rPr lang="en-US" smtClean="0"/>
-              <a:t>7/15/16</a:t>
+              <a:t>7/16/16</a:t>
             </a:fld>
             <a:endParaRPr lang="es-ES_tradnl"/>
           </a:p>
@@ -1091,7 +1091,7 @@
           <a:p>
             <a:fld id="{93017D5F-D1C9-1F49-8C24-32103320D25C}" type="datetimeFigureOut">
               <a:rPr lang="en-US" smtClean="0"/>
-              <a:t>7/15/16</a:t>
+              <a:t>7/16/16</a:t>
             </a:fld>
             <a:endParaRPr lang="es-ES_tradnl"/>
           </a:p>
@@ -1261,7 +1261,7 @@
           <a:p>
             <a:fld id="{93017D5F-D1C9-1F49-8C24-32103320D25C}" type="datetimeFigureOut">
               <a:rPr lang="en-US" smtClean="0"/>
-              <a:t>7/15/16</a:t>
+              <a:t>7/16/16</a:t>
             </a:fld>
             <a:endParaRPr lang="es-ES_tradnl"/>
           </a:p>
@@ -1507,7 +1507,7 @@
           <a:p>
             <a:fld id="{93017D5F-D1C9-1F49-8C24-32103320D25C}" type="datetimeFigureOut">
               <a:rPr lang="en-US" smtClean="0"/>
-              <a:t>7/15/16</a:t>
+              <a:t>7/16/16</a:t>
             </a:fld>
             <a:endParaRPr lang="es-ES_tradnl"/>
           </a:p>
@@ -1795,7 +1795,7 @@
           <a:p>
             <a:fld id="{93017D5F-D1C9-1F49-8C24-32103320D25C}" type="datetimeFigureOut">
               <a:rPr lang="en-US" smtClean="0"/>
-              <a:t>7/15/16</a:t>
+              <a:t>7/16/16</a:t>
             </a:fld>
             <a:endParaRPr lang="es-ES_tradnl"/>
           </a:p>
@@ -2222,7 +2222,7 @@
           <a:p>
             <a:fld id="{93017D5F-D1C9-1F49-8C24-32103320D25C}" type="datetimeFigureOut">
               <a:rPr lang="en-US" smtClean="0"/>
-              <a:t>7/15/16</a:t>
+              <a:t>7/16/16</a:t>
             </a:fld>
             <a:endParaRPr lang="es-ES_tradnl"/>
           </a:p>
@@ -2340,7 +2340,7 @@
           <a:p>
             <a:fld id="{93017D5F-D1C9-1F49-8C24-32103320D25C}" type="datetimeFigureOut">
               <a:rPr lang="en-US" smtClean="0"/>
-              <a:t>7/15/16</a:t>
+              <a:t>7/16/16</a:t>
             </a:fld>
             <a:endParaRPr lang="es-ES_tradnl"/>
           </a:p>
@@ -2435,7 +2435,7 @@
           <a:p>
             <a:fld id="{93017D5F-D1C9-1F49-8C24-32103320D25C}" type="datetimeFigureOut">
               <a:rPr lang="en-US" smtClean="0"/>
-              <a:t>7/15/16</a:t>
+              <a:t>7/16/16</a:t>
             </a:fld>
             <a:endParaRPr lang="es-ES_tradnl"/>
           </a:p>
@@ -2712,7 +2712,7 @@
           <a:p>
             <a:fld id="{93017D5F-D1C9-1F49-8C24-32103320D25C}" type="datetimeFigureOut">
               <a:rPr lang="en-US" smtClean="0"/>
-              <a:t>7/15/16</a:t>
+              <a:t>7/16/16</a:t>
             </a:fld>
             <a:endParaRPr lang="es-ES_tradnl"/>
           </a:p>
@@ -2965,7 +2965,7 @@
           <a:p>
             <a:fld id="{93017D5F-D1C9-1F49-8C24-32103320D25C}" type="datetimeFigureOut">
               <a:rPr lang="en-US" smtClean="0"/>
-              <a:t>7/15/16</a:t>
+              <a:t>7/16/16</a:t>
             </a:fld>
             <a:endParaRPr lang="es-ES_tradnl"/>
           </a:p>
@@ -3178,7 +3178,7 @@
           <a:p>
             <a:fld id="{93017D5F-D1C9-1F49-8C24-32103320D25C}" type="datetimeFigureOut">
               <a:rPr lang="en-US" smtClean="0"/>
-              <a:t>7/15/16</a:t>
+              <a:t>7/16/16</a:t>
             </a:fld>
             <a:endParaRPr lang="es-ES_tradnl"/>
           </a:p>
@@ -3561,6 +3561,191 @@
           <a:chExt cx="0" cy="0"/>
         </a:xfrm>
       </p:grpSpPr>
+      <p:grpSp>
+        <p:nvGrpSpPr>
+          <p:cNvPr id="2" name="Group 1"/>
+          <p:cNvGrpSpPr/>
+          <p:nvPr/>
+        </p:nvGrpSpPr>
+        <p:grpSpPr>
+          <a:xfrm>
+            <a:off x="11705300" y="14341897"/>
+            <a:ext cx="9016226" cy="7856664"/>
+            <a:chOff x="11705300" y="14341897"/>
+            <a:chExt cx="9016226" cy="7856664"/>
+          </a:xfrm>
+        </p:grpSpPr>
+        <p:grpSp>
+          <p:nvGrpSpPr>
+            <p:cNvPr id="13" name="Group 12"/>
+            <p:cNvGrpSpPr/>
+            <p:nvPr/>
+          </p:nvGrpSpPr>
+          <p:grpSpPr>
+            <a:xfrm>
+              <a:off x="11705300" y="14341897"/>
+              <a:ext cx="9016226" cy="7856664"/>
+              <a:chOff x="12717699" y="14920598"/>
+              <a:chExt cx="6400800" cy="6400800"/>
+            </a:xfrm>
+          </p:grpSpPr>
+          <p:pic>
+            <p:nvPicPr>
+              <p:cNvPr id="5" name="Picture 4" descr="ckd.jpg"/>
+              <p:cNvPicPr>
+                <a:picLocks noChangeAspect="1"/>
+              </p:cNvPicPr>
+              <p:nvPr/>
+            </p:nvPicPr>
+            <p:blipFill>
+              <a:blip r:embed="rId3">
+                <a:extLst>
+                  <a:ext uri="{28A0092B-C50C-407E-A947-70E740481C1C}">
+                    <a14:useLocalDpi xmlns:a14="http://schemas.microsoft.com/office/drawing/2010/main" val="0"/>
+                  </a:ext>
+                </a:extLst>
+              </a:blip>
+              <a:stretch>
+                <a:fillRect/>
+              </a:stretch>
+            </p:blipFill>
+            <p:spPr>
+              <a:xfrm>
+                <a:off x="12717699" y="14920598"/>
+                <a:ext cx="6400800" cy="6400800"/>
+              </a:xfrm>
+              <a:prstGeom prst="rect">
+                <a:avLst/>
+              </a:prstGeom>
+            </p:spPr>
+          </p:pic>
+          <p:sp>
+            <p:nvSpPr>
+              <p:cNvPr id="33" name="TextBox 32"/>
+              <p:cNvSpPr txBox="1"/>
+              <p:nvPr/>
+            </p:nvSpPr>
+            <p:spPr>
+              <a:xfrm>
+                <a:off x="14731823" y="20708510"/>
+                <a:ext cx="2539969" cy="400110"/>
+              </a:xfrm>
+              <a:prstGeom prst="rect">
+                <a:avLst/>
+              </a:prstGeom>
+              <a:noFill/>
+            </p:spPr>
+            <p:txBody>
+              <a:bodyPr wrap="square" rtlCol="0">
+                <a:spAutoFit/>
+              </a:bodyPr>
+              <a:lstStyle/>
+              <a:p>
+                <a:pPr algn="ctr"/>
+                <a:r>
+                  <a:rPr lang="en-US" sz="2000" dirty="0" smtClean="0">
+                    <a:latin typeface="Garamond"/>
+                    <a:cs typeface="Garamond"/>
+                  </a:rPr>
+                  <a:t>Age</a:t>
+                </a:r>
+                <a:endParaRPr lang="en-US" sz="2000" dirty="0">
+                  <a:latin typeface="Garamond"/>
+                  <a:cs typeface="Garamond"/>
+                </a:endParaRPr>
+              </a:p>
+            </p:txBody>
+          </p:sp>
+          <p:sp>
+            <p:nvSpPr>
+              <p:cNvPr id="34" name="TextBox 33"/>
+              <p:cNvSpPr txBox="1"/>
+              <p:nvPr/>
+            </p:nvSpPr>
+            <p:spPr>
+              <a:xfrm rot="16200000">
+                <a:off x="11438614" y="17896048"/>
+                <a:ext cx="3318891" cy="284046"/>
+              </a:xfrm>
+              <a:prstGeom prst="rect">
+                <a:avLst/>
+              </a:prstGeom>
+              <a:noFill/>
+            </p:spPr>
+            <p:txBody>
+              <a:bodyPr wrap="square" rtlCol="0">
+                <a:spAutoFit/>
+              </a:bodyPr>
+              <a:lstStyle/>
+              <a:p>
+                <a:pPr algn="ctr"/>
+                <a:r>
+                  <a:rPr lang="en-US" sz="2000" dirty="0" smtClean="0">
+                    <a:latin typeface="Garamond"/>
+                    <a:cs typeface="Garamond"/>
+                  </a:rPr>
+                  <a:t> Estimated Glomerular </a:t>
+                </a:r>
+                <a:r>
+                  <a:rPr lang="en-US" sz="2000" dirty="0" smtClean="0">
+                    <a:latin typeface="Garamond"/>
+                    <a:cs typeface="Garamond"/>
+                  </a:rPr>
+                  <a:t>Filtration Rate</a:t>
+                </a:r>
+                <a:endParaRPr lang="en-US" sz="2000" dirty="0">
+                  <a:latin typeface="Garamond"/>
+                  <a:cs typeface="Garamond"/>
+                </a:endParaRPr>
+              </a:p>
+            </p:txBody>
+          </p:sp>
+        </p:grpSp>
+        <p:sp>
+          <p:nvSpPr>
+            <p:cNvPr id="37" name="TextBox 36"/>
+            <p:cNvSpPr txBox="1"/>
+            <p:nvPr/>
+          </p:nvSpPr>
+          <p:spPr>
+            <a:xfrm>
+              <a:off x="14542414" y="14747735"/>
+              <a:ext cx="3577824" cy="400110"/>
+            </a:xfrm>
+            <a:prstGeom prst="rect">
+              <a:avLst/>
+            </a:prstGeom>
+            <a:noFill/>
+          </p:spPr>
+          <p:txBody>
+            <a:bodyPr wrap="square" rtlCol="0">
+              <a:spAutoFit/>
+            </a:bodyPr>
+            <a:lstStyle/>
+            <a:p>
+              <a:pPr algn="ctr"/>
+              <a:r>
+                <a:rPr lang="en-US" sz="2000" dirty="0" err="1" smtClean="0">
+                  <a:latin typeface="Garamond"/>
+                  <a:cs typeface="Garamond"/>
+                </a:rPr>
+                <a:t>eGFR</a:t>
+              </a:r>
+              <a:r>
+                <a:rPr lang="en-US" sz="2000" dirty="0" smtClean="0">
+                  <a:latin typeface="Garamond"/>
+                  <a:cs typeface="Garamond"/>
+                </a:rPr>
+                <a:t> and Age</a:t>
+              </a:r>
+              <a:endParaRPr lang="en-US" sz="2000" dirty="0">
+                <a:latin typeface="Garamond"/>
+                <a:cs typeface="Garamond"/>
+              </a:endParaRPr>
+            </a:p>
+          </p:txBody>
+        </p:sp>
+      </p:grpSp>
       <p:sp>
         <p:nvSpPr>
           <p:cNvPr id="21" name="Oval 20"/>
@@ -3569,7 +3754,7 @@
         </p:nvSpPr>
         <p:spPr>
           <a:xfrm>
-            <a:off x="32943962" y="10567917"/>
+            <a:off x="32877118" y="10300561"/>
             <a:ext cx="3991908" cy="3943524"/>
           </a:xfrm>
           <a:prstGeom prst="ellipse">
@@ -3730,9 +3915,9 @@
         <p:grpSpPr>
           <a:xfrm>
             <a:off x="518057" y="5664580"/>
-            <a:ext cx="9709020" cy="28603119"/>
+            <a:ext cx="9709020" cy="27864447"/>
             <a:chOff x="3818935" y="5924582"/>
-            <a:chExt cx="13340121" cy="30254372"/>
+            <a:chExt cx="13340121" cy="29473056"/>
           </a:xfrm>
         </p:grpSpPr>
         <p:sp>
@@ -3743,7 +3928,7 @@
           </p:nvSpPr>
           <p:spPr>
             <a:xfrm>
-              <a:off x="4089947" y="23509314"/>
+              <a:off x="4089947" y="23979497"/>
               <a:ext cx="5354324" cy="3696537"/>
             </a:xfrm>
             <a:prstGeom prst="ellipse">
@@ -3860,7 +4045,7 @@
           <p:spPr>
             <a:xfrm>
               <a:off x="4812729" y="6782290"/>
-              <a:ext cx="12346327" cy="29396664"/>
+              <a:ext cx="12346327" cy="28615348"/>
             </a:xfrm>
             <a:prstGeom prst="rect">
               <a:avLst/>
@@ -3949,7 +4134,70 @@
                   <a:latin typeface="Garamond"/>
                   <a:cs typeface="Garamond"/>
                 </a:rPr>
-                <a:t>Ultimately, we built a logistic regression model that predicts if a patient has CKD based on their current state of health, socioeconomic status, </a:t>
+                <a:t>Ultimately, we built </a:t>
+              </a:r>
+              <a:r>
+                <a:rPr lang="en-US" sz="3600" dirty="0" smtClean="0">
+                  <a:latin typeface="Garamond"/>
+                  <a:cs typeface="Garamond"/>
+                </a:rPr>
+                <a:t>a multiple linear regression </a:t>
+              </a:r>
+              <a:r>
+                <a:rPr lang="en-US" sz="3600" dirty="0">
+                  <a:latin typeface="Garamond"/>
+                  <a:cs typeface="Garamond"/>
+                </a:rPr>
+                <a:t>model that predicts </a:t>
+              </a:r>
+              <a:r>
+                <a:rPr lang="en-US" sz="3600" dirty="0" smtClean="0">
+                  <a:latin typeface="Garamond"/>
+                  <a:cs typeface="Garamond"/>
+                </a:rPr>
+                <a:t>estimated glomerular filtratio</a:t>
+              </a:r>
+              <a:r>
+                <a:rPr lang="en-US" sz="3600" dirty="0" smtClean="0">
+                  <a:latin typeface="Garamond"/>
+                  <a:cs typeface="Garamond"/>
+                </a:rPr>
+                <a:t>n rate </a:t>
+              </a:r>
+              <a:r>
+                <a:rPr lang="en-US" sz="3600" dirty="0" smtClean="0">
+                  <a:latin typeface="Garamond"/>
+                  <a:cs typeface="Garamond"/>
+                </a:rPr>
+                <a:t>based </a:t>
+              </a:r>
+              <a:r>
+                <a:rPr lang="en-US" sz="3600" dirty="0">
+                  <a:latin typeface="Garamond"/>
+                  <a:cs typeface="Garamond"/>
+                </a:rPr>
+                <a:t>on </a:t>
+              </a:r>
+              <a:r>
+                <a:rPr lang="en-US" sz="3600" dirty="0" smtClean="0">
+                  <a:latin typeface="Garamond"/>
+                  <a:cs typeface="Garamond"/>
+                </a:rPr>
+                <a:t>one’s </a:t>
+              </a:r>
+              <a:r>
+                <a:rPr lang="en-US" sz="3600" dirty="0" smtClean="0">
+                  <a:latin typeface="Garamond"/>
+                  <a:cs typeface="Garamond"/>
+                </a:rPr>
+                <a:t>current </a:t>
+              </a:r>
+              <a:r>
+                <a:rPr lang="en-US" sz="3600" dirty="0">
+                  <a:latin typeface="Garamond"/>
+                  <a:cs typeface="Garamond"/>
+                </a:rPr>
+                <a:t>state of health, socioeconomic status, </a:t>
               </a:r>
               <a:r>
                 <a:rPr lang="en-US" sz="3600" dirty="0" smtClean="0">
@@ -4104,7 +4352,21 @@
                   <a:latin typeface="Garamond"/>
                   <a:cs typeface="Garamond"/>
                 </a:rPr>
-                <a:t>‘Survey’ package in R, we were able to account for high variance, a result of the complex survey method used by the CDC, and get a strong sense of what is happening </a:t>
+                <a:t>‘Survey’ package in R, we were able to account </a:t>
+              </a:r>
+              <a:r>
+                <a:rPr lang="en-US" sz="3600" dirty="0" smtClean="0">
+                  <a:latin typeface="Garamond"/>
+                  <a:cs typeface="Garamond"/>
+                </a:rPr>
+                <a:t>for the complex survey design used by the CDC </a:t>
+              </a:r>
+              <a:r>
+                <a:rPr lang="en-US" sz="3600" dirty="0">
+                  <a:latin typeface="Garamond"/>
+                  <a:cs typeface="Garamond"/>
+                </a:rPr>
+                <a:t>and get a strong sense of what is happening </a:t>
               </a:r>
               <a:r>
                 <a:rPr lang="en-US" sz="3600" dirty="0" smtClean="0">
@@ -4402,9 +4664,9 @@
         <p:grpSpPr>
           <a:xfrm>
             <a:off x="12339066" y="25974757"/>
-            <a:ext cx="19211128" cy="7309693"/>
+            <a:ext cx="19211128" cy="6755696"/>
             <a:chOff x="12339066" y="24664621"/>
-            <a:chExt cx="19211128" cy="7309693"/>
+            <a:chExt cx="19211128" cy="6755696"/>
           </a:xfrm>
         </p:grpSpPr>
         <p:sp>
@@ -4416,7 +4678,7 @@
           <p:spPr>
             <a:xfrm>
               <a:off x="12339066" y="24664621"/>
-              <a:ext cx="19211128" cy="7309693"/>
+              <a:ext cx="19211128" cy="6755696"/>
             </a:xfrm>
             <a:prstGeom prst="rect">
               <a:avLst/>
@@ -4465,8 +4727,37 @@
                   <a:latin typeface="Garamond"/>
                   <a:cs typeface="Garamond"/>
                 </a:rPr>
-                <a:t>Logistic Model:</a:t>
+                <a:t>Multiple Linear</a:t>
               </a:r>
+              <a:r>
+                <a:rPr lang="en-US" sz="3600" dirty="0" smtClean="0">
+                  <a:solidFill>
+                    <a:srgbClr val="001B3C"/>
+                  </a:solidFill>
+                  <a:latin typeface="Garamond"/>
+                  <a:cs typeface="Garamond"/>
+                </a:rPr>
+                <a:t> Regression Model</a:t>
+              </a:r>
+              <a:r>
+                <a:rPr lang="en-US" sz="3600" dirty="0" smtClean="0">
+                  <a:solidFill>
+                    <a:srgbClr val="001B3C"/>
+                  </a:solidFill>
+                  <a:latin typeface="Garamond"/>
+                  <a:cs typeface="Garamond"/>
+                </a:rPr>
+                <a:t>:</a:t>
+              </a:r>
+            </a:p>
+            <a:p>
+              <a:endParaRPr lang="en-US" sz="3600" dirty="0" smtClean="0">
+                <a:solidFill>
+                  <a:srgbClr val="001B3C"/>
+                </a:solidFill>
+                <a:latin typeface="Garamond"/>
+                <a:cs typeface="Garamond"/>
+              </a:endParaRPr>
             </a:p>
             <a:p>
               <a:endParaRPr lang="en-US" sz="3600" dirty="0">
@@ -4488,34 +4779,6 @@
                 </a:rPr>
                 <a:t>Error rate:</a:t>
               </a:r>
-            </a:p>
-            <a:p>
-              <a:endParaRPr lang="en-US" sz="3600" dirty="0">
-                <a:solidFill>
-                  <a:srgbClr val="001B3C"/>
-                </a:solidFill>
-                <a:latin typeface="Garamond"/>
-                <a:cs typeface="Garamond"/>
-              </a:endParaRPr>
-            </a:p>
-            <a:p>
-              <a:r>
-                <a:rPr lang="en-US" sz="3600" dirty="0" smtClean="0">
-                  <a:solidFill>
-                    <a:srgbClr val="001B3C"/>
-                  </a:solidFill>
-                  <a:latin typeface="Garamond"/>
-                  <a:cs typeface="Garamond"/>
-                </a:rPr>
-                <a:t>Regression diagnostics:</a:t>
-              </a:r>
-              <a:endParaRPr lang="en-US" sz="3600" dirty="0">
-                <a:solidFill>
-                  <a:srgbClr val="001B3C"/>
-                </a:solidFill>
-                <a:latin typeface="Garamond"/>
-                <a:cs typeface="Garamond"/>
-              </a:endParaRPr>
             </a:p>
             <a:p>
               <a:endParaRPr lang="en-US" sz="4000" dirty="0">
@@ -4595,7 +4858,7 @@
         <p:spPr>
           <a:xfrm>
             <a:off x="33288129" y="6825025"/>
-            <a:ext cx="10274184" cy="29023330"/>
+            <a:ext cx="10274184" cy="32778204"/>
           </a:xfrm>
           <a:prstGeom prst="rect">
             <a:avLst/>
@@ -4635,7 +4898,14 @@
                 <a:latin typeface="Garamond"/>
                 <a:cs typeface="Garamond"/>
               </a:rPr>
-              <a:t>Logistic regression model and final error rate.</a:t>
+              <a:t>Regression model </a:t>
+            </a:r>
+            <a:r>
+              <a:rPr lang="en-US" sz="4000" dirty="0" smtClean="0">
+                <a:latin typeface="Garamond"/>
+                <a:cs typeface="Garamond"/>
+              </a:rPr>
+              <a:t>and final error rate.</a:t>
             </a:r>
           </a:p>
           <a:p>
@@ -4684,7 +4954,14 @@
                 <a:latin typeface="Garamond"/>
                 <a:cs typeface="Garamond"/>
               </a:rPr>
-              <a:t>Recommendations for Further Study</a:t>
+              <a:t>Recommendations </a:t>
+            </a:r>
+            <a:r>
+              <a:rPr lang="en-US" sz="4800" b="1" dirty="0" smtClean="0">
+                <a:latin typeface="Garamond"/>
+                <a:cs typeface="Garamond"/>
+              </a:rPr>
+              <a:t>for Further Study</a:t>
             </a:r>
             <a:endParaRPr lang="en-US" sz="4800" dirty="0">
               <a:latin typeface="Garamond"/>
@@ -4925,7 +5202,599 @@
                 <a:latin typeface="Garamond"/>
                 <a:cs typeface="Garamond"/>
               </a:rPr>
-              <a:t>T. Lumley (2014) "survey: analysis of complex survey samples". R package version 3.30.</a:t>
+              <a:t>T. Lumley (2014) "survey: analysis of complex survey samples". R package version 3.30</a:t>
+            </a:r>
+            <a:r>
+              <a:rPr lang="en-US" sz="2000" dirty="0" smtClean="0">
+                <a:solidFill>
+                  <a:srgbClr val="001B3C"/>
+                </a:solidFill>
+                <a:latin typeface="Garamond"/>
+                <a:cs typeface="Garamond"/>
+              </a:rPr>
+              <a:t>.</a:t>
+            </a:r>
+          </a:p>
+          <a:p>
+            <a:r>
+              <a:rPr lang="en-US" sz="2000" dirty="0">
+                <a:solidFill>
+                  <a:srgbClr val="001B3C"/>
+                </a:solidFill>
+                <a:latin typeface="Garamond"/>
+                <a:cs typeface="Garamond"/>
+              </a:rPr>
+              <a:t>H. Wickham. ggplot2: </a:t>
+            </a:r>
+            <a:r>
+              <a:rPr lang="en-US" sz="2000" dirty="0" smtClean="0">
+                <a:solidFill>
+                  <a:srgbClr val="001B3C"/>
+                </a:solidFill>
+                <a:latin typeface="Garamond"/>
+                <a:cs typeface="Garamond"/>
+              </a:rPr>
+              <a:t>Elegant </a:t>
+            </a:r>
+            <a:r>
+              <a:rPr lang="en-US" sz="2000" dirty="0">
+                <a:solidFill>
+                  <a:srgbClr val="001B3C"/>
+                </a:solidFill>
+                <a:latin typeface="Garamond"/>
+                <a:cs typeface="Garamond"/>
+              </a:rPr>
+              <a:t>Graphics for Data Analysis</a:t>
+            </a:r>
+            <a:r>
+              <a:rPr lang="en-US" sz="2000" dirty="0" smtClean="0">
+                <a:solidFill>
+                  <a:srgbClr val="001B3C"/>
+                </a:solidFill>
+                <a:latin typeface="Garamond"/>
+                <a:cs typeface="Garamond"/>
+              </a:rPr>
+              <a:t>. </a:t>
+            </a:r>
+            <a:r>
+              <a:rPr lang="en-US" sz="2000" dirty="0">
+                <a:solidFill>
+                  <a:srgbClr val="001B3C"/>
+                </a:solidFill>
+                <a:latin typeface="Garamond"/>
+                <a:cs typeface="Garamond"/>
+              </a:rPr>
+              <a:t>Springer-</a:t>
+            </a:r>
+            <a:r>
+              <a:rPr lang="en-US" sz="2000" dirty="0" err="1">
+                <a:solidFill>
+                  <a:srgbClr val="001B3C"/>
+                </a:solidFill>
+                <a:latin typeface="Garamond"/>
+                <a:cs typeface="Garamond"/>
+              </a:rPr>
+              <a:t>Verlag</a:t>
+            </a:r>
+            <a:r>
+              <a:rPr lang="en-US" sz="2000" dirty="0">
+                <a:solidFill>
+                  <a:srgbClr val="001B3C"/>
+                </a:solidFill>
+                <a:latin typeface="Garamond"/>
+                <a:cs typeface="Garamond"/>
+              </a:rPr>
+              <a:t> New York, 2009</a:t>
+            </a:r>
+            <a:r>
+              <a:rPr lang="en-US" sz="2000" dirty="0" smtClean="0">
+                <a:solidFill>
+                  <a:srgbClr val="001B3C"/>
+                </a:solidFill>
+                <a:latin typeface="Garamond"/>
+                <a:cs typeface="Garamond"/>
+              </a:rPr>
+              <a:t>.</a:t>
+            </a:r>
+          </a:p>
+          <a:p>
+            <a:r>
+              <a:rPr lang="en-US" sz="2000" dirty="0" smtClean="0">
+                <a:solidFill>
+                  <a:srgbClr val="001B3C"/>
+                </a:solidFill>
+                <a:latin typeface="Garamond"/>
+                <a:cs typeface="Garamond"/>
+              </a:rPr>
+              <a:t>Heike </a:t>
+            </a:r>
+            <a:r>
+              <a:rPr lang="en-US" sz="2000" dirty="0">
+                <a:solidFill>
+                  <a:srgbClr val="001B3C"/>
+                </a:solidFill>
+                <a:latin typeface="Garamond"/>
+                <a:cs typeface="Garamond"/>
+              </a:rPr>
+              <a:t>Hofmann and Marie </a:t>
+            </a:r>
+            <a:r>
+              <a:rPr lang="en-US" sz="2000" dirty="0" err="1" smtClean="0">
+                <a:solidFill>
+                  <a:srgbClr val="001B3C"/>
+                </a:solidFill>
+                <a:latin typeface="Garamond"/>
+                <a:cs typeface="Garamond"/>
+              </a:rPr>
+              <a:t>Vendettuoli</a:t>
+            </a:r>
+            <a:r>
+              <a:rPr lang="en-US" sz="2000" dirty="0" smtClean="0">
+                <a:solidFill>
+                  <a:srgbClr val="001B3C"/>
+                </a:solidFill>
+                <a:latin typeface="Garamond"/>
+                <a:cs typeface="Garamond"/>
+              </a:rPr>
+              <a:t> (</a:t>
+            </a:r>
+            <a:r>
+              <a:rPr lang="en-US" sz="2000" dirty="0">
+                <a:solidFill>
+                  <a:srgbClr val="001B3C"/>
+                </a:solidFill>
+                <a:latin typeface="Garamond"/>
+                <a:cs typeface="Garamond"/>
+              </a:rPr>
+              <a:t>2015). </a:t>
+            </a:r>
+            <a:r>
+              <a:rPr lang="en-US" sz="2000" dirty="0" err="1">
+                <a:solidFill>
+                  <a:srgbClr val="001B3C"/>
+                </a:solidFill>
+                <a:latin typeface="Garamond"/>
+                <a:cs typeface="Garamond"/>
+              </a:rPr>
+              <a:t>ggparallel</a:t>
+            </a:r>
+            <a:r>
+              <a:rPr lang="en-US" sz="2000" dirty="0">
+                <a:solidFill>
+                  <a:srgbClr val="001B3C"/>
+                </a:solidFill>
+                <a:latin typeface="Garamond"/>
+                <a:cs typeface="Garamond"/>
+              </a:rPr>
+              <a:t>: Variations </a:t>
+            </a:r>
+            <a:r>
+              <a:rPr lang="en-US" sz="2000" dirty="0" smtClean="0">
+                <a:solidFill>
+                  <a:srgbClr val="001B3C"/>
+                </a:solidFill>
+                <a:latin typeface="Garamond"/>
+                <a:cs typeface="Garamond"/>
+              </a:rPr>
+              <a:t>of </a:t>
+            </a:r>
+            <a:r>
+              <a:rPr lang="en-US" sz="2000" dirty="0">
+                <a:solidFill>
+                  <a:srgbClr val="001B3C"/>
+                </a:solidFill>
+                <a:latin typeface="Garamond"/>
+                <a:cs typeface="Garamond"/>
+              </a:rPr>
+              <a:t>Parallel Coordinate Plots </a:t>
+            </a:r>
+            <a:r>
+              <a:rPr lang="en-US" sz="2000" dirty="0" smtClean="0">
+                <a:solidFill>
+                  <a:srgbClr val="001B3C"/>
+                </a:solidFill>
+                <a:latin typeface="Garamond"/>
+                <a:cs typeface="Garamond"/>
+              </a:rPr>
+              <a:t>for 	Categorical </a:t>
+            </a:r>
+            <a:r>
+              <a:rPr lang="en-US" sz="2000" dirty="0">
+                <a:solidFill>
+                  <a:srgbClr val="001B3C"/>
+                </a:solidFill>
+                <a:latin typeface="Garamond"/>
+                <a:cs typeface="Garamond"/>
+              </a:rPr>
+              <a:t>Data. R package </a:t>
+            </a:r>
+            <a:r>
+              <a:rPr lang="en-US" sz="2000" dirty="0" smtClean="0">
+                <a:solidFill>
+                  <a:srgbClr val="001B3C"/>
+                </a:solidFill>
+                <a:latin typeface="Garamond"/>
+                <a:cs typeface="Garamond"/>
+              </a:rPr>
+              <a:t>version 0.1.2.</a:t>
+            </a:r>
+          </a:p>
+          <a:p>
+            <a:r>
+              <a:rPr lang="en-US" sz="2000" dirty="0">
+                <a:solidFill>
+                  <a:srgbClr val="001B3C"/>
+                </a:solidFill>
+                <a:latin typeface="Garamond"/>
+                <a:cs typeface="Garamond"/>
+              </a:rPr>
+              <a:t> Dan Carr, ported by </a:t>
+            </a:r>
+            <a:r>
+              <a:rPr lang="en-US" sz="2000" dirty="0" smtClean="0">
+                <a:solidFill>
+                  <a:srgbClr val="001B3C"/>
+                </a:solidFill>
+                <a:latin typeface="Garamond"/>
+                <a:cs typeface="Garamond"/>
+              </a:rPr>
+              <a:t>Nicholas </a:t>
+            </a:r>
+            <a:r>
+              <a:rPr lang="en-US" sz="2000" dirty="0" err="1" smtClean="0">
+                <a:solidFill>
+                  <a:srgbClr val="001B3C"/>
+                </a:solidFill>
+                <a:latin typeface="Garamond"/>
+                <a:cs typeface="Garamond"/>
+              </a:rPr>
+              <a:t>Lewin</a:t>
+            </a:r>
+            <a:r>
+              <a:rPr lang="en-US" sz="2000" dirty="0" err="1">
+                <a:solidFill>
+                  <a:srgbClr val="001B3C"/>
+                </a:solidFill>
+                <a:latin typeface="Garamond"/>
+                <a:cs typeface="Garamond"/>
+              </a:rPr>
+              <a:t>-Koh</a:t>
+            </a:r>
+            <a:r>
+              <a:rPr lang="en-US" sz="2000" dirty="0">
+                <a:solidFill>
+                  <a:srgbClr val="001B3C"/>
+                </a:solidFill>
+                <a:latin typeface="Garamond"/>
+                <a:cs typeface="Garamond"/>
+              </a:rPr>
+              <a:t>, Martin </a:t>
+            </a:r>
+            <a:r>
+              <a:rPr lang="en-US" sz="2000" dirty="0" err="1">
+                <a:solidFill>
+                  <a:srgbClr val="001B3C"/>
+                </a:solidFill>
+                <a:latin typeface="Garamond"/>
+                <a:cs typeface="Garamond"/>
+              </a:rPr>
+              <a:t>Maechler</a:t>
+            </a:r>
+            <a:r>
+              <a:rPr lang="en-US" sz="2000" dirty="0">
+                <a:solidFill>
+                  <a:srgbClr val="001B3C"/>
+                </a:solidFill>
+                <a:latin typeface="Garamond"/>
+                <a:cs typeface="Garamond"/>
+              </a:rPr>
+              <a:t> </a:t>
+            </a:r>
+            <a:r>
+              <a:rPr lang="en-US" sz="2000" dirty="0" smtClean="0">
+                <a:solidFill>
+                  <a:srgbClr val="001B3C"/>
+                </a:solidFill>
+                <a:latin typeface="Garamond"/>
+                <a:cs typeface="Garamond"/>
+              </a:rPr>
+              <a:t>and contains </a:t>
+            </a:r>
+            <a:r>
+              <a:rPr lang="en-US" sz="2000" dirty="0">
+                <a:solidFill>
+                  <a:srgbClr val="001B3C"/>
+                </a:solidFill>
+                <a:latin typeface="Garamond"/>
+                <a:cs typeface="Garamond"/>
+              </a:rPr>
+              <a:t>copies of lattice functions</a:t>
+            </a:r>
+          </a:p>
+          <a:p>
+            <a:r>
+              <a:rPr lang="en-US" sz="2000" dirty="0">
+                <a:solidFill>
+                  <a:srgbClr val="001B3C"/>
+                </a:solidFill>
+                <a:latin typeface="Garamond"/>
+                <a:cs typeface="Garamond"/>
+              </a:rPr>
+              <a:t> </a:t>
+            </a:r>
+            <a:r>
+              <a:rPr lang="en-US" sz="2000" dirty="0" smtClean="0">
+                <a:solidFill>
+                  <a:srgbClr val="001B3C"/>
+                </a:solidFill>
+                <a:latin typeface="Garamond"/>
+                <a:cs typeface="Garamond"/>
+              </a:rPr>
+              <a:t>	written </a:t>
+            </a:r>
+            <a:r>
+              <a:rPr lang="en-US" sz="2000" dirty="0">
+                <a:solidFill>
+                  <a:srgbClr val="001B3C"/>
+                </a:solidFill>
+                <a:latin typeface="Garamond"/>
+                <a:cs typeface="Garamond"/>
+              </a:rPr>
+              <a:t>by </a:t>
+            </a:r>
+            <a:r>
+              <a:rPr lang="en-US" sz="2000" dirty="0" err="1">
+                <a:solidFill>
+                  <a:srgbClr val="001B3C"/>
+                </a:solidFill>
+                <a:latin typeface="Garamond"/>
+                <a:cs typeface="Garamond"/>
+              </a:rPr>
+              <a:t>Deepayan</a:t>
+            </a:r>
+            <a:r>
+              <a:rPr lang="en-US" sz="2000" dirty="0">
+                <a:solidFill>
+                  <a:srgbClr val="001B3C"/>
+                </a:solidFill>
+                <a:latin typeface="Garamond"/>
+                <a:cs typeface="Garamond"/>
+              </a:rPr>
+              <a:t> </a:t>
+            </a:r>
+            <a:r>
+              <a:rPr lang="en-US" sz="2000" dirty="0" err="1">
+                <a:solidFill>
+                  <a:srgbClr val="001B3C"/>
+                </a:solidFill>
+                <a:latin typeface="Garamond"/>
+                <a:cs typeface="Garamond"/>
+              </a:rPr>
+              <a:t>Sarkar</a:t>
+            </a:r>
+            <a:r>
+              <a:rPr lang="en-US" sz="2000" dirty="0">
+                <a:solidFill>
+                  <a:srgbClr val="001B3C"/>
+                </a:solidFill>
+                <a:latin typeface="Garamond"/>
+                <a:cs typeface="Garamond"/>
+              </a:rPr>
+              <a:t> (2015)</a:t>
+            </a:r>
+            <a:r>
+              <a:rPr lang="en-US" sz="2000" dirty="0" smtClean="0">
+                <a:solidFill>
+                  <a:srgbClr val="001B3C"/>
+                </a:solidFill>
+                <a:latin typeface="Garamond"/>
+                <a:cs typeface="Garamond"/>
+              </a:rPr>
+              <a:t>. </a:t>
+            </a:r>
+            <a:r>
+              <a:rPr lang="en-US" sz="2000" dirty="0" err="1" smtClean="0">
+                <a:solidFill>
+                  <a:srgbClr val="001B3C"/>
+                </a:solidFill>
+                <a:latin typeface="Garamond"/>
+                <a:cs typeface="Garamond"/>
+              </a:rPr>
+              <a:t>hexbin</a:t>
+            </a:r>
+            <a:r>
+              <a:rPr lang="en-US" sz="2000" dirty="0">
+                <a:solidFill>
+                  <a:srgbClr val="001B3C"/>
+                </a:solidFill>
+                <a:latin typeface="Garamond"/>
+                <a:cs typeface="Garamond"/>
+              </a:rPr>
+              <a:t>: Hexagonal Binning </a:t>
+            </a:r>
+            <a:r>
+              <a:rPr lang="en-US" sz="2000" dirty="0" smtClean="0">
+                <a:solidFill>
+                  <a:srgbClr val="001B3C"/>
+                </a:solidFill>
+                <a:latin typeface="Garamond"/>
+                <a:cs typeface="Garamond"/>
+              </a:rPr>
+              <a:t>Routines. R 	package </a:t>
+            </a:r>
+            <a:r>
+              <a:rPr lang="en-US" sz="2000" dirty="0">
+                <a:solidFill>
+                  <a:srgbClr val="001B3C"/>
+                </a:solidFill>
+                <a:latin typeface="Garamond"/>
+                <a:cs typeface="Garamond"/>
+              </a:rPr>
+              <a:t>version 1.27.1</a:t>
+            </a:r>
+            <a:r>
+              <a:rPr lang="en-US" sz="2000" dirty="0" smtClean="0">
+                <a:solidFill>
+                  <a:srgbClr val="001B3C"/>
+                </a:solidFill>
+                <a:latin typeface="Garamond"/>
+                <a:cs typeface="Garamond"/>
+              </a:rPr>
+              <a:t>.</a:t>
+            </a:r>
+          </a:p>
+          <a:p>
+            <a:r>
+              <a:rPr lang="en-US" sz="2000" dirty="0">
+                <a:solidFill>
+                  <a:srgbClr val="001B3C"/>
+                </a:solidFill>
+                <a:latin typeface="Garamond"/>
+                <a:cs typeface="Garamond"/>
+              </a:rPr>
+              <a:t>Hadley Wickham (2007). </a:t>
+            </a:r>
+            <a:r>
+              <a:rPr lang="en-US" sz="2000" dirty="0" smtClean="0">
+                <a:solidFill>
+                  <a:srgbClr val="001B3C"/>
+                </a:solidFill>
+                <a:latin typeface="Garamond"/>
+                <a:cs typeface="Garamond"/>
+              </a:rPr>
+              <a:t>Reshaping Data </a:t>
+            </a:r>
+            <a:r>
+              <a:rPr lang="en-US" sz="2000" dirty="0">
+                <a:solidFill>
+                  <a:srgbClr val="001B3C"/>
+                </a:solidFill>
+                <a:latin typeface="Garamond"/>
+                <a:cs typeface="Garamond"/>
+              </a:rPr>
+              <a:t>with the reshape Package</a:t>
+            </a:r>
+            <a:r>
+              <a:rPr lang="en-US" sz="2000" dirty="0" smtClean="0">
+                <a:solidFill>
+                  <a:srgbClr val="001B3C"/>
+                </a:solidFill>
+                <a:latin typeface="Garamond"/>
+                <a:cs typeface="Garamond"/>
+              </a:rPr>
+              <a:t>. </a:t>
+            </a:r>
+            <a:r>
+              <a:rPr lang="en-US" sz="2000" dirty="0">
+                <a:solidFill>
+                  <a:srgbClr val="001B3C"/>
+                </a:solidFill>
+                <a:latin typeface="Garamond"/>
+                <a:cs typeface="Garamond"/>
+              </a:rPr>
+              <a:t>Journal of Statistical Software</a:t>
+            </a:r>
+            <a:r>
+              <a:rPr lang="en-US" sz="2000" dirty="0" smtClean="0">
+                <a:solidFill>
+                  <a:srgbClr val="001B3C"/>
+                </a:solidFill>
+                <a:latin typeface="Garamond"/>
+                <a:cs typeface="Garamond"/>
+              </a:rPr>
+              <a:t>, 	21</a:t>
+            </a:r>
+            <a:r>
+              <a:rPr lang="en-US" sz="2000" dirty="0">
+                <a:solidFill>
+                  <a:srgbClr val="001B3C"/>
+                </a:solidFill>
+                <a:latin typeface="Garamond"/>
+                <a:cs typeface="Garamond"/>
+              </a:rPr>
+              <a:t>(12), 1-20</a:t>
+            </a:r>
+            <a:r>
+              <a:rPr lang="en-US" sz="2000" dirty="0" smtClean="0">
+                <a:solidFill>
+                  <a:srgbClr val="001B3C"/>
+                </a:solidFill>
+                <a:latin typeface="Garamond"/>
+                <a:cs typeface="Garamond"/>
+              </a:rPr>
+              <a:t>.</a:t>
+            </a:r>
+          </a:p>
+          <a:p>
+            <a:r>
+              <a:rPr lang="en-US" sz="2000" dirty="0">
+                <a:solidFill>
+                  <a:srgbClr val="001B3C"/>
+                </a:solidFill>
+                <a:latin typeface="Garamond"/>
+                <a:cs typeface="Garamond"/>
+              </a:rPr>
+              <a:t> Winston Chang, (2014). </a:t>
+            </a:r>
+            <a:r>
+              <a:rPr lang="en-US" sz="2000" dirty="0" err="1" smtClean="0">
+                <a:solidFill>
+                  <a:srgbClr val="001B3C"/>
+                </a:solidFill>
+                <a:latin typeface="Garamond"/>
+                <a:cs typeface="Garamond"/>
+              </a:rPr>
+              <a:t>Extrafont</a:t>
+            </a:r>
+            <a:r>
+              <a:rPr lang="en-US" sz="2000" dirty="0" smtClean="0">
+                <a:solidFill>
+                  <a:srgbClr val="001B3C"/>
+                </a:solidFill>
+                <a:latin typeface="Garamond"/>
+                <a:cs typeface="Garamond"/>
+              </a:rPr>
+              <a:t>: Tools </a:t>
+            </a:r>
+            <a:r>
+              <a:rPr lang="en-US" sz="2000" dirty="0">
+                <a:solidFill>
+                  <a:srgbClr val="001B3C"/>
+                </a:solidFill>
+                <a:latin typeface="Garamond"/>
+                <a:cs typeface="Garamond"/>
+              </a:rPr>
+              <a:t>for using fonts. R </a:t>
+            </a:r>
+            <a:r>
+              <a:rPr lang="en-US" sz="2000" dirty="0" smtClean="0">
+                <a:solidFill>
+                  <a:srgbClr val="001B3C"/>
+                </a:solidFill>
+                <a:latin typeface="Garamond"/>
+                <a:cs typeface="Garamond"/>
+              </a:rPr>
+              <a:t>package version </a:t>
+            </a:r>
+            <a:r>
+              <a:rPr lang="en-US" sz="2000" dirty="0">
+                <a:solidFill>
+                  <a:srgbClr val="001B3C"/>
+                </a:solidFill>
+                <a:latin typeface="Garamond"/>
+                <a:cs typeface="Garamond"/>
+              </a:rPr>
+              <a:t>0.17</a:t>
+            </a:r>
+            <a:r>
+              <a:rPr lang="en-US" sz="2000" dirty="0" smtClean="0">
+                <a:solidFill>
+                  <a:srgbClr val="001B3C"/>
+                </a:solidFill>
+                <a:latin typeface="Garamond"/>
+                <a:cs typeface="Garamond"/>
+              </a:rPr>
+              <a:t>.</a:t>
             </a:r>
           </a:p>
           <a:p>
@@ -4938,6 +5807,33 @@
             </a:endParaRPr>
           </a:p>
           <a:p>
+            <a:endParaRPr lang="en-US" sz="2000" dirty="0">
+              <a:solidFill>
+                <a:srgbClr val="001B3C"/>
+              </a:solidFill>
+              <a:latin typeface="Garamond"/>
+              <a:cs typeface="Garamond"/>
+            </a:endParaRPr>
+          </a:p>
+          <a:p>
+            <a:endParaRPr lang="en-US" sz="2000" dirty="0" smtClean="0">
+              <a:solidFill>
+                <a:srgbClr val="001B3C"/>
+              </a:solidFill>
+              <a:latin typeface="Garamond"/>
+              <a:cs typeface="Garamond"/>
+            </a:endParaRPr>
+          </a:p>
+          <a:p>
+            <a:endParaRPr lang="en-US" sz="2000" dirty="0">
+              <a:solidFill>
+                <a:srgbClr val="001B3C"/>
+              </a:solidFill>
+              <a:latin typeface="Garamond"/>
+              <a:cs typeface="Garamond"/>
+            </a:endParaRPr>
+          </a:p>
+          <a:p>
             <a:r>
               <a:rPr lang="en-US" sz="2000" dirty="0" smtClean="0">
                 <a:solidFill>
@@ -4984,263 +5880,6 @@
       <p:pic>
         <p:nvPicPr>
           <p:cNvPr id="19" name="Picture 18" descr="Rplot2.jpeg"/>
-          <p:cNvPicPr>
-            <a:picLocks noChangeAspect="1"/>
-          </p:cNvPicPr>
-          <p:nvPr/>
-        </p:nvPicPr>
-        <p:blipFill>
-          <a:blip r:embed="rId3">
-            <a:extLst>
-              <a:ext uri="{28A0092B-C50C-407E-A947-70E740481C1C}">
-                <a14:useLocalDpi xmlns:a14="http://schemas.microsoft.com/office/drawing/2010/main" val="0"/>
-              </a:ext>
-            </a:extLst>
-          </a:blip>
-          <a:stretch>
-            <a:fillRect/>
-          </a:stretch>
-        </p:blipFill>
-        <p:spPr>
-          <a:xfrm>
-            <a:off x="11840596" y="8666207"/>
-            <a:ext cx="12229219" cy="7938516"/>
-          </a:xfrm>
-          <a:prstGeom prst="rect">
-            <a:avLst/>
-          </a:prstGeom>
-        </p:spPr>
-      </p:pic>
-      <p:sp>
-        <p:nvSpPr>
-          <p:cNvPr id="26" name="TextBox 25"/>
-          <p:cNvSpPr txBox="1"/>
-          <p:nvPr/>
-        </p:nvSpPr>
-        <p:spPr>
-          <a:xfrm>
-            <a:off x="12339065" y="20143922"/>
-            <a:ext cx="9615066" cy="3416320"/>
-          </a:xfrm>
-          <a:prstGeom prst="rect">
-            <a:avLst/>
-          </a:prstGeom>
-          <a:noFill/>
-        </p:spPr>
-        <p:txBody>
-          <a:bodyPr wrap="square" rtlCol="0">
-            <a:spAutoFit/>
-          </a:bodyPr>
-          <a:lstStyle/>
-          <a:p>
-            <a:r>
-              <a:rPr lang="en-US" sz="3600" dirty="0" smtClean="0">
-                <a:solidFill>
-                  <a:srgbClr val="001B3C"/>
-                </a:solidFill>
-                <a:latin typeface="Garamond"/>
-                <a:cs typeface="Garamond"/>
-              </a:rPr>
-              <a:t>1. Narrow down variables of interest</a:t>
-            </a:r>
-            <a:endParaRPr lang="en-US" sz="3600" dirty="0">
-              <a:solidFill>
-                <a:srgbClr val="001B3C"/>
-              </a:solidFill>
-              <a:latin typeface="Garamond"/>
-              <a:cs typeface="Garamond"/>
-            </a:endParaRPr>
-          </a:p>
-          <a:p>
-            <a:r>
-              <a:rPr lang="en-US" sz="3600" dirty="0">
-                <a:solidFill>
-                  <a:srgbClr val="001B3C"/>
-                </a:solidFill>
-                <a:latin typeface="Garamond"/>
-                <a:cs typeface="Garamond"/>
-              </a:rPr>
-              <a:t>through literature review, </a:t>
-            </a:r>
-          </a:p>
-          <a:p>
-            <a:r>
-              <a:rPr lang="en-US" sz="3600" dirty="0">
-                <a:solidFill>
-                  <a:srgbClr val="001B3C"/>
-                </a:solidFill>
-                <a:latin typeface="Garamond"/>
-                <a:cs typeface="Garamond"/>
-              </a:rPr>
-              <a:t>visualizations</a:t>
-            </a:r>
-            <a:r>
-              <a:rPr lang="en-US" sz="3600" dirty="0" smtClean="0">
-                <a:solidFill>
-                  <a:srgbClr val="001B3C"/>
-                </a:solidFill>
-                <a:latin typeface="Garamond"/>
-                <a:cs typeface="Garamond"/>
-              </a:rPr>
-              <a:t>, and chi</a:t>
-            </a:r>
-            <a:r>
-              <a:rPr lang="en-US" sz="3600" dirty="0">
-                <a:solidFill>
-                  <a:srgbClr val="001B3C"/>
-                </a:solidFill>
-                <a:latin typeface="Garamond"/>
-                <a:cs typeface="Garamond"/>
-              </a:rPr>
-              <a:t>-squared </a:t>
-            </a:r>
-            <a:r>
-              <a:rPr lang="en-US" sz="3600" dirty="0" smtClean="0">
-                <a:solidFill>
-                  <a:srgbClr val="001B3C"/>
-                </a:solidFill>
-                <a:latin typeface="Garamond"/>
-                <a:cs typeface="Garamond"/>
-              </a:rPr>
-              <a:t>tests. Discard some variables due to a high number of missing values and the inability to determine what the different categorical levels meant (e.g. self reported strokes). </a:t>
-            </a:r>
-            <a:endParaRPr lang="en-US" sz="3600" dirty="0">
-              <a:solidFill>
-                <a:srgbClr val="001B3C"/>
-              </a:solidFill>
-              <a:latin typeface="Garamond"/>
-              <a:cs typeface="Garamond"/>
-            </a:endParaRPr>
-          </a:p>
-        </p:txBody>
-      </p:sp>
-      <p:sp>
-        <p:nvSpPr>
-          <p:cNvPr id="28" name="TextBox 27"/>
-          <p:cNvSpPr txBox="1"/>
-          <p:nvPr/>
-        </p:nvSpPr>
-        <p:spPr>
-          <a:xfrm>
-            <a:off x="12005962" y="7856136"/>
-            <a:ext cx="8483896" cy="707886"/>
-          </a:xfrm>
-          <a:prstGeom prst="rect">
-            <a:avLst/>
-          </a:prstGeom>
-          <a:noFill/>
-        </p:spPr>
-        <p:txBody>
-          <a:bodyPr wrap="square" rtlCol="0">
-            <a:spAutoFit/>
-          </a:bodyPr>
-          <a:lstStyle/>
-          <a:p>
-            <a:pPr algn="ctr"/>
-            <a:r>
-              <a:rPr lang="en-US" sz="2000" dirty="0" smtClean="0">
-                <a:latin typeface="Garamond"/>
-                <a:cs typeface="Garamond"/>
-              </a:rPr>
-              <a:t>Parallel sets visualization used to understand relationships between categorical variables in multivariate datasets</a:t>
-            </a:r>
-            <a:endParaRPr lang="en-US" sz="2000" dirty="0">
-              <a:latin typeface="Garamond"/>
-              <a:cs typeface="Garamond"/>
-            </a:endParaRPr>
-          </a:p>
-        </p:txBody>
-      </p:sp>
-      <p:sp>
-        <p:nvSpPr>
-          <p:cNvPr id="29" name="TextBox 28"/>
-          <p:cNvSpPr txBox="1"/>
-          <p:nvPr/>
-        </p:nvSpPr>
-        <p:spPr>
-          <a:xfrm>
-            <a:off x="21879510" y="20112796"/>
-            <a:ext cx="8866022" cy="6740307"/>
-          </a:xfrm>
-          <a:prstGeom prst="rect">
-            <a:avLst/>
-          </a:prstGeom>
-          <a:noFill/>
-        </p:spPr>
-        <p:txBody>
-          <a:bodyPr wrap="square" rtlCol="0">
-            <a:spAutoFit/>
-          </a:bodyPr>
-          <a:lstStyle/>
-          <a:p>
-            <a:r>
-              <a:rPr lang="en-US" sz="3600" dirty="0" smtClean="0">
-                <a:latin typeface="Garamond"/>
-                <a:cs typeface="Garamond"/>
-              </a:rPr>
-              <a:t>3. Perform 5-fold cross validation to find the most accurate logistic regression model for predicting CKD (as a binary response variable and as continuous, </a:t>
-            </a:r>
-            <a:r>
-              <a:rPr lang="en-US" sz="3600" dirty="0" err="1" smtClean="0">
-                <a:latin typeface="Garamond"/>
-                <a:cs typeface="Garamond"/>
-              </a:rPr>
-              <a:t>eGFR</a:t>
-            </a:r>
-            <a:r>
-              <a:rPr lang="en-US" sz="3600" dirty="0" smtClean="0">
-                <a:latin typeface="Garamond"/>
-                <a:cs typeface="Garamond"/>
-              </a:rPr>
-              <a:t> filtration rate)</a:t>
-            </a:r>
-          </a:p>
-          <a:p>
-            <a:endParaRPr lang="en-US" sz="3600" dirty="0" smtClean="0">
-              <a:latin typeface="Garamond"/>
-              <a:cs typeface="Garamond"/>
-            </a:endParaRPr>
-          </a:p>
-          <a:p>
-            <a:r>
-              <a:rPr lang="en-US" sz="3600" dirty="0" smtClean="0">
-                <a:latin typeface="Garamond"/>
-                <a:cs typeface="Garamond"/>
-              </a:rPr>
-              <a:t>Maintain </a:t>
-            </a:r>
-            <a:r>
-              <a:rPr lang="en-US" sz="3600" dirty="0" smtClean="0">
-                <a:latin typeface="Garamond"/>
-                <a:cs typeface="Garamond"/>
-              </a:rPr>
-              <a:t>consistency throughout the cross validation by manually adjusting for the weight of each observation.</a:t>
-            </a:r>
-          </a:p>
-          <a:p>
-            <a:endParaRPr lang="en-US" sz="3600" dirty="0">
-              <a:latin typeface="Garamond"/>
-              <a:cs typeface="Garamond"/>
-            </a:endParaRPr>
-          </a:p>
-          <a:p>
-            <a:r>
-              <a:rPr lang="en-US" sz="3600" dirty="0" smtClean="0">
-                <a:latin typeface="Garamond"/>
-                <a:cs typeface="Garamond"/>
-              </a:rPr>
-              <a:t>Penalize errors on higher-weight observations by weighting errors on specific PSUs by corresponding survey weight</a:t>
-            </a:r>
-            <a:endParaRPr lang="en-US" sz="3600" dirty="0">
-              <a:latin typeface="Garamond"/>
-              <a:cs typeface="Garamond"/>
-            </a:endParaRPr>
-          </a:p>
-        </p:txBody>
-      </p:sp>
-      <p:pic>
-        <p:nvPicPr>
-          <p:cNvPr id="30" name="Picture 29" descr="Rplot3.jpg"/>
           <p:cNvPicPr>
             <a:picLocks noChangeAspect="1"/>
           </p:cNvPicPr>
@@ -5260,28 +5899,24 @@
         </p:blipFill>
         <p:spPr>
           <a:xfrm>
-            <a:off x="24298059" y="8294441"/>
-            <a:ext cx="6751208" cy="5975612"/>
+            <a:off x="20115884" y="8052136"/>
+            <a:ext cx="11736397" cy="7618604"/>
           </a:xfrm>
           <a:prstGeom prst="rect">
             <a:avLst/>
           </a:prstGeom>
-          <a:noFill/>
-          <a:ln w="63500">
-            <a:noFill/>
-          </a:ln>
         </p:spPr>
       </p:pic>
       <p:sp>
         <p:nvSpPr>
-          <p:cNvPr id="31" name="TextBox 30"/>
+          <p:cNvPr id="26" name="TextBox 25"/>
           <p:cNvSpPr txBox="1"/>
           <p:nvPr/>
         </p:nvSpPr>
         <p:spPr>
           <a:xfrm>
-            <a:off x="25118826" y="14411067"/>
-            <a:ext cx="5109674" cy="1015663"/>
+            <a:off x="12339066" y="7882369"/>
+            <a:ext cx="7342383" cy="6801863"/>
           </a:xfrm>
           <a:prstGeom prst="rect">
             <a:avLst/>
@@ -5294,45 +5929,159 @@
           </a:bodyPr>
           <a:lstStyle/>
           <a:p>
-            <a:pPr algn="ctr"/>
-            <a:r>
-              <a:rPr lang="en-US" sz="2000" dirty="0" smtClean="0">
-                <a:latin typeface="Garamond"/>
-                <a:cs typeface="Garamond"/>
-              </a:rPr>
-              <a:t>Using hexagonal binning, this </a:t>
-            </a:r>
-            <a:r>
-              <a:rPr lang="en-US" sz="2000" smtClean="0">
-                <a:latin typeface="Garamond"/>
-                <a:cs typeface="Garamond"/>
-              </a:rPr>
-              <a:t>scatter plot demonstrates </a:t>
-            </a:r>
-            <a:r>
-              <a:rPr lang="en-US" sz="2000" dirty="0" smtClean="0">
-                <a:latin typeface="Garamond"/>
-                <a:cs typeface="Garamond"/>
-              </a:rPr>
-              <a:t>strong linear relationship between age and estimated glomerular filtration rate</a:t>
-            </a:r>
-            <a:endParaRPr lang="en-US" sz="2000" dirty="0">
+            <a:r>
+              <a:rPr lang="en-US" sz="3600" b="1" dirty="0" smtClean="0">
+                <a:solidFill>
+                  <a:srgbClr val="001B3C"/>
+                </a:solidFill>
+                <a:latin typeface="Garamond"/>
+                <a:cs typeface="Garamond"/>
+              </a:rPr>
+              <a:t>1</a:t>
+            </a:r>
+            <a:r>
+              <a:rPr lang="en-US" sz="3600" dirty="0" smtClean="0">
+                <a:solidFill>
+                  <a:srgbClr val="001B3C"/>
+                </a:solidFill>
+                <a:latin typeface="Garamond"/>
+                <a:cs typeface="Garamond"/>
+              </a:rPr>
+              <a:t>. Narrow down variables of interest</a:t>
+            </a:r>
+            <a:endParaRPr lang="en-US" sz="3600" dirty="0">
+              <a:solidFill>
+                <a:srgbClr val="001B3C"/>
+              </a:solidFill>
               <a:latin typeface="Garamond"/>
               <a:cs typeface="Garamond"/>
             </a:endParaRPr>
           </a:p>
-        </p:txBody>
-      </p:sp>
-      <p:sp>
-        <p:nvSpPr>
-          <p:cNvPr id="32" name="TextBox 31"/>
+          <a:p>
+            <a:r>
+              <a:rPr lang="en-US" sz="3600" dirty="0">
+                <a:solidFill>
+                  <a:srgbClr val="001B3C"/>
+                </a:solidFill>
+                <a:latin typeface="Garamond"/>
+                <a:cs typeface="Garamond"/>
+              </a:rPr>
+              <a:t>through literature review, </a:t>
+            </a:r>
+          </a:p>
+          <a:p>
+            <a:r>
+              <a:rPr lang="en-US" sz="3600" dirty="0">
+                <a:solidFill>
+                  <a:srgbClr val="001B3C"/>
+                </a:solidFill>
+                <a:latin typeface="Garamond"/>
+                <a:cs typeface="Garamond"/>
+              </a:rPr>
+              <a:t>visualizations</a:t>
+            </a:r>
+            <a:r>
+              <a:rPr lang="en-US" sz="3600" dirty="0" smtClean="0">
+                <a:solidFill>
+                  <a:srgbClr val="001B3C"/>
+                </a:solidFill>
+                <a:latin typeface="Garamond"/>
+                <a:cs typeface="Garamond"/>
+              </a:rPr>
+              <a:t>, and chi</a:t>
+            </a:r>
+            <a:r>
+              <a:rPr lang="en-US" sz="3600" dirty="0">
+                <a:solidFill>
+                  <a:srgbClr val="001B3C"/>
+                </a:solidFill>
+                <a:latin typeface="Garamond"/>
+                <a:cs typeface="Garamond"/>
+              </a:rPr>
+              <a:t>-squared </a:t>
+            </a:r>
+            <a:r>
+              <a:rPr lang="en-US" sz="3600" dirty="0" smtClean="0">
+                <a:solidFill>
+                  <a:srgbClr val="001B3C"/>
+                </a:solidFill>
+                <a:latin typeface="Garamond"/>
+                <a:cs typeface="Garamond"/>
+              </a:rPr>
+              <a:t>tests. </a:t>
+            </a:r>
+          </a:p>
+          <a:p>
+            <a:endParaRPr lang="en-US" sz="2000" dirty="0">
+              <a:solidFill>
+                <a:srgbClr val="001B3C"/>
+              </a:solidFill>
+              <a:latin typeface="Garamond"/>
+              <a:cs typeface="Garamond"/>
+            </a:endParaRPr>
+          </a:p>
+          <a:p>
+            <a:r>
+              <a:rPr lang="en-US" sz="3600" dirty="0" smtClean="0">
+                <a:solidFill>
+                  <a:srgbClr val="001B3C"/>
+                </a:solidFill>
+                <a:latin typeface="Garamond"/>
+                <a:cs typeface="Garamond"/>
+              </a:rPr>
+              <a:t>Discard some variables due to a high number of missing values and the inability to determine what the different categorical levels meant (e.g. self reported strokes). </a:t>
+            </a:r>
+          </a:p>
+          <a:p>
+            <a:endParaRPr lang="en-US" sz="2000" dirty="0">
+              <a:solidFill>
+                <a:srgbClr val="001B3C"/>
+              </a:solidFill>
+              <a:latin typeface="Garamond"/>
+              <a:cs typeface="Garamond"/>
+            </a:endParaRPr>
+          </a:p>
+          <a:p>
+            <a:r>
+              <a:rPr lang="en-US" sz="3600" dirty="0" smtClean="0">
+                <a:solidFill>
+                  <a:srgbClr val="001B3C"/>
+                </a:solidFill>
+                <a:latin typeface="Garamond"/>
+                <a:cs typeface="Garamond"/>
+              </a:rPr>
+              <a:t>Subset the data so that only those older than 18 are </a:t>
+            </a:r>
+            <a:r>
+              <a:rPr lang="en-US" sz="3600" dirty="0" smtClean="0">
+                <a:solidFill>
+                  <a:srgbClr val="001B3C"/>
+                </a:solidFill>
+                <a:latin typeface="Garamond"/>
+                <a:cs typeface="Garamond"/>
+              </a:rPr>
+              <a:t>included and transform age into a categorical variable.</a:t>
+            </a:r>
+            <a:endParaRPr lang="en-US" sz="3600" dirty="0">
+              <a:solidFill>
+                <a:srgbClr val="001B3C"/>
+              </a:solidFill>
+              <a:latin typeface="Garamond"/>
+              <a:cs typeface="Garamond"/>
+            </a:endParaRPr>
+          </a:p>
+        </p:txBody>
+      </p:sp>
+      <p:sp>
+        <p:nvSpPr>
+          <p:cNvPr id="28" name="TextBox 27"/>
           <p:cNvSpPr txBox="1"/>
           <p:nvPr/>
         </p:nvSpPr>
         <p:spPr>
           <a:xfrm>
-            <a:off x="12339065" y="23800629"/>
-            <a:ext cx="9251430" cy="2308324"/>
+            <a:off x="21141241" y="15670740"/>
+            <a:ext cx="8483896" cy="707886"/>
           </a:xfrm>
           <a:prstGeom prst="rect">
             <a:avLst/>
@@ -5345,129 +6094,273 @@
           </a:bodyPr>
           <a:lstStyle/>
           <a:p>
-            <a:r>
-              <a:rPr lang="en-US" sz="3600" dirty="0">
-                <a:solidFill>
-                  <a:srgbClr val="001B3C"/>
-                </a:solidFill>
-                <a:latin typeface="Garamond" charset="0"/>
-                <a:ea typeface="Garamond" charset="0"/>
-                <a:cs typeface="Garamond" charset="0"/>
-              </a:rPr>
-              <a:t>2</a:t>
-            </a:r>
-            <a:r>
-              <a:rPr lang="en-US" sz="3600" dirty="0" smtClean="0">
-                <a:solidFill>
-                  <a:srgbClr val="001B3C"/>
-                </a:solidFill>
-                <a:latin typeface="Garamond" charset="0"/>
-                <a:ea typeface="Garamond" charset="0"/>
-                <a:cs typeface="Garamond" charset="0"/>
-              </a:rPr>
-              <a:t>. </a:t>
-            </a:r>
-            <a:r>
-              <a:rPr lang="en-US" sz="3600" dirty="0" smtClean="0">
-                <a:solidFill>
-                  <a:srgbClr val="001B3C"/>
-                </a:solidFill>
-                <a:latin typeface="Garamond"/>
-                <a:cs typeface="Garamond"/>
-              </a:rPr>
-              <a:t>Use backward </a:t>
-            </a:r>
-            <a:r>
-              <a:rPr lang="en-US" sz="3600" dirty="0">
-                <a:solidFill>
-                  <a:srgbClr val="001B3C"/>
-                </a:solidFill>
-                <a:latin typeface="Garamond"/>
-                <a:cs typeface="Garamond"/>
-              </a:rPr>
-              <a:t>selection to get models with the lowest </a:t>
-            </a:r>
-            <a:r>
-              <a:rPr lang="en-US" sz="3600" dirty="0" smtClean="0">
-                <a:solidFill>
-                  <a:srgbClr val="001B3C"/>
-                </a:solidFill>
-                <a:latin typeface="Garamond"/>
-                <a:cs typeface="Garamond"/>
-              </a:rPr>
-              <a:t>BIC measurements. Adjust the initial set of variables after finding that some were never significant.</a:t>
-            </a:r>
-            <a:endParaRPr lang="en-US" sz="3600" dirty="0"/>
-          </a:p>
-        </p:txBody>
-      </p:sp>
-      <p:pic>
-        <p:nvPicPr>
-          <p:cNvPr id="33" name="Picture 4" descr="https://vpcomm.umich.edu/assets/brand/downloads/other-logos/BlockM-rball.png"/>
-          <p:cNvPicPr>
-            <a:picLocks noChangeAspect="1" noChangeArrowheads="1"/>
-          </p:cNvPicPr>
+            <a:pPr algn="ctr"/>
+            <a:r>
+              <a:rPr lang="en-US" sz="2000" dirty="0" smtClean="0">
+                <a:latin typeface="Garamond"/>
+                <a:cs typeface="Garamond"/>
+              </a:rPr>
+              <a:t>Parallel sets visualization used to understand relationships between categorical variables in multivariate datasets</a:t>
+            </a:r>
+            <a:endParaRPr lang="en-US" sz="2000" dirty="0">
+              <a:latin typeface="Garamond"/>
+              <a:cs typeface="Garamond"/>
+            </a:endParaRPr>
+          </a:p>
+        </p:txBody>
+      </p:sp>
+      <p:sp>
+        <p:nvSpPr>
+          <p:cNvPr id="29" name="TextBox 28"/>
+          <p:cNvSpPr txBox="1"/>
           <p:nvPr/>
-        </p:nvPicPr>
-        <p:blipFill>
-          <a:blip r:embed="rId5">
-            <a:extLst>
-              <a:ext uri="{28A0092B-C50C-407E-A947-70E740481C1C}">
-                <a14:useLocalDpi xmlns:a14="http://schemas.microsoft.com/office/drawing/2010/main" val="0"/>
-              </a:ext>
-            </a:extLst>
-          </a:blip>
-          <a:srcRect/>
-          <a:stretch>
-            <a:fillRect/>
-          </a:stretch>
-        </p:blipFill>
-        <p:spPr bwMode="auto">
+        </p:nvSpPr>
+        <p:spPr>
           <a:xfrm>
-            <a:off x="40143203" y="2370455"/>
-            <a:ext cx="2710050" cy="1829865"/>
-          </a:xfrm>
-          <a:prstGeom prst="rect">
-            <a:avLst/>
-          </a:prstGeom>
-          <a:noFill/>
-          <a:extLst>
-            <a:ext uri="{909E8E84-426E-40dd-AFC4-6F175D3DCCD1}">
-              <a14:hiddenFill xmlns="" xmlns:a14="http://schemas.microsoft.com/office/drawing/2010/main">
-                <a:solidFill>
-                  <a:srgbClr val="FFFFFF"/>
-                </a:solidFill>
-              </a14:hiddenFill>
-            </a:ext>
-          </a:extLst>
-        </p:spPr>
-      </p:pic>
-      <p:pic>
-        <p:nvPicPr>
-          <p:cNvPr id="34" name="Picture 576" descr="E:\ZZZ_poster\ASHG_2010\UM_Logo.png"/>
-          <p:cNvPicPr>
-            <a:picLocks noChangeAspect="1" noChangeArrowheads="1"/>
-          </p:cNvPicPr>
-          <p:nvPr/>
-        </p:nvPicPr>
-        <p:blipFill>
-          <a:blip r:embed="rId6"/>
-          <a:srcRect/>
-          <a:stretch>
-            <a:fillRect/>
-          </a:stretch>
-        </p:blipFill>
-        <p:spPr bwMode="auto">
-          <a:xfrm>
-            <a:off x="40057400" y="4298499"/>
-            <a:ext cx="2779713" cy="332261"/>
+            <a:off x="21564596" y="16713429"/>
+            <a:ext cx="8392877" cy="6801863"/>
           </a:xfrm>
           <a:prstGeom prst="rect">
             <a:avLst/>
           </a:prstGeom>
           <a:noFill/>
         </p:spPr>
-      </p:pic>
+        <p:txBody>
+          <a:bodyPr wrap="square" rtlCol="0">
+            <a:spAutoFit/>
+          </a:bodyPr>
+          <a:lstStyle/>
+          <a:p>
+            <a:r>
+              <a:rPr lang="en-US" sz="3600" b="1" dirty="0" smtClean="0">
+                <a:latin typeface="Garamond"/>
+                <a:cs typeface="Garamond"/>
+              </a:rPr>
+              <a:t>3. </a:t>
+            </a:r>
+            <a:r>
+              <a:rPr lang="en-US" sz="3600" dirty="0" smtClean="0">
+                <a:latin typeface="Garamond"/>
+                <a:cs typeface="Garamond"/>
+              </a:rPr>
+              <a:t>Perform 5-fold cross validation to find the most accurate </a:t>
+            </a:r>
+            <a:r>
+              <a:rPr lang="en-US" sz="3600" dirty="0" smtClean="0">
+                <a:latin typeface="Garamond"/>
+                <a:cs typeface="Garamond"/>
+              </a:rPr>
+              <a:t>multiple linear</a:t>
+            </a:r>
+            <a:r>
+              <a:rPr lang="en-US" sz="3600" dirty="0" smtClean="0">
+                <a:latin typeface="Garamond"/>
+                <a:cs typeface="Garamond"/>
+              </a:rPr>
+              <a:t> </a:t>
+            </a:r>
+            <a:r>
+              <a:rPr lang="en-US" sz="3600" dirty="0" smtClean="0">
+                <a:latin typeface="Garamond"/>
+                <a:cs typeface="Garamond"/>
+              </a:rPr>
+              <a:t>regression model for predicting </a:t>
+            </a:r>
+            <a:r>
+              <a:rPr lang="en-US" sz="3600" dirty="0" smtClean="0">
+                <a:latin typeface="Garamond"/>
+                <a:cs typeface="Garamond"/>
+              </a:rPr>
+              <a:t>glomerular filtration rate (measurement for determining if someone has CKD).</a:t>
+            </a:r>
+            <a:endParaRPr lang="en-US" sz="3600" dirty="0" smtClean="0">
+              <a:latin typeface="Garamond"/>
+              <a:cs typeface="Garamond"/>
+            </a:endParaRPr>
+          </a:p>
+          <a:p>
+            <a:endParaRPr lang="en-US" sz="2000" dirty="0" smtClean="0">
+              <a:latin typeface="Garamond"/>
+              <a:cs typeface="Garamond"/>
+            </a:endParaRPr>
+          </a:p>
+          <a:p>
+            <a:r>
+              <a:rPr lang="en-US" sz="3600" dirty="0" smtClean="0">
+                <a:latin typeface="Garamond"/>
+                <a:cs typeface="Garamond"/>
+              </a:rPr>
+              <a:t>Maintain consistency throughout the cross validation by manually adjusting for the weight of each observation.</a:t>
+            </a:r>
+          </a:p>
+          <a:p>
+            <a:endParaRPr lang="en-US" sz="2000" dirty="0">
+              <a:latin typeface="Garamond"/>
+              <a:cs typeface="Garamond"/>
+            </a:endParaRPr>
+          </a:p>
+          <a:p>
+            <a:r>
+              <a:rPr lang="en-US" sz="3600" dirty="0" smtClean="0">
+                <a:latin typeface="Garamond"/>
+                <a:cs typeface="Garamond"/>
+              </a:rPr>
+              <a:t>Penalize errors on higher-weight observations by weighting errors on specific PSUs by corresponding survey weight.</a:t>
+            </a:r>
+            <a:endParaRPr lang="en-US" sz="3600" dirty="0">
+              <a:latin typeface="Garamond"/>
+              <a:cs typeface="Garamond"/>
+            </a:endParaRPr>
+          </a:p>
+        </p:txBody>
+      </p:sp>
+      <p:sp>
+        <p:nvSpPr>
+          <p:cNvPr id="31" name="TextBox 30"/>
+          <p:cNvSpPr txBox="1"/>
+          <p:nvPr/>
+        </p:nvSpPr>
+        <p:spPr>
+          <a:xfrm>
+            <a:off x="12339066" y="22153196"/>
+            <a:ext cx="7776818" cy="707886"/>
+          </a:xfrm>
+          <a:prstGeom prst="rect">
+            <a:avLst/>
+          </a:prstGeom>
+          <a:noFill/>
+        </p:spPr>
+        <p:txBody>
+          <a:bodyPr wrap="square" rtlCol="0">
+            <a:spAutoFit/>
+          </a:bodyPr>
+          <a:lstStyle/>
+          <a:p>
+            <a:pPr algn="ctr"/>
+            <a:r>
+              <a:rPr lang="en-US" sz="2000" dirty="0" smtClean="0">
+                <a:latin typeface="Garamond"/>
+                <a:cs typeface="Garamond"/>
+              </a:rPr>
+              <a:t>Using hexagonal binning, this scatter plot demonstrates strong a linear relationship between age and estimated glomerular filtration rate</a:t>
+            </a:r>
+            <a:endParaRPr lang="en-US" sz="2000" dirty="0">
+              <a:latin typeface="Garamond"/>
+              <a:cs typeface="Garamond"/>
+            </a:endParaRPr>
+          </a:p>
+        </p:txBody>
+      </p:sp>
+      <p:sp>
+        <p:nvSpPr>
+          <p:cNvPr id="32" name="TextBox 31"/>
+          <p:cNvSpPr txBox="1"/>
+          <p:nvPr/>
+        </p:nvSpPr>
+        <p:spPr>
+          <a:xfrm>
+            <a:off x="12339065" y="23221772"/>
+            <a:ext cx="8382461" cy="2616101"/>
+          </a:xfrm>
+          <a:prstGeom prst="rect">
+            <a:avLst/>
+          </a:prstGeom>
+          <a:noFill/>
+        </p:spPr>
+        <p:txBody>
+          <a:bodyPr wrap="square" rtlCol="0">
+            <a:spAutoFit/>
+          </a:bodyPr>
+          <a:lstStyle/>
+          <a:p>
+            <a:r>
+              <a:rPr lang="en-US" sz="3600" b="1" dirty="0">
+                <a:solidFill>
+                  <a:srgbClr val="001B3C"/>
+                </a:solidFill>
+                <a:latin typeface="Garamond" charset="0"/>
+                <a:ea typeface="Garamond" charset="0"/>
+                <a:cs typeface="Garamond" charset="0"/>
+              </a:rPr>
+              <a:t>2</a:t>
+            </a:r>
+            <a:r>
+              <a:rPr lang="en-US" sz="3600" b="1" dirty="0" smtClean="0">
+                <a:solidFill>
+                  <a:srgbClr val="001B3C"/>
+                </a:solidFill>
+                <a:latin typeface="Garamond" charset="0"/>
+                <a:ea typeface="Garamond" charset="0"/>
+                <a:cs typeface="Garamond" charset="0"/>
+              </a:rPr>
+              <a:t>.</a:t>
+            </a:r>
+            <a:r>
+              <a:rPr lang="en-US" sz="3600" dirty="0" smtClean="0">
+                <a:solidFill>
+                  <a:srgbClr val="001B3C"/>
+                </a:solidFill>
+                <a:latin typeface="Garamond" charset="0"/>
+                <a:ea typeface="Garamond" charset="0"/>
+                <a:cs typeface="Garamond" charset="0"/>
+              </a:rPr>
+              <a:t> </a:t>
+            </a:r>
+            <a:r>
+              <a:rPr lang="en-US" sz="3600" dirty="0" smtClean="0">
+                <a:solidFill>
+                  <a:srgbClr val="001B3C"/>
+                </a:solidFill>
+                <a:latin typeface="Garamond"/>
+                <a:cs typeface="Garamond"/>
+              </a:rPr>
+              <a:t>Use backward </a:t>
+            </a:r>
+            <a:r>
+              <a:rPr lang="en-US" sz="3600" dirty="0">
+                <a:solidFill>
+                  <a:srgbClr val="001B3C"/>
+                </a:solidFill>
+                <a:latin typeface="Garamond"/>
+                <a:cs typeface="Garamond"/>
+              </a:rPr>
+              <a:t>selection to get models with the lowest </a:t>
+            </a:r>
+            <a:r>
+              <a:rPr lang="en-US" sz="3600" dirty="0" smtClean="0">
+                <a:solidFill>
+                  <a:srgbClr val="001B3C"/>
+                </a:solidFill>
+                <a:latin typeface="Garamond"/>
+                <a:cs typeface="Garamond"/>
+              </a:rPr>
+              <a:t>BIC measurements.</a:t>
+            </a:r>
+          </a:p>
+          <a:p>
+            <a:endParaRPr lang="en-US" sz="2000" dirty="0">
+              <a:solidFill>
+                <a:srgbClr val="001B3C"/>
+              </a:solidFill>
+              <a:latin typeface="Garamond"/>
+              <a:cs typeface="Garamond"/>
+            </a:endParaRPr>
+          </a:p>
+          <a:p>
+            <a:r>
+              <a:rPr lang="en-US" sz="3600" dirty="0" smtClean="0">
+                <a:solidFill>
+                  <a:srgbClr val="001B3C"/>
+                </a:solidFill>
+                <a:latin typeface="Garamond"/>
+                <a:cs typeface="Garamond"/>
+              </a:rPr>
+              <a:t>Adjust the initial set of variables after finding that some were never significant.</a:t>
+            </a:r>
+            <a:endParaRPr lang="en-US" sz="3600" dirty="0"/>
+          </a:p>
+        </p:txBody>
+      </p:sp>
       <p:cxnSp>
         <p:nvCxnSpPr>
           <p:cNvPr id="35" name="Straight Connector 34"/>
@@ -5476,7 +6369,7 @@
         </p:nvCxnSpPr>
         <p:spPr>
           <a:xfrm>
-            <a:off x="33247689" y="24766226"/>
+            <a:off x="33288129" y="26771408"/>
             <a:ext cx="9605564" cy="0"/>
           </a:xfrm>
           <a:prstGeom prst="line">
@@ -5521,7 +6414,7 @@
         </p:nvCxnSpPr>
         <p:spPr>
           <a:xfrm>
-            <a:off x="33231549" y="29173330"/>
+            <a:off x="33231549" y="31245351"/>
             <a:ext cx="9605564" cy="0"/>
           </a:xfrm>
           <a:prstGeom prst="line">
@@ -5560,14 +6453,14 @@
       </p:cxnSp>
       <p:pic>
         <p:nvPicPr>
-          <p:cNvPr id="7" name="Picture 6" descr="Rplot.proportions.jpeg"/>
+          <p:cNvPr id="7" name="Picture 6" descr="2color-transparentbg.png"/>
           <p:cNvPicPr>
             <a:picLocks noChangeAspect="1"/>
           </p:cNvPicPr>
           <p:nvPr/>
         </p:nvPicPr>
         <p:blipFill>
-          <a:blip r:embed="rId7">
+          <a:blip r:embed="rId5">
             <a:extLst>
               <a:ext uri="{28A0092B-C50C-407E-A947-70E740481C1C}">
                 <a14:useLocalDpi xmlns:a14="http://schemas.microsoft.com/office/drawing/2010/main" val="0"/>
@@ -5580,8 +6473,38 @@
         </p:blipFill>
         <p:spPr>
           <a:xfrm>
-            <a:off x="715301" y="15747038"/>
-            <a:ext cx="10776032" cy="5872869"/>
+            <a:off x="40143203" y="1747212"/>
+            <a:ext cx="2921201" cy="3189952"/>
+          </a:xfrm>
+          <a:prstGeom prst="rect">
+            <a:avLst/>
+          </a:prstGeom>
+        </p:spPr>
+      </p:pic>
+      <p:pic>
+        <p:nvPicPr>
+          <p:cNvPr id="9" name="Picture 8" descr="plot.jpeg"/>
+          <p:cNvPicPr>
+            <a:picLocks noChangeAspect="1"/>
+          </p:cNvPicPr>
+          <p:nvPr/>
+        </p:nvPicPr>
+        <p:blipFill>
+          <a:blip r:embed="rId6">
+            <a:extLst>
+              <a:ext uri="{28A0092B-C50C-407E-A947-70E740481C1C}">
+                <a14:useLocalDpi xmlns:a14="http://schemas.microsoft.com/office/drawing/2010/main" val="0"/>
+              </a:ext>
+            </a:extLst>
+          </a:blip>
+          <a:stretch>
+            <a:fillRect/>
+          </a:stretch>
+        </p:blipFill>
+        <p:spPr>
+          <a:xfrm>
+            <a:off x="1241346" y="16045124"/>
+            <a:ext cx="8788400" cy="6019800"/>
           </a:xfrm>
           <a:prstGeom prst="rect">
             <a:avLst/>
@@ -5601,7 +6524,7 @@
   <p:timing>
     <p:tnLst>
       <p:par>
-        <p:cTn id="1" dur="indefinite" restart="never" nodeType="tmRoot"/>
+        <p:cTn xmlns:p14="http://schemas.microsoft.com/office/powerpoint/2010/main" id="1" dur="indefinite" restart="never" nodeType="tmRoot"/>
       </p:par>
     </p:tnLst>
   </p:timing>

--- a/poster updated.pptx
+++ b/poster updated.pptx
@@ -109,7 +109,7 @@
   </p:defaultTextStyle>
   <p:extLst>
     <p:ext uri="{EFAFB233-063F-42B5-8137-9DF3F51BA10A}">
-      <p15:sldGuideLst xmlns="" xmlns:p15="http://schemas.microsoft.com/office/powerpoint/2012/main">
+      <p15:sldGuideLst xmlns:p15="http://schemas.microsoft.com/office/powerpoint/2012/main" xmlns="">
         <p15:guide id="1" orient="horz" pos="10368">
           <p15:clr>
             <a:srgbClr val="A4A3A4"/>
@@ -3561,6 +3561,122 @@
           <a:chExt cx="0" cy="0"/>
         </a:xfrm>
       </p:grpSpPr>
+      <p:sp>
+        <p:nvSpPr>
+          <p:cNvPr id="39" name="Oval 38"/>
+          <p:cNvSpPr/>
+          <p:nvPr/>
+        </p:nvSpPr>
+        <p:spPr>
+          <a:xfrm>
+            <a:off x="260354" y="5480597"/>
+            <a:ext cx="3791376" cy="3803406"/>
+          </a:xfrm>
+          <a:prstGeom prst="ellipse">
+            <a:avLst/>
+          </a:prstGeom>
+          <a:gradFill flip="none" rotWithShape="1">
+            <a:gsLst>
+              <a:gs pos="0">
+                <a:srgbClr val="FFC400">
+                  <a:alpha val="58000"/>
+                </a:srgbClr>
+              </a:gs>
+              <a:gs pos="100000">
+                <a:srgbClr val="FFFFFF"/>
+              </a:gs>
+            </a:gsLst>
+            <a:path path="circle">
+              <a:fillToRect l="100000" t="100000"/>
+            </a:path>
+            <a:tileRect r="-100000" b="-100000"/>
+          </a:gradFill>
+          <a:ln>
+            <a:noFill/>
+          </a:ln>
+          <a:effectLst/>
+        </p:spPr>
+        <p:style>
+          <a:lnRef idx="1">
+            <a:schemeClr val="accent1"/>
+          </a:lnRef>
+          <a:fillRef idx="3">
+            <a:schemeClr val="accent1"/>
+          </a:fillRef>
+          <a:effectRef idx="2">
+            <a:schemeClr val="accent1"/>
+          </a:effectRef>
+          <a:fontRef idx="minor">
+            <a:schemeClr val="lt1"/>
+          </a:fontRef>
+        </p:style>
+        <p:txBody>
+          <a:bodyPr rtlCol="0" anchor="ctr"/>
+          <a:lstStyle/>
+          <a:p>
+            <a:pPr algn="ctr"/>
+            <a:endParaRPr lang="es-ES_tradnl"/>
+          </a:p>
+        </p:txBody>
+      </p:sp>
+      <p:sp>
+        <p:nvSpPr>
+          <p:cNvPr id="38" name="Oval 37"/>
+          <p:cNvSpPr/>
+          <p:nvPr/>
+        </p:nvSpPr>
+        <p:spPr>
+          <a:xfrm>
+            <a:off x="803248" y="22171351"/>
+            <a:ext cx="3791376" cy="3803406"/>
+          </a:xfrm>
+          <a:prstGeom prst="ellipse">
+            <a:avLst/>
+          </a:prstGeom>
+          <a:gradFill flip="none" rotWithShape="1">
+            <a:gsLst>
+              <a:gs pos="0">
+                <a:srgbClr val="FFC400">
+                  <a:alpha val="58000"/>
+                </a:srgbClr>
+              </a:gs>
+              <a:gs pos="100000">
+                <a:srgbClr val="FFFFFF"/>
+              </a:gs>
+            </a:gsLst>
+            <a:path path="circle">
+              <a:fillToRect l="100000" t="100000"/>
+            </a:path>
+            <a:tileRect r="-100000" b="-100000"/>
+          </a:gradFill>
+          <a:ln>
+            <a:noFill/>
+          </a:ln>
+          <a:effectLst/>
+        </p:spPr>
+        <p:style>
+          <a:lnRef idx="1">
+            <a:schemeClr val="accent1"/>
+          </a:lnRef>
+          <a:fillRef idx="3">
+            <a:schemeClr val="accent1"/>
+          </a:fillRef>
+          <a:effectRef idx="2">
+            <a:schemeClr val="accent1"/>
+          </a:effectRef>
+          <a:fontRef idx="minor">
+            <a:schemeClr val="lt1"/>
+          </a:fontRef>
+        </p:style>
+        <p:txBody>
+          <a:bodyPr rtlCol="0" anchor="ctr"/>
+          <a:lstStyle/>
+          <a:p>
+            <a:pPr algn="ctr"/>
+            <a:endParaRPr lang="es-ES_tradnl"/>
+          </a:p>
+        </p:txBody>
+      </p:sp>
       <p:grpSp>
         <p:nvGrpSpPr>
           <p:cNvPr id="2" name="Group 1"/>
@@ -3684,14 +3800,7 @@
                     <a:latin typeface="Garamond"/>
                     <a:cs typeface="Garamond"/>
                   </a:rPr>
-                  <a:t> Estimated Glomerular </a:t>
-                </a:r>
-                <a:r>
-                  <a:rPr lang="en-US" sz="2000" dirty="0" smtClean="0">
-                    <a:latin typeface="Garamond"/>
-                    <a:cs typeface="Garamond"/>
-                  </a:rPr>
-                  <a:t>Filtration Rate</a:t>
+                  <a:t> Estimated Glomerular Filtration Rate</a:t>
                 </a:r>
                 <a:endParaRPr lang="en-US" sz="2000" dirty="0">
                   <a:latin typeface="Garamond"/>
@@ -3748,71 +3857,13 @@
       </p:grpSp>
       <p:sp>
         <p:nvSpPr>
-          <p:cNvPr id="21" name="Oval 20"/>
-          <p:cNvSpPr/>
-          <p:nvPr/>
-        </p:nvSpPr>
-        <p:spPr>
-          <a:xfrm>
-            <a:off x="32877118" y="10300561"/>
-            <a:ext cx="3991908" cy="3943524"/>
-          </a:xfrm>
-          <a:prstGeom prst="ellipse">
-            <a:avLst/>
-          </a:prstGeom>
-          <a:gradFill flip="none" rotWithShape="1">
-            <a:gsLst>
-              <a:gs pos="0">
-                <a:srgbClr val="FFC400">
-                  <a:alpha val="58000"/>
-                </a:srgbClr>
-              </a:gs>
-              <a:gs pos="100000">
-                <a:srgbClr val="FFFFFF"/>
-              </a:gs>
-            </a:gsLst>
-            <a:path path="circle">
-              <a:fillToRect l="100000" t="100000"/>
-            </a:path>
-            <a:tileRect r="-100000" b="-100000"/>
-          </a:gradFill>
-          <a:ln>
-            <a:noFill/>
-          </a:ln>
-          <a:effectLst/>
-        </p:spPr>
-        <p:style>
-          <a:lnRef idx="1">
-            <a:schemeClr val="accent1"/>
-          </a:lnRef>
-          <a:fillRef idx="3">
-            <a:schemeClr val="accent1"/>
-          </a:fillRef>
-          <a:effectRef idx="2">
-            <a:schemeClr val="accent1"/>
-          </a:effectRef>
-          <a:fontRef idx="minor">
-            <a:schemeClr val="lt1"/>
-          </a:fontRef>
-        </p:style>
-        <p:txBody>
-          <a:bodyPr rtlCol="0" anchor="ctr"/>
-          <a:lstStyle/>
-          <a:p>
-            <a:pPr algn="ctr"/>
-            <a:endParaRPr lang="es-ES_tradnl"/>
-          </a:p>
-        </p:txBody>
-      </p:sp>
-      <p:sp>
-        <p:nvSpPr>
           <p:cNvPr id="20" name="Oval 19"/>
           <p:cNvSpPr/>
           <p:nvPr/>
         </p:nvSpPr>
         <p:spPr>
           <a:xfrm>
-            <a:off x="32905781" y="5353591"/>
+            <a:off x="32651801" y="5607603"/>
             <a:ext cx="3791376" cy="3803406"/>
           </a:xfrm>
           <a:prstGeom prst="ellipse">
@@ -3906,512 +3957,354 @@
           </a:p>
         </p:txBody>
       </p:sp>
-      <p:grpSp>
-        <p:nvGrpSpPr>
-          <p:cNvPr id="12" name="Group 11"/>
-          <p:cNvGrpSpPr/>
+      <p:sp>
+        <p:nvSpPr>
+          <p:cNvPr id="8" name="TextBox 7"/>
+          <p:cNvSpPr txBox="1"/>
           <p:nvPr/>
-        </p:nvGrpSpPr>
-        <p:grpSpPr>
+        </p:nvSpPr>
+        <p:spPr>
           <a:xfrm>
-            <a:off x="518057" y="5664580"/>
-            <a:ext cx="9709020" cy="27864447"/>
-            <a:chOff x="3818935" y="5924582"/>
-            <a:chExt cx="13340121" cy="29473056"/>
+            <a:off x="1368336" y="6792990"/>
+            <a:ext cx="8985731" cy="26314888"/>
           </a:xfrm>
-        </p:grpSpPr>
-        <p:sp>
-          <p:nvSpPr>
-            <p:cNvPr id="11" name="Oval 10"/>
-            <p:cNvSpPr/>
-            <p:nvPr/>
-          </p:nvSpPr>
-          <p:spPr>
-            <a:xfrm>
-              <a:off x="4089947" y="23979497"/>
-              <a:ext cx="5354324" cy="3696537"/>
-            </a:xfrm>
-            <a:prstGeom prst="ellipse">
-              <a:avLst/>
-            </a:prstGeom>
-            <a:gradFill flip="none" rotWithShape="1">
-              <a:gsLst>
-                <a:gs pos="0">
-                  <a:srgbClr val="FFC400">
-                    <a:alpha val="58000"/>
-                  </a:srgbClr>
-                </a:gs>
-                <a:gs pos="100000">
-                  <a:srgbClr val="FFFFFF"/>
-                </a:gs>
-              </a:gsLst>
-              <a:path path="circle">
-                <a:fillToRect l="100000" t="100000"/>
-              </a:path>
-              <a:tileRect r="-100000" b="-100000"/>
-            </a:gradFill>
-            <a:ln>
-              <a:noFill/>
-            </a:ln>
-            <a:effectLst/>
-          </p:spPr>
-          <p:style>
-            <a:lnRef idx="1">
-              <a:schemeClr val="accent1"/>
-            </a:lnRef>
-            <a:fillRef idx="3">
-              <a:schemeClr val="accent1"/>
-            </a:fillRef>
-            <a:effectRef idx="2">
-              <a:schemeClr val="accent1"/>
-            </a:effectRef>
-            <a:fontRef idx="minor">
-              <a:schemeClr val="lt1"/>
-            </a:fontRef>
-          </p:style>
-          <p:txBody>
-            <a:bodyPr rtlCol="0" anchor="ctr"/>
-            <a:lstStyle/>
-            <a:p>
-              <a:pPr algn="ctr"/>
-              <a:endParaRPr lang="es-ES_tradnl"/>
-            </a:p>
-          </p:txBody>
-        </p:sp>
-        <p:sp>
-          <p:nvSpPr>
-            <p:cNvPr id="10" name="Oval 9"/>
-            <p:cNvSpPr/>
-            <p:nvPr/>
-          </p:nvSpPr>
-          <p:spPr>
-            <a:xfrm>
-              <a:off x="3818935" y="5924582"/>
-              <a:ext cx="4077464" cy="2940933"/>
-            </a:xfrm>
-            <a:prstGeom prst="ellipse">
-              <a:avLst/>
-            </a:prstGeom>
-            <a:gradFill flip="none" rotWithShape="1">
-              <a:gsLst>
-                <a:gs pos="0">
-                  <a:srgbClr val="FFC400">
-                    <a:alpha val="58000"/>
-                  </a:srgbClr>
-                </a:gs>
-                <a:gs pos="100000">
-                  <a:srgbClr val="FFFFFF"/>
-                </a:gs>
-              </a:gsLst>
-              <a:path path="circle">
-                <a:fillToRect l="100000" t="100000"/>
-              </a:path>
-              <a:tileRect r="-100000" b="-100000"/>
-            </a:gradFill>
-            <a:ln>
-              <a:noFill/>
-            </a:ln>
-            <a:effectLst/>
-          </p:spPr>
-          <p:style>
-            <a:lnRef idx="1">
-              <a:schemeClr val="accent1"/>
-            </a:lnRef>
-            <a:fillRef idx="3">
-              <a:schemeClr val="accent1"/>
-            </a:fillRef>
-            <a:effectRef idx="2">
-              <a:schemeClr val="accent1"/>
-            </a:effectRef>
-            <a:fontRef idx="minor">
-              <a:schemeClr val="lt1"/>
-            </a:fontRef>
-          </p:style>
-          <p:txBody>
-            <a:bodyPr rtlCol="0" anchor="ctr"/>
-            <a:lstStyle/>
-            <a:p>
-              <a:pPr algn="ctr"/>
-              <a:endParaRPr lang="es-ES_tradnl"/>
-            </a:p>
-          </p:txBody>
-        </p:sp>
-        <p:sp>
-          <p:nvSpPr>
-            <p:cNvPr id="8" name="TextBox 7"/>
-            <p:cNvSpPr txBox="1"/>
-            <p:nvPr/>
-          </p:nvSpPr>
-          <p:spPr>
-            <a:xfrm>
-              <a:off x="4812729" y="6782290"/>
-              <a:ext cx="12346327" cy="28615348"/>
-            </a:xfrm>
-            <a:prstGeom prst="rect">
-              <a:avLst/>
-            </a:prstGeom>
-            <a:noFill/>
-          </p:spPr>
-          <p:txBody>
-            <a:bodyPr wrap="square" rtlCol="0">
-              <a:spAutoFit/>
-            </a:bodyPr>
-            <a:lstStyle/>
-            <a:p>
-              <a:r>
-                <a:rPr lang="en-US" sz="4800" b="1" dirty="0">
-                  <a:latin typeface="Garamond"/>
-                  <a:cs typeface="Garamond"/>
-                </a:rPr>
-                <a:t>CKD</a:t>
-              </a:r>
-              <a:endParaRPr lang="en-US" sz="4800" dirty="0">
-                <a:latin typeface="Garamond"/>
-                <a:cs typeface="Garamond"/>
-              </a:endParaRPr>
-            </a:p>
-            <a:p>
-              <a:r>
-                <a:rPr lang="en-US" sz="4000" dirty="0">
-                  <a:latin typeface="Garamond"/>
-                  <a:cs typeface="Garamond"/>
-                </a:rPr>
-                <a:t> </a:t>
-              </a:r>
-            </a:p>
-            <a:p>
-              <a:r>
-                <a:rPr lang="en-US" sz="3600" b="1" dirty="0">
-                  <a:latin typeface="Garamond"/>
-                  <a:cs typeface="Garamond"/>
-                </a:rPr>
-                <a:t>Chronic kidney disease</a:t>
-              </a:r>
-              <a:r>
-                <a:rPr lang="en-US" sz="3600" dirty="0">
-                  <a:latin typeface="Garamond"/>
-                  <a:cs typeface="Garamond"/>
-                </a:rPr>
-                <a:t>, or </a:t>
-              </a:r>
-              <a:r>
-                <a:rPr lang="en-US" sz="3600" b="1" dirty="0">
-                  <a:latin typeface="Garamond"/>
-                  <a:cs typeface="Garamond"/>
-                </a:rPr>
-                <a:t>CKD</a:t>
-              </a:r>
-              <a:r>
-                <a:rPr lang="en-US" sz="3600" dirty="0">
-                  <a:latin typeface="Garamond"/>
-                  <a:cs typeface="Garamond"/>
-                </a:rPr>
-                <a:t>, </a:t>
-              </a:r>
-              <a:r>
-                <a:rPr lang="en-US" sz="3600" dirty="0" smtClean="0">
-                  <a:latin typeface="Garamond"/>
-                  <a:cs typeface="Garamond"/>
-                </a:rPr>
-                <a:t>is an emergent epidemic in the United States. While ESRD (end-stage CKD) patients make up less than 1% of Medicare patients, ESRD expenditures total in the billions (approx. 7% of total Medicare spending). With the goal of identifying cofactors for this costly disease that greatly decreases quality of life, our research </a:t>
-              </a:r>
-              <a:r>
-                <a:rPr lang="en-US" sz="3600" dirty="0">
-                  <a:latin typeface="Garamond"/>
-                  <a:cs typeface="Garamond"/>
-                </a:rPr>
-                <a:t>focuses on the association between CKD and </a:t>
-              </a:r>
-              <a:r>
-                <a:rPr lang="en-US" sz="3600" dirty="0" smtClean="0">
-                  <a:latin typeface="Garamond"/>
-                  <a:cs typeface="Garamond"/>
-                </a:rPr>
-                <a:t>other health data. </a:t>
-              </a:r>
-              <a:r>
-                <a:rPr lang="en-US" sz="3600" dirty="0">
-                  <a:latin typeface="Garamond"/>
-                  <a:cs typeface="Garamond"/>
-                </a:rPr>
-                <a:t>Ultimately, we built </a:t>
-              </a:r>
-              <a:r>
-                <a:rPr lang="en-US" sz="3600" dirty="0" smtClean="0">
-                  <a:latin typeface="Garamond"/>
-                  <a:cs typeface="Garamond"/>
-                </a:rPr>
-                <a:t>a multiple linear regression </a:t>
-              </a:r>
-              <a:r>
-                <a:rPr lang="en-US" sz="3600" dirty="0">
-                  <a:latin typeface="Garamond"/>
-                  <a:cs typeface="Garamond"/>
-                </a:rPr>
-                <a:t>model that predicts </a:t>
-              </a:r>
-              <a:r>
-                <a:rPr lang="en-US" sz="3600" dirty="0" smtClean="0">
-                  <a:latin typeface="Garamond"/>
-                  <a:cs typeface="Garamond"/>
-                </a:rPr>
-                <a:t>estimated glomerular filtratio</a:t>
-              </a:r>
-              <a:r>
-                <a:rPr lang="en-US" sz="3600" dirty="0" smtClean="0">
-                  <a:latin typeface="Garamond"/>
-                  <a:cs typeface="Garamond"/>
-                </a:rPr>
-                <a:t>n rate </a:t>
-              </a:r>
-              <a:r>
-                <a:rPr lang="en-US" sz="3600" dirty="0" smtClean="0">
-                  <a:latin typeface="Garamond"/>
-                  <a:cs typeface="Garamond"/>
-                </a:rPr>
-                <a:t>based </a:t>
-              </a:r>
-              <a:r>
-                <a:rPr lang="en-US" sz="3600" dirty="0">
-                  <a:latin typeface="Garamond"/>
-                  <a:cs typeface="Garamond"/>
-                </a:rPr>
-                <a:t>on </a:t>
-              </a:r>
-              <a:r>
-                <a:rPr lang="en-US" sz="3600" dirty="0" smtClean="0">
-                  <a:latin typeface="Garamond"/>
-                  <a:cs typeface="Garamond"/>
-                </a:rPr>
-                <a:t>one’s </a:t>
-              </a:r>
-              <a:r>
-                <a:rPr lang="en-US" sz="3600" dirty="0" smtClean="0">
-                  <a:latin typeface="Garamond"/>
-                  <a:cs typeface="Garamond"/>
-                </a:rPr>
-                <a:t>current </a:t>
-              </a:r>
-              <a:r>
-                <a:rPr lang="en-US" sz="3600" dirty="0">
-                  <a:latin typeface="Garamond"/>
-                  <a:cs typeface="Garamond"/>
-                </a:rPr>
-                <a:t>state of health, socioeconomic status, </a:t>
-              </a:r>
-              <a:r>
-                <a:rPr lang="en-US" sz="3600" dirty="0" smtClean="0">
-                  <a:latin typeface="Garamond"/>
-                  <a:cs typeface="Garamond"/>
-                </a:rPr>
-                <a:t>and demographic.</a:t>
-              </a:r>
-            </a:p>
-            <a:p>
-              <a:endParaRPr lang="en-US" sz="4000" dirty="0">
-                <a:latin typeface="Garamond"/>
-                <a:cs typeface="Garamond"/>
-              </a:endParaRPr>
-            </a:p>
-            <a:p>
-              <a:r>
-                <a:rPr lang="en-US" sz="4000" dirty="0">
-                  <a:latin typeface="Garamond"/>
-                  <a:cs typeface="Garamond"/>
-                </a:rPr>
-                <a:t> </a:t>
-              </a:r>
-            </a:p>
-            <a:p>
-              <a:endParaRPr lang="en-US" sz="4800" b="1" dirty="0" smtClean="0">
-                <a:latin typeface="Garamond"/>
-                <a:cs typeface="Garamond"/>
-              </a:endParaRPr>
-            </a:p>
-            <a:p>
-              <a:endParaRPr lang="en-US" sz="4800" b="1" dirty="0">
-                <a:latin typeface="Garamond"/>
-                <a:cs typeface="Garamond"/>
-              </a:endParaRPr>
-            </a:p>
-            <a:p>
-              <a:endParaRPr lang="en-US" sz="4800" b="1" dirty="0" smtClean="0">
-                <a:latin typeface="Garamond"/>
-                <a:cs typeface="Garamond"/>
-              </a:endParaRPr>
-            </a:p>
-            <a:p>
-              <a:endParaRPr lang="en-US" sz="4800" b="1" dirty="0">
-                <a:latin typeface="Garamond"/>
-                <a:cs typeface="Garamond"/>
-              </a:endParaRPr>
-            </a:p>
-            <a:p>
-              <a:endParaRPr lang="en-US" sz="4800" b="1" dirty="0" smtClean="0">
-                <a:latin typeface="Garamond"/>
-                <a:cs typeface="Garamond"/>
-              </a:endParaRPr>
-            </a:p>
-            <a:p>
-              <a:endParaRPr lang="en-US" sz="4800" b="1" dirty="0">
-                <a:latin typeface="Garamond"/>
-                <a:cs typeface="Garamond"/>
-              </a:endParaRPr>
-            </a:p>
-            <a:p>
-              <a:endParaRPr lang="en-US" sz="4800" b="1" dirty="0" smtClean="0">
-                <a:latin typeface="Garamond"/>
-                <a:cs typeface="Garamond"/>
-              </a:endParaRPr>
-            </a:p>
-            <a:p>
-              <a:endParaRPr lang="en-US" sz="4800" b="1" dirty="0" smtClean="0">
-                <a:latin typeface="Garamond"/>
-                <a:cs typeface="Garamond"/>
-              </a:endParaRPr>
-            </a:p>
-            <a:p>
-              <a:endParaRPr lang="en-US" sz="4800" b="1" dirty="0">
-                <a:latin typeface="Garamond"/>
-                <a:cs typeface="Garamond"/>
-              </a:endParaRPr>
-            </a:p>
-            <a:p>
-              <a:endParaRPr lang="en-US" sz="4800" b="1" dirty="0" smtClean="0">
-                <a:latin typeface="Garamond"/>
-                <a:cs typeface="Garamond"/>
-              </a:endParaRPr>
-            </a:p>
-            <a:p>
-              <a:r>
-                <a:rPr lang="en-US" sz="4800" b="1" dirty="0" smtClean="0">
-                  <a:latin typeface="Garamond"/>
-                  <a:cs typeface="Garamond"/>
-                </a:rPr>
-                <a:t>NHANES</a:t>
-              </a:r>
-              <a:endParaRPr lang="en-US" sz="4800" dirty="0">
-                <a:latin typeface="Garamond"/>
-                <a:cs typeface="Garamond"/>
-              </a:endParaRPr>
-            </a:p>
-            <a:p>
-              <a:r>
-                <a:rPr lang="en-US" sz="4000" dirty="0">
-                  <a:latin typeface="Garamond"/>
-                  <a:cs typeface="Garamond"/>
-                </a:rPr>
-                <a:t> </a:t>
-              </a:r>
-            </a:p>
-            <a:p>
-              <a:r>
-                <a:rPr lang="en-US" sz="3600" dirty="0">
-                  <a:latin typeface="Garamond"/>
-                  <a:cs typeface="Garamond"/>
-                </a:rPr>
-                <a:t>The data for this study comes from the </a:t>
-              </a:r>
-              <a:r>
-                <a:rPr lang="en-US" sz="3600" b="1" dirty="0">
-                  <a:latin typeface="Garamond"/>
-                  <a:cs typeface="Garamond"/>
-                </a:rPr>
-                <a:t>National Health and Nutrition Examination Survey</a:t>
-              </a:r>
-              <a:r>
-                <a:rPr lang="en-US" sz="3600" dirty="0">
-                  <a:latin typeface="Garamond"/>
-                  <a:cs typeface="Garamond"/>
-                </a:rPr>
-                <a:t> conducted by the CDC every year. Each survey cycle consists of two years and attempts to obtain a representative sample of the United States’ population. </a:t>
-              </a:r>
-              <a:r>
-                <a:rPr lang="en-US" sz="3600" dirty="0" smtClean="0">
-                  <a:latin typeface="Garamond"/>
-                  <a:cs typeface="Garamond"/>
-                </a:rPr>
-                <a:t>Our </a:t>
-              </a:r>
-              <a:r>
-                <a:rPr lang="en-US" sz="3600" dirty="0">
-                  <a:latin typeface="Garamond"/>
-                  <a:cs typeface="Garamond"/>
-                </a:rPr>
-                <a:t>dataset has 78,518 observations, contains 100 different variables, and spans 14 years (2001-2014). </a:t>
-              </a:r>
-              <a:r>
-                <a:rPr lang="en-US" sz="3600" dirty="0" smtClean="0">
-                  <a:latin typeface="Garamond"/>
-                  <a:cs typeface="Garamond"/>
-                </a:rPr>
-                <a:t>Using the </a:t>
-              </a:r>
-              <a:r>
-                <a:rPr lang="en-US" sz="3600" dirty="0">
-                  <a:latin typeface="Garamond"/>
-                  <a:cs typeface="Garamond"/>
-                </a:rPr>
-                <a:t>‘Survey’ package in R, we were able to account </a:t>
-              </a:r>
-              <a:r>
-                <a:rPr lang="en-US" sz="3600" dirty="0" smtClean="0">
-                  <a:latin typeface="Garamond"/>
-                  <a:cs typeface="Garamond"/>
-                </a:rPr>
-                <a:t>for the complex survey design used by the CDC </a:t>
-              </a:r>
-              <a:r>
-                <a:rPr lang="en-US" sz="3600" dirty="0">
-                  <a:latin typeface="Garamond"/>
-                  <a:cs typeface="Garamond"/>
-                </a:rPr>
-                <a:t>and get a strong sense of what is happening </a:t>
-              </a:r>
-              <a:r>
-                <a:rPr lang="en-US" sz="3600" dirty="0" smtClean="0">
-                  <a:latin typeface="Garamond"/>
-                  <a:cs typeface="Garamond"/>
-                </a:rPr>
-                <a:t>among roughly </a:t>
-              </a:r>
-              <a:r>
-                <a:rPr lang="en-US" sz="3600" dirty="0">
-                  <a:latin typeface="Garamond"/>
-                  <a:cs typeface="Garamond"/>
-                </a:rPr>
-                <a:t>320 million people</a:t>
-              </a:r>
-              <a:r>
-                <a:rPr lang="en-US" sz="3600" dirty="0" smtClean="0">
-                  <a:latin typeface="Garamond"/>
-                  <a:cs typeface="Garamond"/>
-                </a:rPr>
-                <a:t>.</a:t>
-              </a:r>
-              <a:endParaRPr lang="en-US" sz="3600" dirty="0">
-                <a:latin typeface="Garamond"/>
-                <a:cs typeface="Garamond"/>
-              </a:endParaRPr>
-            </a:p>
-            <a:p>
-              <a:r>
-                <a:rPr lang="en-US" sz="4000" dirty="0">
-                  <a:latin typeface="Garamond"/>
-                  <a:cs typeface="Garamond"/>
-                </a:rPr>
-                <a:t> </a:t>
-              </a:r>
-            </a:p>
-            <a:p>
-              <a:endParaRPr lang="es-ES_tradnl" sz="4000" dirty="0">
-                <a:latin typeface="Garamond"/>
-                <a:cs typeface="Garamond"/>
-              </a:endParaRPr>
-            </a:p>
-          </p:txBody>
-        </p:sp>
-      </p:grpSp>
+          <a:prstGeom prst="rect">
+            <a:avLst/>
+          </a:prstGeom>
+          <a:noFill/>
+        </p:spPr>
+        <p:txBody>
+          <a:bodyPr wrap="square" rtlCol="0">
+            <a:spAutoFit/>
+          </a:bodyPr>
+          <a:lstStyle/>
+          <a:p>
+            <a:r>
+              <a:rPr lang="en-US" sz="4800" b="1" smtClean="0">
+                <a:latin typeface="Garamond"/>
+                <a:cs typeface="Garamond"/>
+              </a:rPr>
+              <a:t>CKD</a:t>
+            </a:r>
+            <a:endParaRPr lang="en-US" sz="4800" dirty="0">
+              <a:latin typeface="Garamond"/>
+              <a:cs typeface="Garamond"/>
+            </a:endParaRPr>
+          </a:p>
+          <a:p>
+            <a:r>
+              <a:rPr lang="en-US" sz="4000" dirty="0">
+                <a:latin typeface="Garamond"/>
+                <a:cs typeface="Garamond"/>
+              </a:rPr>
+              <a:t> </a:t>
+            </a:r>
+          </a:p>
+          <a:p>
+            <a:r>
+              <a:rPr lang="en-US" sz="3600" b="1" dirty="0">
+                <a:latin typeface="Garamond"/>
+                <a:cs typeface="Garamond"/>
+              </a:rPr>
+              <a:t>Chronic kidney disease</a:t>
+            </a:r>
+            <a:r>
+              <a:rPr lang="en-US" sz="3600" dirty="0">
+                <a:latin typeface="Garamond"/>
+                <a:cs typeface="Garamond"/>
+              </a:rPr>
+              <a:t>, or </a:t>
+            </a:r>
+            <a:r>
+              <a:rPr lang="en-US" sz="3600" b="1" dirty="0">
+                <a:latin typeface="Garamond"/>
+                <a:cs typeface="Garamond"/>
+              </a:rPr>
+              <a:t>CKD</a:t>
+            </a:r>
+            <a:r>
+              <a:rPr lang="en-US" sz="3600" dirty="0">
+                <a:latin typeface="Garamond"/>
+                <a:cs typeface="Garamond"/>
+              </a:rPr>
+              <a:t>, </a:t>
+            </a:r>
+            <a:r>
+              <a:rPr lang="en-US" sz="3600" dirty="0" smtClean="0">
+                <a:latin typeface="Garamond"/>
+                <a:cs typeface="Garamond"/>
+              </a:rPr>
+              <a:t>is an emergent epidemic in the United States. While ESRD (end-stage CKD) patients make up less than 1% of Medicare patients, ESRD expenditures total in the billions (approx. 7% of total Medicare spending). With the goal of identifying cofactors for this costly disease that greatly decreases quality of life, our research </a:t>
+            </a:r>
+            <a:r>
+              <a:rPr lang="en-US" sz="3600" dirty="0">
+                <a:latin typeface="Garamond"/>
+                <a:cs typeface="Garamond"/>
+              </a:rPr>
+              <a:t>focuses on the association between CKD and </a:t>
+            </a:r>
+            <a:r>
+              <a:rPr lang="en-US" sz="3600" dirty="0" smtClean="0">
+                <a:latin typeface="Garamond"/>
+                <a:cs typeface="Garamond"/>
+              </a:rPr>
+              <a:t>other health data. </a:t>
+            </a:r>
+            <a:r>
+              <a:rPr lang="en-US" sz="3600" dirty="0">
+                <a:latin typeface="Garamond"/>
+                <a:cs typeface="Garamond"/>
+              </a:rPr>
+              <a:t>Ultimately, we built </a:t>
+            </a:r>
+            <a:r>
+              <a:rPr lang="en-US" sz="3600" dirty="0" smtClean="0">
+                <a:latin typeface="Garamond"/>
+                <a:cs typeface="Garamond"/>
+              </a:rPr>
+              <a:t>a multiple linear regression </a:t>
+            </a:r>
+            <a:r>
+              <a:rPr lang="en-US" sz="3600" dirty="0">
+                <a:latin typeface="Garamond"/>
+                <a:cs typeface="Garamond"/>
+              </a:rPr>
+              <a:t>model that predicts </a:t>
+            </a:r>
+            <a:r>
+              <a:rPr lang="en-US" sz="3600" dirty="0" smtClean="0">
+                <a:latin typeface="Garamond"/>
+                <a:cs typeface="Garamond"/>
+              </a:rPr>
+              <a:t>estimated glomerular filtration rate based </a:t>
+            </a:r>
+            <a:r>
+              <a:rPr lang="en-US" sz="3600" dirty="0">
+                <a:latin typeface="Garamond"/>
+                <a:cs typeface="Garamond"/>
+              </a:rPr>
+              <a:t>on </a:t>
+            </a:r>
+            <a:r>
+              <a:rPr lang="en-US" sz="3600" dirty="0" smtClean="0">
+                <a:latin typeface="Garamond"/>
+                <a:cs typeface="Garamond"/>
+              </a:rPr>
+              <a:t>one’s current </a:t>
+            </a:r>
+            <a:r>
+              <a:rPr lang="en-US" sz="3600" dirty="0">
+                <a:latin typeface="Garamond"/>
+                <a:cs typeface="Garamond"/>
+              </a:rPr>
+              <a:t>state of health, socioeconomic status, </a:t>
+            </a:r>
+            <a:r>
+              <a:rPr lang="en-US" sz="3600" dirty="0" smtClean="0">
+                <a:latin typeface="Garamond"/>
+                <a:cs typeface="Garamond"/>
+              </a:rPr>
+              <a:t>and demographic.</a:t>
+            </a:r>
+          </a:p>
+          <a:p>
+            <a:endParaRPr lang="en-US" sz="4000" dirty="0">
+              <a:latin typeface="Garamond"/>
+              <a:cs typeface="Garamond"/>
+            </a:endParaRPr>
+          </a:p>
+          <a:p>
+            <a:r>
+              <a:rPr lang="en-US" sz="4000" dirty="0">
+                <a:latin typeface="Garamond"/>
+                <a:cs typeface="Garamond"/>
+              </a:rPr>
+              <a:t> </a:t>
+            </a:r>
+          </a:p>
+          <a:p>
+            <a:endParaRPr lang="en-US" sz="4800" b="1" dirty="0" smtClean="0">
+              <a:latin typeface="Garamond"/>
+              <a:cs typeface="Garamond"/>
+            </a:endParaRPr>
+          </a:p>
+          <a:p>
+            <a:endParaRPr lang="en-US" sz="4800" b="1" dirty="0">
+              <a:latin typeface="Garamond"/>
+              <a:cs typeface="Garamond"/>
+            </a:endParaRPr>
+          </a:p>
+          <a:p>
+            <a:endParaRPr lang="en-US" sz="4800" b="1" dirty="0" smtClean="0">
+              <a:latin typeface="Garamond"/>
+              <a:cs typeface="Garamond"/>
+            </a:endParaRPr>
+          </a:p>
+          <a:p>
+            <a:endParaRPr lang="en-US" sz="4800" b="1" dirty="0">
+              <a:latin typeface="Garamond"/>
+              <a:cs typeface="Garamond"/>
+            </a:endParaRPr>
+          </a:p>
+          <a:p>
+            <a:endParaRPr lang="en-US" sz="4800" b="1" dirty="0" smtClean="0">
+              <a:latin typeface="Garamond"/>
+              <a:cs typeface="Garamond"/>
+            </a:endParaRPr>
+          </a:p>
+          <a:p>
+            <a:endParaRPr lang="en-US" sz="4800" b="1" dirty="0">
+              <a:latin typeface="Garamond"/>
+              <a:cs typeface="Garamond"/>
+            </a:endParaRPr>
+          </a:p>
+          <a:p>
+            <a:endParaRPr lang="en-US" sz="4800" b="1" dirty="0" smtClean="0">
+              <a:latin typeface="Garamond"/>
+              <a:cs typeface="Garamond"/>
+            </a:endParaRPr>
+          </a:p>
+          <a:p>
+            <a:endParaRPr lang="en-US" sz="4800" b="1" dirty="0" smtClean="0">
+              <a:latin typeface="Garamond"/>
+              <a:cs typeface="Garamond"/>
+            </a:endParaRPr>
+          </a:p>
+          <a:p>
+            <a:endParaRPr lang="en-US" sz="4800" b="1" dirty="0">
+              <a:latin typeface="Garamond"/>
+              <a:cs typeface="Garamond"/>
+            </a:endParaRPr>
+          </a:p>
+          <a:p>
+            <a:r>
+              <a:rPr lang="en-US" sz="4800" b="1" dirty="0" smtClean="0">
+                <a:latin typeface="Garamond"/>
+                <a:cs typeface="Garamond"/>
+              </a:rPr>
+              <a:t>NHANES</a:t>
+            </a:r>
+            <a:endParaRPr lang="en-US" sz="4800" dirty="0">
+              <a:latin typeface="Garamond"/>
+              <a:cs typeface="Garamond"/>
+            </a:endParaRPr>
+          </a:p>
+          <a:p>
+            <a:r>
+              <a:rPr lang="en-US" sz="4000" dirty="0">
+                <a:latin typeface="Garamond"/>
+                <a:cs typeface="Garamond"/>
+              </a:rPr>
+              <a:t> </a:t>
+            </a:r>
+          </a:p>
+          <a:p>
+            <a:r>
+              <a:rPr lang="en-US" sz="3600" dirty="0">
+                <a:latin typeface="Garamond"/>
+                <a:cs typeface="Garamond"/>
+              </a:rPr>
+              <a:t>The data for this study comes from the </a:t>
+            </a:r>
+            <a:r>
+              <a:rPr lang="en-US" sz="3600" b="1" dirty="0">
+                <a:latin typeface="Garamond"/>
+                <a:cs typeface="Garamond"/>
+              </a:rPr>
+              <a:t>National Health and Nutrition Examination Survey</a:t>
+            </a:r>
+            <a:r>
+              <a:rPr lang="en-US" sz="3600" dirty="0">
+                <a:latin typeface="Garamond"/>
+                <a:cs typeface="Garamond"/>
+              </a:rPr>
+              <a:t> conducted by the CDC every year. Each survey cycle consists of two years and attempts to obtain a representative sample of the United States’ population. </a:t>
+            </a:r>
+            <a:r>
+              <a:rPr lang="en-US" sz="3600" dirty="0" smtClean="0">
+                <a:latin typeface="Garamond"/>
+                <a:cs typeface="Garamond"/>
+              </a:rPr>
+              <a:t>Our </a:t>
+            </a:r>
+            <a:r>
+              <a:rPr lang="en-US" sz="3600" dirty="0">
+                <a:latin typeface="Garamond"/>
+                <a:cs typeface="Garamond"/>
+              </a:rPr>
+              <a:t>dataset has 78,518 observations, contains 100 different variables, and spans 14 years (2001-2014). </a:t>
+            </a:r>
+            <a:r>
+              <a:rPr lang="en-US" sz="3600" dirty="0" smtClean="0">
+                <a:latin typeface="Garamond"/>
+                <a:cs typeface="Garamond"/>
+              </a:rPr>
+              <a:t>Using the </a:t>
+            </a:r>
+            <a:r>
+              <a:rPr lang="en-US" sz="3600" dirty="0">
+                <a:latin typeface="Garamond"/>
+                <a:cs typeface="Garamond"/>
+              </a:rPr>
+              <a:t>‘Survey’ package in R, we were able to account </a:t>
+            </a:r>
+            <a:r>
+              <a:rPr lang="en-US" sz="3600" dirty="0" smtClean="0">
+                <a:latin typeface="Garamond"/>
+                <a:cs typeface="Garamond"/>
+              </a:rPr>
+              <a:t>for the complex survey design used by the CDC </a:t>
+            </a:r>
+            <a:r>
+              <a:rPr lang="en-US" sz="3600" dirty="0">
+                <a:latin typeface="Garamond"/>
+                <a:cs typeface="Garamond"/>
+              </a:rPr>
+              <a:t>and get a strong sense of what is happening </a:t>
+            </a:r>
+            <a:r>
+              <a:rPr lang="en-US" sz="3600" dirty="0" smtClean="0">
+                <a:latin typeface="Garamond"/>
+                <a:cs typeface="Garamond"/>
+              </a:rPr>
+              <a:t>among roughly </a:t>
+            </a:r>
+            <a:r>
+              <a:rPr lang="en-US" sz="3600" dirty="0">
+                <a:latin typeface="Garamond"/>
+                <a:cs typeface="Garamond"/>
+              </a:rPr>
+              <a:t>320 million people</a:t>
+            </a:r>
+            <a:r>
+              <a:rPr lang="en-US" sz="3600" dirty="0" smtClean="0">
+                <a:latin typeface="Garamond"/>
+                <a:cs typeface="Garamond"/>
+              </a:rPr>
+              <a:t>.</a:t>
+            </a:r>
+            <a:endParaRPr lang="en-US" sz="3600" dirty="0">
+              <a:latin typeface="Garamond"/>
+              <a:cs typeface="Garamond"/>
+            </a:endParaRPr>
+          </a:p>
+          <a:p>
+            <a:r>
+              <a:rPr lang="en-US" sz="4000" dirty="0">
+                <a:latin typeface="Garamond"/>
+                <a:cs typeface="Garamond"/>
+              </a:rPr>
+              <a:t> </a:t>
+            </a:r>
+          </a:p>
+          <a:p>
+            <a:endParaRPr lang="es-ES_tradnl" sz="4000" dirty="0">
+              <a:latin typeface="Garamond"/>
+              <a:cs typeface="Garamond"/>
+            </a:endParaRPr>
+          </a:p>
+        </p:txBody>
+      </p:sp>
       <p:sp>
         <p:nvSpPr>
           <p:cNvPr id="22" name="TextBox 21"/>
@@ -4727,27 +4620,7 @@
                   <a:latin typeface="Garamond"/>
                   <a:cs typeface="Garamond"/>
                 </a:rPr>
-                <a:t>Multiple Linear</a:t>
-              </a:r>
-              <a:r>
-                <a:rPr lang="en-US" sz="3600" dirty="0" smtClean="0">
-                  <a:solidFill>
-                    <a:srgbClr val="001B3C"/>
-                  </a:solidFill>
-                  <a:latin typeface="Garamond"/>
-                  <a:cs typeface="Garamond"/>
-                </a:rPr>
-                <a:t> Regression Model</a:t>
-              </a:r>
-              <a:r>
-                <a:rPr lang="en-US" sz="3600" dirty="0" smtClean="0">
-                  <a:solidFill>
-                    <a:srgbClr val="001B3C"/>
-                  </a:solidFill>
-                  <a:latin typeface="Garamond"/>
-                  <a:cs typeface="Garamond"/>
-                </a:rPr>
-                <a:t>:</a:t>
+                <a:t>Multiple Linear Regression Model:</a:t>
               </a:r>
             </a:p>
             <a:p>
@@ -4858,7 +4731,7 @@
         <p:spPr>
           <a:xfrm>
             <a:off x="33288129" y="6825025"/>
-            <a:ext cx="10274184" cy="32778204"/>
+            <a:ext cx="10274184" cy="27853783"/>
           </a:xfrm>
           <a:prstGeom prst="rect">
             <a:avLst/>
@@ -4878,82 +4751,25 @@
               </a:rPr>
               <a:t>Conclusion</a:t>
             </a:r>
-            <a:endParaRPr lang="en-US" sz="4800" dirty="0">
-              <a:latin typeface="Garamond"/>
-              <a:cs typeface="Garamond"/>
-            </a:endParaRPr>
-          </a:p>
-          <a:p>
-            <a:r>
-              <a:rPr lang="en-US" sz="4000" dirty="0">
-                <a:latin typeface="Garamond"/>
-                <a:cs typeface="Garamond"/>
-              </a:rPr>
-              <a:t> </a:t>
-            </a:r>
-          </a:p>
-          <a:p>
-            <a:r>
-              <a:rPr lang="en-US" sz="4000" dirty="0" smtClean="0">
-                <a:latin typeface="Garamond"/>
-                <a:cs typeface="Garamond"/>
-              </a:rPr>
-              <a:t>Regression model </a:t>
-            </a:r>
-            <a:r>
-              <a:rPr lang="en-US" sz="4000" dirty="0" smtClean="0">
-                <a:latin typeface="Garamond"/>
-                <a:cs typeface="Garamond"/>
-              </a:rPr>
-              <a:t>and final error rate.</a:t>
-            </a:r>
-          </a:p>
-          <a:p>
-            <a:endParaRPr lang="en-US" sz="4000" dirty="0">
-              <a:latin typeface="Garamond"/>
-              <a:cs typeface="Garamond"/>
-            </a:endParaRPr>
-          </a:p>
-          <a:p>
-            <a:r>
-              <a:rPr lang="en-US" sz="4000" dirty="0" smtClean="0">
-                <a:latin typeface="Garamond"/>
-                <a:cs typeface="Garamond"/>
-              </a:rPr>
-              <a:t>Thoughts on variables. Association.</a:t>
-            </a:r>
-            <a:endParaRPr lang="en-US" sz="4000" dirty="0">
-              <a:latin typeface="Garamond"/>
-              <a:cs typeface="Garamond"/>
-            </a:endParaRPr>
-          </a:p>
-          <a:p>
-            <a:endParaRPr lang="en-US" sz="4000" dirty="0" smtClean="0">
-              <a:latin typeface="Garamond"/>
-              <a:cs typeface="Garamond"/>
-            </a:endParaRPr>
-          </a:p>
-          <a:p>
-            <a:endParaRPr lang="en-US" sz="4000" dirty="0" smtClean="0">
-              <a:latin typeface="Garamond"/>
-              <a:cs typeface="Garamond"/>
-            </a:endParaRPr>
-          </a:p>
-          <a:p>
-            <a:r>
-              <a:rPr lang="en-US" sz="4000" dirty="0">
-                <a:latin typeface="Garamond"/>
-                <a:cs typeface="Garamond"/>
-              </a:rPr>
-              <a:t> </a:t>
-            </a:r>
-          </a:p>
-          <a:p>
+            <a:r>
+              <a:rPr lang="en-US" sz="4800" b="1" dirty="0">
+                <a:latin typeface="Garamond"/>
+                <a:cs typeface="Garamond"/>
+              </a:rPr>
+              <a:t> </a:t>
+            </a:r>
             <a:r>
               <a:rPr lang="en-US" sz="4800" b="1" dirty="0" smtClean="0">
                 <a:latin typeface="Garamond"/>
                 <a:cs typeface="Garamond"/>
               </a:rPr>
+              <a:t>and </a:t>
+            </a:r>
+            <a:r>
+              <a:rPr lang="en-US" sz="4800" b="1" dirty="0" smtClean="0">
+                <a:latin typeface="Garamond"/>
+                <a:cs typeface="Garamond"/>
+              </a:rPr>
               <a:t>Recommendations </a:t>
             </a:r>
             <a:r>
@@ -4963,7 +4779,7 @@
               </a:rPr>
               <a:t>for Further Study</a:t>
             </a:r>
-            <a:endParaRPr lang="en-US" sz="4800" dirty="0">
+            <a:endParaRPr lang="en-US" sz="4800" b="1" dirty="0">
               <a:latin typeface="Garamond"/>
               <a:cs typeface="Garamond"/>
             </a:endParaRPr>
@@ -5202,17 +5018,7 @@
                 <a:latin typeface="Garamond"/>
                 <a:cs typeface="Garamond"/>
               </a:rPr>
-              <a:t>T. Lumley (2014) "survey: analysis of complex survey samples". R package version 3.30</a:t>
-            </a:r>
-            <a:r>
-              <a:rPr lang="en-US" sz="2000" dirty="0" smtClean="0">
-                <a:solidFill>
-                  <a:srgbClr val="001B3C"/>
-                </a:solidFill>
-                <a:latin typeface="Garamond"/>
-                <a:cs typeface="Garamond"/>
-              </a:rPr>
-              <a:t>.</a:t>
+              <a:t>T. Lumley (2014) "survey: analysis of complex survey samples". R package version 3.30.</a:t>
             </a:r>
           </a:p>
           <a:p>
@@ -6050,17 +5856,7 @@
                 <a:latin typeface="Garamond"/>
                 <a:cs typeface="Garamond"/>
               </a:rPr>
-              <a:t>Subset the data so that only those older than 18 are </a:t>
-            </a:r>
-            <a:r>
-              <a:rPr lang="en-US" sz="3600" dirty="0" smtClean="0">
-                <a:solidFill>
-                  <a:srgbClr val="001B3C"/>
-                </a:solidFill>
-                <a:latin typeface="Garamond"/>
-                <a:cs typeface="Garamond"/>
-              </a:rPr>
-              <a:t>included and transform age into a categorical variable.</a:t>
+              <a:t>Subset the data so that only those older than 18 are included and transform age into a categorical variable.</a:t>
             </a:r>
             <a:endParaRPr lang="en-US" sz="3600" dirty="0">
               <a:solidFill>
@@ -6143,40 +5939,8 @@
                 <a:latin typeface="Garamond"/>
                 <a:cs typeface="Garamond"/>
               </a:rPr>
-              <a:t>Perform 5-fold cross validation to find the most accurate </a:t>
-            </a:r>
-            <a:r>
-              <a:rPr lang="en-US" sz="3600" dirty="0" smtClean="0">
-                <a:latin typeface="Garamond"/>
-                <a:cs typeface="Garamond"/>
-              </a:rPr>
-              <a:t>multiple linear</a:t>
-            </a:r>
-            <a:r>
-              <a:rPr lang="en-US" sz="3600" dirty="0" smtClean="0">
-                <a:latin typeface="Garamond"/>
-                <a:cs typeface="Garamond"/>
-              </a:rPr>
-              <a:t> </a:t>
-            </a:r>
-            <a:r>
-              <a:rPr lang="en-US" sz="3600" dirty="0" smtClean="0">
-                <a:latin typeface="Garamond"/>
-                <a:cs typeface="Garamond"/>
-              </a:rPr>
-              <a:t>regression model for predicting </a:t>
-            </a:r>
-            <a:r>
-              <a:rPr lang="en-US" sz="3600" dirty="0" smtClean="0">
-                <a:latin typeface="Garamond"/>
-                <a:cs typeface="Garamond"/>
-              </a:rPr>
-              <a:t>glomerular filtration rate (measurement for determining if someone has CKD).</a:t>
-            </a:r>
-            <a:endParaRPr lang="en-US" sz="3600" dirty="0" smtClean="0">
-              <a:latin typeface="Garamond"/>
-              <a:cs typeface="Garamond"/>
-            </a:endParaRPr>
+              <a:t>Perform 5-fold cross validation to find the most accurate multiple linear regression model for predicting glomerular filtration rate (measurement for determining if someone has CKD).</a:t>
+            </a:r>
           </a:p>
           <a:p>
             <a:endParaRPr lang="en-US" sz="2000" dirty="0" smtClean="0">
@@ -6369,7 +6133,7 @@
         </p:nvCxnSpPr>
         <p:spPr>
           <a:xfrm>
-            <a:off x="33288129" y="26771408"/>
+            <a:off x="33288129" y="22480064"/>
             <a:ext cx="9605564" cy="0"/>
           </a:xfrm>
           <a:prstGeom prst="line">
@@ -6414,7 +6178,7 @@
         </p:nvCxnSpPr>
         <p:spPr>
           <a:xfrm>
-            <a:off x="33231549" y="31245351"/>
+            <a:off x="33231549" y="26863644"/>
             <a:ext cx="9605564" cy="0"/>
           </a:xfrm>
           <a:prstGeom prst="line">

--- a/poster updated.pptx
+++ b/poster updated.pptx
@@ -3569,8 +3569,8 @@
         </p:nvSpPr>
         <p:spPr>
           <a:xfrm>
-            <a:off x="260354" y="5480597"/>
-            <a:ext cx="3791376" cy="3803406"/>
+            <a:off x="450839" y="5861646"/>
+            <a:ext cx="2850921" cy="2977836"/>
           </a:xfrm>
           <a:prstGeom prst="ellipse">
             <a:avLst/>
@@ -3627,7 +3627,7 @@
         </p:nvSpPr>
         <p:spPr>
           <a:xfrm>
-            <a:off x="803248" y="22171351"/>
+            <a:off x="647695" y="22064924"/>
             <a:ext cx="3791376" cy="3803406"/>
           </a:xfrm>
           <a:prstGeom prst="ellipse">
@@ -3863,7 +3863,7 @@
         </p:nvSpPr>
         <p:spPr>
           <a:xfrm>
-            <a:off x="32651801" y="5607603"/>
+            <a:off x="32778791" y="5607603"/>
             <a:ext cx="3791376" cy="3803406"/>
           </a:xfrm>
           <a:prstGeom prst="ellipse">
@@ -3965,7 +3965,7 @@
         </p:nvSpPr>
         <p:spPr>
           <a:xfrm>
-            <a:off x="1368336" y="6792990"/>
+            <a:off x="1114145" y="6792990"/>
             <a:ext cx="8985731" cy="26314888"/>
           </a:xfrm>
           <a:prstGeom prst="rect">
@@ -3980,7 +3980,7 @@
           <a:lstStyle/>
           <a:p>
             <a:r>
-              <a:rPr lang="en-US" sz="4800" b="1" smtClean="0">
+              <a:rPr lang="en-US" sz="4800" b="1" dirty="0" smtClean="0">
                 <a:latin typeface="Garamond"/>
                 <a:cs typeface="Garamond"/>
               </a:rPr>
@@ -4730,7 +4730,7 @@
         </p:nvSpPr>
         <p:spPr>
           <a:xfrm>
-            <a:off x="33288129" y="6825025"/>
+            <a:off x="33224634" y="6825025"/>
             <a:ext cx="10274184" cy="27853783"/>
           </a:xfrm>
           <a:prstGeom prst="rect">
@@ -4763,21 +4763,7 @@
                 <a:latin typeface="Garamond"/>
                 <a:cs typeface="Garamond"/>
               </a:rPr>
-              <a:t>and </a:t>
-            </a:r>
-            <a:r>
-              <a:rPr lang="en-US" sz="4800" b="1" dirty="0" smtClean="0">
-                <a:latin typeface="Garamond"/>
-                <a:cs typeface="Garamond"/>
-              </a:rPr>
-              <a:t>Recommendations </a:t>
-            </a:r>
-            <a:r>
-              <a:rPr lang="en-US" sz="4800" b="1" dirty="0" smtClean="0">
-                <a:latin typeface="Garamond"/>
-                <a:cs typeface="Garamond"/>
-              </a:rPr>
-              <a:t>for Further Study</a:t>
+              <a:t>and Recommendations for Further Study</a:t>
             </a:r>
             <a:endParaRPr lang="en-US" sz="4800" b="1" dirty="0">
               <a:latin typeface="Garamond"/>
@@ -4940,7 +4926,21 @@
                 <a:latin typeface="Garamond"/>
                 <a:cs typeface="Garamond"/>
               </a:rPr>
-              <a:t>. Jiang </a:t>
+              <a:t>. </a:t>
+            </a:r>
+            <a:r>
+              <a:rPr lang="en-US" sz="3200" dirty="0" err="1" smtClean="0">
+                <a:latin typeface="Garamond"/>
+                <a:cs typeface="Garamond"/>
+              </a:rPr>
+              <a:t>Jian</a:t>
+            </a:r>
+            <a:r>
+              <a:rPr lang="en-US" sz="3200" dirty="0" smtClean="0">
+                <a:latin typeface="Garamond"/>
+                <a:cs typeface="Garamond"/>
+              </a:rPr>
+              <a:t> </a:t>
             </a:r>
             <a:r>
               <a:rPr lang="en-US" sz="3200" dirty="0" smtClean="0">

--- a/poster updated.pptx
+++ b/poster updated.pptx
@@ -109,7 +109,7 @@
   </p:defaultTextStyle>
   <p:extLst>
     <p:ext uri="{EFAFB233-063F-42B5-8137-9DF3F51BA10A}">
-      <p15:sldGuideLst xmlns:p15="http://schemas.microsoft.com/office/powerpoint/2012/main" xmlns="">
+      <p15:sldGuideLst xmlns="" xmlns:p15="http://schemas.microsoft.com/office/powerpoint/2012/main">
         <p15:guide id="1" orient="horz" pos="10368">
           <p15:clr>
             <a:srgbClr val="A4A3A4"/>
@@ -208,7 +208,7 @@
           <a:p>
             <a:fld id="{D19B32DB-0F28-FC4A-87A9-46B3392B9C77}" type="datetimeFigureOut">
               <a:rPr lang="en-US" smtClean="0"/>
-              <a:t>7/16/16</a:t>
+              <a:t>7/17/16</a:t>
             </a:fld>
             <a:endParaRPr lang="es-ES_tradnl"/>
           </a:p>
@@ -741,7 +741,7 @@
           <a:p>
             <a:fld id="{93017D5F-D1C9-1F49-8C24-32103320D25C}" type="datetimeFigureOut">
               <a:rPr lang="en-US" smtClean="0"/>
-              <a:t>7/16/16</a:t>
+              <a:t>7/17/16</a:t>
             </a:fld>
             <a:endParaRPr lang="es-ES_tradnl"/>
           </a:p>
@@ -911,7 +911,7 @@
           <a:p>
             <a:fld id="{93017D5F-D1C9-1F49-8C24-32103320D25C}" type="datetimeFigureOut">
               <a:rPr lang="en-US" smtClean="0"/>
-              <a:t>7/16/16</a:t>
+              <a:t>7/17/16</a:t>
             </a:fld>
             <a:endParaRPr lang="es-ES_tradnl"/>
           </a:p>
@@ -1091,7 +1091,7 @@
           <a:p>
             <a:fld id="{93017D5F-D1C9-1F49-8C24-32103320D25C}" type="datetimeFigureOut">
               <a:rPr lang="en-US" smtClean="0"/>
-              <a:t>7/16/16</a:t>
+              <a:t>7/17/16</a:t>
             </a:fld>
             <a:endParaRPr lang="es-ES_tradnl"/>
           </a:p>
@@ -1261,7 +1261,7 @@
           <a:p>
             <a:fld id="{93017D5F-D1C9-1F49-8C24-32103320D25C}" type="datetimeFigureOut">
               <a:rPr lang="en-US" smtClean="0"/>
-              <a:t>7/16/16</a:t>
+              <a:t>7/17/16</a:t>
             </a:fld>
             <a:endParaRPr lang="es-ES_tradnl"/>
           </a:p>
@@ -1507,7 +1507,7 @@
           <a:p>
             <a:fld id="{93017D5F-D1C9-1F49-8C24-32103320D25C}" type="datetimeFigureOut">
               <a:rPr lang="en-US" smtClean="0"/>
-              <a:t>7/16/16</a:t>
+              <a:t>7/17/16</a:t>
             </a:fld>
             <a:endParaRPr lang="es-ES_tradnl"/>
           </a:p>
@@ -1795,7 +1795,7 @@
           <a:p>
             <a:fld id="{93017D5F-D1C9-1F49-8C24-32103320D25C}" type="datetimeFigureOut">
               <a:rPr lang="en-US" smtClean="0"/>
-              <a:t>7/16/16</a:t>
+              <a:t>7/17/16</a:t>
             </a:fld>
             <a:endParaRPr lang="es-ES_tradnl"/>
           </a:p>
@@ -2222,7 +2222,7 @@
           <a:p>
             <a:fld id="{93017D5F-D1C9-1F49-8C24-32103320D25C}" type="datetimeFigureOut">
               <a:rPr lang="en-US" smtClean="0"/>
-              <a:t>7/16/16</a:t>
+              <a:t>7/17/16</a:t>
             </a:fld>
             <a:endParaRPr lang="es-ES_tradnl"/>
           </a:p>
@@ -2340,7 +2340,7 @@
           <a:p>
             <a:fld id="{93017D5F-D1C9-1F49-8C24-32103320D25C}" type="datetimeFigureOut">
               <a:rPr lang="en-US" smtClean="0"/>
-              <a:t>7/16/16</a:t>
+              <a:t>7/17/16</a:t>
             </a:fld>
             <a:endParaRPr lang="es-ES_tradnl"/>
           </a:p>
@@ -2435,7 +2435,7 @@
           <a:p>
             <a:fld id="{93017D5F-D1C9-1F49-8C24-32103320D25C}" type="datetimeFigureOut">
               <a:rPr lang="en-US" smtClean="0"/>
-              <a:t>7/16/16</a:t>
+              <a:t>7/17/16</a:t>
             </a:fld>
             <a:endParaRPr lang="es-ES_tradnl"/>
           </a:p>
@@ -2712,7 +2712,7 @@
           <a:p>
             <a:fld id="{93017D5F-D1C9-1F49-8C24-32103320D25C}" type="datetimeFigureOut">
               <a:rPr lang="en-US" smtClean="0"/>
-              <a:t>7/16/16</a:t>
+              <a:t>7/17/16</a:t>
             </a:fld>
             <a:endParaRPr lang="es-ES_tradnl"/>
           </a:p>
@@ -2965,7 +2965,7 @@
           <a:p>
             <a:fld id="{93017D5F-D1C9-1F49-8C24-32103320D25C}" type="datetimeFigureOut">
               <a:rPr lang="en-US" smtClean="0"/>
-              <a:t>7/16/16</a:t>
+              <a:t>7/17/16</a:t>
             </a:fld>
             <a:endParaRPr lang="es-ES_tradnl"/>
           </a:p>
@@ -3178,7 +3178,7 @@
           <a:p>
             <a:fld id="{93017D5F-D1C9-1F49-8C24-32103320D25C}" type="datetimeFigureOut">
               <a:rPr lang="en-US" smtClean="0"/>
-              <a:t>7/16/16</a:t>
+              <a:t>7/17/16</a:t>
             </a:fld>
             <a:endParaRPr lang="es-ES_tradnl"/>
           </a:p>
@@ -3561,6 +3561,236 @@
           <a:chExt cx="0" cy="0"/>
         </a:xfrm>
       </p:grpSpPr>
+      <p:grpSp>
+        <p:nvGrpSpPr>
+          <p:cNvPr id="11" name="Group 10"/>
+          <p:cNvGrpSpPr/>
+          <p:nvPr/>
+        </p:nvGrpSpPr>
+        <p:grpSpPr>
+          <a:xfrm>
+            <a:off x="11756755" y="15716405"/>
+            <a:ext cx="9726771" cy="9204190"/>
+            <a:chOff x="11750874" y="14341897"/>
+            <a:chExt cx="9016226" cy="8455682"/>
+          </a:xfrm>
+        </p:grpSpPr>
+        <p:grpSp>
+          <p:nvGrpSpPr>
+            <p:cNvPr id="2" name="Group 1"/>
+            <p:cNvGrpSpPr/>
+            <p:nvPr/>
+          </p:nvGrpSpPr>
+          <p:grpSpPr>
+            <a:xfrm>
+              <a:off x="11750874" y="14341897"/>
+              <a:ext cx="9016226" cy="7856664"/>
+              <a:chOff x="11750874" y="14341897"/>
+              <a:chExt cx="9016226" cy="7856664"/>
+            </a:xfrm>
+          </p:grpSpPr>
+          <p:grpSp>
+            <p:nvGrpSpPr>
+              <p:cNvPr id="13" name="Group 12"/>
+              <p:cNvGrpSpPr/>
+              <p:nvPr/>
+            </p:nvGrpSpPr>
+            <p:grpSpPr>
+              <a:xfrm>
+                <a:off x="11750874" y="14341897"/>
+                <a:ext cx="9016226" cy="7856664"/>
+                <a:chOff x="12750053" y="14920598"/>
+                <a:chExt cx="6400800" cy="6400800"/>
+              </a:xfrm>
+            </p:grpSpPr>
+            <p:pic>
+              <p:nvPicPr>
+                <p:cNvPr id="5" name="Picture 4" descr="ckd.jpg"/>
+                <p:cNvPicPr>
+                  <a:picLocks noChangeAspect="1"/>
+                </p:cNvPicPr>
+                <p:nvPr/>
+              </p:nvPicPr>
+              <p:blipFill>
+                <a:blip r:embed="rId3">
+                  <a:extLst>
+                    <a:ext uri="{28A0092B-C50C-407E-A947-70E740481C1C}">
+                      <a14:useLocalDpi xmlns:a14="http://schemas.microsoft.com/office/drawing/2010/main" val="0"/>
+                    </a:ext>
+                  </a:extLst>
+                </a:blip>
+                <a:stretch>
+                  <a:fillRect/>
+                </a:stretch>
+              </p:blipFill>
+              <p:spPr>
+                <a:xfrm>
+                  <a:off x="12750053" y="14920598"/>
+                  <a:ext cx="6400800" cy="6400800"/>
+                </a:xfrm>
+                <a:prstGeom prst="rect">
+                  <a:avLst/>
+                </a:prstGeom>
+              </p:spPr>
+            </p:pic>
+            <p:sp>
+              <p:nvSpPr>
+                <p:cNvPr id="33" name="TextBox 32"/>
+                <p:cNvSpPr txBox="1"/>
+                <p:nvPr/>
+              </p:nvSpPr>
+              <p:spPr>
+                <a:xfrm>
+                  <a:off x="14731823" y="20708510"/>
+                  <a:ext cx="2539969" cy="400110"/>
+                </a:xfrm>
+                <a:prstGeom prst="rect">
+                  <a:avLst/>
+                </a:prstGeom>
+                <a:noFill/>
+              </p:spPr>
+              <p:txBody>
+                <a:bodyPr wrap="square" rtlCol="0">
+                  <a:spAutoFit/>
+                </a:bodyPr>
+                <a:lstStyle/>
+                <a:p>
+                  <a:pPr algn="ctr"/>
+                  <a:r>
+                    <a:rPr lang="en-US" sz="2000" dirty="0" smtClean="0">
+                      <a:latin typeface="Garamond"/>
+                      <a:cs typeface="Garamond"/>
+                    </a:rPr>
+                    <a:t>Age</a:t>
+                  </a:r>
+                  <a:endParaRPr lang="en-US" sz="2000" dirty="0">
+                    <a:latin typeface="Garamond"/>
+                    <a:cs typeface="Garamond"/>
+                  </a:endParaRPr>
+                </a:p>
+              </p:txBody>
+            </p:sp>
+            <p:sp>
+              <p:nvSpPr>
+                <p:cNvPr id="34" name="TextBox 33"/>
+                <p:cNvSpPr txBox="1"/>
+                <p:nvPr/>
+              </p:nvSpPr>
+              <p:spPr>
+                <a:xfrm rot="16200000">
+                  <a:off x="11438614" y="17896048"/>
+                  <a:ext cx="3318891" cy="284046"/>
+                </a:xfrm>
+                <a:prstGeom prst="rect">
+                  <a:avLst/>
+                </a:prstGeom>
+                <a:noFill/>
+              </p:spPr>
+              <p:txBody>
+                <a:bodyPr wrap="square" rtlCol="0">
+                  <a:spAutoFit/>
+                </a:bodyPr>
+                <a:lstStyle/>
+                <a:p>
+                  <a:pPr algn="ctr"/>
+                  <a:r>
+                    <a:rPr lang="en-US" sz="2000" dirty="0" smtClean="0">
+                      <a:latin typeface="Garamond"/>
+                      <a:cs typeface="Garamond"/>
+                    </a:rPr>
+                    <a:t> Estimated Glomerular Filtration Rate</a:t>
+                  </a:r>
+                  <a:endParaRPr lang="en-US" sz="2000" dirty="0">
+                    <a:latin typeface="Garamond"/>
+                    <a:cs typeface="Garamond"/>
+                  </a:endParaRPr>
+                </a:p>
+              </p:txBody>
+            </p:sp>
+          </p:grpSp>
+          <p:sp>
+            <p:nvSpPr>
+              <p:cNvPr id="37" name="TextBox 36"/>
+              <p:cNvSpPr txBox="1"/>
+              <p:nvPr/>
+            </p:nvSpPr>
+            <p:spPr>
+              <a:xfrm>
+                <a:off x="14542414" y="14747735"/>
+                <a:ext cx="3577824" cy="400110"/>
+              </a:xfrm>
+              <a:prstGeom prst="rect">
+                <a:avLst/>
+              </a:prstGeom>
+              <a:noFill/>
+            </p:spPr>
+            <p:txBody>
+              <a:bodyPr wrap="square" rtlCol="0">
+                <a:spAutoFit/>
+              </a:bodyPr>
+              <a:lstStyle/>
+              <a:p>
+                <a:pPr algn="ctr"/>
+                <a:r>
+                  <a:rPr lang="en-US" sz="2000" dirty="0" err="1" smtClean="0">
+                    <a:latin typeface="Garamond"/>
+                    <a:cs typeface="Garamond"/>
+                  </a:rPr>
+                  <a:t>eGFR</a:t>
+                </a:r>
+                <a:r>
+                  <a:rPr lang="en-US" sz="2000" dirty="0" smtClean="0">
+                    <a:latin typeface="Garamond"/>
+                    <a:cs typeface="Garamond"/>
+                  </a:rPr>
+                  <a:t> and Age</a:t>
+                </a:r>
+                <a:endParaRPr lang="en-US" sz="2000" dirty="0">
+                  <a:latin typeface="Garamond"/>
+                  <a:cs typeface="Garamond"/>
+                </a:endParaRPr>
+              </a:p>
+            </p:txBody>
+          </p:sp>
+        </p:grpSp>
+        <p:sp>
+          <p:nvSpPr>
+            <p:cNvPr id="31" name="TextBox 30"/>
+            <p:cNvSpPr txBox="1"/>
+            <p:nvPr/>
+          </p:nvSpPr>
+          <p:spPr>
+            <a:xfrm>
+              <a:off x="12339066" y="22089693"/>
+              <a:ext cx="7776818" cy="707886"/>
+            </a:xfrm>
+            <a:prstGeom prst="rect">
+              <a:avLst/>
+            </a:prstGeom>
+            <a:noFill/>
+          </p:spPr>
+          <p:txBody>
+            <a:bodyPr wrap="square" rtlCol="0">
+              <a:spAutoFit/>
+            </a:bodyPr>
+            <a:lstStyle/>
+            <a:p>
+              <a:pPr algn="ctr"/>
+              <a:r>
+                <a:rPr lang="en-US" sz="2000" dirty="0" smtClean="0">
+                  <a:latin typeface="Garamond"/>
+                  <a:cs typeface="Garamond"/>
+                </a:rPr>
+                <a:t>Using hexagonal binning, this scatter plot demonstrates strong a linear relationship between age and estimated glomerular filtration rate</a:t>
+              </a:r>
+              <a:endParaRPr lang="en-US" sz="2000" dirty="0">
+                <a:latin typeface="Garamond"/>
+                <a:cs typeface="Garamond"/>
+              </a:endParaRPr>
+            </a:p>
+          </p:txBody>
+        </p:sp>
+      </p:grpSp>
       <p:sp>
         <p:nvSpPr>
           <p:cNvPr id="39" name="Oval 38"/>
@@ -3569,7 +3799,7 @@
         </p:nvSpPr>
         <p:spPr>
           <a:xfrm>
-            <a:off x="450839" y="5861646"/>
+            <a:off x="450839" y="6014046"/>
             <a:ext cx="2850921" cy="2977836"/>
           </a:xfrm>
           <a:prstGeom prst="ellipse">
@@ -3627,7 +3857,7 @@
         </p:nvSpPr>
         <p:spPr>
           <a:xfrm>
-            <a:off x="647695" y="22064924"/>
+            <a:off x="647695" y="22420524"/>
             <a:ext cx="3791376" cy="3803406"/>
           </a:xfrm>
           <a:prstGeom prst="ellipse">
@@ -3677,184 +3907,6 @@
           </a:p>
         </p:txBody>
       </p:sp>
-      <p:grpSp>
-        <p:nvGrpSpPr>
-          <p:cNvPr id="2" name="Group 1"/>
-          <p:cNvGrpSpPr/>
-          <p:nvPr/>
-        </p:nvGrpSpPr>
-        <p:grpSpPr>
-          <a:xfrm>
-            <a:off x="11705300" y="14341897"/>
-            <a:ext cx="9016226" cy="7856664"/>
-            <a:chOff x="11705300" y="14341897"/>
-            <a:chExt cx="9016226" cy="7856664"/>
-          </a:xfrm>
-        </p:grpSpPr>
-        <p:grpSp>
-          <p:nvGrpSpPr>
-            <p:cNvPr id="13" name="Group 12"/>
-            <p:cNvGrpSpPr/>
-            <p:nvPr/>
-          </p:nvGrpSpPr>
-          <p:grpSpPr>
-            <a:xfrm>
-              <a:off x="11705300" y="14341897"/>
-              <a:ext cx="9016226" cy="7856664"/>
-              <a:chOff x="12717699" y="14920598"/>
-              <a:chExt cx="6400800" cy="6400800"/>
-            </a:xfrm>
-          </p:grpSpPr>
-          <p:pic>
-            <p:nvPicPr>
-              <p:cNvPr id="5" name="Picture 4" descr="ckd.jpg"/>
-              <p:cNvPicPr>
-                <a:picLocks noChangeAspect="1"/>
-              </p:cNvPicPr>
-              <p:nvPr/>
-            </p:nvPicPr>
-            <p:blipFill>
-              <a:blip r:embed="rId3">
-                <a:extLst>
-                  <a:ext uri="{28A0092B-C50C-407E-A947-70E740481C1C}">
-                    <a14:useLocalDpi xmlns:a14="http://schemas.microsoft.com/office/drawing/2010/main" val="0"/>
-                  </a:ext>
-                </a:extLst>
-              </a:blip>
-              <a:stretch>
-                <a:fillRect/>
-              </a:stretch>
-            </p:blipFill>
-            <p:spPr>
-              <a:xfrm>
-                <a:off x="12717699" y="14920598"/>
-                <a:ext cx="6400800" cy="6400800"/>
-              </a:xfrm>
-              <a:prstGeom prst="rect">
-                <a:avLst/>
-              </a:prstGeom>
-            </p:spPr>
-          </p:pic>
-          <p:sp>
-            <p:nvSpPr>
-              <p:cNvPr id="33" name="TextBox 32"/>
-              <p:cNvSpPr txBox="1"/>
-              <p:nvPr/>
-            </p:nvSpPr>
-            <p:spPr>
-              <a:xfrm>
-                <a:off x="14731823" y="20708510"/>
-                <a:ext cx="2539969" cy="400110"/>
-              </a:xfrm>
-              <a:prstGeom prst="rect">
-                <a:avLst/>
-              </a:prstGeom>
-              <a:noFill/>
-            </p:spPr>
-            <p:txBody>
-              <a:bodyPr wrap="square" rtlCol="0">
-                <a:spAutoFit/>
-              </a:bodyPr>
-              <a:lstStyle/>
-              <a:p>
-                <a:pPr algn="ctr"/>
-                <a:r>
-                  <a:rPr lang="en-US" sz="2000" dirty="0" smtClean="0">
-                    <a:latin typeface="Garamond"/>
-                    <a:cs typeface="Garamond"/>
-                  </a:rPr>
-                  <a:t>Age</a:t>
-                </a:r>
-                <a:endParaRPr lang="en-US" sz="2000" dirty="0">
-                  <a:latin typeface="Garamond"/>
-                  <a:cs typeface="Garamond"/>
-                </a:endParaRPr>
-              </a:p>
-            </p:txBody>
-          </p:sp>
-          <p:sp>
-            <p:nvSpPr>
-              <p:cNvPr id="34" name="TextBox 33"/>
-              <p:cNvSpPr txBox="1"/>
-              <p:nvPr/>
-            </p:nvSpPr>
-            <p:spPr>
-              <a:xfrm rot="16200000">
-                <a:off x="11438614" y="17896048"/>
-                <a:ext cx="3318891" cy="284046"/>
-              </a:xfrm>
-              <a:prstGeom prst="rect">
-                <a:avLst/>
-              </a:prstGeom>
-              <a:noFill/>
-            </p:spPr>
-            <p:txBody>
-              <a:bodyPr wrap="square" rtlCol="0">
-                <a:spAutoFit/>
-              </a:bodyPr>
-              <a:lstStyle/>
-              <a:p>
-                <a:pPr algn="ctr"/>
-                <a:r>
-                  <a:rPr lang="en-US" sz="2000" dirty="0" smtClean="0">
-                    <a:latin typeface="Garamond"/>
-                    <a:cs typeface="Garamond"/>
-                  </a:rPr>
-                  <a:t> Estimated Glomerular Filtration Rate</a:t>
-                </a:r>
-                <a:endParaRPr lang="en-US" sz="2000" dirty="0">
-                  <a:latin typeface="Garamond"/>
-                  <a:cs typeface="Garamond"/>
-                </a:endParaRPr>
-              </a:p>
-            </p:txBody>
-          </p:sp>
-        </p:grpSp>
-        <p:sp>
-          <p:nvSpPr>
-            <p:cNvPr id="37" name="TextBox 36"/>
-            <p:cNvSpPr txBox="1"/>
-            <p:nvPr/>
-          </p:nvSpPr>
-          <p:spPr>
-            <a:xfrm>
-              <a:off x="14542414" y="14747735"/>
-              <a:ext cx="3577824" cy="400110"/>
-            </a:xfrm>
-            <a:prstGeom prst="rect">
-              <a:avLst/>
-            </a:prstGeom>
-            <a:noFill/>
-          </p:spPr>
-          <p:txBody>
-            <a:bodyPr wrap="square" rtlCol="0">
-              <a:spAutoFit/>
-            </a:bodyPr>
-            <a:lstStyle/>
-            <a:p>
-              <a:pPr algn="ctr"/>
-              <a:r>
-                <a:rPr lang="en-US" sz="2000" dirty="0" err="1" smtClean="0">
-                  <a:latin typeface="Garamond"/>
-                  <a:cs typeface="Garamond"/>
-                </a:rPr>
-                <a:t>eGFR</a:t>
-              </a:r>
-              <a:r>
-                <a:rPr lang="en-US" sz="2000" dirty="0" smtClean="0">
-                  <a:latin typeface="Garamond"/>
-                  <a:cs typeface="Garamond"/>
-                </a:rPr>
-                <a:t> and Age</a:t>
-              </a:r>
-              <a:endParaRPr lang="en-US" sz="2000" dirty="0">
-                <a:latin typeface="Garamond"/>
-                <a:cs typeface="Garamond"/>
-              </a:endParaRPr>
-            </a:p>
-          </p:txBody>
-        </p:sp>
-      </p:grpSp>
       <p:sp>
         <p:nvSpPr>
           <p:cNvPr id="20" name="Oval 19"/>
@@ -3863,7 +3915,7 @@
         </p:nvSpPr>
         <p:spPr>
           <a:xfrm>
-            <a:off x="32778791" y="5607603"/>
+            <a:off x="33235991" y="6014003"/>
             <a:ext cx="3791376" cy="3803406"/>
           </a:xfrm>
           <a:prstGeom prst="ellipse">
@@ -3922,7 +3974,7 @@
         <p:spPr>
           <a:xfrm>
             <a:off x="0" y="0"/>
-            <a:ext cx="43958044" cy="5353591"/>
+            <a:ext cx="43958044" cy="5861646"/>
           </a:xfrm>
           <a:prstGeom prst="rect">
             <a:avLst/>
@@ -3965,7 +4017,7 @@
         </p:nvSpPr>
         <p:spPr>
           <a:xfrm>
-            <a:off x="1114145" y="6792990"/>
+            <a:off x="1114145" y="6996190"/>
             <a:ext cx="8985731" cy="26314888"/>
           </a:xfrm>
           <a:prstGeom prst="rect">
@@ -4165,18 +4217,18 @@
             </a:endParaRPr>
           </a:p>
           <a:p>
-            <a:endParaRPr lang="en-US" sz="4800" b="1" dirty="0" smtClean="0">
-              <a:latin typeface="Garamond"/>
-              <a:cs typeface="Garamond"/>
-            </a:endParaRPr>
-          </a:p>
-          <a:p>
             <a:endParaRPr lang="en-US" sz="4800" b="1" dirty="0">
               <a:latin typeface="Garamond"/>
               <a:cs typeface="Garamond"/>
             </a:endParaRPr>
           </a:p>
           <a:p>
+            <a:endParaRPr lang="en-US" sz="4800" b="1" dirty="0">
+              <a:latin typeface="Garamond"/>
+              <a:cs typeface="Garamond"/>
+            </a:endParaRPr>
+          </a:p>
+          <a:p>
             <a:r>
               <a:rPr lang="en-US" sz="4800" b="1" dirty="0" smtClean="0">
                 <a:latin typeface="Garamond"/>
@@ -4267,14 +4319,14 @@
                 <a:latin typeface="Garamond"/>
                 <a:cs typeface="Garamond"/>
               </a:rPr>
-              <a:t>among roughly </a:t>
+              <a:t>among roughly 320 </a:t>
             </a:r>
             <a:r>
               <a:rPr lang="en-US" sz="3600" dirty="0">
                 <a:latin typeface="Garamond"/>
                 <a:cs typeface="Garamond"/>
               </a:rPr>
-              <a:t>320 million people</a:t>
+              <a:t>million people</a:t>
             </a:r>
             <a:r>
               <a:rPr lang="en-US" sz="3600" dirty="0" smtClean="0">
@@ -4313,7 +4365,7 @@
         </p:nvSpPr>
         <p:spPr>
           <a:xfrm>
-            <a:off x="10734826" y="3276990"/>
+            <a:off x="10671331" y="4840663"/>
             <a:ext cx="22553303" cy="923330"/>
           </a:xfrm>
           <a:prstGeom prst="rect">
@@ -4396,8 +4448,8 @@
         </p:nvSpPr>
         <p:spPr>
           <a:xfrm>
-            <a:off x="3809720" y="955452"/>
-            <a:ext cx="36333483" cy="2092881"/>
+            <a:off x="3809720" y="270042"/>
+            <a:ext cx="36333483" cy="4339650"/>
           </a:xfrm>
           <a:prstGeom prst="rect">
             <a:avLst/>
@@ -4412,22 +4464,45 @@
           <a:p>
             <a:pPr algn="ctr"/>
             <a:r>
-              <a:rPr lang="en-US" sz="13000" dirty="0" smtClean="0">
+              <a:rPr lang="en-US" sz="13800" dirty="0" smtClean="0">
                 <a:solidFill>
                   <a:srgbClr val="FFC400"/>
                 </a:solidFill>
                 <a:latin typeface="Garamond"/>
                 <a:cs typeface="Garamond"/>
               </a:rPr>
-              <a:t>Predicting CKD and Identifying Potential Risk Factors</a:t>
-            </a:r>
-            <a:endParaRPr lang="en-US" sz="13000" dirty="0">
-              <a:solidFill>
-                <a:srgbClr val="FFC400"/>
-              </a:solidFill>
-              <a:latin typeface="Garamond"/>
-              <a:cs typeface="Garamond"/>
-            </a:endParaRPr>
+              <a:t>Predicting CKD </a:t>
+            </a:r>
+            <a:r>
+              <a:rPr lang="en-US" sz="13800" dirty="0" smtClean="0">
+                <a:solidFill>
+                  <a:srgbClr val="FFC400"/>
+                </a:solidFill>
+                <a:latin typeface="Garamond"/>
+                <a:cs typeface="Garamond"/>
+              </a:rPr>
+              <a:t>and Potential </a:t>
+            </a:r>
+            <a:r>
+              <a:rPr lang="en-US" sz="13800" dirty="0" smtClean="0">
+                <a:solidFill>
+                  <a:srgbClr val="FFC400"/>
+                </a:solidFill>
+                <a:latin typeface="Garamond"/>
+                <a:cs typeface="Garamond"/>
+              </a:rPr>
+              <a:t>Risk </a:t>
+            </a:r>
+            <a:r>
+              <a:rPr lang="en-US" sz="13800" dirty="0" smtClean="0">
+                <a:solidFill>
+                  <a:srgbClr val="FFC400"/>
+                </a:solidFill>
+                <a:latin typeface="Garamond"/>
+                <a:cs typeface="Garamond"/>
+              </a:rPr>
+              <a:t>Factors with Multiple Linear Regression</a:t>
+            </a:r>
           </a:p>
         </p:txBody>
       </p:sp>
@@ -4439,10 +4514,10 @@
         </p:nvGrpSpPr>
         <p:grpSpPr>
           <a:xfrm>
-            <a:off x="12339066" y="6306167"/>
-            <a:ext cx="19211128" cy="3170099"/>
+            <a:off x="12339066" y="6634834"/>
+            <a:ext cx="19211128" cy="3046988"/>
             <a:chOff x="12339066" y="6537299"/>
-            <a:chExt cx="19211128" cy="3170099"/>
+            <a:chExt cx="19211128" cy="3046988"/>
           </a:xfrm>
         </p:grpSpPr>
         <p:sp>
@@ -4454,7 +4529,7 @@
           <p:spPr>
             <a:xfrm>
               <a:off x="12339066" y="6537299"/>
-              <a:ext cx="19211128" cy="3170099"/>
+              <a:ext cx="19211128" cy="3046988"/>
             </a:xfrm>
             <a:prstGeom prst="rect">
               <a:avLst/>
@@ -4468,13 +4543,13 @@
             <a:lstStyle/>
             <a:p>
               <a:r>
-                <a:rPr lang="en-US" sz="7500" b="1" dirty="0" smtClean="0">
+                <a:rPr lang="en-US" sz="6600" b="1" dirty="0" smtClean="0">
                   <a:latin typeface="Garamond"/>
                   <a:cs typeface="Garamond"/>
                 </a:rPr>
                 <a:t>Methods</a:t>
               </a:r>
-              <a:endParaRPr lang="en-US" sz="7500" dirty="0" smtClean="0">
+              <a:endParaRPr lang="en-US" sz="6600" dirty="0" smtClean="0">
                 <a:latin typeface="Garamond"/>
                 <a:cs typeface="Garamond"/>
               </a:endParaRPr>
@@ -4516,7 +4591,7 @@
             <a:prstGeom prst="line">
               <a:avLst/>
             </a:prstGeom>
-            <a:ln w="254000" cmpd="sng">
+            <a:ln w="127000" cmpd="sng">
               <a:gradFill flip="none" rotWithShape="1">
                 <a:gsLst>
                   <a:gs pos="0">
@@ -4556,10 +4631,10 @@
         </p:nvGrpSpPr>
         <p:grpSpPr>
           <a:xfrm>
-            <a:off x="12339066" y="25974757"/>
-            <a:ext cx="19211128" cy="6755696"/>
+            <a:off x="12339066" y="26177957"/>
+            <a:ext cx="19211128" cy="7832914"/>
             <a:chOff x="12339066" y="24664621"/>
-            <a:chExt cx="19211128" cy="6755696"/>
+            <a:chExt cx="19211128" cy="7832914"/>
           </a:xfrm>
         </p:grpSpPr>
         <p:sp>
@@ -4571,7 +4646,7 @@
           <p:spPr>
             <a:xfrm>
               <a:off x="12339066" y="24664621"/>
-              <a:ext cx="19211128" cy="6755696"/>
+              <a:ext cx="19211128" cy="7832914"/>
             </a:xfrm>
             <a:prstGeom prst="rect">
               <a:avLst/>
@@ -4585,31 +4660,66 @@
             <a:lstStyle/>
             <a:p>
               <a:r>
-                <a:rPr lang="en-US" sz="7500" b="1" dirty="0" smtClean="0">
+                <a:rPr lang="en-US" sz="6600" b="1" dirty="0" smtClean="0">
                   <a:latin typeface="Garamond"/>
                   <a:cs typeface="Garamond"/>
                 </a:rPr>
                 <a:t>Results </a:t>
               </a:r>
-              <a:endParaRPr lang="en-US" sz="7500" dirty="0" smtClean="0">
+              <a:endParaRPr lang="en-US" sz="6600" dirty="0" smtClean="0">
                 <a:latin typeface="Garamond"/>
                 <a:cs typeface="Garamond"/>
               </a:endParaRPr>
             </a:p>
             <a:p>
-              <a:endParaRPr lang="en-US" sz="4000" dirty="0">
+              <a:endParaRPr lang="en-US" sz="2000" b="1" dirty="0" smtClean="0">
+                <a:solidFill>
+                  <a:srgbClr val="001B3C"/>
+                </a:solidFill>
                 <a:latin typeface="Garamond"/>
                 <a:cs typeface="Garamond"/>
               </a:endParaRPr>
             </a:p>
             <a:p>
-              <a:endParaRPr lang="en-US" sz="5400" b="1" dirty="0" smtClean="0">
+              <a:endParaRPr lang="en-US" sz="3600" dirty="0" smtClean="0">
                 <a:solidFill>
                   <a:srgbClr val="001B3C"/>
                 </a:solidFill>
                 <a:latin typeface="Garamond"/>
                 <a:cs typeface="Garamond"/>
               </a:endParaRPr>
+            </a:p>
+            <a:p>
+              <a:r>
+                <a:rPr lang="en-US" sz="3600" b="1" dirty="0" smtClean="0">
+                  <a:solidFill>
+                    <a:srgbClr val="001B3C"/>
+                  </a:solidFill>
+                  <a:latin typeface="Garamond"/>
+                  <a:cs typeface="Garamond"/>
+                </a:rPr>
+                <a:t>Multiple </a:t>
+              </a:r>
+              <a:r>
+                <a:rPr lang="en-US" sz="3600" b="1" dirty="0" smtClean="0">
+                  <a:solidFill>
+                    <a:srgbClr val="001B3C"/>
+                  </a:solidFill>
+                  <a:latin typeface="Garamond"/>
+                  <a:cs typeface="Garamond"/>
+                </a:rPr>
+                <a:t>Linear Regression Model</a:t>
+              </a:r>
+              <a:r>
+                <a:rPr lang="en-US" sz="3600" b="1" dirty="0" smtClean="0">
+                  <a:solidFill>
+                    <a:srgbClr val="001B3C"/>
+                  </a:solidFill>
+                  <a:latin typeface="Garamond"/>
+                  <a:cs typeface="Garamond"/>
+                </a:rPr>
+                <a:t>:</a:t>
+              </a:r>
             </a:p>
             <a:p>
               <a:r>
@@ -4620,26 +4730,28 @@
                   <a:latin typeface="Garamond"/>
                   <a:cs typeface="Garamond"/>
                 </a:rPr>
-                <a:t>Multiple Linear Regression Model:</a:t>
+                <a:t> </a:t>
               </a:r>
-            </a:p>
-            <a:p>
-              <a:endParaRPr lang="en-US" sz="3600" dirty="0" smtClean="0">
-                <a:solidFill>
-                  <a:srgbClr val="001B3C"/>
-                </a:solidFill>
-                <a:latin typeface="Garamond"/>
-                <a:cs typeface="Garamond"/>
-              </a:endParaRPr>
-            </a:p>
-            <a:p>
-              <a:endParaRPr lang="en-US" sz="3600" dirty="0">
-                <a:solidFill>
-                  <a:srgbClr val="001B3C"/>
-                </a:solidFill>
-                <a:latin typeface="Garamond"/>
-                <a:cs typeface="Garamond"/>
-              </a:endParaRPr>
+              <a:r>
+                <a:rPr lang="en-US" sz="3600" dirty="0" err="1" smtClean="0">
+                  <a:solidFill>
+                    <a:srgbClr val="001B3C"/>
+                  </a:solidFill>
+                  <a:latin typeface="Garamond"/>
+                  <a:cs typeface="Garamond"/>
+                </a:rPr>
+                <a:t>eGFR</a:t>
+              </a:r>
+              <a:r>
+                <a:rPr lang="en-US" sz="3600" dirty="0" smtClean="0">
+                  <a:solidFill>
+                    <a:srgbClr val="001B3C"/>
+                  </a:solidFill>
+                  <a:latin typeface="Garamond"/>
+                  <a:cs typeface="Garamond"/>
+                </a:rPr>
+                <a:t> = Hypertension + Male + Diabetes + Race +  Age + Cholesterol</a:t>
+              </a:r>
             </a:p>
             <a:p>
               <a:r>
@@ -4650,8 +4762,197 @@
                   <a:latin typeface="Garamond"/>
                   <a:cs typeface="Garamond"/>
                 </a:rPr>
-                <a:t>Error rate:</a:t>
+                <a:t>Y = #(X</a:t>
               </a:r>
+              <a:r>
+                <a:rPr lang="en-US" sz="3600" baseline="-25000" dirty="0" smtClean="0">
+                  <a:solidFill>
+                    <a:srgbClr val="001B3C"/>
+                  </a:solidFill>
+                  <a:latin typeface="Garamond"/>
+                  <a:cs typeface="Garamond"/>
+                </a:rPr>
+                <a:t>1</a:t>
+              </a:r>
+              <a:r>
+                <a:rPr lang="en-US" sz="3600" dirty="0" smtClean="0">
+                  <a:solidFill>
+                    <a:srgbClr val="001B3C"/>
+                  </a:solidFill>
+                  <a:latin typeface="Garamond"/>
+                  <a:cs typeface="Garamond"/>
+                </a:rPr>
+                <a:t>) + #(X</a:t>
+              </a:r>
+              <a:r>
+                <a:rPr lang="en-US" sz="3600" baseline="-25000" dirty="0" smtClean="0">
+                  <a:solidFill>
+                    <a:srgbClr val="001B3C"/>
+                  </a:solidFill>
+                  <a:latin typeface="Garamond"/>
+                  <a:cs typeface="Garamond"/>
+                </a:rPr>
+                <a:t>2</a:t>
+              </a:r>
+              <a:r>
+                <a:rPr lang="en-US" sz="3600" dirty="0" smtClean="0">
+                  <a:solidFill>
+                    <a:srgbClr val="001B3C"/>
+                  </a:solidFill>
+                  <a:latin typeface="Garamond"/>
+                  <a:cs typeface="Garamond"/>
+                </a:rPr>
+                <a:t>) + #(X</a:t>
+              </a:r>
+              <a:r>
+                <a:rPr lang="en-US" sz="3600" baseline="-25000" dirty="0" smtClean="0">
+                  <a:solidFill>
+                    <a:srgbClr val="001B3C"/>
+                  </a:solidFill>
+                  <a:latin typeface="Garamond"/>
+                  <a:cs typeface="Garamond"/>
+                </a:rPr>
+                <a:t>3</a:t>
+              </a:r>
+              <a:r>
+                <a:rPr lang="en-US" sz="3600" dirty="0" smtClean="0">
+                  <a:solidFill>
+                    <a:srgbClr val="001B3C"/>
+                  </a:solidFill>
+                  <a:latin typeface="Garamond"/>
+                  <a:cs typeface="Garamond"/>
+                </a:rPr>
+                <a:t>) + #(X</a:t>
+              </a:r>
+              <a:r>
+                <a:rPr lang="en-US" sz="3600" baseline="-25000" dirty="0" smtClean="0">
+                  <a:solidFill>
+                    <a:srgbClr val="001B3C"/>
+                  </a:solidFill>
+                  <a:latin typeface="Garamond"/>
+                  <a:cs typeface="Garamond"/>
+                </a:rPr>
+                <a:t>4</a:t>
+              </a:r>
+              <a:r>
+                <a:rPr lang="en-US" sz="3600" dirty="0" smtClean="0">
+                  <a:solidFill>
+                    <a:srgbClr val="001B3C"/>
+                  </a:solidFill>
+                  <a:latin typeface="Garamond"/>
+                  <a:cs typeface="Garamond"/>
+                </a:rPr>
+                <a:t>) + #(X</a:t>
+              </a:r>
+              <a:r>
+                <a:rPr lang="en-US" sz="3600" baseline="-25000" dirty="0" smtClean="0">
+                  <a:solidFill>
+                    <a:srgbClr val="001B3C"/>
+                  </a:solidFill>
+                  <a:latin typeface="Garamond"/>
+                  <a:cs typeface="Garamond"/>
+                </a:rPr>
+                <a:t>5</a:t>
+              </a:r>
+              <a:r>
+                <a:rPr lang="en-US" sz="3600" dirty="0" smtClean="0">
+                  <a:solidFill>
+                    <a:srgbClr val="001B3C"/>
+                  </a:solidFill>
+                  <a:latin typeface="Garamond"/>
+                  <a:cs typeface="Garamond"/>
+                </a:rPr>
+                <a:t>) + #(X</a:t>
+              </a:r>
+              <a:r>
+                <a:rPr lang="en-US" sz="3600" baseline="-25000" dirty="0" smtClean="0">
+                  <a:solidFill>
+                    <a:srgbClr val="001B3C"/>
+                  </a:solidFill>
+                  <a:latin typeface="Garamond"/>
+                  <a:cs typeface="Garamond"/>
+                </a:rPr>
+                <a:t>6</a:t>
+              </a:r>
+              <a:r>
+                <a:rPr lang="en-US" sz="3600" dirty="0" smtClean="0">
+                  <a:solidFill>
+                    <a:srgbClr val="001B3C"/>
+                  </a:solidFill>
+                  <a:latin typeface="Garamond"/>
+                  <a:cs typeface="Garamond"/>
+                </a:rPr>
+                <a:t>)</a:t>
+              </a:r>
+              <a:endParaRPr lang="en-US" sz="3600" dirty="0" smtClean="0">
+                <a:solidFill>
+                  <a:srgbClr val="001B3C"/>
+                </a:solidFill>
+                <a:latin typeface="Garamond"/>
+                <a:cs typeface="Garamond"/>
+              </a:endParaRPr>
+            </a:p>
+            <a:p>
+              <a:endParaRPr lang="en-US" sz="3600" dirty="0" smtClean="0">
+                <a:solidFill>
+                  <a:srgbClr val="001B3C"/>
+                </a:solidFill>
+                <a:latin typeface="Garamond"/>
+                <a:cs typeface="Garamond"/>
+              </a:endParaRPr>
+            </a:p>
+            <a:p>
+              <a:r>
+                <a:rPr lang="en-US" sz="3600" dirty="0">
+                  <a:solidFill>
+                    <a:srgbClr val="001B3C"/>
+                  </a:solidFill>
+                  <a:latin typeface="Garamond"/>
+                  <a:cs typeface="Garamond"/>
+                </a:rPr>
+                <a:t>O</a:t>
+              </a:r>
+              <a:r>
+                <a:rPr lang="en-US" sz="3600" dirty="0" smtClean="0">
+                  <a:solidFill>
+                    <a:srgbClr val="001B3C"/>
+                  </a:solidFill>
+                  <a:latin typeface="Garamond"/>
+                  <a:cs typeface="Garamond"/>
+                </a:rPr>
+                <a:t>bservations used: 85% (34,332)</a:t>
+              </a:r>
+            </a:p>
+            <a:p>
+              <a:r>
+                <a:rPr lang="en-US" sz="3600" dirty="0" smtClean="0">
+                  <a:solidFill>
+                    <a:srgbClr val="001B3C"/>
+                  </a:solidFill>
+                  <a:latin typeface="Garamond"/>
+                  <a:cs typeface="Garamond"/>
+                </a:rPr>
+                <a:t>Mean error: 12.916</a:t>
+              </a:r>
+            </a:p>
+            <a:p>
+              <a:r>
+                <a:rPr lang="en-US" sz="3600" dirty="0" smtClean="0">
+                  <a:solidFill>
+                    <a:srgbClr val="001B3C"/>
+                  </a:solidFill>
+                  <a:latin typeface="Garamond"/>
+                  <a:cs typeface="Garamond"/>
+                </a:rPr>
+                <a:t>Standard error: 0.0768</a:t>
+              </a:r>
+              <a:endParaRPr lang="en-US" sz="3600" dirty="0">
+                <a:solidFill>
+                  <a:srgbClr val="001B3C"/>
+                </a:solidFill>
+                <a:latin typeface="Garamond"/>
+                <a:cs typeface="Garamond"/>
+              </a:endParaRPr>
             </a:p>
             <a:p>
               <a:endParaRPr lang="en-US" sz="4000" dirty="0">
@@ -4684,13 +4985,13 @@
           </p:nvCxnSpPr>
           <p:spPr>
             <a:xfrm>
-              <a:off x="12339066" y="25970818"/>
+              <a:off x="12339066" y="25920018"/>
               <a:ext cx="19211128" cy="16569"/>
             </a:xfrm>
             <a:prstGeom prst="line">
               <a:avLst/>
             </a:prstGeom>
-            <a:ln w="254000" cmpd="sng">
+            <a:ln w="127000" cmpd="sng">
               <a:gradFill flip="none" rotWithShape="1">
                 <a:gsLst>
                   <a:gs pos="0">
@@ -4730,8 +5031,8 @@
         </p:nvSpPr>
         <p:spPr>
           <a:xfrm>
-            <a:off x="33224634" y="6825025"/>
-            <a:ext cx="10274184" cy="27853783"/>
+            <a:off x="33656389" y="7211459"/>
+            <a:ext cx="9618277" cy="26530332"/>
           </a:xfrm>
           <a:prstGeom prst="rect">
             <a:avLst/>
@@ -4940,14 +5241,7 @@
                 <a:latin typeface="Garamond"/>
                 <a:cs typeface="Garamond"/>
               </a:rPr>
-              <a:t> </a:t>
-            </a:r>
-            <a:r>
-              <a:rPr lang="en-US" sz="3200" dirty="0" smtClean="0">
-                <a:latin typeface="Garamond"/>
-                <a:cs typeface="Garamond"/>
-              </a:rPr>
-              <a:t>Kang, and Dr</a:t>
+              <a:t> Kang, and Dr</a:t>
             </a:r>
             <a:r>
               <a:rPr lang="en-US" sz="3200" dirty="0">
@@ -4983,7 +5277,7 @@
             </a:endParaRPr>
           </a:p>
           <a:p>
-            <a:endParaRPr lang="en-US" sz="4000" dirty="0">
+            <a:endParaRPr lang="en-US" sz="2000" dirty="0">
               <a:latin typeface="Garamond"/>
               <a:cs typeface="Garamond"/>
             </a:endParaRPr>
@@ -5010,601 +5304,8 @@
             </a:endParaRPr>
           </a:p>
           <a:p>
-            <a:r>
-              <a:rPr lang="en-US" sz="2000" dirty="0" smtClean="0">
-                <a:solidFill>
-                  <a:srgbClr val="001B3C"/>
-                </a:solidFill>
-                <a:latin typeface="Garamond"/>
-                <a:cs typeface="Garamond"/>
-              </a:rPr>
-              <a:t>T. Lumley (2014) "survey: analysis of complex survey samples". R package version 3.30.</a:t>
-            </a:r>
-          </a:p>
-          <a:p>
-            <a:r>
-              <a:rPr lang="en-US" sz="2000" dirty="0">
-                <a:solidFill>
-                  <a:srgbClr val="001B3C"/>
-                </a:solidFill>
-                <a:latin typeface="Garamond"/>
-                <a:cs typeface="Garamond"/>
-              </a:rPr>
-              <a:t>H. Wickham. ggplot2: </a:t>
-            </a:r>
-            <a:r>
-              <a:rPr lang="en-US" sz="2000" dirty="0" smtClean="0">
-                <a:solidFill>
-                  <a:srgbClr val="001B3C"/>
-                </a:solidFill>
-                <a:latin typeface="Garamond"/>
-                <a:cs typeface="Garamond"/>
-              </a:rPr>
-              <a:t>Elegant </a:t>
-            </a:r>
-            <a:r>
-              <a:rPr lang="en-US" sz="2000" dirty="0">
-                <a:solidFill>
-                  <a:srgbClr val="001B3C"/>
-                </a:solidFill>
-                <a:latin typeface="Garamond"/>
-                <a:cs typeface="Garamond"/>
-              </a:rPr>
-              <a:t>Graphics for Data Analysis</a:t>
-            </a:r>
-            <a:r>
-              <a:rPr lang="en-US" sz="2000" dirty="0" smtClean="0">
-                <a:solidFill>
-                  <a:srgbClr val="001B3C"/>
-                </a:solidFill>
-                <a:latin typeface="Garamond"/>
-                <a:cs typeface="Garamond"/>
-              </a:rPr>
-              <a:t>. </a:t>
-            </a:r>
-            <a:r>
-              <a:rPr lang="en-US" sz="2000" dirty="0">
-                <a:solidFill>
-                  <a:srgbClr val="001B3C"/>
-                </a:solidFill>
-                <a:latin typeface="Garamond"/>
-                <a:cs typeface="Garamond"/>
-              </a:rPr>
-              <a:t>Springer-</a:t>
-            </a:r>
-            <a:r>
-              <a:rPr lang="en-US" sz="2000" dirty="0" err="1">
-                <a:solidFill>
-                  <a:srgbClr val="001B3C"/>
-                </a:solidFill>
-                <a:latin typeface="Garamond"/>
-                <a:cs typeface="Garamond"/>
-              </a:rPr>
-              <a:t>Verlag</a:t>
-            </a:r>
-            <a:r>
-              <a:rPr lang="en-US" sz="2000" dirty="0">
-                <a:solidFill>
-                  <a:srgbClr val="001B3C"/>
-                </a:solidFill>
-                <a:latin typeface="Garamond"/>
-                <a:cs typeface="Garamond"/>
-              </a:rPr>
-              <a:t> New York, 2009</a:t>
-            </a:r>
-            <a:r>
-              <a:rPr lang="en-US" sz="2000" dirty="0" smtClean="0">
-                <a:solidFill>
-                  <a:srgbClr val="001B3C"/>
-                </a:solidFill>
-                <a:latin typeface="Garamond"/>
-                <a:cs typeface="Garamond"/>
-              </a:rPr>
-              <a:t>.</a:t>
-            </a:r>
-          </a:p>
-          <a:p>
-            <a:r>
-              <a:rPr lang="en-US" sz="2000" dirty="0" smtClean="0">
-                <a:solidFill>
-                  <a:srgbClr val="001B3C"/>
-                </a:solidFill>
-                <a:latin typeface="Garamond"/>
-                <a:cs typeface="Garamond"/>
-              </a:rPr>
-              <a:t>Heike </a:t>
-            </a:r>
-            <a:r>
-              <a:rPr lang="en-US" sz="2000" dirty="0">
-                <a:solidFill>
-                  <a:srgbClr val="001B3C"/>
-                </a:solidFill>
-                <a:latin typeface="Garamond"/>
-                <a:cs typeface="Garamond"/>
-              </a:rPr>
-              <a:t>Hofmann and Marie </a:t>
-            </a:r>
-            <a:r>
-              <a:rPr lang="en-US" sz="2000" dirty="0" err="1" smtClean="0">
-                <a:solidFill>
-                  <a:srgbClr val="001B3C"/>
-                </a:solidFill>
-                <a:latin typeface="Garamond"/>
-                <a:cs typeface="Garamond"/>
-              </a:rPr>
-              <a:t>Vendettuoli</a:t>
-            </a:r>
-            <a:r>
-              <a:rPr lang="en-US" sz="2000" dirty="0" smtClean="0">
-                <a:solidFill>
-                  <a:srgbClr val="001B3C"/>
-                </a:solidFill>
-                <a:latin typeface="Garamond"/>
-                <a:cs typeface="Garamond"/>
-              </a:rPr>
-              <a:t> (</a:t>
-            </a:r>
-            <a:r>
-              <a:rPr lang="en-US" sz="2000" dirty="0">
-                <a:solidFill>
-                  <a:srgbClr val="001B3C"/>
-                </a:solidFill>
-                <a:latin typeface="Garamond"/>
-                <a:cs typeface="Garamond"/>
-              </a:rPr>
-              <a:t>2015). </a:t>
-            </a:r>
-            <a:r>
-              <a:rPr lang="en-US" sz="2000" dirty="0" err="1">
-                <a:solidFill>
-                  <a:srgbClr val="001B3C"/>
-                </a:solidFill>
-                <a:latin typeface="Garamond"/>
-                <a:cs typeface="Garamond"/>
-              </a:rPr>
-              <a:t>ggparallel</a:t>
-            </a:r>
-            <a:r>
-              <a:rPr lang="en-US" sz="2000" dirty="0">
-                <a:solidFill>
-                  <a:srgbClr val="001B3C"/>
-                </a:solidFill>
-                <a:latin typeface="Garamond"/>
-                <a:cs typeface="Garamond"/>
-              </a:rPr>
-              <a:t>: Variations </a:t>
-            </a:r>
-            <a:r>
-              <a:rPr lang="en-US" sz="2000" dirty="0" smtClean="0">
-                <a:solidFill>
-                  <a:srgbClr val="001B3C"/>
-                </a:solidFill>
-                <a:latin typeface="Garamond"/>
-                <a:cs typeface="Garamond"/>
-              </a:rPr>
-              <a:t>of </a:t>
-            </a:r>
-            <a:r>
-              <a:rPr lang="en-US" sz="2000" dirty="0">
-                <a:solidFill>
-                  <a:srgbClr val="001B3C"/>
-                </a:solidFill>
-                <a:latin typeface="Garamond"/>
-                <a:cs typeface="Garamond"/>
-              </a:rPr>
-              <a:t>Parallel Coordinate Plots </a:t>
-            </a:r>
-            <a:r>
-              <a:rPr lang="en-US" sz="2000" dirty="0" smtClean="0">
-                <a:solidFill>
-                  <a:srgbClr val="001B3C"/>
-                </a:solidFill>
-                <a:latin typeface="Garamond"/>
-                <a:cs typeface="Garamond"/>
-              </a:rPr>
-              <a:t>for 	Categorical </a:t>
-            </a:r>
-            <a:r>
-              <a:rPr lang="en-US" sz="2000" dirty="0">
-                <a:solidFill>
-                  <a:srgbClr val="001B3C"/>
-                </a:solidFill>
-                <a:latin typeface="Garamond"/>
-                <a:cs typeface="Garamond"/>
-              </a:rPr>
-              <a:t>Data. R package </a:t>
-            </a:r>
-            <a:r>
-              <a:rPr lang="en-US" sz="2000" dirty="0" smtClean="0">
-                <a:solidFill>
-                  <a:srgbClr val="001B3C"/>
-                </a:solidFill>
-                <a:latin typeface="Garamond"/>
-                <a:cs typeface="Garamond"/>
-              </a:rPr>
-              <a:t>version 0.1.2.</a:t>
-            </a:r>
-          </a:p>
-          <a:p>
-            <a:r>
-              <a:rPr lang="en-US" sz="2000" dirty="0">
-                <a:solidFill>
-                  <a:srgbClr val="001B3C"/>
-                </a:solidFill>
-                <a:latin typeface="Garamond"/>
-                <a:cs typeface="Garamond"/>
-              </a:rPr>
-              <a:t> Dan Carr, ported by </a:t>
-            </a:r>
-            <a:r>
-              <a:rPr lang="en-US" sz="2000" dirty="0" smtClean="0">
-                <a:solidFill>
-                  <a:srgbClr val="001B3C"/>
-                </a:solidFill>
-                <a:latin typeface="Garamond"/>
-                <a:cs typeface="Garamond"/>
-              </a:rPr>
-              <a:t>Nicholas </a:t>
-            </a:r>
-            <a:r>
-              <a:rPr lang="en-US" sz="2000" dirty="0" err="1" smtClean="0">
-                <a:solidFill>
-                  <a:srgbClr val="001B3C"/>
-                </a:solidFill>
-                <a:latin typeface="Garamond"/>
-                <a:cs typeface="Garamond"/>
-              </a:rPr>
-              <a:t>Lewin</a:t>
-            </a:r>
-            <a:r>
-              <a:rPr lang="en-US" sz="2000" dirty="0" err="1">
-                <a:solidFill>
-                  <a:srgbClr val="001B3C"/>
-                </a:solidFill>
-                <a:latin typeface="Garamond"/>
-                <a:cs typeface="Garamond"/>
-              </a:rPr>
-              <a:t>-Koh</a:t>
-            </a:r>
-            <a:r>
-              <a:rPr lang="en-US" sz="2000" dirty="0">
-                <a:solidFill>
-                  <a:srgbClr val="001B3C"/>
-                </a:solidFill>
-                <a:latin typeface="Garamond"/>
-                <a:cs typeface="Garamond"/>
-              </a:rPr>
-              <a:t>, Martin </a:t>
-            </a:r>
-            <a:r>
-              <a:rPr lang="en-US" sz="2000" dirty="0" err="1">
-                <a:solidFill>
-                  <a:srgbClr val="001B3C"/>
-                </a:solidFill>
-                <a:latin typeface="Garamond"/>
-                <a:cs typeface="Garamond"/>
-              </a:rPr>
-              <a:t>Maechler</a:t>
-            </a:r>
-            <a:r>
-              <a:rPr lang="en-US" sz="2000" dirty="0">
-                <a:solidFill>
-                  <a:srgbClr val="001B3C"/>
-                </a:solidFill>
-                <a:latin typeface="Garamond"/>
-                <a:cs typeface="Garamond"/>
-              </a:rPr>
-              <a:t> </a:t>
-            </a:r>
-            <a:r>
-              <a:rPr lang="en-US" sz="2000" dirty="0" smtClean="0">
-                <a:solidFill>
-                  <a:srgbClr val="001B3C"/>
-                </a:solidFill>
-                <a:latin typeface="Garamond"/>
-                <a:cs typeface="Garamond"/>
-              </a:rPr>
-              <a:t>and contains </a:t>
-            </a:r>
-            <a:r>
-              <a:rPr lang="en-US" sz="2000" dirty="0">
-                <a:solidFill>
-                  <a:srgbClr val="001B3C"/>
-                </a:solidFill>
-                <a:latin typeface="Garamond"/>
-                <a:cs typeface="Garamond"/>
-              </a:rPr>
-              <a:t>copies of lattice functions</a:t>
-            </a:r>
-          </a:p>
-          <a:p>
-            <a:r>
-              <a:rPr lang="en-US" sz="2000" dirty="0">
-                <a:solidFill>
-                  <a:srgbClr val="001B3C"/>
-                </a:solidFill>
-                <a:latin typeface="Garamond"/>
-                <a:cs typeface="Garamond"/>
-              </a:rPr>
-              <a:t> </a:t>
-            </a:r>
-            <a:r>
-              <a:rPr lang="en-US" sz="2000" dirty="0" smtClean="0">
-                <a:solidFill>
-                  <a:srgbClr val="001B3C"/>
-                </a:solidFill>
-                <a:latin typeface="Garamond"/>
-                <a:cs typeface="Garamond"/>
-              </a:rPr>
-              <a:t>	written </a:t>
-            </a:r>
-            <a:r>
-              <a:rPr lang="en-US" sz="2000" dirty="0">
-                <a:solidFill>
-                  <a:srgbClr val="001B3C"/>
-                </a:solidFill>
-                <a:latin typeface="Garamond"/>
-                <a:cs typeface="Garamond"/>
-              </a:rPr>
-              <a:t>by </a:t>
-            </a:r>
-            <a:r>
-              <a:rPr lang="en-US" sz="2000" dirty="0" err="1">
-                <a:solidFill>
-                  <a:srgbClr val="001B3C"/>
-                </a:solidFill>
-                <a:latin typeface="Garamond"/>
-                <a:cs typeface="Garamond"/>
-              </a:rPr>
-              <a:t>Deepayan</a:t>
-            </a:r>
-            <a:r>
-              <a:rPr lang="en-US" sz="2000" dirty="0">
-                <a:solidFill>
-                  <a:srgbClr val="001B3C"/>
-                </a:solidFill>
-                <a:latin typeface="Garamond"/>
-                <a:cs typeface="Garamond"/>
-              </a:rPr>
-              <a:t> </a:t>
-            </a:r>
-            <a:r>
-              <a:rPr lang="en-US" sz="2000" dirty="0" err="1">
-                <a:solidFill>
-                  <a:srgbClr val="001B3C"/>
-                </a:solidFill>
-                <a:latin typeface="Garamond"/>
-                <a:cs typeface="Garamond"/>
-              </a:rPr>
-              <a:t>Sarkar</a:t>
-            </a:r>
-            <a:r>
-              <a:rPr lang="en-US" sz="2000" dirty="0">
-                <a:solidFill>
-                  <a:srgbClr val="001B3C"/>
-                </a:solidFill>
-                <a:latin typeface="Garamond"/>
-                <a:cs typeface="Garamond"/>
-              </a:rPr>
-              <a:t> (2015)</a:t>
-            </a:r>
-            <a:r>
-              <a:rPr lang="en-US" sz="2000" dirty="0" smtClean="0">
-                <a:solidFill>
-                  <a:srgbClr val="001B3C"/>
-                </a:solidFill>
-                <a:latin typeface="Garamond"/>
-                <a:cs typeface="Garamond"/>
-              </a:rPr>
-              <a:t>. </a:t>
-            </a:r>
-            <a:r>
-              <a:rPr lang="en-US" sz="2000" dirty="0" err="1" smtClean="0">
-                <a:solidFill>
-                  <a:srgbClr val="001B3C"/>
-                </a:solidFill>
-                <a:latin typeface="Garamond"/>
-                <a:cs typeface="Garamond"/>
-              </a:rPr>
-              <a:t>hexbin</a:t>
-            </a:r>
-            <a:r>
-              <a:rPr lang="en-US" sz="2000" dirty="0">
-                <a:solidFill>
-                  <a:srgbClr val="001B3C"/>
-                </a:solidFill>
-                <a:latin typeface="Garamond"/>
-                <a:cs typeface="Garamond"/>
-              </a:rPr>
-              <a:t>: Hexagonal Binning </a:t>
-            </a:r>
-            <a:r>
-              <a:rPr lang="en-US" sz="2000" dirty="0" smtClean="0">
-                <a:solidFill>
-                  <a:srgbClr val="001B3C"/>
-                </a:solidFill>
-                <a:latin typeface="Garamond"/>
-                <a:cs typeface="Garamond"/>
-              </a:rPr>
-              <a:t>Routines. R 	package </a:t>
-            </a:r>
-            <a:r>
-              <a:rPr lang="en-US" sz="2000" dirty="0">
-                <a:solidFill>
-                  <a:srgbClr val="001B3C"/>
-                </a:solidFill>
-                <a:latin typeface="Garamond"/>
-                <a:cs typeface="Garamond"/>
-              </a:rPr>
-              <a:t>version 1.27.1</a:t>
-            </a:r>
-            <a:r>
-              <a:rPr lang="en-US" sz="2000" dirty="0" smtClean="0">
-                <a:solidFill>
-                  <a:srgbClr val="001B3C"/>
-                </a:solidFill>
-                <a:latin typeface="Garamond"/>
-                <a:cs typeface="Garamond"/>
-              </a:rPr>
-              <a:t>.</a:t>
-            </a:r>
-          </a:p>
-          <a:p>
-            <a:r>
-              <a:rPr lang="en-US" sz="2000" dirty="0">
-                <a:solidFill>
-                  <a:srgbClr val="001B3C"/>
-                </a:solidFill>
-                <a:latin typeface="Garamond"/>
-                <a:cs typeface="Garamond"/>
-              </a:rPr>
-              <a:t>Hadley Wickham (2007). </a:t>
-            </a:r>
-            <a:r>
-              <a:rPr lang="en-US" sz="2000" dirty="0" smtClean="0">
-                <a:solidFill>
-                  <a:srgbClr val="001B3C"/>
-                </a:solidFill>
-                <a:latin typeface="Garamond"/>
-                <a:cs typeface="Garamond"/>
-              </a:rPr>
-              <a:t>Reshaping Data </a:t>
-            </a:r>
-            <a:r>
-              <a:rPr lang="en-US" sz="2000" dirty="0">
-                <a:solidFill>
-                  <a:srgbClr val="001B3C"/>
-                </a:solidFill>
-                <a:latin typeface="Garamond"/>
-                <a:cs typeface="Garamond"/>
-              </a:rPr>
-              <a:t>with the reshape Package</a:t>
-            </a:r>
-            <a:r>
-              <a:rPr lang="en-US" sz="2000" dirty="0" smtClean="0">
-                <a:solidFill>
-                  <a:srgbClr val="001B3C"/>
-                </a:solidFill>
-                <a:latin typeface="Garamond"/>
-                <a:cs typeface="Garamond"/>
-              </a:rPr>
-              <a:t>. </a:t>
-            </a:r>
-            <a:r>
-              <a:rPr lang="en-US" sz="2000" dirty="0">
-                <a:solidFill>
-                  <a:srgbClr val="001B3C"/>
-                </a:solidFill>
-                <a:latin typeface="Garamond"/>
-                <a:cs typeface="Garamond"/>
-              </a:rPr>
-              <a:t>Journal of Statistical Software</a:t>
-            </a:r>
-            <a:r>
-              <a:rPr lang="en-US" sz="2000" dirty="0" smtClean="0">
-                <a:solidFill>
-                  <a:srgbClr val="001B3C"/>
-                </a:solidFill>
-                <a:latin typeface="Garamond"/>
-                <a:cs typeface="Garamond"/>
-              </a:rPr>
-              <a:t>, 	21</a:t>
-            </a:r>
-            <a:r>
-              <a:rPr lang="en-US" sz="2000" dirty="0">
-                <a:solidFill>
-                  <a:srgbClr val="001B3C"/>
-                </a:solidFill>
-                <a:latin typeface="Garamond"/>
-                <a:cs typeface="Garamond"/>
-              </a:rPr>
-              <a:t>(12), 1-20</a:t>
-            </a:r>
-            <a:r>
-              <a:rPr lang="en-US" sz="2000" dirty="0" smtClean="0">
-                <a:solidFill>
-                  <a:srgbClr val="001B3C"/>
-                </a:solidFill>
-                <a:latin typeface="Garamond"/>
-                <a:cs typeface="Garamond"/>
-              </a:rPr>
-              <a:t>.</a:t>
-            </a:r>
-          </a:p>
-          <a:p>
-            <a:r>
-              <a:rPr lang="en-US" sz="2000" dirty="0">
-                <a:solidFill>
-                  <a:srgbClr val="001B3C"/>
-                </a:solidFill>
-                <a:latin typeface="Garamond"/>
-                <a:cs typeface="Garamond"/>
-              </a:rPr>
-              <a:t> Winston Chang, (2014). </a:t>
-            </a:r>
-            <a:r>
-              <a:rPr lang="en-US" sz="2000" dirty="0" err="1" smtClean="0">
-                <a:solidFill>
-                  <a:srgbClr val="001B3C"/>
-                </a:solidFill>
-                <a:latin typeface="Garamond"/>
-                <a:cs typeface="Garamond"/>
-              </a:rPr>
-              <a:t>Extrafont</a:t>
-            </a:r>
-            <a:r>
-              <a:rPr lang="en-US" sz="2000" dirty="0" smtClean="0">
-                <a:solidFill>
-                  <a:srgbClr val="001B3C"/>
-                </a:solidFill>
-                <a:latin typeface="Garamond"/>
-                <a:cs typeface="Garamond"/>
-              </a:rPr>
-              <a:t>: Tools </a:t>
-            </a:r>
-            <a:r>
-              <a:rPr lang="en-US" sz="2000" dirty="0">
-                <a:solidFill>
-                  <a:srgbClr val="001B3C"/>
-                </a:solidFill>
-                <a:latin typeface="Garamond"/>
-                <a:cs typeface="Garamond"/>
-              </a:rPr>
-              <a:t>for using fonts. R </a:t>
-            </a:r>
-            <a:r>
-              <a:rPr lang="en-US" sz="2000" dirty="0" smtClean="0">
-                <a:solidFill>
-                  <a:srgbClr val="001B3C"/>
-                </a:solidFill>
-                <a:latin typeface="Garamond"/>
-                <a:cs typeface="Garamond"/>
-              </a:rPr>
-              <a:t>package version </a:t>
-            </a:r>
-            <a:r>
-              <a:rPr lang="en-US" sz="2000" dirty="0">
-                <a:solidFill>
-                  <a:srgbClr val="001B3C"/>
-                </a:solidFill>
-                <a:latin typeface="Garamond"/>
-                <a:cs typeface="Garamond"/>
-              </a:rPr>
-              <a:t>0.17</a:t>
-            </a:r>
-            <a:r>
-              <a:rPr lang="en-US" sz="2000" dirty="0" smtClean="0">
-                <a:solidFill>
-                  <a:srgbClr val="001B3C"/>
-                </a:solidFill>
-                <a:latin typeface="Garamond"/>
-                <a:cs typeface="Garamond"/>
-              </a:rPr>
-              <a:t>.</a:t>
-            </a:r>
-          </a:p>
-          <a:p>
-            <a:endParaRPr lang="en-US" sz="2000" dirty="0">
+            <a:pPr indent="-457200"/>
+            <a:endParaRPr lang="en-US" sz="1600" dirty="0" smtClean="0">
               <a:solidFill>
                 <a:srgbClr val="001B3C"/>
               </a:solidFill>
@@ -5613,7 +5314,41 @@
             </a:endParaRPr>
           </a:p>
           <a:p>
-            <a:endParaRPr lang="en-US" sz="2000" dirty="0">
+            <a:pPr indent="-457200"/>
+            <a:r>
+              <a:rPr lang="en-US" sz="1600" dirty="0" smtClean="0">
+                <a:solidFill>
+                  <a:srgbClr val="001B3C"/>
+                </a:solidFill>
+                <a:latin typeface="Garamond"/>
+                <a:cs typeface="Garamond"/>
+              </a:rPr>
+              <a:t>T</a:t>
+            </a:r>
+            <a:r>
+              <a:rPr lang="en-US" sz="1600" dirty="0" smtClean="0">
+                <a:solidFill>
+                  <a:srgbClr val="001B3C"/>
+                </a:solidFill>
+                <a:latin typeface="Garamond"/>
+                <a:cs typeface="Garamond"/>
+              </a:rPr>
+              <a:t>. Lumley (2014) "survey: analysis of complex survey samples". R package version 3.30</a:t>
+            </a:r>
+            <a:r>
+              <a:rPr lang="en-US" sz="1600" dirty="0" smtClean="0">
+                <a:solidFill>
+                  <a:srgbClr val="001B3C"/>
+                </a:solidFill>
+                <a:latin typeface="Garamond"/>
+                <a:cs typeface="Garamond"/>
+              </a:rPr>
+              <a:t>.</a:t>
+            </a:r>
+          </a:p>
+          <a:p>
+            <a:pPr indent="-457200"/>
+            <a:endParaRPr lang="en-US" sz="1600" dirty="0" smtClean="0">
               <a:solidFill>
                 <a:srgbClr val="001B3C"/>
               </a:solidFill>
@@ -5622,7 +5357,91 @@
             </a:endParaRPr>
           </a:p>
           <a:p>
-            <a:endParaRPr lang="en-US" sz="2000" dirty="0" smtClean="0">
+            <a:pPr indent="-457200"/>
+            <a:r>
+              <a:rPr lang="en-US" sz="1600" dirty="0">
+                <a:solidFill>
+                  <a:srgbClr val="001B3C"/>
+                </a:solidFill>
+                <a:latin typeface="Garamond"/>
+                <a:cs typeface="Garamond"/>
+              </a:rPr>
+              <a:t>H. Wickham. ggplot2: </a:t>
+            </a:r>
+            <a:r>
+              <a:rPr lang="en-US" sz="1600" dirty="0" smtClean="0">
+                <a:solidFill>
+                  <a:srgbClr val="001B3C"/>
+                </a:solidFill>
+                <a:latin typeface="Garamond"/>
+                <a:cs typeface="Garamond"/>
+              </a:rPr>
+              <a:t>Elegant </a:t>
+            </a:r>
+            <a:r>
+              <a:rPr lang="en-US" sz="1600" dirty="0">
+                <a:solidFill>
+                  <a:srgbClr val="001B3C"/>
+                </a:solidFill>
+                <a:latin typeface="Garamond"/>
+                <a:cs typeface="Garamond"/>
+              </a:rPr>
+              <a:t>Graphics for Data Analysis</a:t>
+            </a:r>
+            <a:r>
+              <a:rPr lang="en-US" sz="1600" dirty="0" smtClean="0">
+                <a:solidFill>
+                  <a:srgbClr val="001B3C"/>
+                </a:solidFill>
+                <a:latin typeface="Garamond"/>
+                <a:cs typeface="Garamond"/>
+              </a:rPr>
+              <a:t>. </a:t>
+            </a:r>
+            <a:r>
+              <a:rPr lang="en-US" sz="1600" dirty="0">
+                <a:solidFill>
+                  <a:srgbClr val="001B3C"/>
+                </a:solidFill>
+                <a:latin typeface="Garamond"/>
+                <a:cs typeface="Garamond"/>
+              </a:rPr>
+              <a:t>Springer-</a:t>
+            </a:r>
+            <a:r>
+              <a:rPr lang="en-US" sz="1600" dirty="0" err="1">
+                <a:solidFill>
+                  <a:srgbClr val="001B3C"/>
+                </a:solidFill>
+                <a:latin typeface="Garamond"/>
+                <a:cs typeface="Garamond"/>
+              </a:rPr>
+              <a:t>Verlag</a:t>
+            </a:r>
+            <a:r>
+              <a:rPr lang="en-US" sz="1600" dirty="0">
+                <a:solidFill>
+                  <a:srgbClr val="001B3C"/>
+                </a:solidFill>
+                <a:latin typeface="Garamond"/>
+                <a:cs typeface="Garamond"/>
+              </a:rPr>
+              <a:t> New York, 2009</a:t>
+            </a:r>
+            <a:r>
+              <a:rPr lang="en-US" sz="1600" dirty="0" smtClean="0">
+                <a:solidFill>
+                  <a:srgbClr val="001B3C"/>
+                </a:solidFill>
+                <a:latin typeface="Garamond"/>
+                <a:cs typeface="Garamond"/>
+              </a:rPr>
+              <a:t>.</a:t>
+            </a:r>
+          </a:p>
+          <a:p>
+            <a:pPr indent="-457200"/>
+            <a:endParaRPr lang="en-US" sz="1600" dirty="0" smtClean="0">
               <a:solidFill>
                 <a:srgbClr val="001B3C"/>
               </a:solidFill>
@@ -5631,7 +5450,151 @@
             </a:endParaRPr>
           </a:p>
           <a:p>
-            <a:endParaRPr lang="en-US" sz="2000" dirty="0">
+            <a:pPr indent="-457200"/>
+            <a:r>
+              <a:rPr lang="en-US" sz="1600" dirty="0" smtClean="0">
+                <a:solidFill>
+                  <a:srgbClr val="001B3C"/>
+                </a:solidFill>
+                <a:latin typeface="Garamond"/>
+                <a:cs typeface="Garamond"/>
+              </a:rPr>
+              <a:t>Heike </a:t>
+            </a:r>
+            <a:r>
+              <a:rPr lang="en-US" sz="1600" dirty="0">
+                <a:solidFill>
+                  <a:srgbClr val="001B3C"/>
+                </a:solidFill>
+                <a:latin typeface="Garamond"/>
+                <a:cs typeface="Garamond"/>
+              </a:rPr>
+              <a:t>Hofmann and Marie </a:t>
+            </a:r>
+            <a:r>
+              <a:rPr lang="en-US" sz="1600" dirty="0" err="1" smtClean="0">
+                <a:solidFill>
+                  <a:srgbClr val="001B3C"/>
+                </a:solidFill>
+                <a:latin typeface="Garamond"/>
+                <a:cs typeface="Garamond"/>
+              </a:rPr>
+              <a:t>Vendettuoli</a:t>
+            </a:r>
+            <a:r>
+              <a:rPr lang="en-US" sz="1600" dirty="0" smtClean="0">
+                <a:solidFill>
+                  <a:srgbClr val="001B3C"/>
+                </a:solidFill>
+                <a:latin typeface="Garamond"/>
+                <a:cs typeface="Garamond"/>
+              </a:rPr>
+              <a:t> (</a:t>
+            </a:r>
+            <a:r>
+              <a:rPr lang="en-US" sz="1600" dirty="0">
+                <a:solidFill>
+                  <a:srgbClr val="001B3C"/>
+                </a:solidFill>
+                <a:latin typeface="Garamond"/>
+                <a:cs typeface="Garamond"/>
+              </a:rPr>
+              <a:t>2015). </a:t>
+            </a:r>
+            <a:r>
+              <a:rPr lang="en-US" sz="1600" dirty="0" err="1">
+                <a:solidFill>
+                  <a:srgbClr val="001B3C"/>
+                </a:solidFill>
+                <a:latin typeface="Garamond"/>
+                <a:cs typeface="Garamond"/>
+              </a:rPr>
+              <a:t>ggparallel</a:t>
+            </a:r>
+            <a:r>
+              <a:rPr lang="en-US" sz="1600" dirty="0">
+                <a:solidFill>
+                  <a:srgbClr val="001B3C"/>
+                </a:solidFill>
+                <a:latin typeface="Garamond"/>
+                <a:cs typeface="Garamond"/>
+              </a:rPr>
+              <a:t>: Variations </a:t>
+            </a:r>
+            <a:r>
+              <a:rPr lang="en-US" sz="1600" dirty="0" smtClean="0">
+                <a:solidFill>
+                  <a:srgbClr val="001B3C"/>
+                </a:solidFill>
+                <a:latin typeface="Garamond"/>
+                <a:cs typeface="Garamond"/>
+              </a:rPr>
+              <a:t>of </a:t>
+            </a:r>
+            <a:r>
+              <a:rPr lang="en-US" sz="1600" dirty="0">
+                <a:solidFill>
+                  <a:srgbClr val="001B3C"/>
+                </a:solidFill>
+                <a:latin typeface="Garamond"/>
+                <a:cs typeface="Garamond"/>
+              </a:rPr>
+              <a:t>Parallel Coordinate Plots </a:t>
+            </a:r>
+            <a:r>
+              <a:rPr lang="en-US" sz="1600" dirty="0" smtClean="0">
+                <a:solidFill>
+                  <a:srgbClr val="001B3C"/>
+                </a:solidFill>
+                <a:latin typeface="Garamond"/>
+                <a:cs typeface="Garamond"/>
+              </a:rPr>
+              <a:t>for Categorical </a:t>
+            </a:r>
+            <a:r>
+              <a:rPr lang="en-US" sz="1600" dirty="0">
+                <a:solidFill>
+                  <a:srgbClr val="001B3C"/>
+                </a:solidFill>
+                <a:latin typeface="Garamond"/>
+                <a:cs typeface="Garamond"/>
+              </a:rPr>
+              <a:t>Data. </a:t>
+            </a:r>
+            <a:r>
+              <a:rPr lang="en-US" sz="1600" dirty="0" smtClean="0">
+                <a:solidFill>
+                  <a:srgbClr val="001B3C"/>
+                </a:solidFill>
+                <a:latin typeface="Garamond"/>
+                <a:cs typeface="Garamond"/>
+              </a:rPr>
+              <a:t>R package </a:t>
+            </a:r>
+            <a:r>
+              <a:rPr lang="en-US" sz="1600" dirty="0" smtClean="0">
+                <a:solidFill>
+                  <a:srgbClr val="001B3C"/>
+                </a:solidFill>
+                <a:latin typeface="Garamond"/>
+                <a:cs typeface="Garamond"/>
+              </a:rPr>
+              <a:t>version 0.1.2</a:t>
+            </a:r>
+            <a:r>
+              <a:rPr lang="en-US" sz="1600" dirty="0" smtClean="0">
+                <a:solidFill>
+                  <a:srgbClr val="001B3C"/>
+                </a:solidFill>
+                <a:latin typeface="Garamond"/>
+                <a:cs typeface="Garamond"/>
+              </a:rPr>
+              <a:t>.</a:t>
+            </a:r>
+          </a:p>
+          <a:p>
+            <a:pPr indent="-457200"/>
+            <a:endParaRPr lang="en-US" sz="1600" dirty="0" smtClean="0">
               <a:solidFill>
                 <a:srgbClr val="001B3C"/>
               </a:solidFill>
@@ -5640,19 +5603,251 @@
             </a:endParaRPr>
           </a:p>
           <a:p>
-            <a:r>
-              <a:rPr lang="en-US" sz="2000" dirty="0" smtClean="0">
-                <a:solidFill>
-                  <a:srgbClr val="001B3C"/>
-                </a:solidFill>
-                <a:latin typeface="Garamond"/>
-                <a:cs typeface="Garamond"/>
-              </a:rPr>
-              <a:t>Articles they provided for reading</a:t>
-            </a:r>
-          </a:p>
-          <a:p>
-            <a:endParaRPr lang="en-US" sz="5400" b="1" dirty="0">
+            <a:pPr indent="-457200"/>
+            <a:r>
+              <a:rPr lang="en-US" sz="1600" dirty="0" smtClean="0">
+                <a:solidFill>
+                  <a:srgbClr val="001B3C"/>
+                </a:solidFill>
+                <a:latin typeface="Garamond"/>
+                <a:cs typeface="Garamond"/>
+              </a:rPr>
+              <a:t>Dan </a:t>
+            </a:r>
+            <a:r>
+              <a:rPr lang="en-US" sz="1600" dirty="0">
+                <a:solidFill>
+                  <a:srgbClr val="001B3C"/>
+                </a:solidFill>
+                <a:latin typeface="Garamond"/>
+                <a:cs typeface="Garamond"/>
+              </a:rPr>
+              <a:t>Carr, ported by </a:t>
+            </a:r>
+            <a:r>
+              <a:rPr lang="en-US" sz="1600" dirty="0" smtClean="0">
+                <a:solidFill>
+                  <a:srgbClr val="001B3C"/>
+                </a:solidFill>
+                <a:latin typeface="Garamond"/>
+                <a:cs typeface="Garamond"/>
+              </a:rPr>
+              <a:t>Nicholas </a:t>
+            </a:r>
+            <a:r>
+              <a:rPr lang="en-US" sz="1600" dirty="0" err="1" smtClean="0">
+                <a:solidFill>
+                  <a:srgbClr val="001B3C"/>
+                </a:solidFill>
+                <a:latin typeface="Garamond"/>
+                <a:cs typeface="Garamond"/>
+              </a:rPr>
+              <a:t>Lewin</a:t>
+            </a:r>
+            <a:r>
+              <a:rPr lang="en-US" sz="1600" dirty="0" err="1">
+                <a:solidFill>
+                  <a:srgbClr val="001B3C"/>
+                </a:solidFill>
+                <a:latin typeface="Garamond"/>
+                <a:cs typeface="Garamond"/>
+              </a:rPr>
+              <a:t>-Koh</a:t>
+            </a:r>
+            <a:r>
+              <a:rPr lang="en-US" sz="1600" dirty="0">
+                <a:solidFill>
+                  <a:srgbClr val="001B3C"/>
+                </a:solidFill>
+                <a:latin typeface="Garamond"/>
+                <a:cs typeface="Garamond"/>
+              </a:rPr>
+              <a:t>, Martin </a:t>
+            </a:r>
+            <a:r>
+              <a:rPr lang="en-US" sz="1600" dirty="0" err="1">
+                <a:solidFill>
+                  <a:srgbClr val="001B3C"/>
+                </a:solidFill>
+                <a:latin typeface="Garamond"/>
+                <a:cs typeface="Garamond"/>
+              </a:rPr>
+              <a:t>Maechler</a:t>
+            </a:r>
+            <a:r>
+              <a:rPr lang="en-US" sz="1600" dirty="0">
+                <a:solidFill>
+                  <a:srgbClr val="001B3C"/>
+                </a:solidFill>
+                <a:latin typeface="Garamond"/>
+                <a:cs typeface="Garamond"/>
+              </a:rPr>
+              <a:t> </a:t>
+            </a:r>
+            <a:r>
+              <a:rPr lang="en-US" sz="1600" dirty="0" smtClean="0">
+                <a:solidFill>
+                  <a:srgbClr val="001B3C"/>
+                </a:solidFill>
+                <a:latin typeface="Garamond"/>
+                <a:cs typeface="Garamond"/>
+              </a:rPr>
+              <a:t>and contains </a:t>
+            </a:r>
+            <a:r>
+              <a:rPr lang="en-US" sz="1600" dirty="0">
+                <a:solidFill>
+                  <a:srgbClr val="001B3C"/>
+                </a:solidFill>
+                <a:latin typeface="Garamond"/>
+                <a:cs typeface="Garamond"/>
+              </a:rPr>
+              <a:t>copies of lattice </a:t>
+            </a:r>
+            <a:r>
+              <a:rPr lang="en-US" sz="1600" dirty="0" smtClean="0">
+                <a:solidFill>
+                  <a:srgbClr val="001B3C"/>
+                </a:solidFill>
+                <a:latin typeface="Garamond"/>
+                <a:cs typeface="Garamond"/>
+              </a:rPr>
+              <a:t>functions written </a:t>
+            </a:r>
+            <a:r>
+              <a:rPr lang="en-US" sz="1600" dirty="0">
+                <a:solidFill>
+                  <a:srgbClr val="001B3C"/>
+                </a:solidFill>
+                <a:latin typeface="Garamond"/>
+                <a:cs typeface="Garamond"/>
+              </a:rPr>
+              <a:t>by </a:t>
+            </a:r>
+            <a:r>
+              <a:rPr lang="en-US" sz="1600" dirty="0" err="1" smtClean="0">
+                <a:solidFill>
+                  <a:srgbClr val="001B3C"/>
+                </a:solidFill>
+                <a:latin typeface="Garamond"/>
+                <a:cs typeface="Garamond"/>
+              </a:rPr>
+              <a:t>Deepayan</a:t>
+            </a:r>
+            <a:r>
+              <a:rPr lang="en-US" sz="1600" dirty="0" smtClean="0">
+                <a:solidFill>
+                  <a:srgbClr val="001B3C"/>
+                </a:solidFill>
+                <a:latin typeface="Garamond"/>
+                <a:cs typeface="Garamond"/>
+              </a:rPr>
+              <a:t> </a:t>
+            </a:r>
+            <a:r>
+              <a:rPr lang="en-US" sz="1600" dirty="0" err="1" smtClean="0">
+                <a:solidFill>
+                  <a:srgbClr val="001B3C"/>
+                </a:solidFill>
+                <a:latin typeface="Garamond"/>
+                <a:cs typeface="Garamond"/>
+              </a:rPr>
+              <a:t>Sarkar</a:t>
+            </a:r>
+            <a:r>
+              <a:rPr lang="en-US" sz="1600" dirty="0">
+                <a:solidFill>
+                  <a:srgbClr val="001B3C"/>
+                </a:solidFill>
+                <a:latin typeface="Garamond"/>
+                <a:cs typeface="Garamond"/>
+              </a:rPr>
+              <a:t> </a:t>
+            </a:r>
+            <a:r>
+              <a:rPr lang="en-US" sz="1600" dirty="0" smtClean="0">
+                <a:solidFill>
+                  <a:srgbClr val="001B3C"/>
+                </a:solidFill>
+                <a:latin typeface="Garamond"/>
+                <a:cs typeface="Garamond"/>
+              </a:rPr>
+              <a:t>(</a:t>
+            </a:r>
+            <a:r>
+              <a:rPr lang="en-US" sz="1600" dirty="0">
+                <a:solidFill>
+                  <a:srgbClr val="001B3C"/>
+                </a:solidFill>
+                <a:latin typeface="Garamond"/>
+                <a:cs typeface="Garamond"/>
+              </a:rPr>
+              <a:t>2015)</a:t>
+            </a:r>
+            <a:r>
+              <a:rPr lang="en-US" sz="1600" dirty="0" smtClean="0">
+                <a:solidFill>
+                  <a:srgbClr val="001B3C"/>
+                </a:solidFill>
+                <a:latin typeface="Garamond"/>
+                <a:cs typeface="Garamond"/>
+              </a:rPr>
+              <a:t>. </a:t>
+            </a:r>
+            <a:r>
+              <a:rPr lang="en-US" sz="1600" dirty="0" err="1" smtClean="0">
+                <a:solidFill>
+                  <a:srgbClr val="001B3C"/>
+                </a:solidFill>
+                <a:latin typeface="Garamond"/>
+                <a:cs typeface="Garamond"/>
+              </a:rPr>
+              <a:t>hexbin</a:t>
+            </a:r>
+            <a:r>
+              <a:rPr lang="en-US" sz="1600" dirty="0">
+                <a:solidFill>
+                  <a:srgbClr val="001B3C"/>
+                </a:solidFill>
+                <a:latin typeface="Garamond"/>
+                <a:cs typeface="Garamond"/>
+              </a:rPr>
+              <a:t>: Hexagonal Binning </a:t>
+            </a:r>
+            <a:r>
+              <a:rPr lang="en-US" sz="1600" dirty="0" smtClean="0">
+                <a:solidFill>
+                  <a:srgbClr val="001B3C"/>
+                </a:solidFill>
+                <a:latin typeface="Garamond"/>
+                <a:cs typeface="Garamond"/>
+              </a:rPr>
+              <a:t>Routines. R package </a:t>
+            </a:r>
+            <a:r>
+              <a:rPr lang="en-US" sz="1600" dirty="0">
+                <a:solidFill>
+                  <a:srgbClr val="001B3C"/>
+                </a:solidFill>
+                <a:latin typeface="Garamond"/>
+                <a:cs typeface="Garamond"/>
+              </a:rPr>
+              <a:t>version 1.27.1</a:t>
+            </a:r>
+            <a:r>
+              <a:rPr lang="en-US" sz="1600" dirty="0" smtClean="0">
+                <a:solidFill>
+                  <a:srgbClr val="001B3C"/>
+                </a:solidFill>
+                <a:latin typeface="Garamond"/>
+                <a:cs typeface="Garamond"/>
+              </a:rPr>
+              <a:t>.</a:t>
+            </a:r>
+          </a:p>
+          <a:p>
+            <a:pPr indent="-457200"/>
+            <a:endParaRPr lang="en-US" sz="1600" dirty="0" smtClean="0">
               <a:solidFill>
                 <a:srgbClr val="001B3C"/>
               </a:solidFill>
@@ -5661,7 +5856,308 @@
             </a:endParaRPr>
           </a:p>
           <a:p>
-            <a:endParaRPr lang="en-US" sz="4000" dirty="0">
+            <a:pPr indent="-457200"/>
+            <a:r>
+              <a:rPr lang="en-US" sz="1600" dirty="0">
+                <a:solidFill>
+                  <a:srgbClr val="001B3C"/>
+                </a:solidFill>
+                <a:latin typeface="Garamond"/>
+                <a:cs typeface="Garamond"/>
+              </a:rPr>
+              <a:t>Hadley Wickham (2007). </a:t>
+            </a:r>
+            <a:r>
+              <a:rPr lang="en-US" sz="1600" dirty="0" smtClean="0">
+                <a:solidFill>
+                  <a:srgbClr val="001B3C"/>
+                </a:solidFill>
+                <a:latin typeface="Garamond"/>
+                <a:cs typeface="Garamond"/>
+              </a:rPr>
+              <a:t>Reshaping Data </a:t>
+            </a:r>
+            <a:r>
+              <a:rPr lang="en-US" sz="1600" dirty="0">
+                <a:solidFill>
+                  <a:srgbClr val="001B3C"/>
+                </a:solidFill>
+                <a:latin typeface="Garamond"/>
+                <a:cs typeface="Garamond"/>
+              </a:rPr>
+              <a:t>with the reshape Package</a:t>
+            </a:r>
+            <a:r>
+              <a:rPr lang="en-US" sz="1600" dirty="0" smtClean="0">
+                <a:solidFill>
+                  <a:srgbClr val="001B3C"/>
+                </a:solidFill>
+                <a:latin typeface="Garamond"/>
+                <a:cs typeface="Garamond"/>
+              </a:rPr>
+              <a:t>. </a:t>
+            </a:r>
+            <a:r>
+              <a:rPr lang="en-US" sz="1600" dirty="0">
+                <a:solidFill>
+                  <a:srgbClr val="001B3C"/>
+                </a:solidFill>
+                <a:latin typeface="Garamond"/>
+                <a:cs typeface="Garamond"/>
+              </a:rPr>
+              <a:t>Journal of Statistical Software</a:t>
+            </a:r>
+            <a:r>
+              <a:rPr lang="en-US" sz="1600" dirty="0" smtClean="0">
+                <a:solidFill>
+                  <a:srgbClr val="001B3C"/>
+                </a:solidFill>
+                <a:latin typeface="Garamond"/>
+                <a:cs typeface="Garamond"/>
+              </a:rPr>
+              <a:t>, 21</a:t>
+            </a:r>
+            <a:r>
+              <a:rPr lang="en-US" sz="1600" dirty="0">
+                <a:solidFill>
+                  <a:srgbClr val="001B3C"/>
+                </a:solidFill>
+                <a:latin typeface="Garamond"/>
+                <a:cs typeface="Garamond"/>
+              </a:rPr>
+              <a:t>(12), 1-20</a:t>
+            </a:r>
+            <a:r>
+              <a:rPr lang="en-US" sz="1600" dirty="0" smtClean="0">
+                <a:solidFill>
+                  <a:srgbClr val="001B3C"/>
+                </a:solidFill>
+                <a:latin typeface="Garamond"/>
+                <a:cs typeface="Garamond"/>
+              </a:rPr>
+              <a:t>.</a:t>
+            </a:r>
+          </a:p>
+          <a:p>
+            <a:pPr indent="-457200"/>
+            <a:endParaRPr lang="en-US" sz="1600" dirty="0" smtClean="0">
+              <a:solidFill>
+                <a:srgbClr val="001B3C"/>
+              </a:solidFill>
+              <a:latin typeface="Garamond"/>
+              <a:cs typeface="Garamond"/>
+            </a:endParaRPr>
+          </a:p>
+          <a:p>
+            <a:pPr indent="-457200"/>
+            <a:r>
+              <a:rPr lang="en-US" sz="1600" dirty="0" smtClean="0">
+                <a:solidFill>
+                  <a:srgbClr val="001B3C"/>
+                </a:solidFill>
+                <a:latin typeface="Garamond"/>
+                <a:cs typeface="Garamond"/>
+              </a:rPr>
+              <a:t>Winston </a:t>
+            </a:r>
+            <a:r>
+              <a:rPr lang="en-US" sz="1600" dirty="0">
+                <a:solidFill>
+                  <a:srgbClr val="001B3C"/>
+                </a:solidFill>
+                <a:latin typeface="Garamond"/>
+                <a:cs typeface="Garamond"/>
+              </a:rPr>
+              <a:t>Chang, (2014). </a:t>
+            </a:r>
+            <a:r>
+              <a:rPr lang="en-US" sz="1600" dirty="0" err="1" smtClean="0">
+                <a:solidFill>
+                  <a:srgbClr val="001B3C"/>
+                </a:solidFill>
+                <a:latin typeface="Garamond"/>
+                <a:cs typeface="Garamond"/>
+              </a:rPr>
+              <a:t>Extrafont</a:t>
+            </a:r>
+            <a:r>
+              <a:rPr lang="en-US" sz="1600" dirty="0" smtClean="0">
+                <a:solidFill>
+                  <a:srgbClr val="001B3C"/>
+                </a:solidFill>
+                <a:latin typeface="Garamond"/>
+                <a:cs typeface="Garamond"/>
+              </a:rPr>
+              <a:t>: Tools </a:t>
+            </a:r>
+            <a:r>
+              <a:rPr lang="en-US" sz="1600" dirty="0">
+                <a:solidFill>
+                  <a:srgbClr val="001B3C"/>
+                </a:solidFill>
+                <a:latin typeface="Garamond"/>
+                <a:cs typeface="Garamond"/>
+              </a:rPr>
+              <a:t>for using fonts. R </a:t>
+            </a:r>
+            <a:r>
+              <a:rPr lang="en-US" sz="1600" dirty="0" smtClean="0">
+                <a:solidFill>
+                  <a:srgbClr val="001B3C"/>
+                </a:solidFill>
+                <a:latin typeface="Garamond"/>
+                <a:cs typeface="Garamond"/>
+              </a:rPr>
+              <a:t>package version </a:t>
+            </a:r>
+            <a:r>
+              <a:rPr lang="en-US" sz="1600" dirty="0">
+                <a:solidFill>
+                  <a:srgbClr val="001B3C"/>
+                </a:solidFill>
+                <a:latin typeface="Garamond"/>
+                <a:cs typeface="Garamond"/>
+              </a:rPr>
+              <a:t>0.17</a:t>
+            </a:r>
+            <a:r>
+              <a:rPr lang="en-US" sz="1600" dirty="0" smtClean="0">
+                <a:solidFill>
+                  <a:srgbClr val="001B3C"/>
+                </a:solidFill>
+                <a:latin typeface="Garamond"/>
+                <a:cs typeface="Garamond"/>
+              </a:rPr>
+              <a:t>.</a:t>
+            </a:r>
+            <a:endParaRPr lang="en-US" sz="1600" dirty="0">
+              <a:solidFill>
+                <a:srgbClr val="001B3C"/>
+              </a:solidFill>
+              <a:latin typeface="Garamond"/>
+              <a:cs typeface="Garamond"/>
+            </a:endParaRPr>
+          </a:p>
+          <a:p>
+            <a:pPr indent="-457200"/>
+            <a:endParaRPr lang="en-US" sz="1600" dirty="0" smtClean="0">
+              <a:solidFill>
+                <a:srgbClr val="001B3C"/>
+              </a:solidFill>
+              <a:latin typeface="Garamond"/>
+              <a:cs typeface="Garamond"/>
+            </a:endParaRPr>
+          </a:p>
+          <a:p>
+            <a:pPr indent="-457200"/>
+            <a:r>
+              <a:rPr lang="en-US" sz="1600" dirty="0">
+                <a:solidFill>
+                  <a:srgbClr val="001B3C"/>
+                </a:solidFill>
+                <a:latin typeface="Garamond"/>
+                <a:cs typeface="Garamond"/>
+              </a:rPr>
+              <a:t>"Introduction to Volume 1: CKD in the United States." American Journal of Kidney Diseases </a:t>
+            </a:r>
+            <a:r>
+              <a:rPr lang="en-US" sz="1600" dirty="0" smtClean="0">
+                <a:solidFill>
+                  <a:srgbClr val="001B3C"/>
+                </a:solidFill>
+                <a:latin typeface="Garamond"/>
+                <a:cs typeface="Garamond"/>
+              </a:rPr>
+              <a:t>67.3 (</a:t>
+            </a:r>
+            <a:r>
+              <a:rPr lang="en-US" sz="1600" dirty="0">
+                <a:solidFill>
+                  <a:srgbClr val="001B3C"/>
+                </a:solidFill>
+                <a:latin typeface="Garamond"/>
+                <a:cs typeface="Garamond"/>
+              </a:rPr>
+              <a:t>2016): n. </a:t>
+            </a:r>
+            <a:r>
+              <a:rPr lang="en-US" sz="1600" dirty="0" err="1">
+                <a:solidFill>
+                  <a:srgbClr val="001B3C"/>
+                </a:solidFill>
+                <a:latin typeface="Garamond"/>
+                <a:cs typeface="Garamond"/>
+              </a:rPr>
+              <a:t>pag</a:t>
+            </a:r>
+            <a:r>
+              <a:rPr lang="en-US" sz="1600" dirty="0">
+                <a:solidFill>
+                  <a:srgbClr val="001B3C"/>
+                </a:solidFill>
+                <a:latin typeface="Garamond"/>
+                <a:cs typeface="Garamond"/>
+              </a:rPr>
+              <a:t>. Web</a:t>
+            </a:r>
+            <a:r>
+              <a:rPr lang="en-US" sz="1600" dirty="0" smtClean="0">
+                <a:solidFill>
+                  <a:srgbClr val="001B3C"/>
+                </a:solidFill>
+                <a:latin typeface="Garamond"/>
+                <a:cs typeface="Garamond"/>
+              </a:rPr>
+              <a:t>.</a:t>
+            </a:r>
+          </a:p>
+          <a:p>
+            <a:pPr indent="-457200"/>
+            <a:endParaRPr lang="en-US" sz="1600" dirty="0" smtClean="0">
+              <a:solidFill>
+                <a:srgbClr val="001B3C"/>
+              </a:solidFill>
+              <a:latin typeface="Garamond"/>
+              <a:cs typeface="Garamond"/>
+            </a:endParaRPr>
+          </a:p>
+          <a:p>
+            <a:r>
+              <a:rPr lang="en-US" sz="1600" dirty="0">
+                <a:latin typeface="Garamond"/>
+                <a:cs typeface="Garamond"/>
+              </a:rPr>
+              <a:t>"UNITED STATES RENAL DATA SYSTEM." USRDS Home Page. </a:t>
+            </a:r>
+            <a:r>
+              <a:rPr lang="en-US" sz="1600" dirty="0" err="1">
+                <a:latin typeface="Garamond"/>
+                <a:cs typeface="Garamond"/>
+              </a:rPr>
+              <a:t>N.p</a:t>
+            </a:r>
+            <a:r>
+              <a:rPr lang="en-US" sz="1600" dirty="0">
+                <a:latin typeface="Garamond"/>
+                <a:cs typeface="Garamond"/>
+              </a:rPr>
+              <a:t>., </a:t>
+            </a:r>
+            <a:r>
+              <a:rPr lang="en-US" sz="1600" dirty="0" err="1">
+                <a:latin typeface="Garamond"/>
+                <a:cs typeface="Garamond"/>
+              </a:rPr>
+              <a:t>n.d.</a:t>
+            </a:r>
+            <a:r>
+              <a:rPr lang="en-US" sz="1600" dirty="0">
+                <a:latin typeface="Garamond"/>
+                <a:cs typeface="Garamond"/>
+              </a:rPr>
+              <a:t> Web. 17 July 2016.</a:t>
+            </a:r>
+            <a:endParaRPr lang="en-US" sz="1600" dirty="0">
               <a:latin typeface="Garamond"/>
               <a:cs typeface="Garamond"/>
             </a:endParaRPr>
@@ -5705,8 +6201,8 @@
         </p:blipFill>
         <p:spPr>
           <a:xfrm>
-            <a:off x="20115884" y="8052136"/>
-            <a:ext cx="11736397" cy="7618604"/>
+            <a:off x="19989549" y="9050769"/>
+            <a:ext cx="11253132" cy="7304896"/>
           </a:xfrm>
           <a:prstGeom prst="rect">
             <a:avLst/>
@@ -5721,8 +6217,8 @@
         </p:nvSpPr>
         <p:spPr>
           <a:xfrm>
-            <a:off x="12339066" y="7882369"/>
-            <a:ext cx="7342383" cy="6801863"/>
+            <a:off x="12441134" y="8331482"/>
+            <a:ext cx="7342383" cy="6924973"/>
           </a:xfrm>
           <a:prstGeom prst="rect">
             <a:avLst/>
@@ -5736,7 +6232,7 @@
           <a:lstStyle/>
           <a:p>
             <a:r>
-              <a:rPr lang="en-US" sz="3600" b="1" dirty="0" smtClean="0">
+              <a:rPr lang="en-US" sz="4400" b="1" dirty="0" smtClean="0">
                 <a:solidFill>
                   <a:srgbClr val="001B3C"/>
                 </a:solidFill>
@@ -5746,6 +6242,16 @@
               <a:t>1</a:t>
             </a:r>
             <a:r>
+              <a:rPr lang="en-US" sz="4400" dirty="0" smtClean="0">
+                <a:solidFill>
+                  <a:srgbClr val="001B3C"/>
+                </a:solidFill>
+                <a:latin typeface="Garamond"/>
+                <a:cs typeface="Garamond"/>
+              </a:rPr>
+              <a:t>. </a:t>
+            </a:r>
+            <a:r>
               <a:rPr lang="en-US" sz="3600" dirty="0" smtClean="0">
                 <a:solidFill>
                   <a:srgbClr val="001B3C"/>
@@ -5753,7 +6259,7 @@
                 <a:latin typeface="Garamond"/>
                 <a:cs typeface="Garamond"/>
               </a:rPr>
-              <a:t>. Narrow down variables of interest</a:t>
+              <a:t>Narrow down variables of interest</a:t>
             </a:r>
             <a:endParaRPr lang="en-US" sz="3600" dirty="0">
               <a:solidFill>
@@ -5837,6 +6343,13 @@
               </a:rPr>
               <a:t>Discard some variables due to a high number of missing values and the inability to determine what the different categorical levels meant (e.g. self reported strokes). </a:t>
             </a:r>
+            <a:endParaRPr lang="en-US" sz="2000" dirty="0" smtClean="0">
+              <a:solidFill>
+                <a:srgbClr val="001B3C"/>
+              </a:solidFill>
+              <a:latin typeface="Garamond"/>
+              <a:cs typeface="Garamond"/>
+            </a:endParaRPr>
           </a:p>
           <a:p>
             <a:endParaRPr lang="en-US" sz="2000" dirty="0">
@@ -5876,7 +6389,7 @@
         </p:nvSpPr>
         <p:spPr>
           <a:xfrm>
-            <a:off x="21141241" y="15670740"/>
+            <a:off x="20670726" y="8218986"/>
             <a:ext cx="8483896" cy="707886"/>
           </a:xfrm>
           <a:prstGeom prst="rect">
@@ -5913,8 +6426,8 @@
         </p:nvSpPr>
         <p:spPr>
           <a:xfrm>
-            <a:off x="21564596" y="16713429"/>
-            <a:ext cx="8392877" cy="6801863"/>
+            <a:off x="21587860" y="19655381"/>
+            <a:ext cx="8392877" cy="6924973"/>
           </a:xfrm>
           <a:prstGeom prst="rect">
             <a:avLst/>
@@ -5928,7 +6441,7 @@
           <a:lstStyle/>
           <a:p>
             <a:r>
-              <a:rPr lang="en-US" sz="3600" b="1" dirty="0" smtClean="0">
+              <a:rPr lang="en-US" sz="4400" b="1" dirty="0" smtClean="0">
                 <a:latin typeface="Garamond"/>
                 <a:cs typeface="Garamond"/>
               </a:rPr>
@@ -5939,7 +6452,7 @@
                 <a:latin typeface="Garamond"/>
                 <a:cs typeface="Garamond"/>
               </a:rPr>
-              <a:t>Perform 5-fold cross validation to find the most accurate multiple linear regression model for predicting glomerular filtration rate (measurement for determining if someone has CKD).</a:t>
+              <a:t>Perform 5-fold cross validation to find the most accurate multiple linear regression model for predicting estimated glomerular filtration rate (measurement for determining CKD).</a:t>
             </a:r>
           </a:p>
           <a:p>
@@ -5980,14 +6493,14 @@
       </p:sp>
       <p:sp>
         <p:nvSpPr>
-          <p:cNvPr id="31" name="TextBox 30"/>
+          <p:cNvPr id="32" name="TextBox 31"/>
           <p:cNvSpPr txBox="1"/>
           <p:nvPr/>
         </p:nvSpPr>
         <p:spPr>
           <a:xfrm>
-            <a:off x="12339066" y="22153196"/>
-            <a:ext cx="7776818" cy="707886"/>
+            <a:off x="21587860" y="16541973"/>
+            <a:ext cx="8382461" cy="2739211"/>
           </a:xfrm>
           <a:prstGeom prst="rect">
             <a:avLst/>
@@ -6000,45 +6513,8 @@
           </a:bodyPr>
           <a:lstStyle/>
           <a:p>
-            <a:pPr algn="ctr"/>
-            <a:r>
-              <a:rPr lang="en-US" sz="2000" dirty="0" smtClean="0">
-                <a:latin typeface="Garamond"/>
-                <a:cs typeface="Garamond"/>
-              </a:rPr>
-              <a:t>Using hexagonal binning, this scatter plot demonstrates strong a linear relationship between age and estimated glomerular filtration rate</a:t>
-            </a:r>
-            <a:endParaRPr lang="en-US" sz="2000" dirty="0">
-              <a:latin typeface="Garamond"/>
-              <a:cs typeface="Garamond"/>
-            </a:endParaRPr>
-          </a:p>
-        </p:txBody>
-      </p:sp>
-      <p:sp>
-        <p:nvSpPr>
-          <p:cNvPr id="32" name="TextBox 31"/>
-          <p:cNvSpPr txBox="1"/>
-          <p:nvPr/>
-        </p:nvSpPr>
-        <p:spPr>
-          <a:xfrm>
-            <a:off x="12339065" y="23221772"/>
-            <a:ext cx="8382461" cy="2616101"/>
-          </a:xfrm>
-          <a:prstGeom prst="rect">
-            <a:avLst/>
-          </a:prstGeom>
-          <a:noFill/>
-        </p:spPr>
-        <p:txBody>
-          <a:bodyPr wrap="square" rtlCol="0">
-            <a:spAutoFit/>
-          </a:bodyPr>
-          <a:lstStyle/>
-          <a:p>
-            <a:r>
-              <a:rPr lang="en-US" sz="3600" b="1" dirty="0">
+            <a:r>
+              <a:rPr lang="en-US" sz="4400" b="1" dirty="0">
                 <a:solidFill>
                   <a:srgbClr val="001B3C"/>
                 </a:solidFill>
@@ -6049,7 +6525,7 @@
               <a:t>2</a:t>
             </a:r>
             <a:r>
-              <a:rPr lang="en-US" sz="3600" b="1" dirty="0" smtClean="0">
+              <a:rPr lang="en-US" sz="4400" b="1" dirty="0" smtClean="0">
                 <a:solidFill>
                   <a:srgbClr val="001B3C"/>
                 </a:solidFill>
@@ -6060,7 +6536,7 @@
               <a:t>.</a:t>
             </a:r>
             <a:r>
-              <a:rPr lang="en-US" sz="3600" dirty="0" smtClean="0">
+              <a:rPr lang="en-US" sz="4400" dirty="0" smtClean="0">
                 <a:solidFill>
                   <a:srgbClr val="001B3C"/>
                 </a:solidFill>
@@ -6133,7 +6609,7 @@
         </p:nvCxnSpPr>
         <p:spPr>
           <a:xfrm>
-            <a:off x="33288129" y="22480064"/>
+            <a:off x="33694529" y="23445264"/>
             <a:ext cx="9605564" cy="0"/>
           </a:xfrm>
           <a:prstGeom prst="line">
@@ -6178,7 +6654,7 @@
         </p:nvCxnSpPr>
         <p:spPr>
           <a:xfrm>
-            <a:off x="33231549" y="26863644"/>
+            <a:off x="33656389" y="27525398"/>
             <a:ext cx="9605564" cy="0"/>
           </a:xfrm>
           <a:prstGeom prst="line">
@@ -6247,7 +6723,7 @@
       </p:pic>
       <p:pic>
         <p:nvPicPr>
-          <p:cNvPr id="9" name="Picture 8" descr="plot.jpeg"/>
+          <p:cNvPr id="12" name="Picture 11" descr="Screen Shot 2016-07-17 at 6.55.28 PM.jpg"/>
           <p:cNvPicPr>
             <a:picLocks noChangeAspect="1"/>
           </p:cNvPicPr>
@@ -6267,8 +6743,8 @@
         </p:blipFill>
         <p:spPr>
           <a:xfrm>
-            <a:off x="1241346" y="16045124"/>
-            <a:ext cx="8788400" cy="6019800"/>
+            <a:off x="769632" y="16512559"/>
+            <a:ext cx="9047000" cy="5548384"/>
           </a:xfrm>
           <a:prstGeom prst="rect">
             <a:avLst/>

--- a/poster updated.pptx
+++ b/poster updated.pptx
@@ -109,7 +109,7 @@
   </p:defaultTextStyle>
   <p:extLst>
     <p:ext uri="{EFAFB233-063F-42B5-8137-9DF3F51BA10A}">
-      <p15:sldGuideLst xmlns="" xmlns:p15="http://schemas.microsoft.com/office/powerpoint/2012/main">
+      <p15:sldGuideLst xmlns:p15="http://schemas.microsoft.com/office/powerpoint/2012/main">
         <p15:guide id="1" orient="horz" pos="10368">
           <p15:clr>
             <a:srgbClr val="A4A3A4"/>
@@ -208,7 +208,7 @@
           <a:p>
             <a:fld id="{D19B32DB-0F28-FC4A-87A9-46B3392B9C77}" type="datetimeFigureOut">
               <a:rPr lang="en-US" smtClean="0"/>
-              <a:t>7/17/16</a:t>
+              <a:t>7/18/16</a:t>
             </a:fld>
             <a:endParaRPr lang="es-ES_tradnl"/>
           </a:p>
@@ -741,7 +741,7 @@
           <a:p>
             <a:fld id="{93017D5F-D1C9-1F49-8C24-32103320D25C}" type="datetimeFigureOut">
               <a:rPr lang="en-US" smtClean="0"/>
-              <a:t>7/17/16</a:t>
+              <a:t>7/18/16</a:t>
             </a:fld>
             <a:endParaRPr lang="es-ES_tradnl"/>
           </a:p>
@@ -911,7 +911,7 @@
           <a:p>
             <a:fld id="{93017D5F-D1C9-1F49-8C24-32103320D25C}" type="datetimeFigureOut">
               <a:rPr lang="en-US" smtClean="0"/>
-              <a:t>7/17/16</a:t>
+              <a:t>7/18/16</a:t>
             </a:fld>
             <a:endParaRPr lang="es-ES_tradnl"/>
           </a:p>
@@ -1091,7 +1091,7 @@
           <a:p>
             <a:fld id="{93017D5F-D1C9-1F49-8C24-32103320D25C}" type="datetimeFigureOut">
               <a:rPr lang="en-US" smtClean="0"/>
-              <a:t>7/17/16</a:t>
+              <a:t>7/18/16</a:t>
             </a:fld>
             <a:endParaRPr lang="es-ES_tradnl"/>
           </a:p>
@@ -1261,7 +1261,7 @@
           <a:p>
             <a:fld id="{93017D5F-D1C9-1F49-8C24-32103320D25C}" type="datetimeFigureOut">
               <a:rPr lang="en-US" smtClean="0"/>
-              <a:t>7/17/16</a:t>
+              <a:t>7/18/16</a:t>
             </a:fld>
             <a:endParaRPr lang="es-ES_tradnl"/>
           </a:p>
@@ -1507,7 +1507,7 @@
           <a:p>
             <a:fld id="{93017D5F-D1C9-1F49-8C24-32103320D25C}" type="datetimeFigureOut">
               <a:rPr lang="en-US" smtClean="0"/>
-              <a:t>7/17/16</a:t>
+              <a:t>7/18/16</a:t>
             </a:fld>
             <a:endParaRPr lang="es-ES_tradnl"/>
           </a:p>
@@ -1795,7 +1795,7 @@
           <a:p>
             <a:fld id="{93017D5F-D1C9-1F49-8C24-32103320D25C}" type="datetimeFigureOut">
               <a:rPr lang="en-US" smtClean="0"/>
-              <a:t>7/17/16</a:t>
+              <a:t>7/18/16</a:t>
             </a:fld>
             <a:endParaRPr lang="es-ES_tradnl"/>
           </a:p>
@@ -2222,7 +2222,7 @@
           <a:p>
             <a:fld id="{93017D5F-D1C9-1F49-8C24-32103320D25C}" type="datetimeFigureOut">
               <a:rPr lang="en-US" smtClean="0"/>
-              <a:t>7/17/16</a:t>
+              <a:t>7/18/16</a:t>
             </a:fld>
             <a:endParaRPr lang="es-ES_tradnl"/>
           </a:p>
@@ -2340,7 +2340,7 @@
           <a:p>
             <a:fld id="{93017D5F-D1C9-1F49-8C24-32103320D25C}" type="datetimeFigureOut">
               <a:rPr lang="en-US" smtClean="0"/>
-              <a:t>7/17/16</a:t>
+              <a:t>7/18/16</a:t>
             </a:fld>
             <a:endParaRPr lang="es-ES_tradnl"/>
           </a:p>
@@ -2435,7 +2435,7 @@
           <a:p>
             <a:fld id="{93017D5F-D1C9-1F49-8C24-32103320D25C}" type="datetimeFigureOut">
               <a:rPr lang="en-US" smtClean="0"/>
-              <a:t>7/17/16</a:t>
+              <a:t>7/18/16</a:t>
             </a:fld>
             <a:endParaRPr lang="es-ES_tradnl"/>
           </a:p>
@@ -2712,7 +2712,7 @@
           <a:p>
             <a:fld id="{93017D5F-D1C9-1F49-8C24-32103320D25C}" type="datetimeFigureOut">
               <a:rPr lang="en-US" smtClean="0"/>
-              <a:t>7/17/16</a:t>
+              <a:t>7/18/16</a:t>
             </a:fld>
             <a:endParaRPr lang="es-ES_tradnl"/>
           </a:p>
@@ -2965,7 +2965,7 @@
           <a:p>
             <a:fld id="{93017D5F-D1C9-1F49-8C24-32103320D25C}" type="datetimeFigureOut">
               <a:rPr lang="en-US" smtClean="0"/>
-              <a:t>7/17/16</a:t>
+              <a:t>7/18/16</a:t>
             </a:fld>
             <a:endParaRPr lang="es-ES_tradnl"/>
           </a:p>
@@ -3178,7 +3178,7 @@
           <a:p>
             <a:fld id="{93017D5F-D1C9-1F49-8C24-32103320D25C}" type="datetimeFigureOut">
               <a:rPr lang="en-US" smtClean="0"/>
-              <a:t>7/17/16</a:t>
+              <a:t>7/18/16</a:t>
             </a:fld>
             <a:endParaRPr lang="es-ES_tradnl"/>
           </a:p>
@@ -3569,10 +3569,10 @@
         </p:nvGrpSpPr>
         <p:grpSpPr>
           <a:xfrm>
-            <a:off x="11756755" y="15716405"/>
-            <a:ext cx="9726771" cy="9204190"/>
+            <a:off x="21182042" y="7502963"/>
+            <a:ext cx="9726772" cy="8997710"/>
             <a:chOff x="11750874" y="14341897"/>
-            <a:chExt cx="9016226" cy="8455682"/>
+            <a:chExt cx="9016227" cy="8265995"/>
           </a:xfrm>
         </p:grpSpPr>
         <p:grpSp>
@@ -3584,9 +3584,9 @@
           <p:grpSpPr>
             <a:xfrm>
               <a:off x="11750874" y="14341897"/>
-              <a:ext cx="9016226" cy="7856664"/>
+              <a:ext cx="9016227" cy="7856664"/>
               <a:chOff x="11750874" y="14341897"/>
-              <a:chExt cx="9016226" cy="7856664"/>
+              <a:chExt cx="9016227" cy="7856664"/>
             </a:xfrm>
           </p:grpSpPr>
           <p:grpSp>
@@ -3598,9 +3598,9 @@
             <p:grpSpPr>
               <a:xfrm>
                 <a:off x="11750874" y="14341897"/>
-                <a:ext cx="9016226" cy="7856664"/>
-                <a:chOff x="12750053" y="14920598"/>
-                <a:chExt cx="6400800" cy="6400800"/>
+                <a:ext cx="9016227" cy="7856664"/>
+                <a:chOff x="12750054" y="14920598"/>
+                <a:chExt cx="6400801" cy="6400800"/>
               </a:xfrm>
             </p:grpSpPr>
             <p:pic>
@@ -3625,8 +3625,8 @@
               </p:blipFill>
               <p:spPr>
                 <a:xfrm>
-                  <a:off x="12750053" y="14920598"/>
-                  <a:ext cx="6400800" cy="6400800"/>
+                  <a:off x="12750054" y="14920598"/>
+                  <a:ext cx="6400801" cy="6400800"/>
                 </a:xfrm>
                 <a:prstGeom prst="rect">
                   <a:avLst/>
@@ -3732,18 +3732,11 @@
               <a:p>
                 <a:pPr algn="ctr"/>
                 <a:r>
-                  <a:rPr lang="en-US" sz="2000" dirty="0" err="1" smtClean="0">
-                    <a:latin typeface="Garamond"/>
-                    <a:cs typeface="Garamond"/>
-                  </a:rPr>
-                  <a:t>eGFR</a:t>
-                </a:r>
-                <a:r>
                   <a:rPr lang="en-US" sz="2000" dirty="0" smtClean="0">
                     <a:latin typeface="Garamond"/>
                     <a:cs typeface="Garamond"/>
                   </a:rPr>
-                  <a:t> and Age</a:t>
+                  <a:t>eGFR and Age</a:t>
                 </a:r>
                 <a:endParaRPr lang="en-US" sz="2000" dirty="0">
                   <a:latin typeface="Garamond"/>
@@ -3761,7 +3754,7 @@
           </p:nvSpPr>
           <p:spPr>
             <a:xfrm>
-              <a:off x="12339066" y="22089693"/>
+              <a:off x="12339066" y="21900006"/>
               <a:ext cx="7776818" cy="707886"/>
             </a:xfrm>
             <a:prstGeom prst="rect">
@@ -4086,7 +4079,21 @@
                 <a:latin typeface="Garamond"/>
                 <a:cs typeface="Garamond"/>
               </a:rPr>
-              <a:t>is an emergent epidemic in the United States. While ESRD (end-stage CKD) patients make up less than 1% of Medicare patients, ESRD expenditures total in the billions (approx. 7% of total Medicare spending). With the goal of identifying cofactors for this costly disease that greatly decreases quality of life, our research </a:t>
+              <a:t>is an emergent epidemic in the United States. While ESRD (end-stage CKD) patients make up less than 1% of Medicare patients, </a:t>
+            </a:r>
+            <a:r>
+              <a:rPr lang="en-US" sz="3600" dirty="0" smtClean="0">
+                <a:latin typeface="Garamond"/>
+                <a:cs typeface="Garamond"/>
+              </a:rPr>
+              <a:t>ESRD-related </a:t>
+            </a:r>
+            <a:r>
+              <a:rPr lang="en-US" sz="3600" dirty="0" smtClean="0">
+                <a:latin typeface="Garamond"/>
+                <a:cs typeface="Garamond"/>
+              </a:rPr>
+              <a:t>expenditures total in the billions (approx. 7% of total Medicare spending). With the goal of identifying cofactors for this costly disease that greatly decreases quality of life, our research </a:t>
             </a:r>
             <a:r>
               <a:rPr lang="en-US" sz="3600" dirty="0">
@@ -4471,37 +4478,7 @@
                 <a:latin typeface="Garamond"/>
                 <a:cs typeface="Garamond"/>
               </a:rPr>
-              <a:t>Predicting CKD </a:t>
-            </a:r>
-            <a:r>
-              <a:rPr lang="en-US" sz="13800" dirty="0" smtClean="0">
-                <a:solidFill>
-                  <a:srgbClr val="FFC400"/>
-                </a:solidFill>
-                <a:latin typeface="Garamond"/>
-                <a:cs typeface="Garamond"/>
-              </a:rPr>
-              <a:t>and Potential </a:t>
-            </a:r>
-            <a:r>
-              <a:rPr lang="en-US" sz="13800" dirty="0" smtClean="0">
-                <a:solidFill>
-                  <a:srgbClr val="FFC400"/>
-                </a:solidFill>
-                <a:latin typeface="Garamond"/>
-                <a:cs typeface="Garamond"/>
-              </a:rPr>
-              <a:t>Risk </a:t>
-            </a:r>
-            <a:r>
-              <a:rPr lang="en-US" sz="13800" dirty="0" smtClean="0">
-                <a:solidFill>
-                  <a:srgbClr val="FFC400"/>
-                </a:solidFill>
-                <a:latin typeface="Garamond"/>
-                <a:cs typeface="Garamond"/>
-              </a:rPr>
-              <a:t>Factors with Multiple Linear Regression</a:t>
+              <a:t>Predicting CKD and Potential Risk Factors with Multiple Linear Regression</a:t>
             </a:r>
           </a:p>
         </p:txBody>
@@ -4631,352 +4608,633 @@
         </p:nvGrpSpPr>
         <p:grpSpPr>
           <a:xfrm>
-            <a:off x="12339066" y="26177957"/>
-            <a:ext cx="19211128" cy="7832914"/>
-            <a:chOff x="12339066" y="24664621"/>
-            <a:chExt cx="19211128" cy="7832914"/>
+            <a:off x="12339066" y="25794496"/>
+            <a:ext cx="19211128" cy="7955704"/>
+            <a:chOff x="12339066" y="24281160"/>
+            <a:chExt cx="19211128" cy="7955704"/>
           </a:xfrm>
         </p:grpSpPr>
-        <p:sp>
-          <p:nvSpPr>
-            <p:cNvPr id="17" name="TextBox 16"/>
-            <p:cNvSpPr txBox="1"/>
-            <p:nvPr/>
-          </p:nvSpPr>
-          <p:spPr>
-            <a:xfrm>
-              <a:off x="12339066" y="24664621"/>
-              <a:ext cx="19211128" cy="7832914"/>
-            </a:xfrm>
-            <a:prstGeom prst="rect">
-              <a:avLst/>
-            </a:prstGeom>
-            <a:noFill/>
-          </p:spPr>
-          <p:txBody>
-            <a:bodyPr wrap="square" rtlCol="0">
-              <a:spAutoFit/>
-            </a:bodyPr>
-            <a:lstStyle/>
-            <a:p>
-              <a:r>
-                <a:rPr lang="en-US" sz="6600" b="1" dirty="0" smtClean="0">
-                  <a:latin typeface="Garamond"/>
-                  <a:cs typeface="Garamond"/>
-                </a:rPr>
-                <a:t>Results </a:t>
-              </a:r>
-              <a:endParaRPr lang="en-US" sz="6600" dirty="0" smtClean="0">
-                <a:latin typeface="Garamond"/>
-                <a:cs typeface="Garamond"/>
-              </a:endParaRPr>
-            </a:p>
-            <a:p>
-              <a:endParaRPr lang="en-US" sz="2000" b="1" dirty="0" smtClean="0">
-                <a:solidFill>
-                  <a:srgbClr val="001B3C"/>
-                </a:solidFill>
-                <a:latin typeface="Garamond"/>
-                <a:cs typeface="Garamond"/>
-              </a:endParaRPr>
-            </a:p>
-            <a:p>
-              <a:endParaRPr lang="en-US" sz="3600" dirty="0" smtClean="0">
-                <a:solidFill>
-                  <a:srgbClr val="001B3C"/>
-                </a:solidFill>
-                <a:latin typeface="Garamond"/>
-                <a:cs typeface="Garamond"/>
-              </a:endParaRPr>
-            </a:p>
-            <a:p>
-              <a:r>
-                <a:rPr lang="en-US" sz="3600" b="1" dirty="0" smtClean="0">
-                  <a:solidFill>
-                    <a:srgbClr val="001B3C"/>
-                  </a:solidFill>
-                  <a:latin typeface="Garamond"/>
-                  <a:cs typeface="Garamond"/>
-                </a:rPr>
-                <a:t>Multiple </a:t>
-              </a:r>
-              <a:r>
-                <a:rPr lang="en-US" sz="3600" b="1" dirty="0" smtClean="0">
-                  <a:solidFill>
-                    <a:srgbClr val="001B3C"/>
-                  </a:solidFill>
-                  <a:latin typeface="Garamond"/>
-                  <a:cs typeface="Garamond"/>
-                </a:rPr>
-                <a:t>Linear Regression Model</a:t>
-              </a:r>
-              <a:r>
-                <a:rPr lang="en-US" sz="3600" b="1" dirty="0" smtClean="0">
-                  <a:solidFill>
-                    <a:srgbClr val="001B3C"/>
-                  </a:solidFill>
-                  <a:latin typeface="Garamond"/>
-                  <a:cs typeface="Garamond"/>
-                </a:rPr>
-                <a:t>:</a:t>
-              </a:r>
-            </a:p>
-            <a:p>
-              <a:r>
-                <a:rPr lang="en-US" sz="3600" dirty="0" smtClean="0">
-                  <a:solidFill>
-                    <a:srgbClr val="001B3C"/>
-                  </a:solidFill>
-                  <a:latin typeface="Garamond"/>
-                  <a:cs typeface="Garamond"/>
-                </a:rPr>
-                <a:t> </a:t>
-              </a:r>
-              <a:r>
-                <a:rPr lang="en-US" sz="3600" dirty="0" err="1" smtClean="0">
-                  <a:solidFill>
-                    <a:srgbClr val="001B3C"/>
-                  </a:solidFill>
-                  <a:latin typeface="Garamond"/>
-                  <a:cs typeface="Garamond"/>
-                </a:rPr>
-                <a:t>eGFR</a:t>
-              </a:r>
-              <a:r>
-                <a:rPr lang="en-US" sz="3600" dirty="0" smtClean="0">
-                  <a:solidFill>
-                    <a:srgbClr val="001B3C"/>
-                  </a:solidFill>
-                  <a:latin typeface="Garamond"/>
-                  <a:cs typeface="Garamond"/>
-                </a:rPr>
-                <a:t> = Hypertension + Male + Diabetes + Race +  Age + Cholesterol</a:t>
-              </a:r>
-            </a:p>
-            <a:p>
-              <a:r>
-                <a:rPr lang="en-US" sz="3600" dirty="0" smtClean="0">
-                  <a:solidFill>
-                    <a:srgbClr val="001B3C"/>
-                  </a:solidFill>
-                  <a:latin typeface="Garamond"/>
-                  <a:cs typeface="Garamond"/>
-                </a:rPr>
-                <a:t>Y = #(X</a:t>
-              </a:r>
-              <a:r>
-                <a:rPr lang="en-US" sz="3600" baseline="-25000" dirty="0" smtClean="0">
-                  <a:solidFill>
-                    <a:srgbClr val="001B3C"/>
-                  </a:solidFill>
-                  <a:latin typeface="Garamond"/>
-                  <a:cs typeface="Garamond"/>
-                </a:rPr>
-                <a:t>1</a:t>
-              </a:r>
-              <a:r>
-                <a:rPr lang="en-US" sz="3600" dirty="0" smtClean="0">
-                  <a:solidFill>
-                    <a:srgbClr val="001B3C"/>
-                  </a:solidFill>
-                  <a:latin typeface="Garamond"/>
-                  <a:cs typeface="Garamond"/>
-                </a:rPr>
-                <a:t>) + #(X</a:t>
-              </a:r>
-              <a:r>
-                <a:rPr lang="en-US" sz="3600" baseline="-25000" dirty="0" smtClean="0">
-                  <a:solidFill>
-                    <a:srgbClr val="001B3C"/>
-                  </a:solidFill>
-                  <a:latin typeface="Garamond"/>
-                  <a:cs typeface="Garamond"/>
-                </a:rPr>
-                <a:t>2</a:t>
-              </a:r>
-              <a:r>
-                <a:rPr lang="en-US" sz="3600" dirty="0" smtClean="0">
-                  <a:solidFill>
-                    <a:srgbClr val="001B3C"/>
-                  </a:solidFill>
-                  <a:latin typeface="Garamond"/>
-                  <a:cs typeface="Garamond"/>
-                </a:rPr>
-                <a:t>) + #(X</a:t>
-              </a:r>
-              <a:r>
-                <a:rPr lang="en-US" sz="3600" baseline="-25000" dirty="0" smtClean="0">
-                  <a:solidFill>
-                    <a:srgbClr val="001B3C"/>
-                  </a:solidFill>
-                  <a:latin typeface="Garamond"/>
-                  <a:cs typeface="Garamond"/>
-                </a:rPr>
-                <a:t>3</a:t>
-              </a:r>
-              <a:r>
-                <a:rPr lang="en-US" sz="3600" dirty="0" smtClean="0">
-                  <a:solidFill>
-                    <a:srgbClr val="001B3C"/>
-                  </a:solidFill>
-                  <a:latin typeface="Garamond"/>
-                  <a:cs typeface="Garamond"/>
-                </a:rPr>
-                <a:t>) + #(X</a:t>
-              </a:r>
-              <a:r>
-                <a:rPr lang="en-US" sz="3600" baseline="-25000" dirty="0" smtClean="0">
-                  <a:solidFill>
-                    <a:srgbClr val="001B3C"/>
-                  </a:solidFill>
-                  <a:latin typeface="Garamond"/>
-                  <a:cs typeface="Garamond"/>
-                </a:rPr>
-                <a:t>4</a:t>
-              </a:r>
-              <a:r>
-                <a:rPr lang="en-US" sz="3600" dirty="0" smtClean="0">
-                  <a:solidFill>
-                    <a:srgbClr val="001B3C"/>
-                  </a:solidFill>
-                  <a:latin typeface="Garamond"/>
-                  <a:cs typeface="Garamond"/>
-                </a:rPr>
-                <a:t>) + #(X</a:t>
-              </a:r>
-              <a:r>
-                <a:rPr lang="en-US" sz="3600" baseline="-25000" dirty="0" smtClean="0">
-                  <a:solidFill>
-                    <a:srgbClr val="001B3C"/>
-                  </a:solidFill>
-                  <a:latin typeface="Garamond"/>
-                  <a:cs typeface="Garamond"/>
-                </a:rPr>
-                <a:t>5</a:t>
-              </a:r>
-              <a:r>
-                <a:rPr lang="en-US" sz="3600" dirty="0" smtClean="0">
-                  <a:solidFill>
-                    <a:srgbClr val="001B3C"/>
-                  </a:solidFill>
-                  <a:latin typeface="Garamond"/>
-                  <a:cs typeface="Garamond"/>
-                </a:rPr>
-                <a:t>) + #(X</a:t>
-              </a:r>
-              <a:r>
-                <a:rPr lang="en-US" sz="3600" baseline="-25000" dirty="0" smtClean="0">
-                  <a:solidFill>
-                    <a:srgbClr val="001B3C"/>
-                  </a:solidFill>
-                  <a:latin typeface="Garamond"/>
-                  <a:cs typeface="Garamond"/>
-                </a:rPr>
-                <a:t>6</a:t>
-              </a:r>
-              <a:r>
-                <a:rPr lang="en-US" sz="3600" dirty="0" smtClean="0">
-                  <a:solidFill>
-                    <a:srgbClr val="001B3C"/>
-                  </a:solidFill>
-                  <a:latin typeface="Garamond"/>
-                  <a:cs typeface="Garamond"/>
-                </a:rPr>
-                <a:t>)</a:t>
-              </a:r>
-              <a:endParaRPr lang="en-US" sz="3600" dirty="0" smtClean="0">
-                <a:solidFill>
-                  <a:srgbClr val="001B3C"/>
-                </a:solidFill>
-                <a:latin typeface="Garamond"/>
-                <a:cs typeface="Garamond"/>
-              </a:endParaRPr>
-            </a:p>
-            <a:p>
-              <a:endParaRPr lang="en-US" sz="3600" dirty="0" smtClean="0">
-                <a:solidFill>
-                  <a:srgbClr val="001B3C"/>
-                </a:solidFill>
-                <a:latin typeface="Garamond"/>
-                <a:cs typeface="Garamond"/>
-              </a:endParaRPr>
-            </a:p>
-            <a:p>
-              <a:r>
-                <a:rPr lang="en-US" sz="3600" dirty="0">
-                  <a:solidFill>
-                    <a:srgbClr val="001B3C"/>
-                  </a:solidFill>
-                  <a:latin typeface="Garamond"/>
-                  <a:cs typeface="Garamond"/>
-                </a:rPr>
-                <a:t>O</a:t>
-              </a:r>
-              <a:r>
-                <a:rPr lang="en-US" sz="3600" dirty="0" smtClean="0">
-                  <a:solidFill>
-                    <a:srgbClr val="001B3C"/>
-                  </a:solidFill>
-                  <a:latin typeface="Garamond"/>
-                  <a:cs typeface="Garamond"/>
-                </a:rPr>
-                <a:t>bservations used: 85% (34,332)</a:t>
-              </a:r>
-            </a:p>
-            <a:p>
-              <a:r>
-                <a:rPr lang="en-US" sz="3600" dirty="0" smtClean="0">
-                  <a:solidFill>
-                    <a:srgbClr val="001B3C"/>
-                  </a:solidFill>
-                  <a:latin typeface="Garamond"/>
-                  <a:cs typeface="Garamond"/>
-                </a:rPr>
-                <a:t>Mean error: 12.916</a:t>
-              </a:r>
-            </a:p>
-            <a:p>
-              <a:r>
-                <a:rPr lang="en-US" sz="3600" dirty="0" smtClean="0">
-                  <a:solidFill>
-                    <a:srgbClr val="001B3C"/>
-                  </a:solidFill>
-                  <a:latin typeface="Garamond"/>
-                  <a:cs typeface="Garamond"/>
-                </a:rPr>
-                <a:t>Standard error: 0.0768</a:t>
-              </a:r>
-              <a:endParaRPr lang="en-US" sz="3600" dirty="0">
-                <a:solidFill>
-                  <a:srgbClr val="001B3C"/>
-                </a:solidFill>
-                <a:latin typeface="Garamond"/>
-                <a:cs typeface="Garamond"/>
-              </a:endParaRPr>
-            </a:p>
-            <a:p>
-              <a:endParaRPr lang="en-US" sz="4000" dirty="0">
-                <a:latin typeface="Garamond"/>
-                <a:cs typeface="Garamond"/>
-              </a:endParaRPr>
-            </a:p>
-            <a:p>
-              <a:r>
-                <a:rPr lang="en-US" sz="4000" dirty="0">
-                  <a:latin typeface="Garamond"/>
-                  <a:cs typeface="Garamond"/>
-                </a:rPr>
-                <a:t> </a:t>
-              </a:r>
-            </a:p>
-            <a:p>
-              <a:endParaRPr lang="es-ES_tradnl" sz="4000" dirty="0">
-                <a:latin typeface="Garamond"/>
-                <a:cs typeface="Garamond"/>
-              </a:endParaRPr>
-            </a:p>
-          </p:txBody>
-        </p:sp>
+        <mc:AlternateContent xmlns:mc="http://schemas.openxmlformats.org/markup-compatibility/2006">
+          <mc:Choice xmlns:a14="http://schemas.microsoft.com/office/drawing/2010/main" Requires="a14">
+            <p:sp>
+              <p:nvSpPr>
+                <p:cNvPr id="17" name="TextBox 16"/>
+                <p:cNvSpPr txBox="1"/>
+                <p:nvPr/>
+              </p:nvSpPr>
+              <p:spPr>
+                <a:xfrm>
+                  <a:off x="12339066" y="24281160"/>
+                  <a:ext cx="19211128" cy="7955704"/>
+                </a:xfrm>
+                <a:prstGeom prst="rect">
+                  <a:avLst/>
+                </a:prstGeom>
+                <a:noFill/>
+              </p:spPr>
+              <p:txBody>
+                <a:bodyPr wrap="square" rtlCol="0">
+                  <a:spAutoFit/>
+                </a:bodyPr>
+                <a:lstStyle/>
+                <a:p>
+                  <a:r>
+                    <a:rPr lang="en-US" sz="6600" b="1" dirty="0" smtClean="0">
+                      <a:latin typeface="Garamond"/>
+                      <a:cs typeface="Garamond"/>
+                    </a:rPr>
+                    <a:t>Results </a:t>
+                  </a:r>
+                  <a:endParaRPr lang="en-US" sz="6600" dirty="0">
+                    <a:latin typeface="Garamond"/>
+                    <a:cs typeface="Garamond"/>
+                  </a:endParaRPr>
+                </a:p>
+                <a:p>
+                  <a:endParaRPr lang="en-US" sz="3600" dirty="0" smtClean="0">
+                    <a:solidFill>
+                      <a:srgbClr val="001B3C"/>
+                    </a:solidFill>
+                    <a:latin typeface="Garamond"/>
+                    <a:cs typeface="Garamond"/>
+                  </a:endParaRPr>
+                </a:p>
+                <a:p>
+                  <a:r>
+                    <a:rPr lang="en-US" sz="3600" b="1" dirty="0" smtClean="0">
+                      <a:solidFill>
+                        <a:srgbClr val="001B3C"/>
+                      </a:solidFill>
+                      <a:latin typeface="Garamond"/>
+                      <a:cs typeface="Garamond"/>
+                    </a:rPr>
+                    <a:t>Multiple Linear Regression Model:</a:t>
+                  </a:r>
+                </a:p>
+                <a:p>
+                  <a:r>
+                    <a:rPr lang="en-US" sz="3600" dirty="0" smtClean="0">
+                      <a:solidFill>
+                        <a:srgbClr val="001B3C"/>
+                      </a:solidFill>
+                      <a:latin typeface="Garamond"/>
+                      <a:cs typeface="Garamond"/>
+                    </a:rPr>
+                    <a:t> eGFR </a:t>
+                  </a:r>
+                  <a:r>
+                    <a:rPr lang="en-US" sz="3600" dirty="0" smtClean="0">
+                      <a:solidFill>
+                        <a:srgbClr val="001B3C"/>
+                      </a:solidFill>
+                      <a:latin typeface="Garamond"/>
+                      <a:cs typeface="Garamond"/>
+                    </a:rPr>
+                    <a:t>~ </a:t>
+                  </a:r>
+                  <a:r>
+                    <a:rPr lang="en-US" sz="3600" dirty="0" smtClean="0">
+                      <a:solidFill>
+                        <a:srgbClr val="001B3C"/>
+                      </a:solidFill>
+                      <a:latin typeface="Garamond"/>
+                      <a:cs typeface="Garamond"/>
+                    </a:rPr>
+                    <a:t>Hypertension + </a:t>
+                  </a:r>
+                  <a:r>
+                    <a:rPr lang="en-US" sz="3600" dirty="0" smtClean="0">
+                      <a:solidFill>
+                        <a:srgbClr val="001B3C"/>
+                      </a:solidFill>
+                      <a:latin typeface="Garamond"/>
+                      <a:cs typeface="Garamond"/>
+                    </a:rPr>
+                    <a:t>Gender + Diabetes</a:t>
+                  </a:r>
+                </a:p>
+                <a:p>
+                  <a:r>
+                    <a:rPr lang="en-US" sz="3600" dirty="0" smtClean="0">
+                      <a:solidFill>
+                        <a:srgbClr val="001B3C"/>
+                      </a:solidFill>
+                      <a:latin typeface="Garamond"/>
+                      <a:cs typeface="Garamond"/>
+                    </a:rPr>
+                    <a:t> </a:t>
+                  </a:r>
+                  <a:r>
+                    <a:rPr lang="en-US" sz="3600" dirty="0" smtClean="0">
+                      <a:solidFill>
+                        <a:srgbClr val="001B3C"/>
+                      </a:solidFill>
+                      <a:latin typeface="Garamond"/>
+                      <a:cs typeface="Garamond"/>
+                    </a:rPr>
+                    <a:t>+ Race + </a:t>
+                  </a:r>
+                  <a:r>
+                    <a:rPr lang="en-US" sz="3600" dirty="0" smtClean="0">
+                      <a:solidFill>
+                        <a:srgbClr val="001B3C"/>
+                      </a:solidFill>
+                      <a:latin typeface="Garamond"/>
+                      <a:cs typeface="Garamond"/>
+                    </a:rPr>
+                    <a:t>Age Group</a:t>
+                  </a:r>
+                  <a:endParaRPr lang="en-US" sz="3600" dirty="0" smtClean="0">
+                    <a:solidFill>
+                      <a:srgbClr val="001B3C"/>
+                    </a:solidFill>
+                    <a:latin typeface="Garamond"/>
+                    <a:cs typeface="Garamond"/>
+                  </a:endParaRPr>
+                </a:p>
+                <a:p>
+                  <a:pPr/>
+                  <a14:m>
+                    <m:oMathPara xmlns:m="http://schemas.openxmlformats.org/officeDocument/2006/math">
+                      <m:oMathParaPr>
+                        <m:jc m:val="left"/>
+                      </m:oMathParaPr>
+                      <m:oMath xmlns:m="http://schemas.openxmlformats.org/officeDocument/2006/math">
+                        <m:acc>
+                          <m:accPr>
+                            <m:chr m:val="̂"/>
+                            <m:ctrlPr>
+                              <a:rPr lang="en-US" sz="3600" i="1">
+                                <a:latin typeface="Cambria Math" charset="0"/>
+                              </a:rPr>
+                            </m:ctrlPr>
+                          </m:accPr>
+                          <m:e>
+                            <m:r>
+                              <a:rPr lang="en-US" sz="3600" b="0" i="1">
+                                <a:latin typeface="Cambria Math" charset="0"/>
+                              </a:rPr>
+                              <m:t>𝑌</m:t>
+                            </m:r>
+                          </m:e>
+                        </m:acc>
+                        <m:r>
+                          <a:rPr lang="en-US" sz="3600" b="0" i="1">
+                            <a:latin typeface="Cambria Math" charset="0"/>
+                          </a:rPr>
+                          <m:t>=</m:t>
+                        </m:r>
+                        <m:sSub>
+                          <m:sSubPr>
+                            <m:ctrlPr>
+                              <a:rPr lang="en-US" sz="3600" i="1">
+                                <a:latin typeface="Cambria Math" charset="0"/>
+                              </a:rPr>
+                            </m:ctrlPr>
+                          </m:sSubPr>
+                          <m:e>
+                            <m:r>
+                              <a:rPr lang="en-US" sz="3600" b="0" i="1">
+                                <a:latin typeface="Cambria Math" charset="0"/>
+                                <a:ea typeface="Cambria Math" charset="0"/>
+                                <a:cs typeface="Cambria Math" charset="0"/>
+                              </a:rPr>
+                              <m:t>𝛽</m:t>
+                            </m:r>
+                          </m:e>
+                          <m:sub>
+                            <m:r>
+                              <a:rPr lang="en-US" sz="3600" b="0" i="1">
+                                <a:latin typeface="Cambria Math" charset="0"/>
+                              </a:rPr>
+                              <m:t>0</m:t>
+                            </m:r>
+                          </m:sub>
+                        </m:sSub>
+                        <m:r>
+                          <a:rPr lang="en-US" sz="3600" b="0" i="1">
+                            <a:latin typeface="Cambria Math" charset="0"/>
+                          </a:rPr>
+                          <m:t>+</m:t>
+                        </m:r>
+                        <m:sSub>
+                          <m:sSubPr>
+                            <m:ctrlPr>
+                              <a:rPr lang="en-US" sz="3600" i="1">
+                                <a:latin typeface="Cambria Math" charset="0"/>
+                                <a:ea typeface="Cambria Math" charset="0"/>
+                                <a:cs typeface="Cambria Math" charset="0"/>
+                              </a:rPr>
+                            </m:ctrlPr>
+                          </m:sSubPr>
+                          <m:e>
+                            <m:r>
+                              <a:rPr lang="en-US" sz="3600" b="0" i="1">
+                                <a:latin typeface="Cambria Math" charset="0"/>
+                                <a:ea typeface="Cambria Math" charset="0"/>
+                                <a:cs typeface="Cambria Math" charset="0"/>
+                              </a:rPr>
+                              <m:t>𝛽</m:t>
+                            </m:r>
+                          </m:e>
+                          <m:sub>
+                            <m:r>
+                              <a:rPr lang="en-US" sz="3600" b="0" i="1">
+                                <a:latin typeface="Cambria Math" charset="0"/>
+                                <a:ea typeface="Cambria Math" charset="0"/>
+                                <a:cs typeface="Cambria Math" charset="0"/>
+                              </a:rPr>
+                              <m:t>1</m:t>
+                            </m:r>
+                          </m:sub>
+                        </m:sSub>
+                        <m:sSub>
+                          <m:sSubPr>
+                            <m:ctrlPr>
+                              <a:rPr lang="en-US" sz="3600" i="1">
+                                <a:latin typeface="Cambria Math" charset="0"/>
+                                <a:ea typeface="Cambria Math" charset="0"/>
+                                <a:cs typeface="Cambria Math" charset="0"/>
+                              </a:rPr>
+                            </m:ctrlPr>
+                          </m:sSubPr>
+                          <m:e>
+                            <m:r>
+                              <a:rPr lang="en-US" sz="3600" b="0" i="1">
+                                <a:latin typeface="Cambria Math" charset="0"/>
+                                <a:ea typeface="Cambria Math" charset="0"/>
+                                <a:cs typeface="Cambria Math" charset="0"/>
+                              </a:rPr>
+                              <m:t>𝑥</m:t>
+                            </m:r>
+                          </m:e>
+                          <m:sub>
+                            <m:r>
+                              <a:rPr lang="en-US" sz="3600" b="0" i="1">
+                                <a:latin typeface="Cambria Math" charset="0"/>
+                                <a:ea typeface="Cambria Math" charset="0"/>
+                                <a:cs typeface="Cambria Math" charset="0"/>
+                              </a:rPr>
+                              <m:t>1</m:t>
+                            </m:r>
+                          </m:sub>
+                        </m:sSub>
+                        <m:r>
+                          <a:rPr lang="en-US" sz="3600" b="0" i="1">
+                            <a:latin typeface="Cambria Math" charset="0"/>
+                            <a:ea typeface="Cambria Math" charset="0"/>
+                            <a:cs typeface="Cambria Math" charset="0"/>
+                          </a:rPr>
+                          <m:t>+</m:t>
+                        </m:r>
+                        <m:sSub>
+                          <m:sSubPr>
+                            <m:ctrlPr>
+                              <a:rPr lang="en-US" sz="3600" i="1">
+                                <a:latin typeface="Cambria Math" charset="0"/>
+                                <a:ea typeface="Cambria Math" charset="0"/>
+                                <a:cs typeface="Cambria Math" charset="0"/>
+                              </a:rPr>
+                            </m:ctrlPr>
+                          </m:sSubPr>
+                          <m:e>
+                            <m:r>
+                              <a:rPr lang="en-US" sz="3600" b="0" i="1">
+                                <a:latin typeface="Cambria Math" charset="0"/>
+                                <a:ea typeface="Cambria Math" charset="0"/>
+                                <a:cs typeface="Cambria Math" charset="0"/>
+                              </a:rPr>
+                              <m:t>𝛽</m:t>
+                            </m:r>
+                          </m:e>
+                          <m:sub>
+                            <m:r>
+                              <a:rPr lang="en-US" sz="3600" b="0" i="1">
+                                <a:latin typeface="Cambria Math" charset="0"/>
+                                <a:ea typeface="Cambria Math" charset="0"/>
+                                <a:cs typeface="Cambria Math" charset="0"/>
+                              </a:rPr>
+                              <m:t>2</m:t>
+                            </m:r>
+                          </m:sub>
+                        </m:sSub>
+                        <m:sSub>
+                          <m:sSubPr>
+                            <m:ctrlPr>
+                              <a:rPr lang="en-US" sz="3600" i="1">
+                                <a:latin typeface="Cambria Math" charset="0"/>
+                                <a:ea typeface="Cambria Math" charset="0"/>
+                                <a:cs typeface="Cambria Math" charset="0"/>
+                              </a:rPr>
+                            </m:ctrlPr>
+                          </m:sSubPr>
+                          <m:e>
+                            <m:r>
+                              <a:rPr lang="en-US" sz="3600" b="0" i="1">
+                                <a:latin typeface="Cambria Math" charset="0"/>
+                                <a:ea typeface="Cambria Math" charset="0"/>
+                                <a:cs typeface="Cambria Math" charset="0"/>
+                              </a:rPr>
+                              <m:t>𝑥</m:t>
+                            </m:r>
+                          </m:e>
+                          <m:sub>
+                            <m:r>
+                              <a:rPr lang="en-US" sz="3600" b="0" i="1">
+                                <a:latin typeface="Cambria Math" charset="0"/>
+                                <a:ea typeface="Cambria Math" charset="0"/>
+                                <a:cs typeface="Cambria Math" charset="0"/>
+                              </a:rPr>
+                              <m:t>2</m:t>
+                            </m:r>
+                          </m:sub>
+                        </m:sSub>
+                        <m:r>
+                          <a:rPr lang="en-US" sz="3600" b="0" i="1">
+                            <a:latin typeface="Cambria Math" charset="0"/>
+                            <a:ea typeface="Cambria Math" charset="0"/>
+                            <a:cs typeface="Cambria Math" charset="0"/>
+                          </a:rPr>
+                          <m:t>+ … +</m:t>
+                        </m:r>
+                        <m:sSub>
+                          <m:sSubPr>
+                            <m:ctrlPr>
+                              <a:rPr lang="en-US" sz="3600" i="1">
+                                <a:latin typeface="Cambria Math" charset="0"/>
+                                <a:ea typeface="Cambria Math" charset="0"/>
+                                <a:cs typeface="Cambria Math" charset="0"/>
+                              </a:rPr>
+                            </m:ctrlPr>
+                          </m:sSubPr>
+                          <m:e>
+                            <m:r>
+                              <a:rPr lang="en-US" sz="3600" b="0" i="1">
+                                <a:latin typeface="Cambria Math" charset="0"/>
+                                <a:ea typeface="Cambria Math" charset="0"/>
+                                <a:cs typeface="Cambria Math" charset="0"/>
+                              </a:rPr>
+                              <m:t>𝛽</m:t>
+                            </m:r>
+                          </m:e>
+                          <m:sub>
+                            <m:r>
+                              <a:rPr lang="en-US" sz="3600" b="0" i="1">
+                                <a:latin typeface="Cambria Math" charset="0"/>
+                                <a:ea typeface="Cambria Math" charset="0"/>
+                                <a:cs typeface="Cambria Math" charset="0"/>
+                              </a:rPr>
+                              <m:t>𝑖</m:t>
+                            </m:r>
+                          </m:sub>
+                        </m:sSub>
+                        <m:sSub>
+                          <m:sSubPr>
+                            <m:ctrlPr>
+                              <a:rPr lang="en-US" sz="3600" i="1">
+                                <a:latin typeface="Cambria Math" charset="0"/>
+                                <a:ea typeface="Cambria Math" charset="0"/>
+                                <a:cs typeface="Cambria Math" charset="0"/>
+                              </a:rPr>
+                            </m:ctrlPr>
+                          </m:sSubPr>
+                          <m:e>
+                            <m:r>
+                              <a:rPr lang="en-US" sz="3600" b="0" i="1">
+                                <a:latin typeface="Cambria Math" charset="0"/>
+                                <a:ea typeface="Cambria Math" charset="0"/>
+                                <a:cs typeface="Cambria Math" charset="0"/>
+                              </a:rPr>
+                              <m:t>𝑥</m:t>
+                            </m:r>
+                          </m:e>
+                          <m:sub>
+                            <m:r>
+                              <a:rPr lang="en-US" sz="3600" b="0" i="1">
+                                <a:latin typeface="Cambria Math" charset="0"/>
+                                <a:ea typeface="Cambria Math" charset="0"/>
+                                <a:cs typeface="Cambria Math" charset="0"/>
+                              </a:rPr>
+                              <m:t>𝑖</m:t>
+                            </m:r>
+                          </m:sub>
+                        </m:sSub>
+                        <m:r>
+                          <a:rPr lang="en-US" sz="3600" b="0" i="1">
+                            <a:latin typeface="Cambria Math" charset="0"/>
+                            <a:ea typeface="Cambria Math" charset="0"/>
+                            <a:cs typeface="Cambria Math" charset="0"/>
+                          </a:rPr>
+                          <m:t>+ </m:t>
+                        </m:r>
+                        <m:sSub>
+                          <m:sSubPr>
+                            <m:ctrlPr>
+                              <a:rPr lang="en-US" sz="3600" i="1">
+                                <a:latin typeface="Cambria Math" charset="0"/>
+                                <a:ea typeface="Cambria Math" charset="0"/>
+                                <a:cs typeface="Cambria Math" charset="0"/>
+                              </a:rPr>
+                            </m:ctrlPr>
+                          </m:sSubPr>
+                          <m:e>
+                            <m:r>
+                              <a:rPr lang="en-US" sz="3600" b="0" i="1">
+                                <a:latin typeface="Cambria Math" charset="0"/>
+                                <a:ea typeface="Cambria Math" charset="0"/>
+                                <a:cs typeface="Cambria Math" charset="0"/>
+                              </a:rPr>
+                              <m:t>𝜀</m:t>
+                            </m:r>
+                          </m:e>
+                          <m:sub>
+                            <m:r>
+                              <a:rPr lang="en-US" sz="3600" b="0" i="1">
+                                <a:latin typeface="Cambria Math" charset="0"/>
+                                <a:ea typeface="Cambria Math" charset="0"/>
+                                <a:cs typeface="Cambria Math" charset="0"/>
+                              </a:rPr>
+                              <m:t>𝑖</m:t>
+                            </m:r>
+                          </m:sub>
+                        </m:sSub>
+                      </m:oMath>
+                    </m:oMathPara>
+                  </a14:m>
+                  <a:endParaRPr lang="en-US" sz="3600" dirty="0"/>
+                </a:p>
+                <a:p>
+                  <a:endParaRPr lang="en-US" sz="3600" dirty="0" smtClean="0">
+                    <a:solidFill>
+                      <a:srgbClr val="001B3C"/>
+                    </a:solidFill>
+                    <a:latin typeface="Garamond"/>
+                    <a:cs typeface="Garamond"/>
+                  </a:endParaRPr>
+                </a:p>
+                <a:p>
+                  <a:r>
+                    <a:rPr lang="en-US" sz="3600" dirty="0" smtClean="0">
+                      <a:solidFill>
+                        <a:srgbClr val="001B3C"/>
+                      </a:solidFill>
+                      <a:latin typeface="Garamond"/>
+                      <a:cs typeface="Garamond"/>
+                    </a:rPr>
+                    <a:t>Valid Observations for Analysis: </a:t>
+                  </a:r>
+                  <a:r>
+                    <a:rPr lang="en-US" sz="3600" b="1" dirty="0" smtClean="0">
+                      <a:solidFill>
+                        <a:srgbClr val="001B3C"/>
+                      </a:solidFill>
+                      <a:latin typeface="Garamond"/>
+                      <a:cs typeface="Garamond"/>
+                    </a:rPr>
+                    <a:t>85%</a:t>
+                  </a:r>
+                  <a:r>
+                    <a:rPr lang="en-US" sz="3600" dirty="0" smtClean="0">
+                      <a:solidFill>
+                        <a:srgbClr val="001B3C"/>
+                      </a:solidFill>
+                      <a:latin typeface="Garamond"/>
+                      <a:cs typeface="Garamond"/>
+                    </a:rPr>
+                    <a:t> (34,332)</a:t>
+                  </a:r>
+                </a:p>
+                <a:p>
+                  <a:r>
+                    <a:rPr lang="en-US" sz="3600" dirty="0" smtClean="0">
+                      <a:solidFill>
+                        <a:srgbClr val="001B3C"/>
+                      </a:solidFill>
+                      <a:latin typeface="Garamond"/>
+                      <a:cs typeface="Garamond"/>
+                    </a:rPr>
+                    <a:t>Mean error: </a:t>
+                  </a:r>
+                  <a:r>
+                    <a:rPr lang="en-US" sz="3600" b="1" dirty="0" smtClean="0">
+                      <a:solidFill>
+                        <a:srgbClr val="001B3C"/>
+                      </a:solidFill>
+                      <a:latin typeface="Garamond"/>
+                      <a:cs typeface="Garamond"/>
+                    </a:rPr>
+                    <a:t>12.902</a:t>
+                  </a:r>
+                  <a:endParaRPr lang="en-US" sz="3600" b="1" dirty="0" smtClean="0">
+                    <a:solidFill>
+                      <a:srgbClr val="001B3C"/>
+                    </a:solidFill>
+                    <a:latin typeface="Garamond"/>
+                    <a:cs typeface="Garamond"/>
+                  </a:endParaRPr>
+                </a:p>
+                <a:p>
+                  <a:r>
+                    <a:rPr lang="en-US" sz="3600" dirty="0" smtClean="0">
+                      <a:solidFill>
+                        <a:srgbClr val="001B3C"/>
+                      </a:solidFill>
+                      <a:latin typeface="Garamond"/>
+                      <a:cs typeface="Garamond"/>
+                    </a:rPr>
+                    <a:t>Standard </a:t>
+                  </a:r>
+                  <a:r>
+                    <a:rPr lang="en-US" sz="3600" dirty="0" smtClean="0">
+                      <a:solidFill>
+                        <a:srgbClr val="001B3C"/>
+                      </a:solidFill>
+                      <a:latin typeface="Garamond"/>
+                      <a:cs typeface="Garamond"/>
+                    </a:rPr>
+                    <a:t>deviation: </a:t>
+                  </a:r>
+                  <a:r>
+                    <a:rPr lang="en-US" sz="3600" b="1" dirty="0" smtClean="0">
+                      <a:solidFill>
+                        <a:srgbClr val="001B3C"/>
+                      </a:solidFill>
+                      <a:latin typeface="Garamond"/>
+                      <a:cs typeface="Garamond"/>
+                    </a:rPr>
+                    <a:t>0.0771</a:t>
+                  </a:r>
+                  <a:endParaRPr lang="en-US" sz="3600" b="1" dirty="0">
+                    <a:solidFill>
+                      <a:srgbClr val="001B3C"/>
+                    </a:solidFill>
+                    <a:latin typeface="Garamond"/>
+                    <a:cs typeface="Garamond"/>
+                  </a:endParaRPr>
+                </a:p>
+                <a:p>
+                  <a:endParaRPr lang="en-US" sz="4000" dirty="0">
+                    <a:latin typeface="Garamond"/>
+                    <a:cs typeface="Garamond"/>
+                  </a:endParaRPr>
+                </a:p>
+                <a:p>
+                  <a:r>
+                    <a:rPr lang="en-US" sz="4000" dirty="0">
+                      <a:latin typeface="Garamond"/>
+                      <a:cs typeface="Garamond"/>
+                    </a:rPr>
+                    <a:t> </a:t>
+                  </a:r>
+                </a:p>
+                <a:p>
+                  <a:endParaRPr lang="es-ES_tradnl" sz="4000" dirty="0">
+                    <a:latin typeface="Garamond"/>
+                    <a:cs typeface="Garamond"/>
+                  </a:endParaRPr>
+                </a:p>
+              </p:txBody>
+            </p:sp>
+          </mc:Choice>
+          <mc:Fallback>
+            <p:sp>
+              <p:nvSpPr>
+                <p:cNvPr id="17" name="TextBox 16"/>
+                <p:cNvSpPr txBox="1">
+                  <a:spLocks noRot="1" noChangeAspect="1" noMove="1" noResize="1" noEditPoints="1" noAdjustHandles="1" noChangeArrowheads="1" noChangeShapeType="1" noTextEdit="1"/>
+                </p:cNvSpPr>
+                <p:nvPr/>
+              </p:nvSpPr>
+              <p:spPr>
+                <a:xfrm>
+                  <a:off x="12339066" y="24281160"/>
+                  <a:ext cx="19211128" cy="7955704"/>
+                </a:xfrm>
+                <a:prstGeom prst="rect">
+                  <a:avLst/>
+                </a:prstGeom>
+                <a:blipFill rotWithShape="0">
+                  <a:blip r:embed="rId4"/>
+                  <a:stretch>
+                    <a:fillRect l="-2157" t="-2682"/>
+                  </a:stretch>
+                </a:blipFill>
+              </p:spPr>
+              <p:txBody>
+                <a:bodyPr/>
+                <a:lstStyle/>
+                <a:p>
+                  <a:r>
+                    <a:rPr lang="en-US">
+                      <a:noFill/>
+                    </a:rPr>
+                    <a:t> </a:t>
+                  </a:r>
+                </a:p>
+              </p:txBody>
+            </p:sp>
+          </mc:Fallback>
+        </mc:AlternateContent>
         <p:cxnSp>
           <p:nvCxnSpPr>
             <p:cNvPr id="18" name="Straight Connector 17"/>
@@ -4985,7 +5243,7 @@
           </p:nvCxnSpPr>
           <p:spPr>
             <a:xfrm>
-              <a:off x="12339066" y="25920018"/>
+              <a:off x="12339066" y="25418570"/>
               <a:ext cx="19211128" cy="16569"/>
             </a:xfrm>
             <a:prstGeom prst="line">
@@ -5032,7 +5290,7 @@
         <p:spPr>
           <a:xfrm>
             <a:off x="33656389" y="7211459"/>
-            <a:ext cx="9618277" cy="26530332"/>
+            <a:ext cx="9618277" cy="27576780"/>
           </a:xfrm>
           <a:prstGeom prst="rect">
             <a:avLst/>
@@ -5086,8 +5344,19 @@
                 <a:latin typeface="Garamond"/>
                 <a:cs typeface="Garamond"/>
               </a:rPr>
-              <a:t>For NHANES, new individuals are surveyed each year, and geographic location is kept confidential. The inability to track the health of a single person over time prohibited us from looking for causes of CKD. Only association studies were possible.</a:t>
-            </a:r>
+              <a:t>For NHANES, new individuals are surveyed each year, and geographic location is kept confidential. The inability to track the health of a single person over time prohibited us from </a:t>
+            </a:r>
+            <a:r>
+              <a:rPr lang="en-US" sz="3600" dirty="0" smtClean="0">
+                <a:latin typeface="Garamond"/>
+                <a:cs typeface="Garamond"/>
+              </a:rPr>
+              <a:t>performing causation analysis.</a:t>
+            </a:r>
+            <a:endParaRPr lang="en-US" sz="3600" dirty="0" smtClean="0">
+              <a:latin typeface="Garamond"/>
+              <a:cs typeface="Garamond"/>
+            </a:endParaRPr>
           </a:p>
           <a:p>
             <a:endParaRPr lang="en-US" sz="3600" dirty="0">
@@ -5101,7 +5370,14 @@
                 <a:latin typeface="Garamond"/>
                 <a:cs typeface="Garamond"/>
               </a:rPr>
-              <a:t>While the ‘Survey’ package in R is incredibly helpful at properly weighting each observation, it does not work seamlessly with generic R functions, greatly limiting our analysis.</a:t>
+              <a:t>While the ‘Survey’ package in R is incredibly helpful at properly weighting each observation, </a:t>
+            </a:r>
+            <a:r>
+              <a:rPr lang="en-US" sz="3600" dirty="0" smtClean="0">
+                <a:latin typeface="Garamond"/>
+                <a:cs typeface="Garamond"/>
+              </a:rPr>
+              <a:t>many R functions are not fully supported.</a:t>
             </a:r>
           </a:p>
           <a:p>
@@ -5112,37 +5388,86 @@
           </a:p>
           <a:p>
             <a:r>
-              <a:rPr lang="en-US" sz="3600" dirty="0">
-                <a:latin typeface="Garamond"/>
-                <a:cs typeface="Garamond"/>
-              </a:rPr>
-              <a:t>Originally, we had intended to utilize Leave-One-Out cross-validation. However, a computational cost of approximately 48 days with available computers made this unfeasible for our project</a:t>
-            </a:r>
-            <a:r>
               <a:rPr lang="en-US" sz="3600" dirty="0" smtClean="0">
                 <a:latin typeface="Garamond"/>
                 <a:cs typeface="Garamond"/>
               </a:rPr>
-              <a:t>. We would recommend additional overfitting and model evaluation techniques for further analysis of these data.</a:t>
-            </a:r>
-            <a:endParaRPr lang="en-US" sz="3600" dirty="0">
-              <a:latin typeface="Garamond"/>
-              <a:cs typeface="Garamond"/>
-            </a:endParaRPr>
-          </a:p>
-          <a:p>
+              <a:t>Utilizing bootstrap resampling, we found that the coefficients’ confidence intervals were generally clustered around the one-shot values under our Results section, although the 95% confidence interval for Non-Hispanic Black contained 0. Therefore we are unable to conclusively identify a difference in eGFR for that group.</a:t>
+            </a:r>
             <a:endParaRPr lang="en-US" sz="3600" dirty="0" smtClean="0">
               <a:latin typeface="Garamond"/>
               <a:cs typeface="Garamond"/>
             </a:endParaRPr>
           </a:p>
           <a:p>
+            <a:endParaRPr lang="en-US" sz="3600" dirty="0" smtClean="0">
+              <a:latin typeface="Garamond"/>
+              <a:cs typeface="Garamond"/>
+            </a:endParaRPr>
+          </a:p>
+          <a:p>
             <a:r>
               <a:rPr lang="en-US" sz="3600" dirty="0" smtClean="0">
                 <a:latin typeface="Garamond"/>
                 <a:cs typeface="Garamond"/>
               </a:rPr>
-              <a:t>After removing all observations that contained a missing value, only 22% were left for analysis. Future studies could look at building models to predict missing values instead of removing them completely.</a:t>
+              <a:t>After removing all observations that contained a missing </a:t>
+            </a:r>
+            <a:r>
+              <a:rPr lang="en-US" sz="3600" dirty="0" smtClean="0">
+                <a:latin typeface="Garamond"/>
+                <a:cs typeface="Garamond"/>
+              </a:rPr>
+              <a:t>value for one or more covariates, </a:t>
+            </a:r>
+            <a:r>
+              <a:rPr lang="en-US" sz="3600" dirty="0" smtClean="0">
+                <a:latin typeface="Garamond"/>
+                <a:cs typeface="Garamond"/>
+              </a:rPr>
+              <a:t>only </a:t>
+            </a:r>
+            <a:r>
+              <a:rPr lang="en-US" sz="3600" dirty="0" smtClean="0">
+                <a:latin typeface="Garamond"/>
+                <a:cs typeface="Garamond"/>
+              </a:rPr>
+              <a:t>85</a:t>
+            </a:r>
+            <a:r>
+              <a:rPr lang="en-US" sz="3600" dirty="0" smtClean="0">
+                <a:latin typeface="Garamond"/>
+                <a:cs typeface="Garamond"/>
+              </a:rPr>
+              <a:t>% </a:t>
+            </a:r>
+            <a:r>
+              <a:rPr lang="en-US" sz="3600" dirty="0" smtClean="0">
+                <a:latin typeface="Garamond"/>
+                <a:cs typeface="Garamond"/>
+              </a:rPr>
+              <a:t>were left for analysis. </a:t>
+            </a:r>
+            <a:r>
+              <a:rPr lang="en-US" sz="3600" dirty="0" smtClean="0">
+                <a:latin typeface="Garamond"/>
+                <a:cs typeface="Garamond"/>
+              </a:rPr>
+              <a:t>Adding more covariates reduced this number further and we cannot conclude that the data was missing completely at random. Future </a:t>
+            </a:r>
+            <a:r>
+              <a:rPr lang="en-US" sz="3600" dirty="0" smtClean="0">
+                <a:latin typeface="Garamond"/>
+                <a:cs typeface="Garamond"/>
+              </a:rPr>
+              <a:t>studies could look at building models to </a:t>
+            </a:r>
+            <a:r>
+              <a:rPr lang="en-US" sz="3600" dirty="0" smtClean="0">
+                <a:latin typeface="Garamond"/>
+                <a:cs typeface="Garamond"/>
+              </a:rPr>
+              <a:t>impute missing values.</a:t>
             </a:r>
             <a:endParaRPr lang="en-US" sz="3600" b="1" dirty="0" smtClean="0">
               <a:solidFill>
@@ -5293,15 +5618,26 @@
               </a:rPr>
               <a:t>Citations</a:t>
             </a:r>
-          </a:p>
-          <a:p>
-            <a:endParaRPr lang="en-US" sz="2000" b="1" dirty="0" smtClean="0">
+            <a:endParaRPr lang="en-US" sz="1600" dirty="0" smtClean="0">
               <a:solidFill>
                 <a:srgbClr val="001B3C"/>
               </a:solidFill>
               <a:latin typeface="Garamond"/>
               <a:cs typeface="Garamond"/>
             </a:endParaRPr>
+          </a:p>
+          <a:p>
+            <a:pPr indent="-457200"/>
+            <a:r>
+              <a:rPr lang="en-US" sz="1600" dirty="0" smtClean="0">
+                <a:solidFill>
+                  <a:srgbClr val="001B3C"/>
+                </a:solidFill>
+                <a:latin typeface="Garamond"/>
+                <a:cs typeface="Garamond"/>
+              </a:rPr>
+              <a:t>T. Lumley (2014) "survey: analysis of complex survey samples". R package version 3.30.</a:t>
+            </a:r>
           </a:p>
           <a:p>
             <a:pPr indent="-457200"/>
@@ -5316,6 +5652,16 @@
           <a:p>
             <a:pPr indent="-457200"/>
             <a:r>
+              <a:rPr lang="en-US" sz="1600" dirty="0">
+                <a:solidFill>
+                  <a:srgbClr val="001B3C"/>
+                </a:solidFill>
+                <a:latin typeface="Garamond"/>
+                <a:cs typeface="Garamond"/>
+              </a:rPr>
+              <a:t>H. Wickham. ggplot2: </a:t>
+            </a:r>
+            <a:r>
               <a:rPr lang="en-US" sz="1600" dirty="0" smtClean="0">
                 <a:solidFill>
                   <a:srgbClr val="001B3C"/>
@@ -5323,7 +5669,17 @@
                 <a:latin typeface="Garamond"/>
                 <a:cs typeface="Garamond"/>
               </a:rPr>
-              <a:t>T</a:t>
+              <a:t>Elegant </a:t>
+            </a:r>
+            <a:r>
+              <a:rPr lang="en-US" sz="1600" dirty="0">
+                <a:solidFill>
+                  <a:srgbClr val="001B3C"/>
+                </a:solidFill>
+                <a:latin typeface="Garamond"/>
+                <a:cs typeface="Garamond"/>
+              </a:rPr>
+              <a:t>Graphics for Data Analysis</a:t>
             </a:r>
             <a:r>
               <a:rPr lang="en-US" sz="1600" dirty="0" smtClean="0">
@@ -5333,7 +5689,37 @@
                 <a:latin typeface="Garamond"/>
                 <a:cs typeface="Garamond"/>
               </a:rPr>
-              <a:t>. Lumley (2014) "survey: analysis of complex survey samples". R package version 3.30</a:t>
+              <a:t>. </a:t>
+            </a:r>
+            <a:r>
+              <a:rPr lang="en-US" sz="1600" dirty="0">
+                <a:solidFill>
+                  <a:srgbClr val="001B3C"/>
+                </a:solidFill>
+                <a:latin typeface="Garamond"/>
+                <a:cs typeface="Garamond"/>
+              </a:rPr>
+              <a:t>Springer-</a:t>
+            </a:r>
+            <a:r>
+              <a:rPr lang="en-US" sz="1600" dirty="0" err="1">
+                <a:solidFill>
+                  <a:srgbClr val="001B3C"/>
+                </a:solidFill>
+                <a:latin typeface="Garamond"/>
+                <a:cs typeface="Garamond"/>
+              </a:rPr>
+              <a:t>Verlag</a:t>
+            </a:r>
+            <a:r>
+              <a:rPr lang="en-US" sz="1600" dirty="0">
+                <a:solidFill>
+                  <a:srgbClr val="001B3C"/>
+                </a:solidFill>
+                <a:latin typeface="Garamond"/>
+                <a:cs typeface="Garamond"/>
+              </a:rPr>
+              <a:t> New York, 2009</a:t>
             </a:r>
             <a:r>
               <a:rPr lang="en-US" sz="1600" dirty="0" smtClean="0">
@@ -5359,6 +5745,16 @@
           <a:p>
             <a:pPr indent="-457200"/>
             <a:r>
+              <a:rPr lang="en-US" sz="1600" dirty="0" smtClean="0">
+                <a:solidFill>
+                  <a:srgbClr val="001B3C"/>
+                </a:solidFill>
+                <a:latin typeface="Garamond"/>
+                <a:cs typeface="Garamond"/>
+              </a:rPr>
+              <a:t>Heike </a:t>
+            </a:r>
+            <a:r>
               <a:rPr lang="en-US" sz="1600" dirty="0">
                 <a:solidFill>
                   <a:srgbClr val="001B3C"/>
@@ -5366,7 +5762,17 @@
                 <a:latin typeface="Garamond"/>
                 <a:cs typeface="Garamond"/>
               </a:rPr>
-              <a:t>H. Wickham. ggplot2: </a:t>
+              <a:t>Hofmann and Marie </a:t>
+            </a:r>
+            <a:r>
+              <a:rPr lang="en-US" sz="1600" dirty="0" err="1" smtClean="0">
+                <a:solidFill>
+                  <a:srgbClr val="001B3C"/>
+                </a:solidFill>
+                <a:latin typeface="Garamond"/>
+                <a:cs typeface="Garamond"/>
+              </a:rPr>
+              <a:t>Vendettuoli</a:t>
             </a:r>
             <a:r>
               <a:rPr lang="en-US" sz="1600" dirty="0" smtClean="0">
@@ -5376,7 +5782,7 @@
                 <a:latin typeface="Garamond"/>
                 <a:cs typeface="Garamond"/>
               </a:rPr>
-              <a:t>Elegant </a:t>
+              <a:t> (</a:t>
             </a:r>
             <a:r>
               <a:rPr lang="en-US" sz="1600" dirty="0">
@@ -5386,7 +5792,27 @@
                 <a:latin typeface="Garamond"/>
                 <a:cs typeface="Garamond"/>
               </a:rPr>
-              <a:t>Graphics for Data Analysis</a:t>
+              <a:t>2015). </a:t>
+            </a:r>
+            <a:r>
+              <a:rPr lang="en-US" sz="1600" dirty="0" err="1">
+                <a:solidFill>
+                  <a:srgbClr val="001B3C"/>
+                </a:solidFill>
+                <a:latin typeface="Garamond"/>
+                <a:cs typeface="Garamond"/>
+              </a:rPr>
+              <a:t>ggparallel</a:t>
+            </a:r>
+            <a:r>
+              <a:rPr lang="en-US" sz="1600" dirty="0">
+                <a:solidFill>
+                  <a:srgbClr val="001B3C"/>
+                </a:solidFill>
+                <a:latin typeface="Garamond"/>
+                <a:cs typeface="Garamond"/>
+              </a:rPr>
+              <a:t>: Variations </a:t>
             </a:r>
             <a:r>
               <a:rPr lang="en-US" sz="1600" dirty="0" smtClean="0">
@@ -5396,7 +5822,7 @@
                 <a:latin typeface="Garamond"/>
                 <a:cs typeface="Garamond"/>
               </a:rPr>
-              <a:t>. </a:t>
+              <a:t>of </a:t>
             </a:r>
             <a:r>
               <a:rPr lang="en-US" sz="1600" dirty="0">
@@ -5406,17 +5832,17 @@
                 <a:latin typeface="Garamond"/>
                 <a:cs typeface="Garamond"/>
               </a:rPr>
-              <a:t>Springer-</a:t>
-            </a:r>
-            <a:r>
-              <a:rPr lang="en-US" sz="1600" dirty="0" err="1">
+              <a:t>Parallel Coordinate Plots </a:t>
+            </a:r>
+            <a:r>
+              <a:rPr lang="en-US" sz="1600" dirty="0" smtClean="0">
                 <a:solidFill>
                   <a:srgbClr val="001B3C"/>
                 </a:solidFill>
                 <a:latin typeface="Garamond"/>
                 <a:cs typeface="Garamond"/>
               </a:rPr>
-              <a:t>Verlag</a:t>
+              <a:t>for Categorical </a:t>
             </a:r>
             <a:r>
               <a:rPr lang="en-US" sz="1600" dirty="0">
@@ -5426,7 +5852,7 @@
                 <a:latin typeface="Garamond"/>
                 <a:cs typeface="Garamond"/>
               </a:rPr>
-              <a:t> New York, 2009</a:t>
+              <a:t>Data. </a:t>
             </a:r>
             <a:r>
               <a:rPr lang="en-US" sz="1600" dirty="0" smtClean="0">
@@ -5436,7 +5862,7 @@
                 <a:latin typeface="Garamond"/>
                 <a:cs typeface="Garamond"/>
               </a:rPr>
-              <a:t>.</a:t>
+              <a:t>R package version 0.1.2.</a:t>
             </a:r>
           </a:p>
           <a:p>
@@ -5459,7 +5885,7 @@
                 <a:latin typeface="Garamond"/>
                 <a:cs typeface="Garamond"/>
               </a:rPr>
-              <a:t>Heike </a:t>
+              <a:t>Dan </a:t>
             </a:r>
             <a:r>
               <a:rPr lang="en-US" sz="1600" dirty="0">
@@ -5469,7 +5895,17 @@
                 <a:latin typeface="Garamond"/>
                 <a:cs typeface="Garamond"/>
               </a:rPr>
-              <a:t>Hofmann and Marie </a:t>
+              <a:t>Carr, ported by </a:t>
+            </a:r>
+            <a:r>
+              <a:rPr lang="en-US" sz="1600" dirty="0" smtClean="0">
+                <a:solidFill>
+                  <a:srgbClr val="001B3C"/>
+                </a:solidFill>
+                <a:latin typeface="Garamond"/>
+                <a:cs typeface="Garamond"/>
+              </a:rPr>
+              <a:t>Nicholas </a:t>
             </a:r>
             <a:r>
               <a:rPr lang="en-US" sz="1600" dirty="0" err="1" smtClean="0">
@@ -5479,7 +5915,47 @@
                 <a:latin typeface="Garamond"/>
                 <a:cs typeface="Garamond"/>
               </a:rPr>
-              <a:t>Vendettuoli</a:t>
+              <a:t>Lewin</a:t>
+            </a:r>
+            <a:r>
+              <a:rPr lang="en-US" sz="1600" dirty="0" err="1">
+                <a:solidFill>
+                  <a:srgbClr val="001B3C"/>
+                </a:solidFill>
+                <a:latin typeface="Garamond"/>
+                <a:cs typeface="Garamond"/>
+              </a:rPr>
+              <a:t>-Koh</a:t>
+            </a:r>
+            <a:r>
+              <a:rPr lang="en-US" sz="1600" dirty="0">
+                <a:solidFill>
+                  <a:srgbClr val="001B3C"/>
+                </a:solidFill>
+                <a:latin typeface="Garamond"/>
+                <a:cs typeface="Garamond"/>
+              </a:rPr>
+              <a:t>, Martin </a:t>
+            </a:r>
+            <a:r>
+              <a:rPr lang="en-US" sz="1600" dirty="0" err="1">
+                <a:solidFill>
+                  <a:srgbClr val="001B3C"/>
+                </a:solidFill>
+                <a:latin typeface="Garamond"/>
+                <a:cs typeface="Garamond"/>
+              </a:rPr>
+              <a:t>Maechler</a:t>
+            </a:r>
+            <a:r>
+              <a:rPr lang="en-US" sz="1600" dirty="0">
+                <a:solidFill>
+                  <a:srgbClr val="001B3C"/>
+                </a:solidFill>
+                <a:latin typeface="Garamond"/>
+                <a:cs typeface="Garamond"/>
+              </a:rPr>
+              <a:t> </a:t>
             </a:r>
             <a:r>
               <a:rPr lang="en-US" sz="1600" dirty="0" smtClean="0">
@@ -5489,7 +5965,7 @@
                 <a:latin typeface="Garamond"/>
                 <a:cs typeface="Garamond"/>
               </a:rPr>
-              <a:t> (</a:t>
+              <a:t>and contains </a:t>
             </a:r>
             <a:r>
               <a:rPr lang="en-US" sz="1600" dirty="0">
@@ -5499,17 +5975,17 @@
                 <a:latin typeface="Garamond"/>
                 <a:cs typeface="Garamond"/>
               </a:rPr>
-              <a:t>2015). </a:t>
-            </a:r>
-            <a:r>
-              <a:rPr lang="en-US" sz="1600" dirty="0" err="1">
+              <a:t>copies of lattice </a:t>
+            </a:r>
+            <a:r>
+              <a:rPr lang="en-US" sz="1600" dirty="0" smtClean="0">
                 <a:solidFill>
                   <a:srgbClr val="001B3C"/>
                 </a:solidFill>
                 <a:latin typeface="Garamond"/>
                 <a:cs typeface="Garamond"/>
               </a:rPr>
-              <a:t>ggparallel</a:t>
+              <a:t>functions written </a:t>
             </a:r>
             <a:r>
               <a:rPr lang="en-US" sz="1600" dirty="0">
@@ -5519,7 +5995,17 @@
                 <a:latin typeface="Garamond"/>
                 <a:cs typeface="Garamond"/>
               </a:rPr>
-              <a:t>: Variations </a:t>
+              <a:t>by </a:t>
+            </a:r>
+            <a:r>
+              <a:rPr lang="en-US" sz="1600" dirty="0" err="1" smtClean="0">
+                <a:solidFill>
+                  <a:srgbClr val="001B3C"/>
+                </a:solidFill>
+                <a:latin typeface="Garamond"/>
+                <a:cs typeface="Garamond"/>
+              </a:rPr>
+              <a:t>Deepayan</a:t>
             </a:r>
             <a:r>
               <a:rPr lang="en-US" sz="1600" dirty="0" smtClean="0">
@@ -5529,7 +6015,17 @@
                 <a:latin typeface="Garamond"/>
                 <a:cs typeface="Garamond"/>
               </a:rPr>
-              <a:t>of </a:t>
+              <a:t> </a:t>
+            </a:r>
+            <a:r>
+              <a:rPr lang="en-US" sz="1600" dirty="0" err="1" smtClean="0">
+                <a:solidFill>
+                  <a:srgbClr val="001B3C"/>
+                </a:solidFill>
+                <a:latin typeface="Garamond"/>
+                <a:cs typeface="Garamond"/>
+              </a:rPr>
+              <a:t>Sarkar</a:t>
             </a:r>
             <a:r>
               <a:rPr lang="en-US" sz="1600" dirty="0">
@@ -5539,7 +6035,7 @@
                 <a:latin typeface="Garamond"/>
                 <a:cs typeface="Garamond"/>
               </a:rPr>
-              <a:t>Parallel Coordinate Plots </a:t>
+              <a:t> </a:t>
             </a:r>
             <a:r>
               <a:rPr lang="en-US" sz="1600" dirty="0" smtClean="0">
@@ -5549,7 +6045,7 @@
                 <a:latin typeface="Garamond"/>
                 <a:cs typeface="Garamond"/>
               </a:rPr>
-              <a:t>for Categorical </a:t>
+              <a:t>(</a:t>
             </a:r>
             <a:r>
               <a:rPr lang="en-US" sz="1600" dirty="0">
@@ -5559,7 +6055,7 @@
                 <a:latin typeface="Garamond"/>
                 <a:cs typeface="Garamond"/>
               </a:rPr>
-              <a:t>Data. </a:t>
+              <a:t>2015)</a:t>
             </a:r>
             <a:r>
               <a:rPr lang="en-US" sz="1600" dirty="0" smtClean="0">
@@ -5569,7 +6065,27 @@
                 <a:latin typeface="Garamond"/>
                 <a:cs typeface="Garamond"/>
               </a:rPr>
-              <a:t>R package </a:t>
+              <a:t>. </a:t>
+            </a:r>
+            <a:r>
+              <a:rPr lang="en-US" sz="1600" dirty="0" err="1" smtClean="0">
+                <a:solidFill>
+                  <a:srgbClr val="001B3C"/>
+                </a:solidFill>
+                <a:latin typeface="Garamond"/>
+                <a:cs typeface="Garamond"/>
+              </a:rPr>
+              <a:t>hexbin</a:t>
+            </a:r>
+            <a:r>
+              <a:rPr lang="en-US" sz="1600" dirty="0">
+                <a:solidFill>
+                  <a:srgbClr val="001B3C"/>
+                </a:solidFill>
+                <a:latin typeface="Garamond"/>
+                <a:cs typeface="Garamond"/>
+              </a:rPr>
+              <a:t>: Hexagonal Binning </a:t>
             </a:r>
             <a:r>
               <a:rPr lang="en-US" sz="1600" dirty="0" smtClean="0">
@@ -5579,7 +6095,17 @@
                 <a:latin typeface="Garamond"/>
                 <a:cs typeface="Garamond"/>
               </a:rPr>
-              <a:t>version 0.1.2</a:t>
+              <a:t>Routines. R package </a:t>
+            </a:r>
+            <a:r>
+              <a:rPr lang="en-US" sz="1600" dirty="0">
+                <a:solidFill>
+                  <a:srgbClr val="001B3C"/>
+                </a:solidFill>
+                <a:latin typeface="Garamond"/>
+                <a:cs typeface="Garamond"/>
+              </a:rPr>
+              <a:t>version 1.27.1</a:t>
             </a:r>
             <a:r>
               <a:rPr lang="en-US" sz="1600" dirty="0" smtClean="0">
@@ -5605,6 +6131,16 @@
           <a:p>
             <a:pPr indent="-457200"/>
             <a:r>
+              <a:rPr lang="en-US" sz="1600" dirty="0">
+                <a:solidFill>
+                  <a:srgbClr val="001B3C"/>
+                </a:solidFill>
+                <a:latin typeface="Garamond"/>
+                <a:cs typeface="Garamond"/>
+              </a:rPr>
+              <a:t>Hadley Wickham (2007). </a:t>
+            </a:r>
+            <a:r>
               <a:rPr lang="en-US" sz="1600" dirty="0" smtClean="0">
                 <a:solidFill>
                   <a:srgbClr val="001B3C"/>
@@ -5612,7 +6148,7 @@
                 <a:latin typeface="Garamond"/>
                 <a:cs typeface="Garamond"/>
               </a:rPr>
-              <a:t>Dan </a:t>
+              <a:t>Reshaping Data </a:t>
             </a:r>
             <a:r>
               <a:rPr lang="en-US" sz="1600" dirty="0">
@@ -5622,7 +6158,7 @@
                 <a:latin typeface="Garamond"/>
                 <a:cs typeface="Garamond"/>
               </a:rPr>
-              <a:t>Carr, ported by </a:t>
+              <a:t>with the reshape Package</a:t>
             </a:r>
             <a:r>
               <a:rPr lang="en-US" sz="1600" dirty="0" smtClean="0">
@@ -5632,27 +6168,27 @@
                 <a:latin typeface="Garamond"/>
                 <a:cs typeface="Garamond"/>
               </a:rPr>
-              <a:t>Nicholas </a:t>
-            </a:r>
-            <a:r>
-              <a:rPr lang="en-US" sz="1600" dirty="0" err="1" smtClean="0">
+              <a:t>. </a:t>
+            </a:r>
+            <a:r>
+              <a:rPr lang="en-US" sz="1600" dirty="0">
                 <a:solidFill>
                   <a:srgbClr val="001B3C"/>
                 </a:solidFill>
                 <a:latin typeface="Garamond"/>
                 <a:cs typeface="Garamond"/>
               </a:rPr>
-              <a:t>Lewin</a:t>
-            </a:r>
-            <a:r>
-              <a:rPr lang="en-US" sz="1600" dirty="0" err="1">
+              <a:t>Journal of Statistical Software</a:t>
+            </a:r>
+            <a:r>
+              <a:rPr lang="en-US" sz="1600" dirty="0" smtClean="0">
                 <a:solidFill>
                   <a:srgbClr val="001B3C"/>
                 </a:solidFill>
                 <a:latin typeface="Garamond"/>
                 <a:cs typeface="Garamond"/>
               </a:rPr>
-              <a:t>-Koh</a:t>
+              <a:t>, 21</a:t>
             </a:r>
             <a:r>
               <a:rPr lang="en-US" sz="1600" dirty="0">
@@ -5662,177 +6198,7 @@
                 <a:latin typeface="Garamond"/>
                 <a:cs typeface="Garamond"/>
               </a:rPr>
-              <a:t>, Martin </a:t>
-            </a:r>
-            <a:r>
-              <a:rPr lang="en-US" sz="1600" dirty="0" err="1">
-                <a:solidFill>
-                  <a:srgbClr val="001B3C"/>
-                </a:solidFill>
-                <a:latin typeface="Garamond"/>
-                <a:cs typeface="Garamond"/>
-              </a:rPr>
-              <a:t>Maechler</a:t>
-            </a:r>
-            <a:r>
-              <a:rPr lang="en-US" sz="1600" dirty="0">
-                <a:solidFill>
-                  <a:srgbClr val="001B3C"/>
-                </a:solidFill>
-                <a:latin typeface="Garamond"/>
-                <a:cs typeface="Garamond"/>
-              </a:rPr>
-              <a:t> </a:t>
-            </a:r>
-            <a:r>
-              <a:rPr lang="en-US" sz="1600" dirty="0" smtClean="0">
-                <a:solidFill>
-                  <a:srgbClr val="001B3C"/>
-                </a:solidFill>
-                <a:latin typeface="Garamond"/>
-                <a:cs typeface="Garamond"/>
-              </a:rPr>
-              <a:t>and contains </a:t>
-            </a:r>
-            <a:r>
-              <a:rPr lang="en-US" sz="1600" dirty="0">
-                <a:solidFill>
-                  <a:srgbClr val="001B3C"/>
-                </a:solidFill>
-                <a:latin typeface="Garamond"/>
-                <a:cs typeface="Garamond"/>
-              </a:rPr>
-              <a:t>copies of lattice </a:t>
-            </a:r>
-            <a:r>
-              <a:rPr lang="en-US" sz="1600" dirty="0" smtClean="0">
-                <a:solidFill>
-                  <a:srgbClr val="001B3C"/>
-                </a:solidFill>
-                <a:latin typeface="Garamond"/>
-                <a:cs typeface="Garamond"/>
-              </a:rPr>
-              <a:t>functions written </a:t>
-            </a:r>
-            <a:r>
-              <a:rPr lang="en-US" sz="1600" dirty="0">
-                <a:solidFill>
-                  <a:srgbClr val="001B3C"/>
-                </a:solidFill>
-                <a:latin typeface="Garamond"/>
-                <a:cs typeface="Garamond"/>
-              </a:rPr>
-              <a:t>by </a:t>
-            </a:r>
-            <a:r>
-              <a:rPr lang="en-US" sz="1600" dirty="0" err="1" smtClean="0">
-                <a:solidFill>
-                  <a:srgbClr val="001B3C"/>
-                </a:solidFill>
-                <a:latin typeface="Garamond"/>
-                <a:cs typeface="Garamond"/>
-              </a:rPr>
-              <a:t>Deepayan</a:t>
-            </a:r>
-            <a:r>
-              <a:rPr lang="en-US" sz="1600" dirty="0" smtClean="0">
-                <a:solidFill>
-                  <a:srgbClr val="001B3C"/>
-                </a:solidFill>
-                <a:latin typeface="Garamond"/>
-                <a:cs typeface="Garamond"/>
-              </a:rPr>
-              <a:t> </a:t>
-            </a:r>
-            <a:r>
-              <a:rPr lang="en-US" sz="1600" dirty="0" err="1" smtClean="0">
-                <a:solidFill>
-                  <a:srgbClr val="001B3C"/>
-                </a:solidFill>
-                <a:latin typeface="Garamond"/>
-                <a:cs typeface="Garamond"/>
-              </a:rPr>
-              <a:t>Sarkar</a:t>
-            </a:r>
-            <a:r>
-              <a:rPr lang="en-US" sz="1600" dirty="0">
-                <a:solidFill>
-                  <a:srgbClr val="001B3C"/>
-                </a:solidFill>
-                <a:latin typeface="Garamond"/>
-                <a:cs typeface="Garamond"/>
-              </a:rPr>
-              <a:t> </a:t>
-            </a:r>
-            <a:r>
-              <a:rPr lang="en-US" sz="1600" dirty="0" smtClean="0">
-                <a:solidFill>
-                  <a:srgbClr val="001B3C"/>
-                </a:solidFill>
-                <a:latin typeface="Garamond"/>
-                <a:cs typeface="Garamond"/>
-              </a:rPr>
-              <a:t>(</a:t>
-            </a:r>
-            <a:r>
-              <a:rPr lang="en-US" sz="1600" dirty="0">
-                <a:solidFill>
-                  <a:srgbClr val="001B3C"/>
-                </a:solidFill>
-                <a:latin typeface="Garamond"/>
-                <a:cs typeface="Garamond"/>
-              </a:rPr>
-              <a:t>2015)</a:t>
-            </a:r>
-            <a:r>
-              <a:rPr lang="en-US" sz="1600" dirty="0" smtClean="0">
-                <a:solidFill>
-                  <a:srgbClr val="001B3C"/>
-                </a:solidFill>
-                <a:latin typeface="Garamond"/>
-                <a:cs typeface="Garamond"/>
-              </a:rPr>
-              <a:t>. </a:t>
-            </a:r>
-            <a:r>
-              <a:rPr lang="en-US" sz="1600" dirty="0" err="1" smtClean="0">
-                <a:solidFill>
-                  <a:srgbClr val="001B3C"/>
-                </a:solidFill>
-                <a:latin typeface="Garamond"/>
-                <a:cs typeface="Garamond"/>
-              </a:rPr>
-              <a:t>hexbin</a:t>
-            </a:r>
-            <a:r>
-              <a:rPr lang="en-US" sz="1600" dirty="0">
-                <a:solidFill>
-                  <a:srgbClr val="001B3C"/>
-                </a:solidFill>
-                <a:latin typeface="Garamond"/>
-                <a:cs typeface="Garamond"/>
-              </a:rPr>
-              <a:t>: Hexagonal Binning </a:t>
-            </a:r>
-            <a:r>
-              <a:rPr lang="en-US" sz="1600" dirty="0" smtClean="0">
-                <a:solidFill>
-                  <a:srgbClr val="001B3C"/>
-                </a:solidFill>
-                <a:latin typeface="Garamond"/>
-                <a:cs typeface="Garamond"/>
-              </a:rPr>
-              <a:t>Routines. R package </a:t>
-            </a:r>
-            <a:r>
-              <a:rPr lang="en-US" sz="1600" dirty="0">
-                <a:solidFill>
-                  <a:srgbClr val="001B3C"/>
-                </a:solidFill>
-                <a:latin typeface="Garamond"/>
-                <a:cs typeface="Garamond"/>
-              </a:rPr>
-              <a:t>version 1.27.1</a:t>
+              <a:t>(12), 1-20</a:t>
             </a:r>
             <a:r>
               <a:rPr lang="en-US" sz="1600" dirty="0" smtClean="0">
@@ -5858,6 +6224,16 @@
           <a:p>
             <a:pPr indent="-457200"/>
             <a:r>
+              <a:rPr lang="en-US" sz="1600" dirty="0" smtClean="0">
+                <a:solidFill>
+                  <a:srgbClr val="001B3C"/>
+                </a:solidFill>
+                <a:latin typeface="Garamond"/>
+                <a:cs typeface="Garamond"/>
+              </a:rPr>
+              <a:t>Winston </a:t>
+            </a:r>
+            <a:r>
               <a:rPr lang="en-US" sz="1600" dirty="0">
                 <a:solidFill>
                   <a:srgbClr val="001B3C"/>
@@ -5865,7 +6241,17 @@
                 <a:latin typeface="Garamond"/>
                 <a:cs typeface="Garamond"/>
               </a:rPr>
-              <a:t>Hadley Wickham (2007). </a:t>
+              <a:t>Chang, (2014). </a:t>
+            </a:r>
+            <a:r>
+              <a:rPr lang="en-US" sz="1600" dirty="0" err="1" smtClean="0">
+                <a:solidFill>
+                  <a:srgbClr val="001B3C"/>
+                </a:solidFill>
+                <a:latin typeface="Garamond"/>
+                <a:cs typeface="Garamond"/>
+              </a:rPr>
+              <a:t>Extrafont</a:t>
             </a:r>
             <a:r>
               <a:rPr lang="en-US" sz="1600" dirty="0" smtClean="0">
@@ -5875,7 +6261,7 @@
                 <a:latin typeface="Garamond"/>
                 <a:cs typeface="Garamond"/>
               </a:rPr>
-              <a:t>Reshaping Data </a:t>
+              <a:t>: Tools </a:t>
             </a:r>
             <a:r>
               <a:rPr lang="en-US" sz="1600" dirty="0">
@@ -5885,7 +6271,7 @@
                 <a:latin typeface="Garamond"/>
                 <a:cs typeface="Garamond"/>
               </a:rPr>
-              <a:t>with the reshape Package</a:t>
+              <a:t>for using fonts. R </a:t>
             </a:r>
             <a:r>
               <a:rPr lang="en-US" sz="1600" dirty="0" smtClean="0">
@@ -5895,7 +6281,7 @@
                 <a:latin typeface="Garamond"/>
                 <a:cs typeface="Garamond"/>
               </a:rPr>
-              <a:t>. </a:t>
+              <a:t>package version </a:t>
             </a:r>
             <a:r>
               <a:rPr lang="en-US" sz="1600" dirty="0">
@@ -5905,7 +6291,7 @@
                 <a:latin typeface="Garamond"/>
                 <a:cs typeface="Garamond"/>
               </a:rPr>
-              <a:t>Journal of Statistical Software</a:t>
+              <a:t>0.17</a:t>
             </a:r>
             <a:r>
               <a:rPr lang="en-US" sz="1600" dirty="0" smtClean="0">
@@ -5915,28 +6301,15 @@
                 <a:latin typeface="Garamond"/>
                 <a:cs typeface="Garamond"/>
               </a:rPr>
-              <a:t>, 21</a:t>
-            </a:r>
-            <a:r>
-              <a:rPr lang="en-US" sz="1600" dirty="0">
-                <a:solidFill>
-                  <a:srgbClr val="001B3C"/>
-                </a:solidFill>
-                <a:latin typeface="Garamond"/>
-                <a:cs typeface="Garamond"/>
-              </a:rPr>
-              <a:t>(12), 1-20</a:t>
-            </a:r>
-            <a:r>
-              <a:rPr lang="en-US" sz="1600" dirty="0" smtClean="0">
-                <a:solidFill>
-                  <a:srgbClr val="001B3C"/>
-                </a:solidFill>
-                <a:latin typeface="Garamond"/>
-                <a:cs typeface="Garamond"/>
-              </a:rPr>
               <a:t>.</a:t>
             </a:r>
+            <a:endParaRPr lang="en-US" sz="1600" dirty="0">
+              <a:solidFill>
+                <a:srgbClr val="001B3C"/>
+              </a:solidFill>
+              <a:latin typeface="Garamond"/>
+              <a:cs typeface="Garamond"/>
+            </a:endParaRPr>
           </a:p>
           <a:p>
             <a:pPr indent="-457200"/>
@@ -5951,6 +6324,16 @@
           <a:p>
             <a:pPr indent="-457200"/>
             <a:r>
+              <a:rPr lang="en-US" sz="1600" dirty="0">
+                <a:solidFill>
+                  <a:srgbClr val="001B3C"/>
+                </a:solidFill>
+                <a:latin typeface="Garamond"/>
+                <a:cs typeface="Garamond"/>
+              </a:rPr>
+              <a:t>"Introduction to Volume 1: CKD in the United States." American Journal of Kidney Diseases </a:t>
+            </a:r>
+            <a:r>
               <a:rPr lang="en-US" sz="1600" dirty="0" smtClean="0">
                 <a:solidFill>
                   <a:srgbClr val="001B3C"/>
@@ -5958,7 +6341,7 @@
                 <a:latin typeface="Garamond"/>
                 <a:cs typeface="Garamond"/>
               </a:rPr>
-              <a:t>Winston </a:t>
+              <a:t>67.3 (</a:t>
             </a:r>
             <a:r>
               <a:rPr lang="en-US" sz="1600" dirty="0">
@@ -5968,17 +6351,27 @@
                 <a:latin typeface="Garamond"/>
                 <a:cs typeface="Garamond"/>
               </a:rPr>
-              <a:t>Chang, (2014). </a:t>
-            </a:r>
-            <a:r>
-              <a:rPr lang="en-US" sz="1600" dirty="0" err="1" smtClean="0">
+              <a:t>2016): n. </a:t>
+            </a:r>
+            <a:r>
+              <a:rPr lang="en-US" sz="1600" dirty="0" err="1">
                 <a:solidFill>
                   <a:srgbClr val="001B3C"/>
                 </a:solidFill>
                 <a:latin typeface="Garamond"/>
                 <a:cs typeface="Garamond"/>
               </a:rPr>
-              <a:t>Extrafont</a:t>
+              <a:t>pag</a:t>
+            </a:r>
+            <a:r>
+              <a:rPr lang="en-US" sz="1600" dirty="0">
+                <a:solidFill>
+                  <a:srgbClr val="001B3C"/>
+                </a:solidFill>
+                <a:latin typeface="Garamond"/>
+                <a:cs typeface="Garamond"/>
+              </a:rPr>
+              <a:t>. Web</a:t>
             </a:r>
             <a:r>
               <a:rPr lang="en-US" sz="1600" dirty="0" smtClean="0">
@@ -5988,55 +6381,8 @@
                 <a:latin typeface="Garamond"/>
                 <a:cs typeface="Garamond"/>
               </a:rPr>
-              <a:t>: Tools </a:t>
-            </a:r>
-            <a:r>
-              <a:rPr lang="en-US" sz="1600" dirty="0">
-                <a:solidFill>
-                  <a:srgbClr val="001B3C"/>
-                </a:solidFill>
-                <a:latin typeface="Garamond"/>
-                <a:cs typeface="Garamond"/>
-              </a:rPr>
-              <a:t>for using fonts. R </a:t>
-            </a:r>
-            <a:r>
-              <a:rPr lang="en-US" sz="1600" dirty="0" smtClean="0">
-                <a:solidFill>
-                  <a:srgbClr val="001B3C"/>
-                </a:solidFill>
-                <a:latin typeface="Garamond"/>
-                <a:cs typeface="Garamond"/>
-              </a:rPr>
-              <a:t>package version </a:t>
-            </a:r>
-            <a:r>
-              <a:rPr lang="en-US" sz="1600" dirty="0">
-                <a:solidFill>
-                  <a:srgbClr val="001B3C"/>
-                </a:solidFill>
-                <a:latin typeface="Garamond"/>
-                <a:cs typeface="Garamond"/>
-              </a:rPr>
-              <a:t>0.17</a:t>
-            </a:r>
-            <a:r>
-              <a:rPr lang="en-US" sz="1600" dirty="0" smtClean="0">
-                <a:solidFill>
-                  <a:srgbClr val="001B3C"/>
-                </a:solidFill>
-                <a:latin typeface="Garamond"/>
-                <a:cs typeface="Garamond"/>
-              </a:rPr>
               <a:t>.</a:t>
             </a:r>
-            <a:endParaRPr lang="en-US" sz="1600" dirty="0">
-              <a:solidFill>
-                <a:srgbClr val="001B3C"/>
-              </a:solidFill>
-              <a:latin typeface="Garamond"/>
-              <a:cs typeface="Garamond"/>
-            </a:endParaRPr>
           </a:p>
           <a:p>
             <a:pPr indent="-457200"/>
@@ -6049,118 +6395,41 @@
             </a:endParaRPr>
           </a:p>
           <a:p>
-            <a:pPr indent="-457200"/>
             <a:r>
               <a:rPr lang="en-US" sz="1600" dirty="0">
-                <a:solidFill>
-                  <a:srgbClr val="001B3C"/>
-                </a:solidFill>
-                <a:latin typeface="Garamond"/>
-                <a:cs typeface="Garamond"/>
-              </a:rPr>
-              <a:t>"Introduction to Volume 1: CKD in the United States." American Journal of Kidney Diseases </a:t>
-            </a:r>
-            <a:r>
-              <a:rPr lang="en-US" sz="1600" dirty="0" smtClean="0">
-                <a:solidFill>
-                  <a:srgbClr val="001B3C"/>
-                </a:solidFill>
-                <a:latin typeface="Garamond"/>
-                <a:cs typeface="Garamond"/>
-              </a:rPr>
-              <a:t>67.3 (</a:t>
+                <a:latin typeface="Garamond"/>
+                <a:cs typeface="Garamond"/>
+              </a:rPr>
+              <a:t>"UNITED STATES RENAL DATA SYSTEM." USRDS Home Page. </a:t>
+            </a:r>
+            <a:r>
+              <a:rPr lang="en-US" sz="1600" dirty="0" err="1">
+                <a:latin typeface="Garamond"/>
+                <a:cs typeface="Garamond"/>
+              </a:rPr>
+              <a:t>N.p</a:t>
             </a:r>
             <a:r>
               <a:rPr lang="en-US" sz="1600" dirty="0">
-                <a:solidFill>
-                  <a:srgbClr val="001B3C"/>
-                </a:solidFill>
-                <a:latin typeface="Garamond"/>
-                <a:cs typeface="Garamond"/>
-              </a:rPr>
-              <a:t>2016): n. </a:t>
+                <a:latin typeface="Garamond"/>
+                <a:cs typeface="Garamond"/>
+              </a:rPr>
+              <a:t>., </a:t>
             </a:r>
             <a:r>
               <a:rPr lang="en-US" sz="1600" dirty="0" err="1">
-                <a:solidFill>
-                  <a:srgbClr val="001B3C"/>
-                </a:solidFill>
-                <a:latin typeface="Garamond"/>
-                <a:cs typeface="Garamond"/>
-              </a:rPr>
-              <a:t>pag</a:t>
+                <a:latin typeface="Garamond"/>
+                <a:cs typeface="Garamond"/>
+              </a:rPr>
+              <a:t>n.d.</a:t>
             </a:r>
             <a:r>
               <a:rPr lang="en-US" sz="1600" dirty="0">
-                <a:solidFill>
-                  <a:srgbClr val="001B3C"/>
-                </a:solidFill>
-                <a:latin typeface="Garamond"/>
-                <a:cs typeface="Garamond"/>
-              </a:rPr>
-              <a:t>. Web</a:t>
-            </a:r>
-            <a:r>
-              <a:rPr lang="en-US" sz="1600" dirty="0" smtClean="0">
-                <a:solidFill>
-                  <a:srgbClr val="001B3C"/>
-                </a:solidFill>
-                <a:latin typeface="Garamond"/>
-                <a:cs typeface="Garamond"/>
-              </a:rPr>
-              <a:t>.</a:t>
-            </a:r>
-          </a:p>
-          <a:p>
-            <a:pPr indent="-457200"/>
-            <a:endParaRPr lang="en-US" sz="1600" dirty="0" smtClean="0">
-              <a:solidFill>
-                <a:srgbClr val="001B3C"/>
-              </a:solidFill>
-              <a:latin typeface="Garamond"/>
-              <a:cs typeface="Garamond"/>
-            </a:endParaRPr>
-          </a:p>
-          <a:p>
-            <a:r>
-              <a:rPr lang="en-US" sz="1600" dirty="0">
-                <a:latin typeface="Garamond"/>
-                <a:cs typeface="Garamond"/>
-              </a:rPr>
-              <a:t>"UNITED STATES RENAL DATA SYSTEM." USRDS Home Page. </a:t>
-            </a:r>
-            <a:r>
-              <a:rPr lang="en-US" sz="1600" dirty="0" err="1">
-                <a:latin typeface="Garamond"/>
-                <a:cs typeface="Garamond"/>
-              </a:rPr>
-              <a:t>N.p</a:t>
-            </a:r>
-            <a:r>
-              <a:rPr lang="en-US" sz="1600" dirty="0">
-                <a:latin typeface="Garamond"/>
-                <a:cs typeface="Garamond"/>
-              </a:rPr>
-              <a:t>., </a:t>
-            </a:r>
-            <a:r>
-              <a:rPr lang="en-US" sz="1600" dirty="0" err="1">
-                <a:latin typeface="Garamond"/>
-                <a:cs typeface="Garamond"/>
-              </a:rPr>
-              <a:t>n.d.</a:t>
-            </a:r>
-            <a:r>
-              <a:rPr lang="en-US" sz="1600" dirty="0">
                 <a:latin typeface="Garamond"/>
                 <a:cs typeface="Garamond"/>
               </a:rPr>
               <a:t> Web. 17 July 2016.</a:t>
             </a:r>
-            <a:endParaRPr lang="en-US" sz="1600" dirty="0">
-              <a:latin typeface="Garamond"/>
-              <a:cs typeface="Garamond"/>
-            </a:endParaRPr>
           </a:p>
           <a:p>
             <a:r>
@@ -6188,7 +6457,7 @@
           <p:nvPr/>
         </p:nvPicPr>
         <p:blipFill>
-          <a:blip r:embed="rId4">
+          <a:blip r:embed="rId5">
             <a:extLst>
               <a:ext uri="{28A0092B-C50C-407E-A947-70E740481C1C}">
                 <a14:useLocalDpi xmlns:a14="http://schemas.microsoft.com/office/drawing/2010/main" val="0"/>
@@ -6201,8 +6470,8 @@
         </p:blipFill>
         <p:spPr>
           <a:xfrm>
-            <a:off x="19989549" y="9050769"/>
-            <a:ext cx="11253132" cy="7304896"/>
+            <a:off x="11498612" y="17810423"/>
+            <a:ext cx="10476485" cy="6800741"/>
           </a:xfrm>
           <a:prstGeom prst="rect">
             <a:avLst/>
@@ -6389,7 +6658,7 @@
         </p:nvSpPr>
         <p:spPr>
           <a:xfrm>
-            <a:off x="20670726" y="8218986"/>
+            <a:off x="12044731" y="16642372"/>
             <a:ext cx="8483896" cy="707886"/>
           </a:xfrm>
           <a:prstGeom prst="rect">
@@ -6426,8 +6695,8 @@
         </p:nvSpPr>
         <p:spPr>
           <a:xfrm>
-            <a:off x="21587860" y="19655381"/>
-            <a:ext cx="8392877" cy="6924973"/>
+            <a:off x="22148300" y="21210262"/>
+            <a:ext cx="8392877" cy="5509200"/>
           </a:xfrm>
           <a:prstGeom prst="rect">
             <a:avLst/>
@@ -6452,23 +6721,47 @@
                 <a:latin typeface="Garamond"/>
                 <a:cs typeface="Garamond"/>
               </a:rPr>
-              <a:t>Perform 5-fold cross validation to find the most accurate multiple linear regression model for predicting estimated glomerular filtration rate (measurement for determining CKD).</a:t>
-            </a:r>
-          </a:p>
-          <a:p>
-            <a:endParaRPr lang="en-US" sz="2000" dirty="0" smtClean="0">
+              <a:t>Perform </a:t>
+            </a:r>
+            <a:r>
+              <a:rPr lang="en-US" sz="3600" dirty="0" smtClean="0">
+                <a:latin typeface="Garamond"/>
+                <a:cs typeface="Garamond"/>
+              </a:rPr>
+              <a:t>10-fold </a:t>
+            </a:r>
+            <a:r>
+              <a:rPr lang="en-US" sz="3600" dirty="0" smtClean="0">
+                <a:latin typeface="Garamond"/>
+                <a:cs typeface="Garamond"/>
+              </a:rPr>
+              <a:t>cross validation </a:t>
+            </a:r>
+            <a:r>
+              <a:rPr lang="en-US" sz="3600" dirty="0" smtClean="0">
+                <a:latin typeface="Garamond"/>
+                <a:cs typeface="Garamond"/>
+              </a:rPr>
+              <a:t>and bootstrap resampling to </a:t>
+            </a:r>
+            <a:r>
+              <a:rPr lang="en-US" sz="3600" dirty="0" smtClean="0">
+                <a:latin typeface="Garamond"/>
+                <a:cs typeface="Garamond"/>
+              </a:rPr>
+              <a:t>find the most accurate multiple linear regression model for predicting estimated glomerular filtration rate (measurement for determining </a:t>
+            </a:r>
+            <a:r>
+              <a:rPr lang="en-US" sz="3600" dirty="0" smtClean="0">
+                <a:latin typeface="Garamond"/>
+                <a:cs typeface="Garamond"/>
+              </a:rPr>
+              <a:t>CKD stage).</a:t>
+            </a:r>
+            <a:endParaRPr lang="en-US" sz="3600" dirty="0" smtClean="0">
               <a:latin typeface="Garamond"/>
               <a:cs typeface="Garamond"/>
             </a:endParaRPr>
-          </a:p>
-          <a:p>
-            <a:r>
-              <a:rPr lang="en-US" sz="3600" dirty="0" smtClean="0">
-                <a:latin typeface="Garamond"/>
-                <a:cs typeface="Garamond"/>
-              </a:rPr>
-              <a:t>Maintain consistency throughout the cross validation by manually adjusting for the weight of each observation.</a:t>
-            </a:r>
           </a:p>
           <a:p>
             <a:endParaRPr lang="en-US" sz="2000" dirty="0">
@@ -6482,7 +6775,28 @@
                 <a:latin typeface="Garamond"/>
                 <a:cs typeface="Garamond"/>
               </a:rPr>
-              <a:t>Penalize errors on higher-weight observations by weighting errors on specific PSUs by corresponding survey weight.</a:t>
+              <a:t>Penalize </a:t>
+            </a:r>
+            <a:r>
+              <a:rPr lang="en-US" sz="3600" dirty="0" smtClean="0">
+                <a:latin typeface="Garamond"/>
+                <a:cs typeface="Garamond"/>
+              </a:rPr>
+              <a:t>errors on </a:t>
+            </a:r>
+            <a:r>
+              <a:rPr lang="en-US" sz="3600" dirty="0" smtClean="0">
+                <a:latin typeface="Garamond"/>
+                <a:cs typeface="Garamond"/>
+              </a:rPr>
+              <a:t>higher-weight observations by weighting errors on specific PSUs by corresponding survey </a:t>
+            </a:r>
+            <a:r>
+              <a:rPr lang="en-US" sz="3600" dirty="0" smtClean="0">
+                <a:latin typeface="Garamond"/>
+                <a:cs typeface="Garamond"/>
+              </a:rPr>
+              <a:t>weight to maintain internal consistency.</a:t>
             </a:r>
             <a:endParaRPr lang="en-US" sz="3600" dirty="0">
               <a:latin typeface="Garamond"/>
@@ -6491,116 +6805,499 @@
           </a:p>
         </p:txBody>
       </p:sp>
-      <p:sp>
-        <p:nvSpPr>
-          <p:cNvPr id="32" name="TextBox 31"/>
-          <p:cNvSpPr txBox="1"/>
-          <p:nvPr/>
-        </p:nvSpPr>
-        <p:spPr>
-          <a:xfrm>
-            <a:off x="21587860" y="16541973"/>
-            <a:ext cx="8382461" cy="2739211"/>
-          </a:xfrm>
-          <a:prstGeom prst="rect">
-            <a:avLst/>
-          </a:prstGeom>
-          <a:noFill/>
-        </p:spPr>
-        <p:txBody>
-          <a:bodyPr wrap="square" rtlCol="0">
-            <a:spAutoFit/>
-          </a:bodyPr>
-          <a:lstStyle/>
-          <a:p>
-            <a:r>
-              <a:rPr lang="en-US" sz="4400" b="1" dirty="0">
-                <a:solidFill>
-                  <a:srgbClr val="001B3C"/>
-                </a:solidFill>
-                <a:latin typeface="Garamond" charset="0"/>
-                <a:ea typeface="Garamond" charset="0"/>
-                <a:cs typeface="Garamond" charset="0"/>
-              </a:rPr>
-              <a:t>2</a:t>
-            </a:r>
-            <a:r>
-              <a:rPr lang="en-US" sz="4400" b="1" dirty="0" smtClean="0">
-                <a:solidFill>
-                  <a:srgbClr val="001B3C"/>
-                </a:solidFill>
-                <a:latin typeface="Garamond" charset="0"/>
-                <a:ea typeface="Garamond" charset="0"/>
-                <a:cs typeface="Garamond" charset="0"/>
-              </a:rPr>
-              <a:t>.</a:t>
-            </a:r>
-            <a:r>
-              <a:rPr lang="en-US" sz="4400" dirty="0" smtClean="0">
-                <a:solidFill>
-                  <a:srgbClr val="001B3C"/>
-                </a:solidFill>
-                <a:latin typeface="Garamond" charset="0"/>
-                <a:ea typeface="Garamond" charset="0"/>
-                <a:cs typeface="Garamond" charset="0"/>
-              </a:rPr>
-              <a:t> </a:t>
-            </a:r>
-            <a:r>
-              <a:rPr lang="en-US" sz="3600" dirty="0" smtClean="0">
-                <a:solidFill>
-                  <a:srgbClr val="001B3C"/>
-                </a:solidFill>
-                <a:latin typeface="Garamond"/>
-                <a:cs typeface="Garamond"/>
-              </a:rPr>
-              <a:t>Use backward </a:t>
-            </a:r>
-            <a:r>
-              <a:rPr lang="en-US" sz="3600" dirty="0">
-                <a:solidFill>
-                  <a:srgbClr val="001B3C"/>
-                </a:solidFill>
-                <a:latin typeface="Garamond"/>
-                <a:cs typeface="Garamond"/>
-              </a:rPr>
-              <a:t>selection to get models with the lowest </a:t>
-            </a:r>
-            <a:r>
-              <a:rPr lang="en-US" sz="3600" dirty="0" smtClean="0">
-                <a:solidFill>
-                  <a:srgbClr val="001B3C"/>
-                </a:solidFill>
-                <a:latin typeface="Garamond"/>
-                <a:cs typeface="Garamond"/>
-              </a:rPr>
-              <a:t>BIC measurements.</a:t>
-            </a:r>
-          </a:p>
-          <a:p>
-            <a:endParaRPr lang="en-US" sz="2000" dirty="0">
-              <a:solidFill>
-                <a:srgbClr val="001B3C"/>
-              </a:solidFill>
-              <a:latin typeface="Garamond"/>
-              <a:cs typeface="Garamond"/>
-            </a:endParaRPr>
-          </a:p>
-          <a:p>
-            <a:r>
-              <a:rPr lang="en-US" sz="3600" dirty="0" smtClean="0">
-                <a:solidFill>
-                  <a:srgbClr val="001B3C"/>
-                </a:solidFill>
-                <a:latin typeface="Garamond"/>
-                <a:cs typeface="Garamond"/>
-              </a:rPr>
-              <a:t>Adjust the initial set of variables after finding that some were never significant.</a:t>
-            </a:r>
-            <a:endParaRPr lang="en-US" sz="3600" dirty="0"/>
-          </a:p>
-        </p:txBody>
-      </p:sp>
+      <mc:AlternateContent xmlns:mc="http://schemas.openxmlformats.org/markup-compatibility/2006">
+        <mc:Choice xmlns:a14="http://schemas.microsoft.com/office/drawing/2010/main" Requires="a14">
+          <p:sp>
+            <p:nvSpPr>
+              <p:cNvPr id="32" name="TextBox 31"/>
+              <p:cNvSpPr txBox="1"/>
+              <p:nvPr/>
+            </p:nvSpPr>
+            <p:spPr>
+              <a:xfrm>
+                <a:off x="22139979" y="16837980"/>
+                <a:ext cx="8382461" cy="3744230"/>
+              </a:xfrm>
+              <a:prstGeom prst="rect">
+                <a:avLst/>
+              </a:prstGeom>
+              <a:noFill/>
+            </p:spPr>
+            <p:txBody>
+              <a:bodyPr wrap="square" rtlCol="0">
+                <a:spAutoFit/>
+              </a:bodyPr>
+              <a:lstStyle/>
+              <a:p>
+                <a:r>
+                  <a:rPr lang="en-US" sz="4400" b="1" dirty="0">
+                    <a:solidFill>
+                      <a:srgbClr val="001B3C"/>
+                    </a:solidFill>
+                    <a:latin typeface="Garamond" charset="0"/>
+                    <a:ea typeface="Garamond" charset="0"/>
+                    <a:cs typeface="Garamond" charset="0"/>
+                  </a:rPr>
+                  <a:t>2</a:t>
+                </a:r>
+                <a:r>
+                  <a:rPr lang="en-US" sz="4400" b="1" dirty="0" smtClean="0">
+                    <a:solidFill>
+                      <a:srgbClr val="001B3C"/>
+                    </a:solidFill>
+                    <a:latin typeface="Garamond" charset="0"/>
+                    <a:ea typeface="Garamond" charset="0"/>
+                    <a:cs typeface="Garamond" charset="0"/>
+                  </a:rPr>
+                  <a:t>.</a:t>
+                </a:r>
+                <a:r>
+                  <a:rPr lang="en-US" sz="4400" dirty="0" smtClean="0">
+                    <a:solidFill>
+                      <a:srgbClr val="001B3C"/>
+                    </a:solidFill>
+                    <a:latin typeface="Garamond" charset="0"/>
+                    <a:ea typeface="Garamond" charset="0"/>
+                    <a:cs typeface="Garamond" charset="0"/>
+                  </a:rPr>
+                  <a:t> </a:t>
+                </a:r>
+                <a:r>
+                  <a:rPr lang="en-US" sz="3600" dirty="0" smtClean="0">
+                    <a:solidFill>
+                      <a:srgbClr val="001B3C"/>
+                    </a:solidFill>
+                    <a:latin typeface="Garamond"/>
+                    <a:cs typeface="Garamond"/>
+                  </a:rPr>
+                  <a:t>Use backward </a:t>
+                </a:r>
+                <a:r>
+                  <a:rPr lang="en-US" sz="3600" dirty="0">
+                    <a:solidFill>
+                      <a:srgbClr val="001B3C"/>
+                    </a:solidFill>
+                    <a:latin typeface="Garamond"/>
+                    <a:cs typeface="Garamond"/>
+                  </a:rPr>
+                  <a:t>selection to get </a:t>
+                </a:r>
+                <a:r>
+                  <a:rPr lang="en-US" sz="3600" dirty="0" smtClean="0">
+                    <a:solidFill>
+                      <a:srgbClr val="001B3C"/>
+                    </a:solidFill>
+                    <a:latin typeface="Garamond"/>
+                    <a:cs typeface="Garamond"/>
+                  </a:rPr>
+                  <a:t>GLMs of the form: </a:t>
+                </a:r>
+              </a:p>
+              <a:p>
+                <a:pPr>
+                  <a:lnSpc>
+                    <a:spcPct val="150000"/>
+                  </a:lnSpc>
+                </a:pPr>
+                <a14:m>
+                  <m:oMathPara xmlns:m="http://schemas.openxmlformats.org/officeDocument/2006/math">
+                    <m:oMathParaPr>
+                      <m:jc m:val="centerGroup"/>
+                    </m:oMathParaPr>
+                    <m:oMath xmlns:m="http://schemas.openxmlformats.org/officeDocument/2006/math">
+                      <m:acc>
+                        <m:accPr>
+                          <m:chr m:val="̂"/>
+                          <m:ctrlPr>
+                            <a:rPr lang="en-US" sz="3200" i="1">
+                              <a:latin typeface="Cambria Math" charset="0"/>
+                            </a:rPr>
+                          </m:ctrlPr>
+                        </m:accPr>
+                        <m:e>
+                          <m:r>
+                            <a:rPr lang="en-US" sz="3200" i="1">
+                              <a:latin typeface="Cambria Math" charset="0"/>
+                            </a:rPr>
+                            <m:t>𝑌</m:t>
+                          </m:r>
+                        </m:e>
+                      </m:acc>
+                      <m:r>
+                        <a:rPr lang="en-US" sz="3200" i="1">
+                          <a:latin typeface="Cambria Math" charset="0"/>
+                        </a:rPr>
+                        <m:t>=</m:t>
+                      </m:r>
+                      <m:sSub>
+                        <m:sSubPr>
+                          <m:ctrlPr>
+                            <a:rPr lang="en-US" sz="3200" i="1">
+                              <a:latin typeface="Cambria Math" charset="0"/>
+                            </a:rPr>
+                          </m:ctrlPr>
+                        </m:sSubPr>
+                        <m:e>
+                          <m:r>
+                            <a:rPr lang="en-US" sz="3200" i="1">
+                              <a:latin typeface="Cambria Math" charset="0"/>
+                              <a:ea typeface="Cambria Math" charset="0"/>
+                              <a:cs typeface="Cambria Math" charset="0"/>
+                            </a:rPr>
+                            <m:t>𝛽</m:t>
+                          </m:r>
+                        </m:e>
+                        <m:sub>
+                          <m:r>
+                            <a:rPr lang="en-US" sz="3200" i="1">
+                              <a:latin typeface="Cambria Math" charset="0"/>
+                            </a:rPr>
+                            <m:t>0</m:t>
+                          </m:r>
+                        </m:sub>
+                      </m:sSub>
+                      <m:r>
+                        <a:rPr lang="en-US" sz="3200" i="1">
+                          <a:latin typeface="Cambria Math" charset="0"/>
+                        </a:rPr>
+                        <m:t>+</m:t>
+                      </m:r>
+                      <m:sSub>
+                        <m:sSubPr>
+                          <m:ctrlPr>
+                            <a:rPr lang="en-US" sz="3200" i="1">
+                              <a:latin typeface="Cambria Math" charset="0"/>
+                              <a:ea typeface="Cambria Math" charset="0"/>
+                              <a:cs typeface="Cambria Math" charset="0"/>
+                            </a:rPr>
+                          </m:ctrlPr>
+                        </m:sSubPr>
+                        <m:e>
+                          <m:r>
+                            <a:rPr lang="en-US" sz="3200" i="1">
+                              <a:latin typeface="Cambria Math" charset="0"/>
+                              <a:ea typeface="Cambria Math" charset="0"/>
+                              <a:cs typeface="Cambria Math" charset="0"/>
+                            </a:rPr>
+                            <m:t>𝛽</m:t>
+                          </m:r>
+                        </m:e>
+                        <m:sub>
+                          <m:r>
+                            <a:rPr lang="en-US" sz="3200" i="1">
+                              <a:latin typeface="Cambria Math" charset="0"/>
+                              <a:ea typeface="Cambria Math" charset="0"/>
+                              <a:cs typeface="Cambria Math" charset="0"/>
+                            </a:rPr>
+                            <m:t>1</m:t>
+                          </m:r>
+                        </m:sub>
+                      </m:sSub>
+                      <m:sSub>
+                        <m:sSubPr>
+                          <m:ctrlPr>
+                            <a:rPr lang="en-US" sz="3200" i="1">
+                              <a:latin typeface="Cambria Math" charset="0"/>
+                              <a:ea typeface="Cambria Math" charset="0"/>
+                              <a:cs typeface="Cambria Math" charset="0"/>
+                            </a:rPr>
+                          </m:ctrlPr>
+                        </m:sSubPr>
+                        <m:e>
+                          <m:r>
+                            <a:rPr lang="en-US" sz="3200" i="1">
+                              <a:latin typeface="Cambria Math" charset="0"/>
+                              <a:ea typeface="Cambria Math" charset="0"/>
+                              <a:cs typeface="Cambria Math" charset="0"/>
+                            </a:rPr>
+                            <m:t>𝑥</m:t>
+                          </m:r>
+                        </m:e>
+                        <m:sub>
+                          <m:r>
+                            <a:rPr lang="en-US" sz="3200" i="1">
+                              <a:latin typeface="Cambria Math" charset="0"/>
+                              <a:ea typeface="Cambria Math" charset="0"/>
+                              <a:cs typeface="Cambria Math" charset="0"/>
+                            </a:rPr>
+                            <m:t>1</m:t>
+                          </m:r>
+                        </m:sub>
+                      </m:sSub>
+                      <m:r>
+                        <a:rPr lang="en-US" sz="3200" i="1">
+                          <a:latin typeface="Cambria Math" charset="0"/>
+                          <a:ea typeface="Cambria Math" charset="0"/>
+                          <a:cs typeface="Cambria Math" charset="0"/>
+                        </a:rPr>
+                        <m:t>+</m:t>
+                      </m:r>
+                      <m:sSub>
+                        <m:sSubPr>
+                          <m:ctrlPr>
+                            <a:rPr lang="en-US" sz="3200" i="1">
+                              <a:latin typeface="Cambria Math" charset="0"/>
+                              <a:ea typeface="Cambria Math" charset="0"/>
+                              <a:cs typeface="Cambria Math" charset="0"/>
+                            </a:rPr>
+                          </m:ctrlPr>
+                        </m:sSubPr>
+                        <m:e>
+                          <m:r>
+                            <a:rPr lang="en-US" sz="3200" i="1">
+                              <a:latin typeface="Cambria Math" charset="0"/>
+                              <a:ea typeface="Cambria Math" charset="0"/>
+                              <a:cs typeface="Cambria Math" charset="0"/>
+                            </a:rPr>
+                            <m:t>𝛽</m:t>
+                          </m:r>
+                        </m:e>
+                        <m:sub>
+                          <m:r>
+                            <a:rPr lang="en-US" sz="3200" i="1">
+                              <a:latin typeface="Cambria Math" charset="0"/>
+                              <a:ea typeface="Cambria Math" charset="0"/>
+                              <a:cs typeface="Cambria Math" charset="0"/>
+                            </a:rPr>
+                            <m:t>2</m:t>
+                          </m:r>
+                        </m:sub>
+                      </m:sSub>
+                      <m:sSub>
+                        <m:sSubPr>
+                          <m:ctrlPr>
+                            <a:rPr lang="en-US" sz="3200" i="1">
+                              <a:latin typeface="Cambria Math" charset="0"/>
+                              <a:ea typeface="Cambria Math" charset="0"/>
+                              <a:cs typeface="Cambria Math" charset="0"/>
+                            </a:rPr>
+                          </m:ctrlPr>
+                        </m:sSubPr>
+                        <m:e>
+                          <m:r>
+                            <a:rPr lang="en-US" sz="3200" i="1">
+                              <a:latin typeface="Cambria Math" charset="0"/>
+                              <a:ea typeface="Cambria Math" charset="0"/>
+                              <a:cs typeface="Cambria Math" charset="0"/>
+                            </a:rPr>
+                            <m:t>𝑥</m:t>
+                          </m:r>
+                        </m:e>
+                        <m:sub>
+                          <m:r>
+                            <a:rPr lang="en-US" sz="3200" i="1">
+                              <a:latin typeface="Cambria Math" charset="0"/>
+                              <a:ea typeface="Cambria Math" charset="0"/>
+                              <a:cs typeface="Cambria Math" charset="0"/>
+                            </a:rPr>
+                            <m:t>2</m:t>
+                          </m:r>
+                        </m:sub>
+                      </m:sSub>
+                      <m:r>
+                        <a:rPr lang="en-US" sz="3200" i="1">
+                          <a:latin typeface="Cambria Math" charset="0"/>
+                          <a:ea typeface="Cambria Math" charset="0"/>
+                          <a:cs typeface="Cambria Math" charset="0"/>
+                        </a:rPr>
+                        <m:t>+ … +</m:t>
+                      </m:r>
+                      <m:sSub>
+                        <m:sSubPr>
+                          <m:ctrlPr>
+                            <a:rPr lang="en-US" sz="3200" i="1">
+                              <a:latin typeface="Cambria Math" charset="0"/>
+                              <a:ea typeface="Cambria Math" charset="0"/>
+                              <a:cs typeface="Cambria Math" charset="0"/>
+                            </a:rPr>
+                          </m:ctrlPr>
+                        </m:sSubPr>
+                        <m:e>
+                          <m:r>
+                            <a:rPr lang="en-US" sz="3200" i="1">
+                              <a:latin typeface="Cambria Math" charset="0"/>
+                              <a:ea typeface="Cambria Math" charset="0"/>
+                              <a:cs typeface="Cambria Math" charset="0"/>
+                            </a:rPr>
+                            <m:t>𝛽</m:t>
+                          </m:r>
+                        </m:e>
+                        <m:sub>
+                          <m:r>
+                            <a:rPr lang="en-US" sz="3200" i="1">
+                              <a:latin typeface="Cambria Math" charset="0"/>
+                              <a:ea typeface="Cambria Math" charset="0"/>
+                              <a:cs typeface="Cambria Math" charset="0"/>
+                            </a:rPr>
+                            <m:t>𝑖</m:t>
+                          </m:r>
+                        </m:sub>
+                      </m:sSub>
+                      <m:sSub>
+                        <m:sSubPr>
+                          <m:ctrlPr>
+                            <a:rPr lang="en-US" sz="3200" i="1">
+                              <a:latin typeface="Cambria Math" charset="0"/>
+                              <a:ea typeface="Cambria Math" charset="0"/>
+                              <a:cs typeface="Cambria Math" charset="0"/>
+                            </a:rPr>
+                          </m:ctrlPr>
+                        </m:sSubPr>
+                        <m:e>
+                          <m:r>
+                            <a:rPr lang="en-US" sz="3200" i="1">
+                              <a:latin typeface="Cambria Math" charset="0"/>
+                              <a:ea typeface="Cambria Math" charset="0"/>
+                              <a:cs typeface="Cambria Math" charset="0"/>
+                            </a:rPr>
+                            <m:t>𝑥</m:t>
+                          </m:r>
+                        </m:e>
+                        <m:sub>
+                          <m:r>
+                            <a:rPr lang="en-US" sz="3200" i="1">
+                              <a:latin typeface="Cambria Math" charset="0"/>
+                              <a:ea typeface="Cambria Math" charset="0"/>
+                              <a:cs typeface="Cambria Math" charset="0"/>
+                            </a:rPr>
+                            <m:t>𝑖</m:t>
+                          </m:r>
+                        </m:sub>
+                      </m:sSub>
+                      <m:r>
+                        <a:rPr lang="en-US" sz="3200" i="1">
+                          <a:latin typeface="Cambria Math" charset="0"/>
+                          <a:ea typeface="Cambria Math" charset="0"/>
+                          <a:cs typeface="Cambria Math" charset="0"/>
+                        </a:rPr>
+                        <m:t>+ </m:t>
+                      </m:r>
+                      <m:sSub>
+                        <m:sSubPr>
+                          <m:ctrlPr>
+                            <a:rPr lang="en-US" sz="3200" i="1">
+                              <a:latin typeface="Cambria Math" charset="0"/>
+                              <a:ea typeface="Cambria Math" charset="0"/>
+                              <a:cs typeface="Cambria Math" charset="0"/>
+                            </a:rPr>
+                          </m:ctrlPr>
+                        </m:sSubPr>
+                        <m:e>
+                          <m:r>
+                            <a:rPr lang="en-US" sz="3200" i="1">
+                              <a:latin typeface="Cambria Math" charset="0"/>
+                              <a:ea typeface="Cambria Math" charset="0"/>
+                              <a:cs typeface="Cambria Math" charset="0"/>
+                            </a:rPr>
+                            <m:t>𝜀</m:t>
+                          </m:r>
+                        </m:e>
+                        <m:sub>
+                          <m:r>
+                            <a:rPr lang="en-US" sz="3200" i="1">
+                              <a:latin typeface="Cambria Math" charset="0"/>
+                              <a:ea typeface="Cambria Math" charset="0"/>
+                              <a:cs typeface="Cambria Math" charset="0"/>
+                            </a:rPr>
+                            <m:t>𝑖</m:t>
+                          </m:r>
+                        </m:sub>
+                      </m:sSub>
+                    </m:oMath>
+                  </m:oMathPara>
+                </a14:m>
+                <a:endParaRPr lang="en-US" sz="3600" dirty="0" smtClean="0">
+                  <a:solidFill>
+                    <a:srgbClr val="001B3C"/>
+                  </a:solidFill>
+                  <a:latin typeface="Garamond"/>
+                  <a:cs typeface="Garamond"/>
+                </a:endParaRPr>
+              </a:p>
+              <a:p>
+                <a:r>
+                  <a:rPr lang="en-US" sz="3600" dirty="0">
+                    <a:solidFill>
+                      <a:srgbClr val="001B3C"/>
+                    </a:solidFill>
+                    <a:latin typeface="Garamond"/>
+                    <a:cs typeface="Garamond"/>
+                  </a:rPr>
+                  <a:t>with the lowest BIC </a:t>
+                </a:r>
+                <a:r>
+                  <a:rPr lang="en-US" sz="3600" dirty="0" smtClean="0">
+                    <a:solidFill>
+                      <a:srgbClr val="001B3C"/>
+                    </a:solidFill>
+                    <a:latin typeface="Garamond"/>
+                    <a:cs typeface="Garamond"/>
+                  </a:rPr>
+                  <a:t>value.</a:t>
+                </a:r>
+                <a:endParaRPr lang="en-US" sz="2000" dirty="0">
+                  <a:solidFill>
+                    <a:srgbClr val="001B3C"/>
+                  </a:solidFill>
+                  <a:latin typeface="Garamond"/>
+                  <a:cs typeface="Garamond"/>
+                </a:endParaRPr>
+              </a:p>
+              <a:p>
+                <a:r>
+                  <a:rPr lang="en-US" sz="3600" dirty="0" smtClean="0">
+                    <a:solidFill>
+                      <a:srgbClr val="001B3C"/>
+                    </a:solidFill>
+                    <a:latin typeface="Garamond"/>
+                    <a:cs typeface="Garamond"/>
+                  </a:rPr>
+                  <a:t>Adjust the initial set of variables after finding that some were never significant.</a:t>
+                </a:r>
+                <a:endParaRPr lang="en-US" sz="3600" dirty="0"/>
+              </a:p>
+            </p:txBody>
+          </p:sp>
+        </mc:Choice>
+        <mc:Fallback>
+          <p:sp>
+            <p:nvSpPr>
+              <p:cNvPr id="32" name="TextBox 31"/>
+              <p:cNvSpPr txBox="1">
+                <a:spLocks noRot="1" noChangeAspect="1" noMove="1" noResize="1" noEditPoints="1" noAdjustHandles="1" noChangeArrowheads="1" noChangeShapeType="1" noTextEdit="1"/>
+              </p:cNvSpPr>
+              <p:nvPr/>
+            </p:nvSpPr>
+            <p:spPr>
+              <a:xfrm>
+                <a:off x="22139979" y="16837980"/>
+                <a:ext cx="8382461" cy="3744230"/>
+              </a:xfrm>
+              <a:prstGeom prst="rect">
+                <a:avLst/>
+              </a:prstGeom>
+              <a:blipFill rotWithShape="0">
+                <a:blip r:embed="rId6"/>
+                <a:stretch>
+                  <a:fillRect l="-2982" t="-3257" r="-1455" b="-5375"/>
+                </a:stretch>
+              </a:blipFill>
+            </p:spPr>
+            <p:txBody>
+              <a:bodyPr/>
+              <a:lstStyle/>
+              <a:p>
+                <a:r>
+                  <a:rPr lang="en-US">
+                    <a:noFill/>
+                  </a:rPr>
+                  <a:t> </a:t>
+                </a:r>
+              </a:p>
+            </p:txBody>
+          </p:sp>
+        </mc:Fallback>
+      </mc:AlternateContent>
       <p:cxnSp>
         <p:nvCxnSpPr>
           <p:cNvPr id="35" name="Straight Connector 34"/>
@@ -6609,7 +7306,7 @@
         </p:nvCxnSpPr>
         <p:spPr>
           <a:xfrm>
-            <a:off x="33694529" y="23445264"/>
+            <a:off x="33669102" y="24611164"/>
             <a:ext cx="9605564" cy="0"/>
           </a:xfrm>
           <a:prstGeom prst="line">
@@ -6654,7 +7351,7 @@
         </p:nvCxnSpPr>
         <p:spPr>
           <a:xfrm>
-            <a:off x="33656389" y="27525398"/>
+            <a:off x="33656389" y="28521441"/>
             <a:ext cx="9605564" cy="0"/>
           </a:xfrm>
           <a:prstGeom prst="line">
@@ -6700,7 +7397,7 @@
           <p:nvPr/>
         </p:nvPicPr>
         <p:blipFill>
-          <a:blip r:embed="rId5">
+          <a:blip r:embed="rId7">
             <a:extLst>
               <a:ext uri="{28A0092B-C50C-407E-A947-70E740481C1C}">
                 <a14:useLocalDpi xmlns:a14="http://schemas.microsoft.com/office/drawing/2010/main" val="0"/>
@@ -6730,7 +7427,7 @@
           <p:nvPr/>
         </p:nvPicPr>
         <p:blipFill>
-          <a:blip r:embed="rId6">
+          <a:blip r:embed="rId8">
             <a:extLst>
               <a:ext uri="{28A0092B-C50C-407E-A947-70E740481C1C}">
                 <a14:useLocalDpi xmlns:a14="http://schemas.microsoft.com/office/drawing/2010/main" val="0"/>
@@ -6751,6 +7448,148 @@
           </a:prstGeom>
         </p:spPr>
       </p:pic>
+      <p:pic>
+        <p:nvPicPr>
+          <p:cNvPr id="21" name="Picture 20"/>
+          <p:cNvPicPr>
+            <a:picLocks noChangeAspect="1"/>
+          </p:cNvPicPr>
+          <p:nvPr/>
+        </p:nvPicPr>
+        <p:blipFill rotWithShape="1">
+          <a:blip r:embed="rId9"/>
+          <a:srcRect t="11010"/>
+          <a:stretch/>
+        </p:blipFill>
+        <p:spPr>
+          <a:xfrm>
+            <a:off x="28349749" y="27652118"/>
+            <a:ext cx="2579074" cy="4562897"/>
+          </a:xfrm>
+          <a:prstGeom prst="rect">
+            <a:avLst/>
+          </a:prstGeom>
+        </p:spPr>
+      </p:pic>
+      <p:cxnSp>
+        <p:nvCxnSpPr>
+          <p:cNvPr id="27" name="Straight Connector 26"/>
+          <p:cNvCxnSpPr/>
+          <p:nvPr/>
+        </p:nvCxnSpPr>
+        <p:spPr>
+          <a:xfrm>
+            <a:off x="28261258" y="27652118"/>
+            <a:ext cx="0" cy="4562897"/>
+          </a:xfrm>
+          <a:prstGeom prst="line">
+            <a:avLst/>
+          </a:prstGeom>
+          <a:ln w="101600"/>
+        </p:spPr>
+        <p:style>
+          <a:lnRef idx="2">
+            <a:schemeClr val="accent1"/>
+          </a:lnRef>
+          <a:fillRef idx="0">
+            <a:schemeClr val="accent1"/>
+          </a:fillRef>
+          <a:effectRef idx="1">
+            <a:schemeClr val="accent1"/>
+          </a:effectRef>
+          <a:fontRef idx="minor">
+            <a:schemeClr val="tx1"/>
+          </a:fontRef>
+        </p:style>
+      </p:cxnSp>
+      <p:sp>
+        <p:nvSpPr>
+          <p:cNvPr id="30" name="TextBox 29"/>
+          <p:cNvSpPr txBox="1"/>
+          <p:nvPr/>
+        </p:nvSpPr>
+        <p:spPr>
+          <a:xfrm>
+            <a:off x="28438239" y="27032899"/>
+            <a:ext cx="2579074" cy="630942"/>
+          </a:xfrm>
+          <a:prstGeom prst="rect">
+            <a:avLst/>
+          </a:prstGeom>
+          <a:noFill/>
+        </p:spPr>
+        <p:txBody>
+          <a:bodyPr wrap="square" rtlCol="0">
+            <a:spAutoFit/>
+          </a:bodyPr>
+          <a:lstStyle/>
+          <a:p>
+            <a:r>
+              <a:rPr lang="en-US" sz="3500" b="1" dirty="0" err="1" smtClean="0"/>
+              <a:t>Pr</a:t>
+            </a:r>
+            <a:r>
+              <a:rPr lang="en-US" sz="3500" b="1" dirty="0" smtClean="0"/>
+              <a:t>(&gt;|t|)</a:t>
+            </a:r>
+            <a:endParaRPr lang="en-US" sz="3500" b="1" dirty="0"/>
+          </a:p>
+        </p:txBody>
+      </p:sp>
+      <p:sp>
+        <p:nvSpPr>
+          <p:cNvPr id="41" name="TextBox 40"/>
+          <p:cNvSpPr txBox="1"/>
+          <p:nvPr/>
+        </p:nvSpPr>
+        <p:spPr>
+          <a:xfrm>
+            <a:off x="21975097" y="27032899"/>
+            <a:ext cx="2579074" cy="630942"/>
+          </a:xfrm>
+          <a:prstGeom prst="rect">
+            <a:avLst/>
+          </a:prstGeom>
+          <a:noFill/>
+        </p:spPr>
+        <p:txBody>
+          <a:bodyPr wrap="square" rtlCol="0">
+            <a:spAutoFit/>
+          </a:bodyPr>
+          <a:lstStyle/>
+          <a:p>
+            <a:r>
+              <a:rPr lang="en-US" sz="3500" b="1" dirty="0" smtClean="0"/>
+              <a:t>Coefficient</a:t>
+            </a:r>
+            <a:endParaRPr lang="en-US" sz="3500" b="1" dirty="0"/>
+          </a:p>
+        </p:txBody>
+      </p:sp>
+      <p:pic>
+        <p:nvPicPr>
+          <p:cNvPr id="42" name="Picture 41"/>
+          <p:cNvPicPr>
+            <a:picLocks noChangeAspect="1"/>
+          </p:cNvPicPr>
+          <p:nvPr/>
+        </p:nvPicPr>
+        <p:blipFill>
+          <a:blip r:embed="rId10"/>
+          <a:stretch>
+            <a:fillRect/>
+          </a:stretch>
+        </p:blipFill>
+        <p:spPr>
+          <a:xfrm>
+            <a:off x="21975097" y="27575350"/>
+            <a:ext cx="6197671" cy="4728594"/>
+          </a:xfrm>
+          <a:prstGeom prst="rect">
+            <a:avLst/>
+          </a:prstGeom>
+        </p:spPr>
+      </p:pic>
     </p:spTree>
     <p:extLst>
       <p:ext uri="{BB962C8B-B14F-4D97-AF65-F5344CB8AC3E}">
@@ -6764,7 +7603,7 @@
   <p:timing>
     <p:tnLst>
       <p:par>
-        <p:cTn xmlns:p14="http://schemas.microsoft.com/office/powerpoint/2010/main" id="1" dur="indefinite" restart="never" nodeType="tmRoot"/>
+        <p:cTn id="1" dur="indefinite" restart="never" nodeType="tmRoot"/>
       </p:par>
     </p:tnLst>
   </p:timing>

--- a/poster updated.pptx
+++ b/poster updated.pptx
@@ -109,7 +109,7 @@
   </p:defaultTextStyle>
   <p:extLst>
     <p:ext uri="{EFAFB233-063F-42B5-8137-9DF3F51BA10A}">
-      <p15:sldGuideLst xmlns:p15="http://schemas.microsoft.com/office/powerpoint/2012/main">
+      <p15:sldGuideLst xmlns="" xmlns:p15="http://schemas.microsoft.com/office/powerpoint/2012/main">
         <p15:guide id="1" orient="horz" pos="10368">
           <p15:clr>
             <a:srgbClr val="A4A3A4"/>
@@ -4079,21 +4079,7 @@
                 <a:latin typeface="Garamond"/>
                 <a:cs typeface="Garamond"/>
               </a:rPr>
-              <a:t>is an emergent epidemic in the United States. While ESRD (end-stage CKD) patients make up less than 1% of Medicare patients, </a:t>
-            </a:r>
-            <a:r>
-              <a:rPr lang="en-US" sz="3600" dirty="0" smtClean="0">
-                <a:latin typeface="Garamond"/>
-                <a:cs typeface="Garamond"/>
-              </a:rPr>
-              <a:t>ESRD-related </a:t>
-            </a:r>
-            <a:r>
-              <a:rPr lang="en-US" sz="3600" dirty="0" smtClean="0">
-                <a:latin typeface="Garamond"/>
-                <a:cs typeface="Garamond"/>
-              </a:rPr>
-              <a:t>expenditures total in the billions (approx. 7% of total Medicare spending). With the goal of identifying cofactors for this costly disease that greatly decreases quality of life, our research </a:t>
+              <a:t>is an emergent epidemic in the United States. While ESRD (end-stage CKD) patients make up less than 1% of Medicare patients, ESRD-related expenditures total in the billions (approx. 7% of total Medicare spending). With the goal of identifying cofactors for this costly disease that greatly decreases quality of life, our research </a:t>
             </a:r>
             <a:r>
               <a:rPr lang="en-US" sz="3600" dirty="0">
@@ -4614,8 +4600,8 @@
             <a:chExt cx="19211128" cy="7955704"/>
           </a:xfrm>
         </p:grpSpPr>
-        <mc:AlternateContent xmlns:mc="http://schemas.openxmlformats.org/markup-compatibility/2006">
-          <mc:Choice xmlns:a14="http://schemas.microsoft.com/office/drawing/2010/main" Requires="a14">
+        <mc:AlternateContent xmlns:mc="http://schemas.openxmlformats.org/markup-compatibility/2006" xmlns:a14="http://schemas.microsoft.com/office/drawing/2010/main">
+          <mc:Choice Requires="a14">
             <p:sp>
               <p:nvSpPr>
                 <p:cNvPr id="17" name="TextBox 16"/>
@@ -4680,37 +4666,7 @@
                       <a:latin typeface="Garamond"/>
                       <a:cs typeface="Garamond"/>
                     </a:rPr>
-                    <a:t> eGFR </a:t>
-                  </a:r>
-                  <a:r>
-                    <a:rPr lang="en-US" sz="3600" dirty="0" smtClean="0">
-                      <a:solidFill>
-                        <a:srgbClr val="001B3C"/>
-                      </a:solidFill>
-                      <a:latin typeface="Garamond"/>
-                      <a:cs typeface="Garamond"/>
-                    </a:rPr>
-                    <a:t>~ </a:t>
-                  </a:r>
-                  <a:r>
-                    <a:rPr lang="en-US" sz="3600" dirty="0" smtClean="0">
-                      <a:solidFill>
-                        <a:srgbClr val="001B3C"/>
-                      </a:solidFill>
-                      <a:latin typeface="Garamond"/>
-                      <a:cs typeface="Garamond"/>
-                    </a:rPr>
-                    <a:t>Hypertension + </a:t>
-                  </a:r>
-                  <a:r>
-                    <a:rPr lang="en-US" sz="3600" dirty="0" smtClean="0">
-                      <a:solidFill>
-                        <a:srgbClr val="001B3C"/>
-                      </a:solidFill>
-                      <a:latin typeface="Garamond"/>
-                      <a:cs typeface="Garamond"/>
-                    </a:rPr>
-                    <a:t>Gender + Diabetes</a:t>
+                    <a:t> eGFR ~ Hypertension + Gender + Diabetes</a:t>
                   </a:r>
                 </a:p>
                 <a:p>
@@ -4722,40 +4678,12 @@
                       <a:latin typeface="Garamond"/>
                       <a:cs typeface="Garamond"/>
                     </a:rPr>
-                    <a:t> </a:t>
+                    <a:t> + Race + Age Group</a:t>
                   </a:r>
-                  <a:r>
-                    <a:rPr lang="en-US" sz="3600" dirty="0" smtClean="0">
-                      <a:solidFill>
-                        <a:srgbClr val="001B3C"/>
-                      </a:solidFill>
-                      <a:latin typeface="Garamond"/>
-                      <a:cs typeface="Garamond"/>
-                    </a:rPr>
-                    <a:t>+ Race + </a:t>
-                  </a:r>
-                  <a:r>
-                    <a:rPr lang="en-US" sz="3600" dirty="0" smtClean="0">
-                      <a:solidFill>
-                        <a:srgbClr val="001B3C"/>
-                      </a:solidFill>
-                      <a:latin typeface="Garamond"/>
-                      <a:cs typeface="Garamond"/>
-                    </a:rPr>
-                    <a:t>Age Group</a:t>
-                  </a:r>
-                  <a:endParaRPr lang="en-US" sz="3600" dirty="0" smtClean="0">
-                    <a:solidFill>
-                      <a:srgbClr val="001B3C"/>
-                    </a:solidFill>
-                    <a:latin typeface="Garamond"/>
-                    <a:cs typeface="Garamond"/>
-                  </a:endParaRPr>
                 </a:p>
                 <a:p>
-                  <a:pPr/>
                   <a14:m>
-                    <m:oMathPara xmlns:m="http://schemas.openxmlformats.org/officeDocument/2006/math">
+                    <m:oMathPara xmlns="" xmlns:m="http://schemas.openxmlformats.org/officeDocument/2006/math">
                       <m:oMathParaPr>
                         <m:jc m:val="left"/>
                       </m:oMathParaPr>
@@ -5125,13 +5053,6 @@
                     </a:rPr>
                     <a:t>12.902</a:t>
                   </a:r>
-                  <a:endParaRPr lang="en-US" sz="3600" b="1" dirty="0" smtClean="0">
-                    <a:solidFill>
-                      <a:srgbClr val="001B3C"/>
-                    </a:solidFill>
-                    <a:latin typeface="Garamond"/>
-                    <a:cs typeface="Garamond"/>
-                  </a:endParaRPr>
                 </a:p>
                 <a:p>
                   <a:r>
@@ -5142,17 +5063,7 @@
                       <a:latin typeface="Garamond"/>
                       <a:cs typeface="Garamond"/>
                     </a:rPr>
-                    <a:t>Standard </a:t>
-                  </a:r>
-                  <a:r>
-                    <a:rPr lang="en-US" sz="3600" dirty="0" smtClean="0">
-                      <a:solidFill>
-                        <a:srgbClr val="001B3C"/>
-                      </a:solidFill>
-                      <a:latin typeface="Garamond"/>
-                      <a:cs typeface="Garamond"/>
-                    </a:rPr>
-                    <a:t>deviation: </a:t>
+                    <a:t>Standard deviation: </a:t>
                   </a:r>
                   <a:r>
                     <a:rPr lang="en-US" sz="3600" b="1" dirty="0" smtClean="0">
@@ -5196,7 +5107,7 @@
               </p:txBody>
             </p:sp>
           </mc:Choice>
-          <mc:Fallback>
+          <mc:Fallback xmlns="">
             <p:sp>
               <p:nvSpPr>
                 <p:cNvPr id="17" name="TextBox 16"/>
@@ -5290,7 +5201,7 @@
         <p:spPr>
           <a:xfrm>
             <a:off x="33656389" y="7211459"/>
-            <a:ext cx="9618277" cy="27576780"/>
+            <a:ext cx="9618277" cy="26899661"/>
           </a:xfrm>
           <a:prstGeom prst="rect">
             <a:avLst/>
@@ -5337,6 +5248,10 @@
               </a:rPr>
               <a:t> </a:t>
             </a:r>
+            <a:endParaRPr lang="en-US" sz="3600" dirty="0">
+              <a:latin typeface="Garamond"/>
+              <a:cs typeface="Garamond"/>
+            </a:endParaRPr>
           </a:p>
           <a:p>
             <a:r>
@@ -5344,130 +5259,52 @@
                 <a:latin typeface="Garamond"/>
                 <a:cs typeface="Garamond"/>
               </a:rPr>
-              <a:t>For NHANES, new individuals are surveyed each year, and geographic location is kept confidential. The inability to track the health of a single person over time prohibited us from </a:t>
-            </a:r>
+              <a:t>For NHANES, new individuals are surveyed each year, and geographic location is kept confidential. The inability to track the health of a single person over time prohibited us from performing causation analysis.</a:t>
+            </a:r>
+          </a:p>
+          <a:p>
+            <a:endParaRPr lang="en-US" sz="3600" dirty="0">
+              <a:latin typeface="Garamond"/>
+              <a:cs typeface="Garamond"/>
+            </a:endParaRPr>
+          </a:p>
+          <a:p>
             <a:r>
               <a:rPr lang="en-US" sz="3600" dirty="0" smtClean="0">
                 <a:latin typeface="Garamond"/>
                 <a:cs typeface="Garamond"/>
               </a:rPr>
-              <a:t>performing causation analysis.</a:t>
-            </a:r>
+              <a:t>While the ‘Survey’ package in R is incredibly helpful at properly weighting each observation, many R functions are not fully supported.</a:t>
+            </a:r>
+          </a:p>
+          <a:p>
+            <a:endParaRPr lang="en-US" sz="3600" dirty="0">
+              <a:latin typeface="Garamond"/>
+              <a:cs typeface="Garamond"/>
+            </a:endParaRPr>
+          </a:p>
+          <a:p>
+            <a:r>
+              <a:rPr lang="en-US" sz="3600" dirty="0" smtClean="0">
+                <a:latin typeface="Garamond"/>
+                <a:cs typeface="Garamond"/>
+              </a:rPr>
+              <a:t>Utilizing bootstrap resampling, we found that the coefficients’ confidence intervals were generally clustered around the one-shot values under our Results section, although the 95% confidence interval for Non-Hispanic Black contained 0. Therefore we are unable to conclusively identify a difference in eGFR for that group.</a:t>
+            </a:r>
+          </a:p>
+          <a:p>
             <a:endParaRPr lang="en-US" sz="3600" dirty="0" smtClean="0">
               <a:latin typeface="Garamond"/>
               <a:cs typeface="Garamond"/>
             </a:endParaRPr>
           </a:p>
           <a:p>
-            <a:endParaRPr lang="en-US" sz="3600" dirty="0">
-              <a:latin typeface="Garamond"/>
-              <a:cs typeface="Garamond"/>
-            </a:endParaRPr>
-          </a:p>
-          <a:p>
             <a:r>
               <a:rPr lang="en-US" sz="3600" dirty="0" smtClean="0">
                 <a:latin typeface="Garamond"/>
                 <a:cs typeface="Garamond"/>
               </a:rPr>
-              <a:t>While the ‘Survey’ package in R is incredibly helpful at properly weighting each observation, </a:t>
-            </a:r>
-            <a:r>
-              <a:rPr lang="en-US" sz="3600" dirty="0" smtClean="0">
-                <a:latin typeface="Garamond"/>
-                <a:cs typeface="Garamond"/>
-              </a:rPr>
-              <a:t>many R functions are not fully supported.</a:t>
-            </a:r>
-          </a:p>
-          <a:p>
-            <a:endParaRPr lang="en-US" sz="3600" dirty="0">
-              <a:latin typeface="Garamond"/>
-              <a:cs typeface="Garamond"/>
-            </a:endParaRPr>
-          </a:p>
-          <a:p>
-            <a:r>
-              <a:rPr lang="en-US" sz="3600" dirty="0" smtClean="0">
-                <a:latin typeface="Garamond"/>
-                <a:cs typeface="Garamond"/>
-              </a:rPr>
-              <a:t>Utilizing bootstrap resampling, we found that the coefficients’ confidence intervals were generally clustered around the one-shot values under our Results section, although the 95% confidence interval for Non-Hispanic Black contained 0. Therefore we are unable to conclusively identify a difference in eGFR for that group.</a:t>
-            </a:r>
-            <a:endParaRPr lang="en-US" sz="3600" dirty="0" smtClean="0">
-              <a:latin typeface="Garamond"/>
-              <a:cs typeface="Garamond"/>
-            </a:endParaRPr>
-          </a:p>
-          <a:p>
-            <a:endParaRPr lang="en-US" sz="3600" dirty="0" smtClean="0">
-              <a:latin typeface="Garamond"/>
-              <a:cs typeface="Garamond"/>
-            </a:endParaRPr>
-          </a:p>
-          <a:p>
-            <a:r>
-              <a:rPr lang="en-US" sz="3600" dirty="0" smtClean="0">
-                <a:latin typeface="Garamond"/>
-                <a:cs typeface="Garamond"/>
-              </a:rPr>
-              <a:t>After removing all observations that contained a missing </a:t>
-            </a:r>
-            <a:r>
-              <a:rPr lang="en-US" sz="3600" dirty="0" smtClean="0">
-                <a:latin typeface="Garamond"/>
-                <a:cs typeface="Garamond"/>
-              </a:rPr>
-              <a:t>value for one or more covariates, </a:t>
-            </a:r>
-            <a:r>
-              <a:rPr lang="en-US" sz="3600" dirty="0" smtClean="0">
-                <a:latin typeface="Garamond"/>
-                <a:cs typeface="Garamond"/>
-              </a:rPr>
-              <a:t>only </a:t>
-            </a:r>
-            <a:r>
-              <a:rPr lang="en-US" sz="3600" dirty="0" smtClean="0">
-                <a:latin typeface="Garamond"/>
-                <a:cs typeface="Garamond"/>
-              </a:rPr>
-              <a:t>85</a:t>
-            </a:r>
-            <a:r>
-              <a:rPr lang="en-US" sz="3600" dirty="0" smtClean="0">
-                <a:latin typeface="Garamond"/>
-                <a:cs typeface="Garamond"/>
-              </a:rPr>
-              <a:t>% </a:t>
-            </a:r>
-            <a:r>
-              <a:rPr lang="en-US" sz="3600" dirty="0" smtClean="0">
-                <a:latin typeface="Garamond"/>
-                <a:cs typeface="Garamond"/>
-              </a:rPr>
-              <a:t>were left for analysis. </a:t>
-            </a:r>
-            <a:r>
-              <a:rPr lang="en-US" sz="3600" dirty="0" smtClean="0">
-                <a:latin typeface="Garamond"/>
-                <a:cs typeface="Garamond"/>
-              </a:rPr>
-              <a:t>Adding more covariates reduced this number further and we cannot conclude that the data was missing completely at random. Future </a:t>
-            </a:r>
-            <a:r>
-              <a:rPr lang="en-US" sz="3600" dirty="0" smtClean="0">
-                <a:latin typeface="Garamond"/>
-                <a:cs typeface="Garamond"/>
-              </a:rPr>
-              <a:t>studies could look at building models to </a:t>
-            </a:r>
-            <a:r>
-              <a:rPr lang="en-US" sz="3600" dirty="0" smtClean="0">
-                <a:latin typeface="Garamond"/>
-                <a:cs typeface="Garamond"/>
-              </a:rPr>
-              <a:t>impute missing values.</a:t>
+              <a:t>After removing all observations that contained a missing value for one or more covariates, only 85% were left for analysis. Adding more covariates reduced this number further and we cannot conclude that the data was missing completely at random. Future studies could look at building models to impute missing values.</a:t>
             </a:r>
             <a:endParaRPr lang="en-US" sz="3600" b="1" dirty="0" smtClean="0">
               <a:solidFill>
@@ -5478,7 +5315,7 @@
             </a:endParaRPr>
           </a:p>
           <a:p>
-            <a:endParaRPr lang="en-US" sz="4000" b="1" dirty="0">
+            <a:endParaRPr lang="en-US" sz="3600" b="1" dirty="0">
               <a:solidFill>
                 <a:srgbClr val="001B3C"/>
               </a:solidFill>
@@ -5506,7 +5343,7 @@
             </a:endParaRPr>
           </a:p>
           <a:p>
-            <a:endParaRPr lang="en-US" sz="4000" dirty="0">
+            <a:endParaRPr lang="en-US" sz="2000" dirty="0">
               <a:latin typeface="Garamond"/>
               <a:cs typeface="Garamond"/>
             </a:endParaRPr>
@@ -5618,6 +5455,8 @@
               </a:rPr>
               <a:t>Citations</a:t>
             </a:r>
+          </a:p>
+          <a:p>
             <a:endParaRPr lang="en-US" sz="1600" dirty="0" smtClean="0">
               <a:solidFill>
                 <a:srgbClr val="001B3C"/>
@@ -5629,7 +5468,7 @@
           <a:p>
             <a:pPr indent="-457200"/>
             <a:r>
-              <a:rPr lang="en-US" sz="1600" dirty="0" smtClean="0">
+              <a:rPr lang="en-US" sz="1500" dirty="0" smtClean="0">
                 <a:solidFill>
                   <a:srgbClr val="001B3C"/>
                 </a:solidFill>
@@ -5641,7 +5480,7 @@
           </a:p>
           <a:p>
             <a:pPr indent="-457200"/>
-            <a:endParaRPr lang="en-US" sz="1600" dirty="0" smtClean="0">
+            <a:endParaRPr lang="en-US" sz="1500" dirty="0" smtClean="0">
               <a:solidFill>
                 <a:srgbClr val="001B3C"/>
               </a:solidFill>
@@ -5652,7 +5491,7 @@
           <a:p>
             <a:pPr indent="-457200"/>
             <a:r>
-              <a:rPr lang="en-US" sz="1600" dirty="0">
+              <a:rPr lang="en-US" sz="1500" dirty="0">
                 <a:solidFill>
                   <a:srgbClr val="001B3C"/>
                 </a:solidFill>
@@ -5662,7 +5501,7 @@
               <a:t>H. Wickham. ggplot2: </a:t>
             </a:r>
             <a:r>
-              <a:rPr lang="en-US" sz="1600" dirty="0" smtClean="0">
+              <a:rPr lang="en-US" sz="1500" dirty="0" smtClean="0">
                 <a:solidFill>
                   <a:srgbClr val="001B3C"/>
                 </a:solidFill>
@@ -5672,7 +5511,7 @@
               <a:t>Elegant </a:t>
             </a:r>
             <a:r>
-              <a:rPr lang="en-US" sz="1600" dirty="0">
+              <a:rPr lang="en-US" sz="1500" dirty="0">
                 <a:solidFill>
                   <a:srgbClr val="001B3C"/>
                 </a:solidFill>
@@ -5682,7 +5521,7 @@
               <a:t>Graphics for Data Analysis</a:t>
             </a:r>
             <a:r>
-              <a:rPr lang="en-US" sz="1600" dirty="0" smtClean="0">
+              <a:rPr lang="en-US" sz="1500" dirty="0" smtClean="0">
                 <a:solidFill>
                   <a:srgbClr val="001B3C"/>
                 </a:solidFill>
@@ -5692,7 +5531,7 @@
               <a:t>. </a:t>
             </a:r>
             <a:r>
-              <a:rPr lang="en-US" sz="1600" dirty="0">
+              <a:rPr lang="en-US" sz="1500" dirty="0">
                 <a:solidFill>
                   <a:srgbClr val="001B3C"/>
                 </a:solidFill>
@@ -5702,7 +5541,7 @@
               <a:t>Springer-</a:t>
             </a:r>
             <a:r>
-              <a:rPr lang="en-US" sz="1600" dirty="0" err="1">
+              <a:rPr lang="en-US" sz="1500" dirty="0" err="1">
                 <a:solidFill>
                   <a:srgbClr val="001B3C"/>
                 </a:solidFill>
@@ -5712,7 +5551,7 @@
               <a:t>Verlag</a:t>
             </a:r>
             <a:r>
-              <a:rPr lang="en-US" sz="1600" dirty="0">
+              <a:rPr lang="en-US" sz="1500" dirty="0">
                 <a:solidFill>
                   <a:srgbClr val="001B3C"/>
                 </a:solidFill>
@@ -5722,7 +5561,7 @@
               <a:t> New York, 2009</a:t>
             </a:r>
             <a:r>
-              <a:rPr lang="en-US" sz="1600" dirty="0" smtClean="0">
+              <a:rPr lang="en-US" sz="1500" dirty="0" smtClean="0">
                 <a:solidFill>
                   <a:srgbClr val="001B3C"/>
                 </a:solidFill>
@@ -5734,7 +5573,7 @@
           </a:p>
           <a:p>
             <a:pPr indent="-457200"/>
-            <a:endParaRPr lang="en-US" sz="1600" dirty="0" smtClean="0">
+            <a:endParaRPr lang="en-US" sz="1500" dirty="0" smtClean="0">
               <a:solidFill>
                 <a:srgbClr val="001B3C"/>
               </a:solidFill>
@@ -5745,7 +5584,7 @@
           <a:p>
             <a:pPr indent="-457200"/>
             <a:r>
-              <a:rPr lang="en-US" sz="1600" dirty="0" smtClean="0">
+              <a:rPr lang="en-US" sz="1500" dirty="0" smtClean="0">
                 <a:solidFill>
                   <a:srgbClr val="001B3C"/>
                 </a:solidFill>
@@ -5755,7 +5594,7 @@
               <a:t>Heike </a:t>
             </a:r>
             <a:r>
-              <a:rPr lang="en-US" sz="1600" dirty="0">
+              <a:rPr lang="en-US" sz="1500" dirty="0">
                 <a:solidFill>
                   <a:srgbClr val="001B3C"/>
                 </a:solidFill>
@@ -5765,7 +5604,7 @@
               <a:t>Hofmann and Marie </a:t>
             </a:r>
             <a:r>
-              <a:rPr lang="en-US" sz="1600" dirty="0" err="1" smtClean="0">
+              <a:rPr lang="en-US" sz="1500" dirty="0" err="1" smtClean="0">
                 <a:solidFill>
                   <a:srgbClr val="001B3C"/>
                 </a:solidFill>
@@ -5775,7 +5614,7 @@
               <a:t>Vendettuoli</a:t>
             </a:r>
             <a:r>
-              <a:rPr lang="en-US" sz="1600" dirty="0" smtClean="0">
+              <a:rPr lang="en-US" sz="1500" dirty="0" smtClean="0">
                 <a:solidFill>
                   <a:srgbClr val="001B3C"/>
                 </a:solidFill>
@@ -5785,7 +5624,7 @@
               <a:t> (</a:t>
             </a:r>
             <a:r>
-              <a:rPr lang="en-US" sz="1600" dirty="0">
+              <a:rPr lang="en-US" sz="1500" dirty="0">
                 <a:solidFill>
                   <a:srgbClr val="001B3C"/>
                 </a:solidFill>
@@ -5795,7 +5634,7 @@
               <a:t>2015). </a:t>
             </a:r>
             <a:r>
-              <a:rPr lang="en-US" sz="1600" dirty="0" err="1">
+              <a:rPr lang="en-US" sz="1500" dirty="0" err="1">
                 <a:solidFill>
                   <a:srgbClr val="001B3C"/>
                 </a:solidFill>
@@ -5805,7 +5644,7 @@
               <a:t>ggparallel</a:t>
             </a:r>
             <a:r>
-              <a:rPr lang="en-US" sz="1600" dirty="0">
+              <a:rPr lang="en-US" sz="1500" dirty="0">
                 <a:solidFill>
                   <a:srgbClr val="001B3C"/>
                 </a:solidFill>
@@ -5815,7 +5654,7 @@
               <a:t>: Variations </a:t>
             </a:r>
             <a:r>
-              <a:rPr lang="en-US" sz="1600" dirty="0" smtClean="0">
+              <a:rPr lang="en-US" sz="1500" dirty="0" smtClean="0">
                 <a:solidFill>
                   <a:srgbClr val="001B3C"/>
                 </a:solidFill>
@@ -5825,7 +5664,7 @@
               <a:t>of </a:t>
             </a:r>
             <a:r>
-              <a:rPr lang="en-US" sz="1600" dirty="0">
+              <a:rPr lang="en-US" sz="1500" dirty="0">
                 <a:solidFill>
                   <a:srgbClr val="001B3C"/>
                 </a:solidFill>
@@ -5835,7 +5674,7 @@
               <a:t>Parallel Coordinate Plots </a:t>
             </a:r>
             <a:r>
-              <a:rPr lang="en-US" sz="1600" dirty="0" smtClean="0">
+              <a:rPr lang="en-US" sz="1500" dirty="0" smtClean="0">
                 <a:solidFill>
                   <a:srgbClr val="001B3C"/>
                 </a:solidFill>
@@ -5845,7 +5684,7 @@
               <a:t>for Categorical </a:t>
             </a:r>
             <a:r>
-              <a:rPr lang="en-US" sz="1600" dirty="0">
+              <a:rPr lang="en-US" sz="1500" dirty="0">
                 <a:solidFill>
                   <a:srgbClr val="001B3C"/>
                 </a:solidFill>
@@ -5855,7 +5694,7 @@
               <a:t>Data. </a:t>
             </a:r>
             <a:r>
-              <a:rPr lang="en-US" sz="1600" dirty="0" smtClean="0">
+              <a:rPr lang="en-US" sz="1500" dirty="0" smtClean="0">
                 <a:solidFill>
                   <a:srgbClr val="001B3C"/>
                 </a:solidFill>
@@ -5867,7 +5706,7 @@
           </a:p>
           <a:p>
             <a:pPr indent="-457200"/>
-            <a:endParaRPr lang="en-US" sz="1600" dirty="0" smtClean="0">
+            <a:endParaRPr lang="en-US" sz="1500" dirty="0" smtClean="0">
               <a:solidFill>
                 <a:srgbClr val="001B3C"/>
               </a:solidFill>
@@ -5878,7 +5717,7 @@
           <a:p>
             <a:pPr indent="-457200"/>
             <a:r>
-              <a:rPr lang="en-US" sz="1600" dirty="0" smtClean="0">
+              <a:rPr lang="en-US" sz="1500" dirty="0" smtClean="0">
                 <a:solidFill>
                   <a:srgbClr val="001B3C"/>
                 </a:solidFill>
@@ -5888,7 +5727,7 @@
               <a:t>Dan </a:t>
             </a:r>
             <a:r>
-              <a:rPr lang="en-US" sz="1600" dirty="0">
+              <a:rPr lang="en-US" sz="1500" dirty="0">
                 <a:solidFill>
                   <a:srgbClr val="001B3C"/>
                 </a:solidFill>
@@ -5898,7 +5737,7 @@
               <a:t>Carr, ported by </a:t>
             </a:r>
             <a:r>
-              <a:rPr lang="en-US" sz="1600" dirty="0" smtClean="0">
+              <a:rPr lang="en-US" sz="1500" dirty="0" smtClean="0">
                 <a:solidFill>
                   <a:srgbClr val="001B3C"/>
                 </a:solidFill>
@@ -5908,7 +5747,7 @@
               <a:t>Nicholas </a:t>
             </a:r>
             <a:r>
-              <a:rPr lang="en-US" sz="1600" dirty="0" err="1" smtClean="0">
+              <a:rPr lang="en-US" sz="1500" dirty="0" err="1" smtClean="0">
                 <a:solidFill>
                   <a:srgbClr val="001B3C"/>
                 </a:solidFill>
@@ -5918,7 +5757,7 @@
               <a:t>Lewin</a:t>
             </a:r>
             <a:r>
-              <a:rPr lang="en-US" sz="1600" dirty="0" err="1">
+              <a:rPr lang="en-US" sz="1500" dirty="0" err="1">
                 <a:solidFill>
                   <a:srgbClr val="001B3C"/>
                 </a:solidFill>
@@ -5928,7 +5767,7 @@
               <a:t>-Koh</a:t>
             </a:r>
             <a:r>
-              <a:rPr lang="en-US" sz="1600" dirty="0">
+              <a:rPr lang="en-US" sz="1500" dirty="0">
                 <a:solidFill>
                   <a:srgbClr val="001B3C"/>
                 </a:solidFill>
@@ -5938,7 +5777,7 @@
               <a:t>, Martin </a:t>
             </a:r>
             <a:r>
-              <a:rPr lang="en-US" sz="1600" dirty="0" err="1">
+              <a:rPr lang="en-US" sz="1500" dirty="0" err="1">
                 <a:solidFill>
                   <a:srgbClr val="001B3C"/>
                 </a:solidFill>
@@ -5948,7 +5787,7 @@
               <a:t>Maechler</a:t>
             </a:r>
             <a:r>
-              <a:rPr lang="en-US" sz="1600" dirty="0">
+              <a:rPr lang="en-US" sz="1500" dirty="0">
                 <a:solidFill>
                   <a:srgbClr val="001B3C"/>
                 </a:solidFill>
@@ -5958,7 +5797,7 @@
               <a:t> </a:t>
             </a:r>
             <a:r>
-              <a:rPr lang="en-US" sz="1600" dirty="0" smtClean="0">
+              <a:rPr lang="en-US" sz="1500" dirty="0" smtClean="0">
                 <a:solidFill>
                   <a:srgbClr val="001B3C"/>
                 </a:solidFill>
@@ -5968,7 +5807,7 @@
               <a:t>and contains </a:t>
             </a:r>
             <a:r>
-              <a:rPr lang="en-US" sz="1600" dirty="0">
+              <a:rPr lang="en-US" sz="1500" dirty="0">
                 <a:solidFill>
                   <a:srgbClr val="001B3C"/>
                 </a:solidFill>
@@ -5978,7 +5817,7 @@
               <a:t>copies of lattice </a:t>
             </a:r>
             <a:r>
-              <a:rPr lang="en-US" sz="1600" dirty="0" smtClean="0">
+              <a:rPr lang="en-US" sz="1500" dirty="0" smtClean="0">
                 <a:solidFill>
                   <a:srgbClr val="001B3C"/>
                 </a:solidFill>
@@ -5988,7 +5827,7 @@
               <a:t>functions written </a:t>
             </a:r>
             <a:r>
-              <a:rPr lang="en-US" sz="1600" dirty="0">
+              <a:rPr lang="en-US" sz="1500" dirty="0">
                 <a:solidFill>
                   <a:srgbClr val="001B3C"/>
                 </a:solidFill>
@@ -5998,7 +5837,7 @@
               <a:t>by </a:t>
             </a:r>
             <a:r>
-              <a:rPr lang="en-US" sz="1600" dirty="0" err="1" smtClean="0">
+              <a:rPr lang="en-US" sz="1500" dirty="0" err="1" smtClean="0">
                 <a:solidFill>
                   <a:srgbClr val="001B3C"/>
                 </a:solidFill>
@@ -6008,7 +5847,7 @@
               <a:t>Deepayan</a:t>
             </a:r>
             <a:r>
-              <a:rPr lang="en-US" sz="1600" dirty="0" smtClean="0">
+              <a:rPr lang="en-US" sz="1500" dirty="0" smtClean="0">
                 <a:solidFill>
                   <a:srgbClr val="001B3C"/>
                 </a:solidFill>
@@ -6018,7 +5857,7 @@
               <a:t> </a:t>
             </a:r>
             <a:r>
-              <a:rPr lang="en-US" sz="1600" dirty="0" err="1" smtClean="0">
+              <a:rPr lang="en-US" sz="1500" dirty="0" err="1" smtClean="0">
                 <a:solidFill>
                   <a:srgbClr val="001B3C"/>
                 </a:solidFill>
@@ -6028,7 +5867,7 @@
               <a:t>Sarkar</a:t>
             </a:r>
             <a:r>
-              <a:rPr lang="en-US" sz="1600" dirty="0">
+              <a:rPr lang="en-US" sz="1500" dirty="0">
                 <a:solidFill>
                   <a:srgbClr val="001B3C"/>
                 </a:solidFill>
@@ -6038,7 +5877,7 @@
               <a:t> </a:t>
             </a:r>
             <a:r>
-              <a:rPr lang="en-US" sz="1600" dirty="0" smtClean="0">
+              <a:rPr lang="en-US" sz="1500" dirty="0" smtClean="0">
                 <a:solidFill>
                   <a:srgbClr val="001B3C"/>
                 </a:solidFill>
@@ -6048,7 +5887,7 @@
               <a:t>(</a:t>
             </a:r>
             <a:r>
-              <a:rPr lang="en-US" sz="1600" dirty="0">
+              <a:rPr lang="en-US" sz="1500" dirty="0">
                 <a:solidFill>
                   <a:srgbClr val="001B3C"/>
                 </a:solidFill>
@@ -6058,7 +5897,7 @@
               <a:t>2015)</a:t>
             </a:r>
             <a:r>
-              <a:rPr lang="en-US" sz="1600" dirty="0" smtClean="0">
+              <a:rPr lang="en-US" sz="1500" dirty="0" smtClean="0">
                 <a:solidFill>
                   <a:srgbClr val="001B3C"/>
                 </a:solidFill>
@@ -6068,7 +5907,7 @@
               <a:t>. </a:t>
             </a:r>
             <a:r>
-              <a:rPr lang="en-US" sz="1600" dirty="0" err="1" smtClean="0">
+              <a:rPr lang="en-US" sz="1500" dirty="0" err="1" smtClean="0">
                 <a:solidFill>
                   <a:srgbClr val="001B3C"/>
                 </a:solidFill>
@@ -6078,7 +5917,7 @@
               <a:t>hexbin</a:t>
             </a:r>
             <a:r>
-              <a:rPr lang="en-US" sz="1600" dirty="0">
+              <a:rPr lang="en-US" sz="1500" dirty="0">
                 <a:solidFill>
                   <a:srgbClr val="001B3C"/>
                 </a:solidFill>
@@ -6088,7 +5927,7 @@
               <a:t>: Hexagonal Binning </a:t>
             </a:r>
             <a:r>
-              <a:rPr lang="en-US" sz="1600" dirty="0" smtClean="0">
+              <a:rPr lang="en-US" sz="1500" dirty="0" smtClean="0">
                 <a:solidFill>
                   <a:srgbClr val="001B3C"/>
                 </a:solidFill>
@@ -6098,7 +5937,7 @@
               <a:t>Routines. R package </a:t>
             </a:r>
             <a:r>
-              <a:rPr lang="en-US" sz="1600" dirty="0">
+              <a:rPr lang="en-US" sz="1500" dirty="0">
                 <a:solidFill>
                   <a:srgbClr val="001B3C"/>
                 </a:solidFill>
@@ -6108,7 +5947,7 @@
               <a:t>version 1.27.1</a:t>
             </a:r>
             <a:r>
-              <a:rPr lang="en-US" sz="1600" dirty="0" smtClean="0">
+              <a:rPr lang="en-US" sz="1500" dirty="0" smtClean="0">
                 <a:solidFill>
                   <a:srgbClr val="001B3C"/>
                 </a:solidFill>
@@ -6120,7 +5959,7 @@
           </a:p>
           <a:p>
             <a:pPr indent="-457200"/>
-            <a:endParaRPr lang="en-US" sz="1600" dirty="0" smtClean="0">
+            <a:endParaRPr lang="en-US" sz="1500" dirty="0" smtClean="0">
               <a:solidFill>
                 <a:srgbClr val="001B3C"/>
               </a:solidFill>
@@ -6131,7 +5970,7 @@
           <a:p>
             <a:pPr indent="-457200"/>
             <a:r>
-              <a:rPr lang="en-US" sz="1600" dirty="0">
+              <a:rPr lang="en-US" sz="1500" dirty="0">
                 <a:solidFill>
                   <a:srgbClr val="001B3C"/>
                 </a:solidFill>
@@ -6141,7 +5980,7 @@
               <a:t>Hadley Wickham (2007). </a:t>
             </a:r>
             <a:r>
-              <a:rPr lang="en-US" sz="1600" dirty="0" smtClean="0">
+              <a:rPr lang="en-US" sz="1500" dirty="0" smtClean="0">
                 <a:solidFill>
                   <a:srgbClr val="001B3C"/>
                 </a:solidFill>
@@ -6151,7 +5990,7 @@
               <a:t>Reshaping Data </a:t>
             </a:r>
             <a:r>
-              <a:rPr lang="en-US" sz="1600" dirty="0">
+              <a:rPr lang="en-US" sz="1500" dirty="0">
                 <a:solidFill>
                   <a:srgbClr val="001B3C"/>
                 </a:solidFill>
@@ -6161,7 +6000,7 @@
               <a:t>with the reshape Package</a:t>
             </a:r>
             <a:r>
-              <a:rPr lang="en-US" sz="1600" dirty="0" smtClean="0">
+              <a:rPr lang="en-US" sz="1500" dirty="0" smtClean="0">
                 <a:solidFill>
                   <a:srgbClr val="001B3C"/>
                 </a:solidFill>
@@ -6171,7 +6010,7 @@
               <a:t>. </a:t>
             </a:r>
             <a:r>
-              <a:rPr lang="en-US" sz="1600" dirty="0">
+              <a:rPr lang="en-US" sz="1500" dirty="0">
                 <a:solidFill>
                   <a:srgbClr val="001B3C"/>
                 </a:solidFill>
@@ -6181,7 +6020,7 @@
               <a:t>Journal of Statistical Software</a:t>
             </a:r>
             <a:r>
-              <a:rPr lang="en-US" sz="1600" dirty="0" smtClean="0">
+              <a:rPr lang="en-US" sz="1500" dirty="0" smtClean="0">
                 <a:solidFill>
                   <a:srgbClr val="001B3C"/>
                 </a:solidFill>
@@ -6191,7 +6030,7 @@
               <a:t>, 21</a:t>
             </a:r>
             <a:r>
-              <a:rPr lang="en-US" sz="1600" dirty="0">
+              <a:rPr lang="en-US" sz="1500" dirty="0">
                 <a:solidFill>
                   <a:srgbClr val="001B3C"/>
                 </a:solidFill>
@@ -6201,7 +6040,7 @@
               <a:t>(12), 1-20</a:t>
             </a:r>
             <a:r>
-              <a:rPr lang="en-US" sz="1600" dirty="0" smtClean="0">
+              <a:rPr lang="en-US" sz="1500" dirty="0" smtClean="0">
                 <a:solidFill>
                   <a:srgbClr val="001B3C"/>
                 </a:solidFill>
@@ -6213,7 +6052,7 @@
           </a:p>
           <a:p>
             <a:pPr indent="-457200"/>
-            <a:endParaRPr lang="en-US" sz="1600" dirty="0" smtClean="0">
+            <a:endParaRPr lang="en-US" sz="1500" dirty="0" smtClean="0">
               <a:solidFill>
                 <a:srgbClr val="001B3C"/>
               </a:solidFill>
@@ -6224,7 +6063,7 @@
           <a:p>
             <a:pPr indent="-457200"/>
             <a:r>
-              <a:rPr lang="en-US" sz="1600" dirty="0" smtClean="0">
+              <a:rPr lang="en-US" sz="1500" dirty="0" smtClean="0">
                 <a:solidFill>
                   <a:srgbClr val="001B3C"/>
                 </a:solidFill>
@@ -6234,7 +6073,7 @@
               <a:t>Winston </a:t>
             </a:r>
             <a:r>
-              <a:rPr lang="en-US" sz="1600" dirty="0">
+              <a:rPr lang="en-US" sz="1500" dirty="0">
                 <a:solidFill>
                   <a:srgbClr val="001B3C"/>
                 </a:solidFill>
@@ -6244,7 +6083,7 @@
               <a:t>Chang, (2014). </a:t>
             </a:r>
             <a:r>
-              <a:rPr lang="en-US" sz="1600" dirty="0" err="1" smtClean="0">
+              <a:rPr lang="en-US" sz="1500" dirty="0" err="1" smtClean="0">
                 <a:solidFill>
                   <a:srgbClr val="001B3C"/>
                 </a:solidFill>
@@ -6254,7 +6093,7 @@
               <a:t>Extrafont</a:t>
             </a:r>
             <a:r>
-              <a:rPr lang="en-US" sz="1600" dirty="0" smtClean="0">
+              <a:rPr lang="en-US" sz="1500" dirty="0" smtClean="0">
                 <a:solidFill>
                   <a:srgbClr val="001B3C"/>
                 </a:solidFill>
@@ -6264,7 +6103,7 @@
               <a:t>: Tools </a:t>
             </a:r>
             <a:r>
-              <a:rPr lang="en-US" sz="1600" dirty="0">
+              <a:rPr lang="en-US" sz="1500" dirty="0">
                 <a:solidFill>
                   <a:srgbClr val="001B3C"/>
                 </a:solidFill>
@@ -6274,7 +6113,7 @@
               <a:t>for using fonts. R </a:t>
             </a:r>
             <a:r>
-              <a:rPr lang="en-US" sz="1600" dirty="0" smtClean="0">
+              <a:rPr lang="en-US" sz="1500" dirty="0" smtClean="0">
                 <a:solidFill>
                   <a:srgbClr val="001B3C"/>
                 </a:solidFill>
@@ -6284,7 +6123,7 @@
               <a:t>package version </a:t>
             </a:r>
             <a:r>
-              <a:rPr lang="en-US" sz="1600" dirty="0">
+              <a:rPr lang="en-US" sz="1500" dirty="0">
                 <a:solidFill>
                   <a:srgbClr val="001B3C"/>
                 </a:solidFill>
@@ -6294,7 +6133,7 @@
               <a:t>0.17</a:t>
             </a:r>
             <a:r>
-              <a:rPr lang="en-US" sz="1600" dirty="0" smtClean="0">
+              <a:rPr lang="en-US" sz="1500" dirty="0" smtClean="0">
                 <a:solidFill>
                   <a:srgbClr val="001B3C"/>
                 </a:solidFill>
@@ -6303,7 +6142,7 @@
               </a:rPr>
               <a:t>.</a:t>
             </a:r>
-            <a:endParaRPr lang="en-US" sz="1600" dirty="0">
+            <a:endParaRPr lang="en-US" sz="1500" dirty="0">
               <a:solidFill>
                 <a:srgbClr val="001B3C"/>
               </a:solidFill>
@@ -6313,7 +6152,7 @@
           </a:p>
           <a:p>
             <a:pPr indent="-457200"/>
-            <a:endParaRPr lang="en-US" sz="1600" dirty="0" smtClean="0">
+            <a:endParaRPr lang="en-US" sz="1500" dirty="0" smtClean="0">
               <a:solidFill>
                 <a:srgbClr val="001B3C"/>
               </a:solidFill>
@@ -6324,7 +6163,7 @@
           <a:p>
             <a:pPr indent="-457200"/>
             <a:r>
-              <a:rPr lang="en-US" sz="1600" dirty="0">
+              <a:rPr lang="en-US" sz="1500" dirty="0">
                 <a:solidFill>
                   <a:srgbClr val="001B3C"/>
                 </a:solidFill>
@@ -6334,7 +6173,7 @@
               <a:t>"Introduction to Volume 1: CKD in the United States." American Journal of Kidney Diseases </a:t>
             </a:r>
             <a:r>
-              <a:rPr lang="en-US" sz="1600" dirty="0" smtClean="0">
+              <a:rPr lang="en-US" sz="1500" dirty="0" smtClean="0">
                 <a:solidFill>
                   <a:srgbClr val="001B3C"/>
                 </a:solidFill>
@@ -6344,7 +6183,7 @@
               <a:t>67.3 (</a:t>
             </a:r>
             <a:r>
-              <a:rPr lang="en-US" sz="1600" dirty="0">
+              <a:rPr lang="en-US" sz="1500" dirty="0">
                 <a:solidFill>
                   <a:srgbClr val="001B3C"/>
                 </a:solidFill>
@@ -6354,7 +6193,7 @@
               <a:t>2016): n. </a:t>
             </a:r>
             <a:r>
-              <a:rPr lang="en-US" sz="1600" dirty="0" err="1">
+              <a:rPr lang="en-US" sz="1500" dirty="0" err="1">
                 <a:solidFill>
                   <a:srgbClr val="001B3C"/>
                 </a:solidFill>
@@ -6364,7 +6203,7 @@
               <a:t>pag</a:t>
             </a:r>
             <a:r>
-              <a:rPr lang="en-US" sz="1600" dirty="0">
+              <a:rPr lang="en-US" sz="1500" dirty="0">
                 <a:solidFill>
                   <a:srgbClr val="001B3C"/>
                 </a:solidFill>
@@ -6374,7 +6213,7 @@
               <a:t>. Web</a:t>
             </a:r>
             <a:r>
-              <a:rPr lang="en-US" sz="1600" dirty="0" smtClean="0">
+              <a:rPr lang="en-US" sz="1500" dirty="0" smtClean="0">
                 <a:solidFill>
                   <a:srgbClr val="001B3C"/>
                 </a:solidFill>
@@ -6386,7 +6225,7 @@
           </a:p>
           <a:p>
             <a:pPr indent="-457200"/>
-            <a:endParaRPr lang="en-US" sz="1600" dirty="0" smtClean="0">
+            <a:endParaRPr lang="en-US" sz="1500" dirty="0" smtClean="0">
               <a:solidFill>
                 <a:srgbClr val="001B3C"/>
               </a:solidFill>
@@ -6396,35 +6235,35 @@
           </a:p>
           <a:p>
             <a:r>
-              <a:rPr lang="en-US" sz="1600" dirty="0">
+              <a:rPr lang="en-US" sz="1500" dirty="0">
                 <a:latin typeface="Garamond"/>
                 <a:cs typeface="Garamond"/>
               </a:rPr>
               <a:t>"UNITED STATES RENAL DATA SYSTEM." USRDS Home Page. </a:t>
             </a:r>
             <a:r>
-              <a:rPr lang="en-US" sz="1600" dirty="0" err="1">
+              <a:rPr lang="en-US" sz="1500" dirty="0" err="1">
                 <a:latin typeface="Garamond"/>
                 <a:cs typeface="Garamond"/>
               </a:rPr>
               <a:t>N.p</a:t>
             </a:r>
             <a:r>
-              <a:rPr lang="en-US" sz="1600" dirty="0">
+              <a:rPr lang="en-US" sz="1500" dirty="0">
                 <a:latin typeface="Garamond"/>
                 <a:cs typeface="Garamond"/>
               </a:rPr>
               <a:t>., </a:t>
             </a:r>
             <a:r>
-              <a:rPr lang="en-US" sz="1600" dirty="0" err="1">
+              <a:rPr lang="en-US" sz="1500" dirty="0" err="1">
                 <a:latin typeface="Garamond"/>
                 <a:cs typeface="Garamond"/>
               </a:rPr>
               <a:t>n.d.</a:t>
             </a:r>
             <a:r>
-              <a:rPr lang="en-US" sz="1600" dirty="0">
+              <a:rPr lang="en-US" sz="1500" dirty="0">
                 <a:latin typeface="Garamond"/>
                 <a:cs typeface="Garamond"/>
               </a:rPr>
@@ -6448,36 +6287,6 @@
           </a:p>
         </p:txBody>
       </p:sp>
-      <p:pic>
-        <p:nvPicPr>
-          <p:cNvPr id="19" name="Picture 18" descr="Rplot2.jpeg"/>
-          <p:cNvPicPr>
-            <a:picLocks noChangeAspect="1"/>
-          </p:cNvPicPr>
-          <p:nvPr/>
-        </p:nvPicPr>
-        <p:blipFill>
-          <a:blip r:embed="rId5">
-            <a:extLst>
-              <a:ext uri="{28A0092B-C50C-407E-A947-70E740481C1C}">
-                <a14:useLocalDpi xmlns:a14="http://schemas.microsoft.com/office/drawing/2010/main" val="0"/>
-              </a:ext>
-            </a:extLst>
-          </a:blip>
-          <a:stretch>
-            <a:fillRect/>
-          </a:stretch>
-        </p:blipFill>
-        <p:spPr>
-          <a:xfrm>
-            <a:off x="11498612" y="17810423"/>
-            <a:ext cx="10476485" cy="6800741"/>
-          </a:xfrm>
-          <a:prstGeom prst="rect">
-            <a:avLst/>
-          </a:prstGeom>
-        </p:spPr>
-      </p:pic>
       <p:sp>
         <p:nvSpPr>
           <p:cNvPr id="26" name="TextBox 25"/>
@@ -6658,7 +6467,7 @@
         </p:nvSpPr>
         <p:spPr>
           <a:xfrm>
-            <a:off x="12044731" y="16642372"/>
+            <a:off x="12044731" y="16134372"/>
             <a:ext cx="8483896" cy="707886"/>
           </a:xfrm>
           <a:prstGeom prst="rect">
@@ -6721,47 +6530,8 @@
                 <a:latin typeface="Garamond"/>
                 <a:cs typeface="Garamond"/>
               </a:rPr>
-              <a:t>Perform </a:t>
-            </a:r>
-            <a:r>
-              <a:rPr lang="en-US" sz="3600" dirty="0" smtClean="0">
-                <a:latin typeface="Garamond"/>
-                <a:cs typeface="Garamond"/>
-              </a:rPr>
-              <a:t>10-fold </a:t>
-            </a:r>
-            <a:r>
-              <a:rPr lang="en-US" sz="3600" dirty="0" smtClean="0">
-                <a:latin typeface="Garamond"/>
-                <a:cs typeface="Garamond"/>
-              </a:rPr>
-              <a:t>cross validation </a:t>
-            </a:r>
-            <a:r>
-              <a:rPr lang="en-US" sz="3600" dirty="0" smtClean="0">
-                <a:latin typeface="Garamond"/>
-                <a:cs typeface="Garamond"/>
-              </a:rPr>
-              <a:t>and bootstrap resampling to </a:t>
-            </a:r>
-            <a:r>
-              <a:rPr lang="en-US" sz="3600" dirty="0" smtClean="0">
-                <a:latin typeface="Garamond"/>
-                <a:cs typeface="Garamond"/>
-              </a:rPr>
-              <a:t>find the most accurate multiple linear regression model for predicting estimated glomerular filtration rate (measurement for determining </a:t>
-            </a:r>
-            <a:r>
-              <a:rPr lang="en-US" sz="3600" dirty="0" smtClean="0">
-                <a:latin typeface="Garamond"/>
-                <a:cs typeface="Garamond"/>
-              </a:rPr>
-              <a:t>CKD stage).</a:t>
-            </a:r>
-            <a:endParaRPr lang="en-US" sz="3600" dirty="0" smtClean="0">
-              <a:latin typeface="Garamond"/>
-              <a:cs typeface="Garamond"/>
-            </a:endParaRPr>
+              <a:t>Perform 10-fold cross validation and bootstrap resampling to find the most accurate multiple linear regression model for predicting estimated glomerular filtration rate (measurement for determining CKD stage).</a:t>
+            </a:r>
           </a:p>
           <a:p>
             <a:endParaRPr lang="en-US" sz="2000" dirty="0">
@@ -6775,28 +6545,7 @@
                 <a:latin typeface="Garamond"/>
                 <a:cs typeface="Garamond"/>
               </a:rPr>
-              <a:t>Penalize </a:t>
-            </a:r>
-            <a:r>
-              <a:rPr lang="en-US" sz="3600" dirty="0" smtClean="0">
-                <a:latin typeface="Garamond"/>
-                <a:cs typeface="Garamond"/>
-              </a:rPr>
-              <a:t>errors on </a:t>
-            </a:r>
-            <a:r>
-              <a:rPr lang="en-US" sz="3600" dirty="0" smtClean="0">
-                <a:latin typeface="Garamond"/>
-                <a:cs typeface="Garamond"/>
-              </a:rPr>
-              <a:t>higher-weight observations by weighting errors on specific PSUs by corresponding survey </a:t>
-            </a:r>
-            <a:r>
-              <a:rPr lang="en-US" sz="3600" dirty="0" smtClean="0">
-                <a:latin typeface="Garamond"/>
-                <a:cs typeface="Garamond"/>
-              </a:rPr>
-              <a:t>weight to maintain internal consistency.</a:t>
+              <a:t>Penalize errors on higher-weight observations by weighting errors on specific PSUs by corresponding survey weight to maintain internal consistency.</a:t>
             </a:r>
             <a:endParaRPr lang="en-US" sz="3600" dirty="0">
               <a:latin typeface="Garamond"/>
@@ -6805,8 +6554,8 @@
           </a:p>
         </p:txBody>
       </p:sp>
-      <mc:AlternateContent xmlns:mc="http://schemas.openxmlformats.org/markup-compatibility/2006">
-        <mc:Choice xmlns:a14="http://schemas.microsoft.com/office/drawing/2010/main" Requires="a14">
+      <mc:AlternateContent xmlns:mc="http://schemas.openxmlformats.org/markup-compatibility/2006" xmlns:a14="http://schemas.microsoft.com/office/drawing/2010/main">
+        <mc:Choice Requires="a14">
           <p:sp>
             <p:nvSpPr>
               <p:cNvPr id="32" name="TextBox 31"/>
@@ -6900,7 +6649,7 @@
                   </a:lnSpc>
                 </a:pPr>
                 <a14:m>
-                  <m:oMathPara xmlns:m="http://schemas.openxmlformats.org/officeDocument/2006/math">
+                  <m:oMathPara xmlns="" xmlns:m="http://schemas.openxmlformats.org/officeDocument/2006/math">
                     <m:oMathParaPr>
                       <m:jc m:val="centerGroup"/>
                     </m:oMathParaPr>
@@ -7259,7 +7008,7 @@
             </p:txBody>
           </p:sp>
         </mc:Choice>
-        <mc:Fallback>
+        <mc:Fallback xmlns="">
           <p:sp>
             <p:nvSpPr>
               <p:cNvPr id="32" name="TextBox 31"/>
@@ -7306,7 +7055,7 @@
         </p:nvCxnSpPr>
         <p:spPr>
           <a:xfrm>
-            <a:off x="33669102" y="24611164"/>
+            <a:off x="33669102" y="24407964"/>
             <a:ext cx="9605564" cy="0"/>
           </a:xfrm>
           <a:prstGeom prst="line">
@@ -7351,7 +7100,7 @@
         </p:nvCxnSpPr>
         <p:spPr>
           <a:xfrm>
-            <a:off x="33656389" y="28521441"/>
+            <a:off x="33656389" y="28216641"/>
             <a:ext cx="9605564" cy="0"/>
           </a:xfrm>
           <a:prstGeom prst="line">
@@ -7590,6 +7339,36 @@
           </a:prstGeom>
         </p:spPr>
       </p:pic>
+      <p:pic>
+        <p:nvPicPr>
+          <p:cNvPr id="10" name="Picture 9" descr="Screen Shot 2016-07-18 at 3.49.55 PM.png"/>
+          <p:cNvPicPr>
+            <a:picLocks noChangeAspect="1"/>
+          </p:cNvPicPr>
+          <p:nvPr/>
+        </p:nvPicPr>
+        <p:blipFill>
+          <a:blip r:embed="rId11">
+            <a:extLst>
+              <a:ext uri="{28A0092B-C50C-407E-A947-70E740481C1C}">
+                <a14:useLocalDpi xmlns:a14="http://schemas.microsoft.com/office/drawing/2010/main" val="0"/>
+              </a:ext>
+            </a:extLst>
+          </a:blip>
+          <a:stretch>
+            <a:fillRect/>
+          </a:stretch>
+        </p:blipFill>
+        <p:spPr>
+          <a:xfrm>
+            <a:off x="11331731" y="17295180"/>
+            <a:ext cx="10663111" cy="7993839"/>
+          </a:xfrm>
+          <a:prstGeom prst="rect">
+            <a:avLst/>
+          </a:prstGeom>
+        </p:spPr>
+      </p:pic>
     </p:spTree>
     <p:extLst>
       <p:ext uri="{BB962C8B-B14F-4D97-AF65-F5344CB8AC3E}">
@@ -7603,7 +7382,7 @@
   <p:timing>
     <p:tnLst>
       <p:par>
-        <p:cTn id="1" dur="indefinite" restart="never" nodeType="tmRoot"/>
+        <p:cTn xmlns:p14="http://schemas.microsoft.com/office/powerpoint/2010/main" id="1" dur="indefinite" restart="never" nodeType="tmRoot"/>
       </p:par>
     </p:tnLst>
   </p:timing>

--- a/poster updated.pptx
+++ b/poster updated.pptx
@@ -109,7 +109,7 @@
   </p:defaultTextStyle>
   <p:extLst>
     <p:ext uri="{EFAFB233-063F-42B5-8137-9DF3F51BA10A}">
-      <p15:sldGuideLst xmlns="" xmlns:p15="http://schemas.microsoft.com/office/powerpoint/2012/main">
+      <p15:sldGuideLst xmlns:p15="http://schemas.microsoft.com/office/powerpoint/2012/main" xmlns="">
         <p15:guide id="1" orient="horz" pos="10368">
           <p15:clr>
             <a:srgbClr val="A4A3A4"/>
@@ -3569,7 +3569,7 @@
         </p:nvGrpSpPr>
         <p:grpSpPr>
           <a:xfrm>
-            <a:off x="21182042" y="7502963"/>
+            <a:off x="22147242" y="7502963"/>
             <a:ext cx="9726772" cy="8997710"/>
             <a:chOff x="11750874" y="14341897"/>
             <a:chExt cx="9016227" cy="8265995"/>
@@ -3850,7 +3850,7 @@
         </p:nvSpPr>
         <p:spPr>
           <a:xfrm>
-            <a:off x="647695" y="22420524"/>
+            <a:off x="647695" y="22572924"/>
             <a:ext cx="3791376" cy="3803406"/>
           </a:xfrm>
           <a:prstGeom prst="ellipse">
@@ -3908,7 +3908,7 @@
         </p:nvSpPr>
         <p:spPr>
           <a:xfrm>
-            <a:off x="33235991" y="6014003"/>
+            <a:off x="33540791" y="6014003"/>
             <a:ext cx="3791376" cy="3803406"/>
           </a:xfrm>
           <a:prstGeom prst="ellipse">
@@ -4011,7 +4011,7 @@
         <p:spPr>
           <a:xfrm>
             <a:off x="1114145" y="6996190"/>
-            <a:ext cx="8985731" cy="26314888"/>
+            <a:ext cx="9557186" cy="25945554"/>
           </a:xfrm>
           <a:prstGeom prst="rect">
             <a:avLst/>
@@ -4199,6 +4199,12 @@
           </a:p>
           <a:p>
             <a:endParaRPr lang="en-US" sz="4800" b="1" dirty="0">
+              <a:latin typeface="Garamond"/>
+              <a:cs typeface="Garamond"/>
+            </a:endParaRPr>
+          </a:p>
+          <a:p>
+            <a:endParaRPr lang="en-US" sz="4800" b="1" dirty="0" smtClean="0">
               <a:latin typeface="Garamond"/>
               <a:cs typeface="Garamond"/>
             </a:endParaRPr>
@@ -4441,8 +4447,8 @@
         </p:nvSpPr>
         <p:spPr>
           <a:xfrm>
-            <a:off x="3809720" y="270042"/>
-            <a:ext cx="36333483" cy="4339650"/>
+            <a:off x="12157059" y="1031898"/>
+            <a:ext cx="19577083" cy="3046988"/>
           </a:xfrm>
           <a:prstGeom prst="rect">
             <a:avLst/>
@@ -4457,7 +4463,7 @@
           <a:p>
             <a:pPr algn="ctr"/>
             <a:r>
-              <a:rPr lang="en-US" sz="13800" dirty="0" smtClean="0">
+              <a:rPr lang="en-US" sz="9600" dirty="0" smtClean="0">
                 <a:solidFill>
                   <a:srgbClr val="FFC400"/>
                 </a:solidFill>
@@ -4477,7 +4483,7 @@
         </p:nvGrpSpPr>
         <p:grpSpPr>
           <a:xfrm>
-            <a:off x="12339066" y="6634834"/>
+            <a:off x="13304266" y="6634834"/>
             <a:ext cx="19211128" cy="3046988"/>
             <a:chOff x="12339066" y="6537299"/>
             <a:chExt cx="19211128" cy="3046988"/>
@@ -4594,7 +4600,7 @@
         </p:nvGrpSpPr>
         <p:grpSpPr>
           <a:xfrm>
-            <a:off x="12339066" y="25794496"/>
+            <a:off x="13304266" y="25794496"/>
             <a:ext cx="19211128" cy="7955704"/>
             <a:chOff x="12339066" y="24281160"/>
             <a:chExt cx="19211128" cy="7955704"/>
@@ -4683,7 +4689,7 @@
                 </a:p>
                 <a:p>
                   <a14:m>
-                    <m:oMathPara xmlns="" xmlns:m="http://schemas.openxmlformats.org/officeDocument/2006/math">
+                    <m:oMathPara xmlns:m="http://schemas.openxmlformats.org/officeDocument/2006/math" xmlns="">
                       <m:oMathParaPr>
                         <m:jc m:val="left"/>
                       </m:oMathParaPr>
@@ -5200,8 +5206,8 @@
         </p:nvSpPr>
         <p:spPr>
           <a:xfrm>
-            <a:off x="33656389" y="7211459"/>
-            <a:ext cx="9618277" cy="26899661"/>
+            <a:off x="33954861" y="7211459"/>
+            <a:ext cx="9573805" cy="26638061"/>
           </a:xfrm>
           <a:prstGeom prst="rect">
             <a:avLst/>
@@ -5480,7 +5486,7 @@
           </a:p>
           <a:p>
             <a:pPr indent="-457200"/>
-            <a:endParaRPr lang="en-US" sz="1500" dirty="0" smtClean="0">
+            <a:endParaRPr lang="en-US" sz="1000" dirty="0" smtClean="0">
               <a:solidFill>
                 <a:srgbClr val="001B3C"/>
               </a:solidFill>
@@ -5573,7 +5579,7 @@
           </a:p>
           <a:p>
             <a:pPr indent="-457200"/>
-            <a:endParaRPr lang="en-US" sz="1500" dirty="0" smtClean="0">
+            <a:endParaRPr lang="en-US" sz="1000" dirty="0" smtClean="0">
               <a:solidFill>
                 <a:srgbClr val="001B3C"/>
               </a:solidFill>
@@ -5706,7 +5712,7 @@
           </a:p>
           <a:p>
             <a:pPr indent="-457200"/>
-            <a:endParaRPr lang="en-US" sz="1500" dirty="0" smtClean="0">
+            <a:endParaRPr lang="en-US" sz="1000" dirty="0" smtClean="0">
               <a:solidFill>
                 <a:srgbClr val="001B3C"/>
               </a:solidFill>
@@ -5959,7 +5965,7 @@
           </a:p>
           <a:p>
             <a:pPr indent="-457200"/>
-            <a:endParaRPr lang="en-US" sz="1500" dirty="0" smtClean="0">
+            <a:endParaRPr lang="en-US" sz="1000" dirty="0" smtClean="0">
               <a:solidFill>
                 <a:srgbClr val="001B3C"/>
               </a:solidFill>
@@ -6052,7 +6058,7 @@
           </a:p>
           <a:p>
             <a:pPr indent="-457200"/>
-            <a:endParaRPr lang="en-US" sz="1500" dirty="0" smtClean="0">
+            <a:endParaRPr lang="en-US" sz="1000" dirty="0" smtClean="0">
               <a:solidFill>
                 <a:srgbClr val="001B3C"/>
               </a:solidFill>
@@ -6152,7 +6158,7 @@
           </a:p>
           <a:p>
             <a:pPr indent="-457200"/>
-            <a:endParaRPr lang="en-US" sz="1500" dirty="0" smtClean="0">
+            <a:endParaRPr lang="en-US" sz="1000" dirty="0" smtClean="0">
               <a:solidFill>
                 <a:srgbClr val="001B3C"/>
               </a:solidFill>
@@ -6225,7 +6231,7 @@
           </a:p>
           <a:p>
             <a:pPr indent="-457200"/>
-            <a:endParaRPr lang="en-US" sz="1500" dirty="0" smtClean="0">
+            <a:endParaRPr lang="en-US" sz="1000" dirty="0" smtClean="0">
               <a:solidFill>
                 <a:srgbClr val="001B3C"/>
               </a:solidFill>
@@ -6295,7 +6301,7 @@
         </p:nvSpPr>
         <p:spPr>
           <a:xfrm>
-            <a:off x="12441134" y="8331482"/>
+            <a:off x="13406334" y="8331482"/>
             <a:ext cx="7342383" cy="6924973"/>
           </a:xfrm>
           <a:prstGeom prst="rect">
@@ -6467,7 +6473,7 @@
         </p:nvSpPr>
         <p:spPr>
           <a:xfrm>
-            <a:off x="12044731" y="16134372"/>
+            <a:off x="12654331" y="16134372"/>
             <a:ext cx="8483896" cy="707886"/>
           </a:xfrm>
           <a:prstGeom prst="rect">
@@ -6504,7 +6510,7 @@
         </p:nvSpPr>
         <p:spPr>
           <a:xfrm>
-            <a:off x="22148300" y="21210262"/>
+            <a:off x="23113500" y="21210262"/>
             <a:ext cx="8392877" cy="5509200"/>
           </a:xfrm>
           <a:prstGeom prst="rect">
@@ -6554,8 +6560,8 @@
           </a:p>
         </p:txBody>
       </p:sp>
-      <mc:AlternateContent xmlns:mc="http://schemas.openxmlformats.org/markup-compatibility/2006" xmlns:a14="http://schemas.microsoft.com/office/drawing/2010/main">
-        <mc:Choice Requires="a14">
+      <mc:AlternateContent xmlns:mc="http://schemas.openxmlformats.org/markup-compatibility/2006">
+        <mc:Choice xmlns:a14="http://schemas.microsoft.com/office/drawing/2010/main" Requires="a14">
           <p:sp>
             <p:nvSpPr>
               <p:cNvPr id="32" name="TextBox 31"/>
@@ -6564,7 +6570,7 @@
             </p:nvSpPr>
             <p:spPr>
               <a:xfrm>
-                <a:off x="22139979" y="16837980"/>
+                <a:off x="23105179" y="16837980"/>
                 <a:ext cx="8382461" cy="3744230"/>
               </a:xfrm>
               <a:prstGeom prst="rect">
@@ -6649,7 +6655,7 @@
                   </a:lnSpc>
                 </a:pPr>
                 <a14:m>
-                  <m:oMathPara xmlns="" xmlns:m="http://schemas.openxmlformats.org/officeDocument/2006/math">
+                  <m:oMathPara xmlns:m="http://schemas.openxmlformats.org/officeDocument/2006/math" xmlns="">
                     <m:oMathParaPr>
                       <m:jc m:val="centerGroup"/>
                     </m:oMathParaPr>
@@ -7008,7 +7014,7 @@
             </p:txBody>
           </p:sp>
         </mc:Choice>
-        <mc:Fallback xmlns="">
+        <mc:Fallback>
           <p:sp>
             <p:nvSpPr>
               <p:cNvPr id="32" name="TextBox 31"/>
@@ -7019,16 +7025,16 @@
             </p:nvSpPr>
             <p:spPr>
               <a:xfrm>
-                <a:off x="22139979" y="16837980"/>
+                <a:off x="23105179" y="16837980"/>
                 <a:ext cx="8382461" cy="3744230"/>
               </a:xfrm>
               <a:prstGeom prst="rect">
                 <a:avLst/>
               </a:prstGeom>
-              <a:blipFill rotWithShape="0">
-                <a:blip r:embed="rId6"/>
+              <a:blipFill rotWithShape="1">
+                <a:blip r:embed="rId5"/>
                 <a:stretch>
-                  <a:fillRect l="-2982" t="-3257" r="-1455" b="-5375"/>
+                  <a:fillRect b="-136098"/>
                 </a:stretch>
               </a:blipFill>
             </p:spPr>
@@ -7055,7 +7061,7 @@
         </p:nvCxnSpPr>
         <p:spPr>
           <a:xfrm>
-            <a:off x="33669102" y="24407964"/>
+            <a:off x="33954861" y="24462505"/>
             <a:ext cx="9605564" cy="0"/>
           </a:xfrm>
           <a:prstGeom prst="line">
@@ -7100,7 +7106,7 @@
         </p:nvCxnSpPr>
         <p:spPr>
           <a:xfrm>
-            <a:off x="33656389" y="28216641"/>
+            <a:off x="33954861" y="28216641"/>
             <a:ext cx="9605564" cy="0"/>
           </a:xfrm>
           <a:prstGeom prst="line">
@@ -7146,7 +7152,7 @@
           <p:nvPr/>
         </p:nvPicPr>
         <p:blipFill>
-          <a:blip r:embed="rId7">
+          <a:blip r:embed="rId6">
             <a:extLst>
               <a:ext uri="{28A0092B-C50C-407E-A947-70E740481C1C}">
                 <a14:useLocalDpi xmlns:a14="http://schemas.microsoft.com/office/drawing/2010/main" val="0"/>
@@ -7159,7 +7165,7 @@
         </p:blipFill>
         <p:spPr>
           <a:xfrm>
-            <a:off x="40143203" y="1747212"/>
+            <a:off x="40016251" y="1874060"/>
             <a:ext cx="2921201" cy="3189952"/>
           </a:xfrm>
           <a:prstGeom prst="rect">
@@ -7176,7 +7182,7 @@
           <p:nvPr/>
         </p:nvPicPr>
         <p:blipFill>
-          <a:blip r:embed="rId8">
+          <a:blip r:embed="rId7">
             <a:extLst>
               <a:ext uri="{28A0092B-C50C-407E-A947-70E740481C1C}">
                 <a14:useLocalDpi xmlns:a14="http://schemas.microsoft.com/office/drawing/2010/main" val="0"/>
@@ -7189,8 +7195,8 @@
         </p:blipFill>
         <p:spPr>
           <a:xfrm>
-            <a:off x="769632" y="16512559"/>
-            <a:ext cx="9047000" cy="5548384"/>
+            <a:off x="769632" y="16055358"/>
+            <a:ext cx="9441168" cy="6144242"/>
           </a:xfrm>
           <a:prstGeom prst="rect">
             <a:avLst/>
@@ -7206,13 +7212,13 @@
           <p:nvPr/>
         </p:nvPicPr>
         <p:blipFill rotWithShape="1">
-          <a:blip r:embed="rId9"/>
+          <a:blip r:embed="rId8"/>
           <a:srcRect t="11010"/>
           <a:stretch/>
         </p:blipFill>
         <p:spPr>
           <a:xfrm>
-            <a:off x="28349749" y="27652118"/>
+            <a:off x="29010149" y="27652118"/>
             <a:ext cx="2579074" cy="4562897"/>
           </a:xfrm>
           <a:prstGeom prst="rect">
@@ -7259,7 +7265,7 @@
         </p:nvSpPr>
         <p:spPr>
           <a:xfrm>
-            <a:off x="28438239" y="27032899"/>
+            <a:off x="29219280" y="27032899"/>
             <a:ext cx="2579074" cy="630942"/>
           </a:xfrm>
           <a:prstGeom prst="rect">
@@ -7293,7 +7299,7 @@
         </p:nvSpPr>
         <p:spPr>
           <a:xfrm>
-            <a:off x="21975097" y="27032899"/>
+            <a:off x="22635497" y="27032899"/>
             <a:ext cx="2579074" cy="630942"/>
           </a:xfrm>
           <a:prstGeom prst="rect">
@@ -7324,14 +7330,14 @@
           <p:nvPr/>
         </p:nvPicPr>
         <p:blipFill>
-          <a:blip r:embed="rId10"/>
+          <a:blip r:embed="rId9"/>
           <a:stretch>
             <a:fillRect/>
           </a:stretch>
         </p:blipFill>
         <p:spPr>
           <a:xfrm>
-            <a:off x="21975097" y="27575350"/>
+            <a:off x="22635497" y="27575350"/>
             <a:ext cx="6197671" cy="4728594"/>
           </a:xfrm>
           <a:prstGeom prst="rect">
@@ -7348,7 +7354,7 @@
           <p:nvPr/>
         </p:nvPicPr>
         <p:blipFill>
-          <a:blip r:embed="rId11">
+          <a:blip r:embed="rId10">
             <a:extLst>
               <a:ext uri="{28A0092B-C50C-407E-A947-70E740481C1C}">
                 <a14:useLocalDpi xmlns:a14="http://schemas.microsoft.com/office/drawing/2010/main" val="0"/>
@@ -7361,7 +7367,7 @@
         </p:blipFill>
         <p:spPr>
           <a:xfrm>
-            <a:off x="11331731" y="17295180"/>
+            <a:off x="12296931" y="17295180"/>
             <a:ext cx="10663111" cy="7993839"/>
           </a:xfrm>
           <a:prstGeom prst="rect">

--- a/poster updated.pptx
+++ b/poster updated.pptx
@@ -109,7 +109,7 @@
   </p:defaultTextStyle>
   <p:extLst>
     <p:ext uri="{EFAFB233-063F-42B5-8137-9DF3F51BA10A}">
-      <p15:sldGuideLst xmlns:p15="http://schemas.microsoft.com/office/powerpoint/2012/main" xmlns="">
+      <p15:sldGuideLst xmlns:p15="http://schemas.microsoft.com/office/powerpoint/2012/main">
         <p15:guide id="1" orient="horz" pos="10368">
           <p15:clr>
             <a:srgbClr val="A4A3A4"/>
@@ -208,7 +208,7 @@
           <a:p>
             <a:fld id="{D19B32DB-0F28-FC4A-87A9-46B3392B9C77}" type="datetimeFigureOut">
               <a:rPr lang="en-US" smtClean="0"/>
-              <a:t>7/18/16</a:t>
+              <a:t>7/19/16</a:t>
             </a:fld>
             <a:endParaRPr lang="es-ES_tradnl"/>
           </a:p>
@@ -741,7 +741,7 @@
           <a:p>
             <a:fld id="{93017D5F-D1C9-1F49-8C24-32103320D25C}" type="datetimeFigureOut">
               <a:rPr lang="en-US" smtClean="0"/>
-              <a:t>7/18/16</a:t>
+              <a:t>7/19/16</a:t>
             </a:fld>
             <a:endParaRPr lang="es-ES_tradnl"/>
           </a:p>
@@ -911,7 +911,7 @@
           <a:p>
             <a:fld id="{93017D5F-D1C9-1F49-8C24-32103320D25C}" type="datetimeFigureOut">
               <a:rPr lang="en-US" smtClean="0"/>
-              <a:t>7/18/16</a:t>
+              <a:t>7/19/16</a:t>
             </a:fld>
             <a:endParaRPr lang="es-ES_tradnl"/>
           </a:p>
@@ -1091,7 +1091,7 @@
           <a:p>
             <a:fld id="{93017D5F-D1C9-1F49-8C24-32103320D25C}" type="datetimeFigureOut">
               <a:rPr lang="en-US" smtClean="0"/>
-              <a:t>7/18/16</a:t>
+              <a:t>7/19/16</a:t>
             </a:fld>
             <a:endParaRPr lang="es-ES_tradnl"/>
           </a:p>
@@ -1261,7 +1261,7 @@
           <a:p>
             <a:fld id="{93017D5F-D1C9-1F49-8C24-32103320D25C}" type="datetimeFigureOut">
               <a:rPr lang="en-US" smtClean="0"/>
-              <a:t>7/18/16</a:t>
+              <a:t>7/19/16</a:t>
             </a:fld>
             <a:endParaRPr lang="es-ES_tradnl"/>
           </a:p>
@@ -1507,7 +1507,7 @@
           <a:p>
             <a:fld id="{93017D5F-D1C9-1F49-8C24-32103320D25C}" type="datetimeFigureOut">
               <a:rPr lang="en-US" smtClean="0"/>
-              <a:t>7/18/16</a:t>
+              <a:t>7/19/16</a:t>
             </a:fld>
             <a:endParaRPr lang="es-ES_tradnl"/>
           </a:p>
@@ -1795,7 +1795,7 @@
           <a:p>
             <a:fld id="{93017D5F-D1C9-1F49-8C24-32103320D25C}" type="datetimeFigureOut">
               <a:rPr lang="en-US" smtClean="0"/>
-              <a:t>7/18/16</a:t>
+              <a:t>7/19/16</a:t>
             </a:fld>
             <a:endParaRPr lang="es-ES_tradnl"/>
           </a:p>
@@ -2222,7 +2222,7 @@
           <a:p>
             <a:fld id="{93017D5F-D1C9-1F49-8C24-32103320D25C}" type="datetimeFigureOut">
               <a:rPr lang="en-US" smtClean="0"/>
-              <a:t>7/18/16</a:t>
+              <a:t>7/19/16</a:t>
             </a:fld>
             <a:endParaRPr lang="es-ES_tradnl"/>
           </a:p>
@@ -2340,7 +2340,7 @@
           <a:p>
             <a:fld id="{93017D5F-D1C9-1F49-8C24-32103320D25C}" type="datetimeFigureOut">
               <a:rPr lang="en-US" smtClean="0"/>
-              <a:t>7/18/16</a:t>
+              <a:t>7/19/16</a:t>
             </a:fld>
             <a:endParaRPr lang="es-ES_tradnl"/>
           </a:p>
@@ -2435,7 +2435,7 @@
           <a:p>
             <a:fld id="{93017D5F-D1C9-1F49-8C24-32103320D25C}" type="datetimeFigureOut">
               <a:rPr lang="en-US" smtClean="0"/>
-              <a:t>7/18/16</a:t>
+              <a:t>7/19/16</a:t>
             </a:fld>
             <a:endParaRPr lang="es-ES_tradnl"/>
           </a:p>
@@ -2712,7 +2712,7 @@
           <a:p>
             <a:fld id="{93017D5F-D1C9-1F49-8C24-32103320D25C}" type="datetimeFigureOut">
               <a:rPr lang="en-US" smtClean="0"/>
-              <a:t>7/18/16</a:t>
+              <a:t>7/19/16</a:t>
             </a:fld>
             <a:endParaRPr lang="es-ES_tradnl"/>
           </a:p>
@@ -2965,7 +2965,7 @@
           <a:p>
             <a:fld id="{93017D5F-D1C9-1F49-8C24-32103320D25C}" type="datetimeFigureOut">
               <a:rPr lang="en-US" smtClean="0"/>
-              <a:t>7/18/16</a:t>
+              <a:t>7/19/16</a:t>
             </a:fld>
             <a:endParaRPr lang="es-ES_tradnl"/>
           </a:p>
@@ -3178,7 +3178,7 @@
           <a:p>
             <a:fld id="{93017D5F-D1C9-1F49-8C24-32103320D25C}" type="datetimeFigureOut">
               <a:rPr lang="en-US" smtClean="0"/>
-              <a:t>7/18/16</a:t>
+              <a:t>7/19/16</a:t>
             </a:fld>
             <a:endParaRPr lang="es-ES_tradnl"/>
           </a:p>
@@ -3569,7 +3569,7 @@
         </p:nvGrpSpPr>
         <p:grpSpPr>
           <a:xfrm>
-            <a:off x="22147242" y="7502963"/>
+            <a:off x="21182042" y="7502963"/>
             <a:ext cx="9726772" cy="8997710"/>
             <a:chOff x="11750874" y="14341897"/>
             <a:chExt cx="9016227" cy="8265995"/>
@@ -3850,7 +3850,7 @@
         </p:nvSpPr>
         <p:spPr>
           <a:xfrm>
-            <a:off x="647695" y="22572924"/>
+            <a:off x="647695" y="22420524"/>
             <a:ext cx="3791376" cy="3803406"/>
           </a:xfrm>
           <a:prstGeom prst="ellipse">
@@ -3908,7 +3908,7 @@
         </p:nvSpPr>
         <p:spPr>
           <a:xfrm>
-            <a:off x="33540791" y="6014003"/>
+            <a:off x="33235991" y="6014003"/>
             <a:ext cx="3791376" cy="3803406"/>
           </a:xfrm>
           <a:prstGeom prst="ellipse">
@@ -4011,7 +4011,7 @@
         <p:spPr>
           <a:xfrm>
             <a:off x="1114145" y="6996190"/>
-            <a:ext cx="9557186" cy="25945554"/>
+            <a:ext cx="8985731" cy="26314888"/>
           </a:xfrm>
           <a:prstGeom prst="rect">
             <a:avLst/>
@@ -4210,12 +4210,6 @@
             </a:endParaRPr>
           </a:p>
           <a:p>
-            <a:endParaRPr lang="en-US" sz="4800" b="1" dirty="0" smtClean="0">
-              <a:latin typeface="Garamond"/>
-              <a:cs typeface="Garamond"/>
-            </a:endParaRPr>
-          </a:p>
-          <a:p>
             <a:endParaRPr lang="en-US" sz="4800" b="1" dirty="0">
               <a:latin typeface="Garamond"/>
               <a:cs typeface="Garamond"/>
@@ -4269,7 +4263,21 @@
                 <a:latin typeface="Garamond"/>
                 <a:cs typeface="Garamond"/>
               </a:rPr>
-              <a:t> conducted by the CDC every year. Each survey cycle consists of two years and attempts to obtain a representative sample of the United States’ population. </a:t>
+              <a:t> conducted by the CDC every year. Each survey cycle consists of two years and attempts to obtain a representative sample of the United </a:t>
+            </a:r>
+            <a:r>
+              <a:rPr lang="en-US" sz="3600" dirty="0" smtClean="0">
+                <a:latin typeface="Garamond"/>
+                <a:cs typeface="Garamond"/>
+              </a:rPr>
+              <a:t>States </a:t>
+            </a:r>
+            <a:r>
+              <a:rPr lang="en-US" sz="3600" dirty="0">
+                <a:latin typeface="Garamond"/>
+                <a:cs typeface="Garamond"/>
+              </a:rPr>
+              <a:t>population. </a:t>
             </a:r>
             <a:r>
               <a:rPr lang="en-US" sz="3600" dirty="0" smtClean="0">
@@ -4447,8 +4455,8 @@
         </p:nvSpPr>
         <p:spPr>
           <a:xfrm>
-            <a:off x="12157059" y="1031898"/>
-            <a:ext cx="19577083" cy="3046988"/>
+            <a:off x="3809720" y="270042"/>
+            <a:ext cx="36333483" cy="4339650"/>
           </a:xfrm>
           <a:prstGeom prst="rect">
             <a:avLst/>
@@ -4463,7 +4471,7 @@
           <a:p>
             <a:pPr algn="ctr"/>
             <a:r>
-              <a:rPr lang="en-US" sz="9600" dirty="0" smtClean="0">
+              <a:rPr lang="en-US" sz="13800" dirty="0" smtClean="0">
                 <a:solidFill>
                   <a:srgbClr val="FFC400"/>
                 </a:solidFill>
@@ -4483,7 +4491,7 @@
         </p:nvGrpSpPr>
         <p:grpSpPr>
           <a:xfrm>
-            <a:off x="13304266" y="6634834"/>
+            <a:off x="12339066" y="6634834"/>
             <a:ext cx="19211128" cy="3046988"/>
             <a:chOff x="12339066" y="6537299"/>
             <a:chExt cx="19211128" cy="3046988"/>
@@ -4600,558 +4608,132 @@
         </p:nvGrpSpPr>
         <p:grpSpPr>
           <a:xfrm>
-            <a:off x="13304266" y="25794496"/>
-            <a:ext cx="19211128" cy="7955704"/>
+            <a:off x="12339066" y="25794496"/>
+            <a:ext cx="19211128" cy="6832640"/>
             <a:chOff x="12339066" y="24281160"/>
-            <a:chExt cx="19211128" cy="7955704"/>
+            <a:chExt cx="19211128" cy="6832640"/>
           </a:xfrm>
         </p:grpSpPr>
-        <mc:AlternateContent xmlns:mc="http://schemas.openxmlformats.org/markup-compatibility/2006" xmlns:a14="http://schemas.microsoft.com/office/drawing/2010/main">
-          <mc:Choice Requires="a14">
-            <p:sp>
-              <p:nvSpPr>
-                <p:cNvPr id="17" name="TextBox 16"/>
-                <p:cNvSpPr txBox="1"/>
-                <p:nvPr/>
-              </p:nvSpPr>
-              <p:spPr>
-                <a:xfrm>
-                  <a:off x="12339066" y="24281160"/>
-                  <a:ext cx="19211128" cy="7955704"/>
-                </a:xfrm>
-                <a:prstGeom prst="rect">
-                  <a:avLst/>
-                </a:prstGeom>
-                <a:noFill/>
-              </p:spPr>
-              <p:txBody>
-                <a:bodyPr wrap="square" rtlCol="0">
-                  <a:spAutoFit/>
-                </a:bodyPr>
-                <a:lstStyle/>
-                <a:p>
-                  <a:r>
-                    <a:rPr lang="en-US" sz="6600" b="1" dirty="0" smtClean="0">
-                      <a:latin typeface="Garamond"/>
-                      <a:cs typeface="Garamond"/>
-                    </a:rPr>
-                    <a:t>Results </a:t>
-                  </a:r>
-                  <a:endParaRPr lang="en-US" sz="6600" dirty="0">
-                    <a:latin typeface="Garamond"/>
-                    <a:cs typeface="Garamond"/>
-                  </a:endParaRPr>
-                </a:p>
-                <a:p>
-                  <a:endParaRPr lang="en-US" sz="3600" dirty="0" smtClean="0">
-                    <a:solidFill>
-                      <a:srgbClr val="001B3C"/>
-                    </a:solidFill>
-                    <a:latin typeface="Garamond"/>
-                    <a:cs typeface="Garamond"/>
-                  </a:endParaRPr>
-                </a:p>
-                <a:p>
-                  <a:r>
-                    <a:rPr lang="en-US" sz="3600" b="1" dirty="0" smtClean="0">
-                      <a:solidFill>
-                        <a:srgbClr val="001B3C"/>
-                      </a:solidFill>
-                      <a:latin typeface="Garamond"/>
-                      <a:cs typeface="Garamond"/>
-                    </a:rPr>
-                    <a:t>Multiple Linear Regression Model:</a:t>
-                  </a:r>
-                </a:p>
-                <a:p>
-                  <a:r>
-                    <a:rPr lang="en-US" sz="3600" dirty="0" smtClean="0">
-                      <a:solidFill>
-                        <a:srgbClr val="001B3C"/>
-                      </a:solidFill>
-                      <a:latin typeface="Garamond"/>
-                      <a:cs typeface="Garamond"/>
-                    </a:rPr>
-                    <a:t> eGFR ~ Hypertension + Gender + Diabetes</a:t>
-                  </a:r>
-                </a:p>
-                <a:p>
-                  <a:r>
-                    <a:rPr lang="en-US" sz="3600" dirty="0" smtClean="0">
-                      <a:solidFill>
-                        <a:srgbClr val="001B3C"/>
-                      </a:solidFill>
-                      <a:latin typeface="Garamond"/>
-                      <a:cs typeface="Garamond"/>
-                    </a:rPr>
-                    <a:t> + Race + Age Group</a:t>
-                  </a:r>
-                </a:p>
-                <a:p>
-                  <a14:m>
-                    <m:oMathPara xmlns:m="http://schemas.openxmlformats.org/officeDocument/2006/math" xmlns="">
-                      <m:oMathParaPr>
-                        <m:jc m:val="left"/>
-                      </m:oMathParaPr>
-                      <m:oMath xmlns:m="http://schemas.openxmlformats.org/officeDocument/2006/math">
-                        <m:acc>
-                          <m:accPr>
-                            <m:chr m:val="̂"/>
-                            <m:ctrlPr>
-                              <a:rPr lang="en-US" sz="3600" i="1">
-                                <a:latin typeface="Cambria Math" charset="0"/>
-                              </a:rPr>
-                            </m:ctrlPr>
-                          </m:accPr>
-                          <m:e>
-                            <m:r>
-                              <a:rPr lang="en-US" sz="3600" b="0" i="1">
-                                <a:latin typeface="Cambria Math" charset="0"/>
-                              </a:rPr>
-                              <m:t>𝑌</m:t>
-                            </m:r>
-                          </m:e>
-                        </m:acc>
-                        <m:r>
-                          <a:rPr lang="en-US" sz="3600" b="0" i="1">
-                            <a:latin typeface="Cambria Math" charset="0"/>
-                          </a:rPr>
-                          <m:t>=</m:t>
-                        </m:r>
-                        <m:sSub>
-                          <m:sSubPr>
-                            <m:ctrlPr>
-                              <a:rPr lang="en-US" sz="3600" i="1">
-                                <a:latin typeface="Cambria Math" charset="0"/>
-                              </a:rPr>
-                            </m:ctrlPr>
-                          </m:sSubPr>
-                          <m:e>
-                            <m:r>
-                              <a:rPr lang="en-US" sz="3600" b="0" i="1">
-                                <a:latin typeface="Cambria Math" charset="0"/>
-                                <a:ea typeface="Cambria Math" charset="0"/>
-                                <a:cs typeface="Cambria Math" charset="0"/>
-                              </a:rPr>
-                              <m:t>𝛽</m:t>
-                            </m:r>
-                          </m:e>
-                          <m:sub>
-                            <m:r>
-                              <a:rPr lang="en-US" sz="3600" b="0" i="1">
-                                <a:latin typeface="Cambria Math" charset="0"/>
-                              </a:rPr>
-                              <m:t>0</m:t>
-                            </m:r>
-                          </m:sub>
-                        </m:sSub>
-                        <m:r>
-                          <a:rPr lang="en-US" sz="3600" b="0" i="1">
-                            <a:latin typeface="Cambria Math" charset="0"/>
-                          </a:rPr>
-                          <m:t>+</m:t>
-                        </m:r>
-                        <m:sSub>
-                          <m:sSubPr>
-                            <m:ctrlPr>
-                              <a:rPr lang="en-US" sz="3600" i="1">
-                                <a:latin typeface="Cambria Math" charset="0"/>
-                                <a:ea typeface="Cambria Math" charset="0"/>
-                                <a:cs typeface="Cambria Math" charset="0"/>
-                              </a:rPr>
-                            </m:ctrlPr>
-                          </m:sSubPr>
-                          <m:e>
-                            <m:r>
-                              <a:rPr lang="en-US" sz="3600" b="0" i="1">
-                                <a:latin typeface="Cambria Math" charset="0"/>
-                                <a:ea typeface="Cambria Math" charset="0"/>
-                                <a:cs typeface="Cambria Math" charset="0"/>
-                              </a:rPr>
-                              <m:t>𝛽</m:t>
-                            </m:r>
-                          </m:e>
-                          <m:sub>
-                            <m:r>
-                              <a:rPr lang="en-US" sz="3600" b="0" i="1">
-                                <a:latin typeface="Cambria Math" charset="0"/>
-                                <a:ea typeface="Cambria Math" charset="0"/>
-                                <a:cs typeface="Cambria Math" charset="0"/>
-                              </a:rPr>
-                              <m:t>1</m:t>
-                            </m:r>
-                          </m:sub>
-                        </m:sSub>
-                        <m:sSub>
-                          <m:sSubPr>
-                            <m:ctrlPr>
-                              <a:rPr lang="en-US" sz="3600" i="1">
-                                <a:latin typeface="Cambria Math" charset="0"/>
-                                <a:ea typeface="Cambria Math" charset="0"/>
-                                <a:cs typeface="Cambria Math" charset="0"/>
-                              </a:rPr>
-                            </m:ctrlPr>
-                          </m:sSubPr>
-                          <m:e>
-                            <m:r>
-                              <a:rPr lang="en-US" sz="3600" b="0" i="1">
-                                <a:latin typeface="Cambria Math" charset="0"/>
-                                <a:ea typeface="Cambria Math" charset="0"/>
-                                <a:cs typeface="Cambria Math" charset="0"/>
-                              </a:rPr>
-                              <m:t>𝑥</m:t>
-                            </m:r>
-                          </m:e>
-                          <m:sub>
-                            <m:r>
-                              <a:rPr lang="en-US" sz="3600" b="0" i="1">
-                                <a:latin typeface="Cambria Math" charset="0"/>
-                                <a:ea typeface="Cambria Math" charset="0"/>
-                                <a:cs typeface="Cambria Math" charset="0"/>
-                              </a:rPr>
-                              <m:t>1</m:t>
-                            </m:r>
-                          </m:sub>
-                        </m:sSub>
-                        <m:r>
-                          <a:rPr lang="en-US" sz="3600" b="0" i="1">
-                            <a:latin typeface="Cambria Math" charset="0"/>
-                            <a:ea typeface="Cambria Math" charset="0"/>
-                            <a:cs typeface="Cambria Math" charset="0"/>
-                          </a:rPr>
-                          <m:t>+</m:t>
-                        </m:r>
-                        <m:sSub>
-                          <m:sSubPr>
-                            <m:ctrlPr>
-                              <a:rPr lang="en-US" sz="3600" i="1">
-                                <a:latin typeface="Cambria Math" charset="0"/>
-                                <a:ea typeface="Cambria Math" charset="0"/>
-                                <a:cs typeface="Cambria Math" charset="0"/>
-                              </a:rPr>
-                            </m:ctrlPr>
-                          </m:sSubPr>
-                          <m:e>
-                            <m:r>
-                              <a:rPr lang="en-US" sz="3600" b="0" i="1">
-                                <a:latin typeface="Cambria Math" charset="0"/>
-                                <a:ea typeface="Cambria Math" charset="0"/>
-                                <a:cs typeface="Cambria Math" charset="0"/>
-                              </a:rPr>
-                              <m:t>𝛽</m:t>
-                            </m:r>
-                          </m:e>
-                          <m:sub>
-                            <m:r>
-                              <a:rPr lang="en-US" sz="3600" b="0" i="1">
-                                <a:latin typeface="Cambria Math" charset="0"/>
-                                <a:ea typeface="Cambria Math" charset="0"/>
-                                <a:cs typeface="Cambria Math" charset="0"/>
-                              </a:rPr>
-                              <m:t>2</m:t>
-                            </m:r>
-                          </m:sub>
-                        </m:sSub>
-                        <m:sSub>
-                          <m:sSubPr>
-                            <m:ctrlPr>
-                              <a:rPr lang="en-US" sz="3600" i="1">
-                                <a:latin typeface="Cambria Math" charset="0"/>
-                                <a:ea typeface="Cambria Math" charset="0"/>
-                                <a:cs typeface="Cambria Math" charset="0"/>
-                              </a:rPr>
-                            </m:ctrlPr>
-                          </m:sSubPr>
-                          <m:e>
-                            <m:r>
-                              <a:rPr lang="en-US" sz="3600" b="0" i="1">
-                                <a:latin typeface="Cambria Math" charset="0"/>
-                                <a:ea typeface="Cambria Math" charset="0"/>
-                                <a:cs typeface="Cambria Math" charset="0"/>
-                              </a:rPr>
-                              <m:t>𝑥</m:t>
-                            </m:r>
-                          </m:e>
-                          <m:sub>
-                            <m:r>
-                              <a:rPr lang="en-US" sz="3600" b="0" i="1">
-                                <a:latin typeface="Cambria Math" charset="0"/>
-                                <a:ea typeface="Cambria Math" charset="0"/>
-                                <a:cs typeface="Cambria Math" charset="0"/>
-                              </a:rPr>
-                              <m:t>2</m:t>
-                            </m:r>
-                          </m:sub>
-                        </m:sSub>
-                        <m:r>
-                          <a:rPr lang="en-US" sz="3600" b="0" i="1">
-                            <a:latin typeface="Cambria Math" charset="0"/>
-                            <a:ea typeface="Cambria Math" charset="0"/>
-                            <a:cs typeface="Cambria Math" charset="0"/>
-                          </a:rPr>
-                          <m:t>+ … +</m:t>
-                        </m:r>
-                        <m:sSub>
-                          <m:sSubPr>
-                            <m:ctrlPr>
-                              <a:rPr lang="en-US" sz="3600" i="1">
-                                <a:latin typeface="Cambria Math" charset="0"/>
-                                <a:ea typeface="Cambria Math" charset="0"/>
-                                <a:cs typeface="Cambria Math" charset="0"/>
-                              </a:rPr>
-                            </m:ctrlPr>
-                          </m:sSubPr>
-                          <m:e>
-                            <m:r>
-                              <a:rPr lang="en-US" sz="3600" b="0" i="1">
-                                <a:latin typeface="Cambria Math" charset="0"/>
-                                <a:ea typeface="Cambria Math" charset="0"/>
-                                <a:cs typeface="Cambria Math" charset="0"/>
-                              </a:rPr>
-                              <m:t>𝛽</m:t>
-                            </m:r>
-                          </m:e>
-                          <m:sub>
-                            <m:r>
-                              <a:rPr lang="en-US" sz="3600" b="0" i="1">
-                                <a:latin typeface="Cambria Math" charset="0"/>
-                                <a:ea typeface="Cambria Math" charset="0"/>
-                                <a:cs typeface="Cambria Math" charset="0"/>
-                              </a:rPr>
-                              <m:t>𝑖</m:t>
-                            </m:r>
-                          </m:sub>
-                        </m:sSub>
-                        <m:sSub>
-                          <m:sSubPr>
-                            <m:ctrlPr>
-                              <a:rPr lang="en-US" sz="3600" i="1">
-                                <a:latin typeface="Cambria Math" charset="0"/>
-                                <a:ea typeface="Cambria Math" charset="0"/>
-                                <a:cs typeface="Cambria Math" charset="0"/>
-                              </a:rPr>
-                            </m:ctrlPr>
-                          </m:sSubPr>
-                          <m:e>
-                            <m:r>
-                              <a:rPr lang="en-US" sz="3600" b="0" i="1">
-                                <a:latin typeface="Cambria Math" charset="0"/>
-                                <a:ea typeface="Cambria Math" charset="0"/>
-                                <a:cs typeface="Cambria Math" charset="0"/>
-                              </a:rPr>
-                              <m:t>𝑥</m:t>
-                            </m:r>
-                          </m:e>
-                          <m:sub>
-                            <m:r>
-                              <a:rPr lang="en-US" sz="3600" b="0" i="1">
-                                <a:latin typeface="Cambria Math" charset="0"/>
-                                <a:ea typeface="Cambria Math" charset="0"/>
-                                <a:cs typeface="Cambria Math" charset="0"/>
-                              </a:rPr>
-                              <m:t>𝑖</m:t>
-                            </m:r>
-                          </m:sub>
-                        </m:sSub>
-                        <m:r>
-                          <a:rPr lang="en-US" sz="3600" b="0" i="1">
-                            <a:latin typeface="Cambria Math" charset="0"/>
-                            <a:ea typeface="Cambria Math" charset="0"/>
-                            <a:cs typeface="Cambria Math" charset="0"/>
-                          </a:rPr>
-                          <m:t>+ </m:t>
-                        </m:r>
-                        <m:sSub>
-                          <m:sSubPr>
-                            <m:ctrlPr>
-                              <a:rPr lang="en-US" sz="3600" i="1">
-                                <a:latin typeface="Cambria Math" charset="0"/>
-                                <a:ea typeface="Cambria Math" charset="0"/>
-                                <a:cs typeface="Cambria Math" charset="0"/>
-                              </a:rPr>
-                            </m:ctrlPr>
-                          </m:sSubPr>
-                          <m:e>
-                            <m:r>
-                              <a:rPr lang="en-US" sz="3600" b="0" i="1">
-                                <a:latin typeface="Cambria Math" charset="0"/>
-                                <a:ea typeface="Cambria Math" charset="0"/>
-                                <a:cs typeface="Cambria Math" charset="0"/>
-                              </a:rPr>
-                              <m:t>𝜀</m:t>
-                            </m:r>
-                          </m:e>
-                          <m:sub>
-                            <m:r>
-                              <a:rPr lang="en-US" sz="3600" b="0" i="1">
-                                <a:latin typeface="Cambria Math" charset="0"/>
-                                <a:ea typeface="Cambria Math" charset="0"/>
-                                <a:cs typeface="Cambria Math" charset="0"/>
-                              </a:rPr>
-                              <m:t>𝑖</m:t>
-                            </m:r>
-                          </m:sub>
-                        </m:sSub>
-                      </m:oMath>
-                    </m:oMathPara>
-                  </a14:m>
-                  <a:endParaRPr lang="en-US" sz="3600" dirty="0"/>
-                </a:p>
-                <a:p>
-                  <a:endParaRPr lang="en-US" sz="3600" dirty="0" smtClean="0">
-                    <a:solidFill>
-                      <a:srgbClr val="001B3C"/>
-                    </a:solidFill>
-                    <a:latin typeface="Garamond"/>
-                    <a:cs typeface="Garamond"/>
-                  </a:endParaRPr>
-                </a:p>
-                <a:p>
-                  <a:r>
-                    <a:rPr lang="en-US" sz="3600" dirty="0" smtClean="0">
-                      <a:solidFill>
-                        <a:srgbClr val="001B3C"/>
-                      </a:solidFill>
-                      <a:latin typeface="Garamond"/>
-                      <a:cs typeface="Garamond"/>
-                    </a:rPr>
-                    <a:t>Valid Observations for Analysis: </a:t>
-                  </a:r>
-                  <a:r>
-                    <a:rPr lang="en-US" sz="3600" b="1" dirty="0" smtClean="0">
-                      <a:solidFill>
-                        <a:srgbClr val="001B3C"/>
-                      </a:solidFill>
-                      <a:latin typeface="Garamond"/>
-                      <a:cs typeface="Garamond"/>
-                    </a:rPr>
-                    <a:t>85%</a:t>
-                  </a:r>
-                  <a:r>
-                    <a:rPr lang="en-US" sz="3600" dirty="0" smtClean="0">
-                      <a:solidFill>
-                        <a:srgbClr val="001B3C"/>
-                      </a:solidFill>
-                      <a:latin typeface="Garamond"/>
-                      <a:cs typeface="Garamond"/>
-                    </a:rPr>
-                    <a:t> (34,332)</a:t>
-                  </a:r>
-                </a:p>
-                <a:p>
-                  <a:r>
-                    <a:rPr lang="en-US" sz="3600" dirty="0" smtClean="0">
-                      <a:solidFill>
-                        <a:srgbClr val="001B3C"/>
-                      </a:solidFill>
-                      <a:latin typeface="Garamond"/>
-                      <a:cs typeface="Garamond"/>
-                    </a:rPr>
-                    <a:t>Mean error: </a:t>
-                  </a:r>
-                  <a:r>
-                    <a:rPr lang="en-US" sz="3600" b="1" dirty="0" smtClean="0">
-                      <a:solidFill>
-                        <a:srgbClr val="001B3C"/>
-                      </a:solidFill>
-                      <a:latin typeface="Garamond"/>
-                      <a:cs typeface="Garamond"/>
-                    </a:rPr>
-                    <a:t>12.902</a:t>
-                  </a:r>
-                </a:p>
-                <a:p>
-                  <a:r>
-                    <a:rPr lang="en-US" sz="3600" dirty="0" smtClean="0">
-                      <a:solidFill>
-                        <a:srgbClr val="001B3C"/>
-                      </a:solidFill>
-                      <a:latin typeface="Garamond"/>
-                      <a:cs typeface="Garamond"/>
-                    </a:rPr>
-                    <a:t>Standard deviation: </a:t>
-                  </a:r>
-                  <a:r>
-                    <a:rPr lang="en-US" sz="3600" b="1" dirty="0" smtClean="0">
-                      <a:solidFill>
-                        <a:srgbClr val="001B3C"/>
-                      </a:solidFill>
-                      <a:latin typeface="Garamond"/>
-                      <a:cs typeface="Garamond"/>
-                    </a:rPr>
-                    <a:t>0.0771</a:t>
-                  </a:r>
-                  <a:endParaRPr lang="en-US" sz="3600" b="1" dirty="0">
-                    <a:solidFill>
-                      <a:srgbClr val="001B3C"/>
-                    </a:solidFill>
-                    <a:latin typeface="Garamond"/>
-                    <a:cs typeface="Garamond"/>
-                  </a:endParaRPr>
-                </a:p>
-                <a:p>
-                  <a:endParaRPr lang="en-US" sz="4000" dirty="0">
-                    <a:latin typeface="Garamond"/>
-                    <a:cs typeface="Garamond"/>
-                  </a:endParaRPr>
-                </a:p>
-                <a:p>
-                  <a:r>
-                    <a:rPr lang="en-US" sz="4000" dirty="0">
-                      <a:latin typeface="Garamond"/>
-                      <a:cs typeface="Garamond"/>
-                    </a:rPr>
-                    <a:t> </a:t>
-                  </a:r>
-                </a:p>
-                <a:p>
-                  <a:endParaRPr lang="es-ES_tradnl" sz="4000" dirty="0">
-                    <a:latin typeface="Garamond"/>
-                    <a:cs typeface="Garamond"/>
-                  </a:endParaRPr>
-                </a:p>
-              </p:txBody>
-            </p:sp>
-          </mc:Choice>
-          <mc:Fallback xmlns="">
-            <p:sp>
-              <p:nvSpPr>
-                <p:cNvPr id="17" name="TextBox 16"/>
-                <p:cNvSpPr txBox="1">
-                  <a:spLocks noRot="1" noChangeAspect="1" noMove="1" noResize="1" noEditPoints="1" noAdjustHandles="1" noChangeArrowheads="1" noChangeShapeType="1" noTextEdit="1"/>
-                </p:cNvSpPr>
-                <p:nvPr/>
-              </p:nvSpPr>
-              <p:spPr>
-                <a:xfrm>
-                  <a:off x="12339066" y="24281160"/>
-                  <a:ext cx="19211128" cy="7955704"/>
-                </a:xfrm>
-                <a:prstGeom prst="rect">
-                  <a:avLst/>
-                </a:prstGeom>
-                <a:blipFill rotWithShape="0">
-                  <a:blip r:embed="rId4"/>
-                  <a:stretch>
-                    <a:fillRect l="-2157" t="-2682"/>
-                  </a:stretch>
-                </a:blipFill>
-              </p:spPr>
-              <p:txBody>
-                <a:bodyPr/>
-                <a:lstStyle/>
-                <a:p>
-                  <a:r>
-                    <a:rPr lang="en-US">
-                      <a:noFill/>
-                    </a:rPr>
-                    <a:t> </a:t>
-                  </a:r>
-                </a:p>
-              </p:txBody>
-            </p:sp>
-          </mc:Fallback>
-        </mc:AlternateContent>
+        <p:sp>
+          <p:nvSpPr>
+            <p:cNvPr id="17" name="TextBox 16"/>
+            <p:cNvSpPr txBox="1"/>
+            <p:nvPr/>
+          </p:nvSpPr>
+          <p:spPr>
+            <a:xfrm>
+              <a:off x="12339066" y="24281160"/>
+              <a:ext cx="19211128" cy="6832640"/>
+            </a:xfrm>
+            <a:prstGeom prst="rect">
+              <a:avLst/>
+            </a:prstGeom>
+            <a:noFill/>
+          </p:spPr>
+          <p:txBody>
+            <a:bodyPr wrap="square" rtlCol="0">
+              <a:spAutoFit/>
+            </a:bodyPr>
+            <a:lstStyle/>
+            <a:p>
+              <a:r>
+                <a:rPr lang="en-US" sz="6600" b="1" dirty="0" smtClean="0">
+                  <a:latin typeface="Garamond"/>
+                  <a:cs typeface="Garamond"/>
+                </a:rPr>
+                <a:t>Results </a:t>
+              </a:r>
+              <a:endParaRPr lang="en-US" sz="6600" dirty="0">
+                <a:latin typeface="Garamond"/>
+                <a:cs typeface="Garamond"/>
+              </a:endParaRPr>
+            </a:p>
+            <a:p>
+              <a:endParaRPr lang="en-US" sz="3600" dirty="0" smtClean="0">
+                <a:solidFill>
+                  <a:srgbClr val="001B3C"/>
+                </a:solidFill>
+                <a:latin typeface="Garamond"/>
+                <a:cs typeface="Garamond"/>
+              </a:endParaRPr>
+            </a:p>
+            <a:p>
+              <a:endParaRPr lang="en-US" sz="3600" dirty="0" smtClean="0">
+                <a:solidFill>
+                  <a:srgbClr val="001B3C"/>
+                </a:solidFill>
+                <a:latin typeface="Garamond"/>
+                <a:cs typeface="Garamond"/>
+              </a:endParaRPr>
+            </a:p>
+            <a:p>
+              <a:endParaRPr lang="en-US" sz="3600" dirty="0">
+                <a:solidFill>
+                  <a:srgbClr val="001B3C"/>
+                </a:solidFill>
+                <a:latin typeface="Garamond"/>
+                <a:cs typeface="Garamond"/>
+              </a:endParaRPr>
+            </a:p>
+            <a:p>
+              <a:endParaRPr lang="en-US" sz="3600" dirty="0" smtClean="0">
+                <a:solidFill>
+                  <a:srgbClr val="001B3C"/>
+                </a:solidFill>
+                <a:latin typeface="Garamond"/>
+                <a:cs typeface="Garamond"/>
+              </a:endParaRPr>
+            </a:p>
+            <a:p>
+              <a:endParaRPr lang="en-US" sz="3600" dirty="0">
+                <a:solidFill>
+                  <a:srgbClr val="001B3C"/>
+                </a:solidFill>
+                <a:latin typeface="Garamond"/>
+                <a:cs typeface="Garamond"/>
+              </a:endParaRPr>
+            </a:p>
+            <a:p>
+              <a:endParaRPr lang="en-US" sz="3600" dirty="0" smtClean="0">
+                <a:solidFill>
+                  <a:srgbClr val="001B3C"/>
+                </a:solidFill>
+                <a:latin typeface="Garamond"/>
+                <a:cs typeface="Garamond"/>
+              </a:endParaRPr>
+            </a:p>
+            <a:p>
+              <a:endParaRPr lang="en-US" sz="3600" dirty="0" smtClean="0">
+                <a:solidFill>
+                  <a:srgbClr val="001B3C"/>
+                </a:solidFill>
+                <a:latin typeface="Garamond"/>
+                <a:cs typeface="Garamond"/>
+              </a:endParaRPr>
+            </a:p>
+            <a:p>
+              <a:endParaRPr lang="en-US" sz="4000" dirty="0">
+                <a:latin typeface="Garamond"/>
+                <a:cs typeface="Garamond"/>
+              </a:endParaRPr>
+            </a:p>
+            <a:p>
+              <a:r>
+                <a:rPr lang="en-US" sz="4000" dirty="0">
+                  <a:latin typeface="Garamond"/>
+                  <a:cs typeface="Garamond"/>
+                </a:rPr>
+                <a:t> </a:t>
+              </a:r>
+            </a:p>
+            <a:p>
+              <a:endParaRPr lang="es-ES_tradnl" sz="4000" dirty="0">
+                <a:latin typeface="Garamond"/>
+                <a:cs typeface="Garamond"/>
+              </a:endParaRPr>
+            </a:p>
+          </p:txBody>
+        </p:sp>
         <p:cxnSp>
           <p:nvCxnSpPr>
             <p:cNvPr id="18" name="Straight Connector 17"/>
@@ -5206,8 +4788,8 @@
         </p:nvSpPr>
         <p:spPr>
           <a:xfrm>
-            <a:off x="33954861" y="7211459"/>
-            <a:ext cx="9573805" cy="26638061"/>
+            <a:off x="33656389" y="7211459"/>
+            <a:ext cx="9618277" cy="27638335"/>
           </a:xfrm>
           <a:prstGeom prst="rect">
             <a:avLst/>
@@ -5254,6 +4836,17 @@
               </a:rPr>
               <a:t> </a:t>
             </a:r>
+          </a:p>
+          <a:p>
+            <a:r>
+              <a:rPr lang="en-US" sz="3600" dirty="0" smtClean="0">
+                <a:latin typeface="Garamond"/>
+                <a:cs typeface="Garamond"/>
+              </a:rPr>
+              <a:t>For NHANES, new individuals are surveyed each year, and geographic location is kept confidential. The inability to track the health of a single person over time prohibited us from performing causation analysis.</a:t>
+            </a:r>
+          </a:p>
+          <a:p>
             <a:endParaRPr lang="en-US" sz="3600" dirty="0">
               <a:latin typeface="Garamond"/>
               <a:cs typeface="Garamond"/>
@@ -5265,37 +4858,7 @@
                 <a:latin typeface="Garamond"/>
                 <a:cs typeface="Garamond"/>
               </a:rPr>
-              <a:t>For NHANES, new individuals are surveyed each year, and geographic location is kept confidential. The inability to track the health of a single person over time prohibited us from performing causation analysis.</a:t>
-            </a:r>
-          </a:p>
-          <a:p>
-            <a:endParaRPr lang="en-US" sz="3600" dirty="0">
-              <a:latin typeface="Garamond"/>
-              <a:cs typeface="Garamond"/>
-            </a:endParaRPr>
-          </a:p>
-          <a:p>
-            <a:r>
-              <a:rPr lang="en-US" sz="3600" dirty="0" smtClean="0">
-                <a:latin typeface="Garamond"/>
-                <a:cs typeface="Garamond"/>
-              </a:rPr>
-              <a:t>While the ‘Survey’ package in R is incredibly helpful at properly weighting each observation, many R functions are not fully supported.</a:t>
-            </a:r>
-          </a:p>
-          <a:p>
-            <a:endParaRPr lang="en-US" sz="3600" dirty="0">
-              <a:latin typeface="Garamond"/>
-              <a:cs typeface="Garamond"/>
-            </a:endParaRPr>
-          </a:p>
-          <a:p>
-            <a:r>
-              <a:rPr lang="en-US" sz="3600" dirty="0" smtClean="0">
-                <a:latin typeface="Garamond"/>
-                <a:cs typeface="Garamond"/>
-              </a:rPr>
-              <a:t>Utilizing bootstrap resampling, we found that the coefficients’ confidence intervals were generally clustered around the one-shot values under our Results section, although the 95% confidence interval for Non-Hispanic Black contained 0. Therefore we are unable to conclusively identify a difference in eGFR for that group.</a:t>
+              <a:t>Utilizing bootstrap resampling, we found that the coefficients’ 95% confidence intervals were generally similar to the experimental values. However, two confidence intervals stood out: the confidence intervals for Non-Hispanic Black, which spanned 0, and diabetes, which was quite wide and had a lower bound very close to 0. Therefore, we are unable to conclusively identify a difference in eGFR for the Non-Hispanic Black group.</a:t>
             </a:r>
           </a:p>
           <a:p>
@@ -5310,7 +4873,14 @@
                 <a:latin typeface="Garamond"/>
                 <a:cs typeface="Garamond"/>
               </a:rPr>
-              <a:t>After removing all observations that contained a missing value for one or more covariates, only 85% were left for analysis. Adding more covariates reduced this number further and we cannot conclude that the data was missing completely at random. Future studies could look at building models to impute missing values.</a:t>
+              <a:t>After removing all observations that contained a missing value for one or more covariates, only 85% were left for analysis. Adding more covariates reduced this number further and we cannot conclude that the data was missing completely at random. Future studies could </a:t>
+            </a:r>
+            <a:r>
+              <a:rPr lang="en-US" sz="3600" dirty="0" smtClean="0">
+                <a:latin typeface="Garamond"/>
+                <a:cs typeface="Garamond"/>
+              </a:rPr>
+              <a:t>explore imputation. </a:t>
             </a:r>
             <a:endParaRPr lang="en-US" sz="3600" b="1" dirty="0" smtClean="0">
               <a:solidFill>
@@ -5321,7 +4891,34 @@
             </a:endParaRPr>
           </a:p>
           <a:p>
-            <a:endParaRPr lang="en-US" sz="3600" b="1" dirty="0">
+            <a:endParaRPr lang="en-US" sz="4000" b="1" dirty="0" smtClean="0">
+              <a:solidFill>
+                <a:srgbClr val="001B3C"/>
+              </a:solidFill>
+              <a:latin typeface="Garamond"/>
+              <a:cs typeface="Garamond"/>
+            </a:endParaRPr>
+          </a:p>
+          <a:p>
+            <a:endParaRPr lang="en-US" sz="4000" b="1" dirty="0">
+              <a:solidFill>
+                <a:srgbClr val="001B3C"/>
+              </a:solidFill>
+              <a:latin typeface="Garamond"/>
+              <a:cs typeface="Garamond"/>
+            </a:endParaRPr>
+          </a:p>
+          <a:p>
+            <a:endParaRPr lang="en-US" sz="4000" b="1" dirty="0" smtClean="0">
+              <a:solidFill>
+                <a:srgbClr val="001B3C"/>
+              </a:solidFill>
+              <a:latin typeface="Garamond"/>
+              <a:cs typeface="Garamond"/>
+            </a:endParaRPr>
+          </a:p>
+          <a:p>
+            <a:endParaRPr lang="en-US" sz="4000" b="1" dirty="0">
               <a:solidFill>
                 <a:srgbClr val="001B3C"/>
               </a:solidFill>
@@ -5349,6 +4946,102 @@
             </a:endParaRPr>
           </a:p>
           <a:p>
+            <a:endParaRPr lang="en-US" sz="4000" dirty="0">
+              <a:latin typeface="Garamond"/>
+              <a:cs typeface="Garamond"/>
+            </a:endParaRPr>
+          </a:p>
+          <a:p>
+            <a:r>
+              <a:rPr lang="en-US" sz="3200" dirty="0" smtClean="0">
+                <a:latin typeface="Garamond"/>
+                <a:cs typeface="Garamond"/>
+              </a:rPr>
+              <a:t>This project would not have been possible without the mentorship of Dr</a:t>
+            </a:r>
+            <a:r>
+              <a:rPr lang="en-US" sz="3200" dirty="0">
+                <a:latin typeface="Garamond"/>
+                <a:cs typeface="Garamond"/>
+              </a:rPr>
+              <a:t>. </a:t>
+            </a:r>
+            <a:r>
+              <a:rPr lang="en-US" sz="3200" dirty="0" err="1">
+                <a:latin typeface="Garamond"/>
+                <a:cs typeface="Garamond"/>
+              </a:rPr>
+              <a:t>Yanming</a:t>
+            </a:r>
+            <a:r>
+              <a:rPr lang="en-US" sz="3200" dirty="0">
+                <a:latin typeface="Garamond"/>
+                <a:cs typeface="Garamond"/>
+              </a:rPr>
+              <a:t> </a:t>
+            </a:r>
+            <a:r>
+              <a:rPr lang="en-US" sz="3200" dirty="0" smtClean="0">
+                <a:latin typeface="Garamond"/>
+                <a:cs typeface="Garamond"/>
+              </a:rPr>
+              <a:t>Li, Dr</a:t>
+            </a:r>
+            <a:r>
+              <a:rPr lang="en-US" sz="3200" dirty="0">
+                <a:latin typeface="Garamond"/>
+                <a:cs typeface="Garamond"/>
+              </a:rPr>
+              <a:t>. </a:t>
+            </a:r>
+            <a:r>
+              <a:rPr lang="en-US" sz="3200" dirty="0" err="1" smtClean="0">
+                <a:latin typeface="Garamond"/>
+                <a:cs typeface="Garamond"/>
+              </a:rPr>
+              <a:t>Jian</a:t>
+            </a:r>
+            <a:r>
+              <a:rPr lang="en-US" sz="3200" dirty="0" smtClean="0">
+                <a:latin typeface="Garamond"/>
+                <a:cs typeface="Garamond"/>
+              </a:rPr>
+              <a:t> Kang, and Dr</a:t>
+            </a:r>
+            <a:r>
+              <a:rPr lang="en-US" sz="3200" dirty="0">
+                <a:latin typeface="Garamond"/>
+                <a:cs typeface="Garamond"/>
+              </a:rPr>
+              <a:t>. Kevin </a:t>
+            </a:r>
+            <a:r>
+              <a:rPr lang="en-US" sz="3200" dirty="0" smtClean="0">
+                <a:latin typeface="Garamond"/>
+                <a:cs typeface="Garamond"/>
+              </a:rPr>
+              <a:t>He and also without the support of the Big </a:t>
+            </a:r>
+            <a:r>
+              <a:rPr lang="en-US" sz="3200" dirty="0">
+                <a:latin typeface="Garamond"/>
+                <a:cs typeface="Garamond"/>
+              </a:rPr>
+              <a:t>Data Summer </a:t>
+            </a:r>
+            <a:r>
+              <a:rPr lang="en-US" sz="3200" dirty="0" smtClean="0">
+                <a:latin typeface="Garamond"/>
+                <a:cs typeface="Garamond"/>
+              </a:rPr>
+              <a:t>Institute. We are very thankful for the opportunity to conduct research at the University of Michigan.</a:t>
+            </a:r>
+            <a:endParaRPr lang="en-US" sz="3200" dirty="0">
+              <a:latin typeface="Garamond"/>
+              <a:cs typeface="Garamond"/>
+            </a:endParaRPr>
+          </a:p>
+          <a:p>
             <a:endParaRPr lang="en-US" sz="2000" dirty="0">
               <a:latin typeface="Garamond"/>
               <a:cs typeface="Garamond"/>
@@ -5356,102 +5049,6 @@
           </a:p>
           <a:p>
             <a:r>
-              <a:rPr lang="en-US" sz="3200" dirty="0" smtClean="0">
-                <a:latin typeface="Garamond"/>
-                <a:cs typeface="Garamond"/>
-              </a:rPr>
-              <a:t>This project would not have been possible without the mentorship of Dr</a:t>
-            </a:r>
-            <a:r>
-              <a:rPr lang="en-US" sz="3200" dirty="0">
-                <a:latin typeface="Garamond"/>
-                <a:cs typeface="Garamond"/>
-              </a:rPr>
-              <a:t>. </a:t>
-            </a:r>
-            <a:r>
-              <a:rPr lang="en-US" sz="3200" dirty="0" err="1">
-                <a:latin typeface="Garamond"/>
-                <a:cs typeface="Garamond"/>
-              </a:rPr>
-              <a:t>Yanming</a:t>
-            </a:r>
-            <a:r>
-              <a:rPr lang="en-US" sz="3200" dirty="0">
-                <a:latin typeface="Garamond"/>
-                <a:cs typeface="Garamond"/>
-              </a:rPr>
-              <a:t> </a:t>
-            </a:r>
-            <a:r>
-              <a:rPr lang="en-US" sz="3200" dirty="0" smtClean="0">
-                <a:latin typeface="Garamond"/>
-                <a:cs typeface="Garamond"/>
-              </a:rPr>
-              <a:t>Li, Dr</a:t>
-            </a:r>
-            <a:r>
-              <a:rPr lang="en-US" sz="3200" dirty="0">
-                <a:latin typeface="Garamond"/>
-                <a:cs typeface="Garamond"/>
-              </a:rPr>
-              <a:t>. </a:t>
-            </a:r>
-            <a:r>
-              <a:rPr lang="en-US" sz="3200" dirty="0" err="1" smtClean="0">
-                <a:latin typeface="Garamond"/>
-                <a:cs typeface="Garamond"/>
-              </a:rPr>
-              <a:t>Jian</a:t>
-            </a:r>
-            <a:r>
-              <a:rPr lang="en-US" sz="3200" dirty="0" smtClean="0">
-                <a:latin typeface="Garamond"/>
-                <a:cs typeface="Garamond"/>
-              </a:rPr>
-              <a:t> Kang, and Dr</a:t>
-            </a:r>
-            <a:r>
-              <a:rPr lang="en-US" sz="3200" dirty="0">
-                <a:latin typeface="Garamond"/>
-                <a:cs typeface="Garamond"/>
-              </a:rPr>
-              <a:t>. Kevin </a:t>
-            </a:r>
-            <a:r>
-              <a:rPr lang="en-US" sz="3200" dirty="0" smtClean="0">
-                <a:latin typeface="Garamond"/>
-                <a:cs typeface="Garamond"/>
-              </a:rPr>
-              <a:t>He and also without the support of the Big </a:t>
-            </a:r>
-            <a:r>
-              <a:rPr lang="en-US" sz="3200" dirty="0">
-                <a:latin typeface="Garamond"/>
-                <a:cs typeface="Garamond"/>
-              </a:rPr>
-              <a:t>Data Summer </a:t>
-            </a:r>
-            <a:r>
-              <a:rPr lang="en-US" sz="3200" dirty="0" smtClean="0">
-                <a:latin typeface="Garamond"/>
-                <a:cs typeface="Garamond"/>
-              </a:rPr>
-              <a:t>Institute. We are very thankful for the opportunity to conduct research at the University of Michigan.</a:t>
-            </a:r>
-            <a:endParaRPr lang="en-US" sz="3200" dirty="0">
-              <a:latin typeface="Garamond"/>
-              <a:cs typeface="Garamond"/>
-            </a:endParaRPr>
-          </a:p>
-          <a:p>
-            <a:endParaRPr lang="en-US" sz="2000" dirty="0">
-              <a:latin typeface="Garamond"/>
-              <a:cs typeface="Garamond"/>
-            </a:endParaRPr>
-          </a:p>
-          <a:p>
-            <a:r>
               <a:rPr lang="en-US" sz="5400" b="1" dirty="0" smtClean="0">
                 <a:solidFill>
                   <a:srgbClr val="001B3C"/>
@@ -5461,8 +5058,6 @@
               </a:rPr>
               <a:t>Citations</a:t>
             </a:r>
-          </a:p>
-          <a:p>
             <a:endParaRPr lang="en-US" sz="1600" dirty="0" smtClean="0">
               <a:solidFill>
                 <a:srgbClr val="001B3C"/>
@@ -5474,7 +5069,7 @@
           <a:p>
             <a:pPr indent="-457200"/>
             <a:r>
-              <a:rPr lang="en-US" sz="1500" dirty="0" smtClean="0">
+              <a:rPr lang="en-US" sz="1600" dirty="0" smtClean="0">
                 <a:solidFill>
                   <a:srgbClr val="001B3C"/>
                 </a:solidFill>
@@ -5486,7 +5081,7 @@
           </a:p>
           <a:p>
             <a:pPr indent="-457200"/>
-            <a:endParaRPr lang="en-US" sz="1000" dirty="0" smtClean="0">
+            <a:endParaRPr lang="en-US" sz="1600" dirty="0" smtClean="0">
               <a:solidFill>
                 <a:srgbClr val="001B3C"/>
               </a:solidFill>
@@ -5497,7 +5092,7 @@
           <a:p>
             <a:pPr indent="-457200"/>
             <a:r>
-              <a:rPr lang="en-US" sz="1500" dirty="0">
+              <a:rPr lang="en-US" sz="1600" dirty="0">
                 <a:solidFill>
                   <a:srgbClr val="001B3C"/>
                 </a:solidFill>
@@ -5507,7 +5102,7 @@
               <a:t>H. Wickham. ggplot2: </a:t>
             </a:r>
             <a:r>
-              <a:rPr lang="en-US" sz="1500" dirty="0" smtClean="0">
+              <a:rPr lang="en-US" sz="1600" dirty="0" smtClean="0">
                 <a:solidFill>
                   <a:srgbClr val="001B3C"/>
                 </a:solidFill>
@@ -5517,7 +5112,7 @@
               <a:t>Elegant </a:t>
             </a:r>
             <a:r>
-              <a:rPr lang="en-US" sz="1500" dirty="0">
+              <a:rPr lang="en-US" sz="1600" dirty="0">
                 <a:solidFill>
                   <a:srgbClr val="001B3C"/>
                 </a:solidFill>
@@ -5527,7 +5122,7 @@
               <a:t>Graphics for Data Analysis</a:t>
             </a:r>
             <a:r>
-              <a:rPr lang="en-US" sz="1500" dirty="0" smtClean="0">
+              <a:rPr lang="en-US" sz="1600" dirty="0" smtClean="0">
                 <a:solidFill>
                   <a:srgbClr val="001B3C"/>
                 </a:solidFill>
@@ -5537,7 +5132,7 @@
               <a:t>. </a:t>
             </a:r>
             <a:r>
-              <a:rPr lang="en-US" sz="1500" dirty="0">
+              <a:rPr lang="en-US" sz="1600" dirty="0">
                 <a:solidFill>
                   <a:srgbClr val="001B3C"/>
                 </a:solidFill>
@@ -5547,7 +5142,7 @@
               <a:t>Springer-</a:t>
             </a:r>
             <a:r>
-              <a:rPr lang="en-US" sz="1500" dirty="0" err="1">
+              <a:rPr lang="en-US" sz="1600" dirty="0" err="1">
                 <a:solidFill>
                   <a:srgbClr val="001B3C"/>
                 </a:solidFill>
@@ -5557,7 +5152,7 @@
               <a:t>Verlag</a:t>
             </a:r>
             <a:r>
-              <a:rPr lang="en-US" sz="1500" dirty="0">
+              <a:rPr lang="en-US" sz="1600" dirty="0">
                 <a:solidFill>
                   <a:srgbClr val="001B3C"/>
                 </a:solidFill>
@@ -5567,7 +5162,7 @@
               <a:t> New York, 2009</a:t>
             </a:r>
             <a:r>
-              <a:rPr lang="en-US" sz="1500" dirty="0" smtClean="0">
+              <a:rPr lang="en-US" sz="1600" dirty="0" smtClean="0">
                 <a:solidFill>
                   <a:srgbClr val="001B3C"/>
                 </a:solidFill>
@@ -5579,7 +5174,7 @@
           </a:p>
           <a:p>
             <a:pPr indent="-457200"/>
-            <a:endParaRPr lang="en-US" sz="1000" dirty="0" smtClean="0">
+            <a:endParaRPr lang="en-US" sz="1600" dirty="0" smtClean="0">
               <a:solidFill>
                 <a:srgbClr val="001B3C"/>
               </a:solidFill>
@@ -5590,7 +5185,7 @@
           <a:p>
             <a:pPr indent="-457200"/>
             <a:r>
-              <a:rPr lang="en-US" sz="1500" dirty="0" smtClean="0">
+              <a:rPr lang="en-US" sz="1600" dirty="0" smtClean="0">
                 <a:solidFill>
                   <a:srgbClr val="001B3C"/>
                 </a:solidFill>
@@ -5600,7 +5195,7 @@
               <a:t>Heike </a:t>
             </a:r>
             <a:r>
-              <a:rPr lang="en-US" sz="1500" dirty="0">
+              <a:rPr lang="en-US" sz="1600" dirty="0">
                 <a:solidFill>
                   <a:srgbClr val="001B3C"/>
                 </a:solidFill>
@@ -5610,7 +5205,7 @@
               <a:t>Hofmann and Marie </a:t>
             </a:r>
             <a:r>
-              <a:rPr lang="en-US" sz="1500" dirty="0" err="1" smtClean="0">
+              <a:rPr lang="en-US" sz="1600" dirty="0" err="1" smtClean="0">
                 <a:solidFill>
                   <a:srgbClr val="001B3C"/>
                 </a:solidFill>
@@ -5620,7 +5215,7 @@
               <a:t>Vendettuoli</a:t>
             </a:r>
             <a:r>
-              <a:rPr lang="en-US" sz="1500" dirty="0" smtClean="0">
+              <a:rPr lang="en-US" sz="1600" dirty="0" smtClean="0">
                 <a:solidFill>
                   <a:srgbClr val="001B3C"/>
                 </a:solidFill>
@@ -5630,7 +5225,7 @@
               <a:t> (</a:t>
             </a:r>
             <a:r>
-              <a:rPr lang="en-US" sz="1500" dirty="0">
+              <a:rPr lang="en-US" sz="1600" dirty="0">
                 <a:solidFill>
                   <a:srgbClr val="001B3C"/>
                 </a:solidFill>
@@ -5640,7 +5235,7 @@
               <a:t>2015). </a:t>
             </a:r>
             <a:r>
-              <a:rPr lang="en-US" sz="1500" dirty="0" err="1">
+              <a:rPr lang="en-US" sz="1600" dirty="0" err="1">
                 <a:solidFill>
                   <a:srgbClr val="001B3C"/>
                 </a:solidFill>
@@ -5650,7 +5245,7 @@
               <a:t>ggparallel</a:t>
             </a:r>
             <a:r>
-              <a:rPr lang="en-US" sz="1500" dirty="0">
+              <a:rPr lang="en-US" sz="1600" dirty="0">
                 <a:solidFill>
                   <a:srgbClr val="001B3C"/>
                 </a:solidFill>
@@ -5660,7 +5255,7 @@
               <a:t>: Variations </a:t>
             </a:r>
             <a:r>
-              <a:rPr lang="en-US" sz="1500" dirty="0" smtClean="0">
+              <a:rPr lang="en-US" sz="1600" dirty="0" smtClean="0">
                 <a:solidFill>
                   <a:srgbClr val="001B3C"/>
                 </a:solidFill>
@@ -5670,7 +5265,7 @@
               <a:t>of </a:t>
             </a:r>
             <a:r>
-              <a:rPr lang="en-US" sz="1500" dirty="0">
+              <a:rPr lang="en-US" sz="1600" dirty="0">
                 <a:solidFill>
                   <a:srgbClr val="001B3C"/>
                 </a:solidFill>
@@ -5680,7 +5275,7 @@
               <a:t>Parallel Coordinate Plots </a:t>
             </a:r>
             <a:r>
-              <a:rPr lang="en-US" sz="1500" dirty="0" smtClean="0">
+              <a:rPr lang="en-US" sz="1600" dirty="0" smtClean="0">
                 <a:solidFill>
                   <a:srgbClr val="001B3C"/>
                 </a:solidFill>
@@ -5690,7 +5285,7 @@
               <a:t>for Categorical </a:t>
             </a:r>
             <a:r>
-              <a:rPr lang="en-US" sz="1500" dirty="0">
+              <a:rPr lang="en-US" sz="1600" dirty="0">
                 <a:solidFill>
                   <a:srgbClr val="001B3C"/>
                 </a:solidFill>
@@ -5700,7 +5295,7 @@
               <a:t>Data. </a:t>
             </a:r>
             <a:r>
-              <a:rPr lang="en-US" sz="1500" dirty="0" smtClean="0">
+              <a:rPr lang="en-US" sz="1600" dirty="0" smtClean="0">
                 <a:solidFill>
                   <a:srgbClr val="001B3C"/>
                 </a:solidFill>
@@ -5712,7 +5307,7 @@
           </a:p>
           <a:p>
             <a:pPr indent="-457200"/>
-            <a:endParaRPr lang="en-US" sz="1000" dirty="0" smtClean="0">
+            <a:endParaRPr lang="en-US" sz="1600" dirty="0" smtClean="0">
               <a:solidFill>
                 <a:srgbClr val="001B3C"/>
               </a:solidFill>
@@ -5723,7 +5318,7 @@
           <a:p>
             <a:pPr indent="-457200"/>
             <a:r>
-              <a:rPr lang="en-US" sz="1500" dirty="0" smtClean="0">
+              <a:rPr lang="en-US" sz="1600" dirty="0" smtClean="0">
                 <a:solidFill>
                   <a:srgbClr val="001B3C"/>
                 </a:solidFill>
@@ -5733,7 +5328,7 @@
               <a:t>Dan </a:t>
             </a:r>
             <a:r>
-              <a:rPr lang="en-US" sz="1500" dirty="0">
+              <a:rPr lang="en-US" sz="1600" dirty="0">
                 <a:solidFill>
                   <a:srgbClr val="001B3C"/>
                 </a:solidFill>
@@ -5743,7 +5338,7 @@
               <a:t>Carr, ported by </a:t>
             </a:r>
             <a:r>
-              <a:rPr lang="en-US" sz="1500" dirty="0" smtClean="0">
+              <a:rPr lang="en-US" sz="1600" dirty="0" smtClean="0">
                 <a:solidFill>
                   <a:srgbClr val="001B3C"/>
                 </a:solidFill>
@@ -5753,7 +5348,7 @@
               <a:t>Nicholas </a:t>
             </a:r>
             <a:r>
-              <a:rPr lang="en-US" sz="1500" dirty="0" err="1" smtClean="0">
+              <a:rPr lang="en-US" sz="1600" dirty="0" err="1" smtClean="0">
                 <a:solidFill>
                   <a:srgbClr val="001B3C"/>
                 </a:solidFill>
@@ -5763,7 +5358,7 @@
               <a:t>Lewin</a:t>
             </a:r>
             <a:r>
-              <a:rPr lang="en-US" sz="1500" dirty="0" err="1">
+              <a:rPr lang="en-US" sz="1600" dirty="0" err="1">
                 <a:solidFill>
                   <a:srgbClr val="001B3C"/>
                 </a:solidFill>
@@ -5773,7 +5368,7 @@
               <a:t>-Koh</a:t>
             </a:r>
             <a:r>
-              <a:rPr lang="en-US" sz="1500" dirty="0">
+              <a:rPr lang="en-US" sz="1600" dirty="0">
                 <a:solidFill>
                   <a:srgbClr val="001B3C"/>
                 </a:solidFill>
@@ -5783,7 +5378,7 @@
               <a:t>, Martin </a:t>
             </a:r>
             <a:r>
-              <a:rPr lang="en-US" sz="1500" dirty="0" err="1">
+              <a:rPr lang="en-US" sz="1600" dirty="0" err="1">
                 <a:solidFill>
                   <a:srgbClr val="001B3C"/>
                 </a:solidFill>
@@ -5793,7 +5388,7 @@
               <a:t>Maechler</a:t>
             </a:r>
             <a:r>
-              <a:rPr lang="en-US" sz="1500" dirty="0">
+              <a:rPr lang="en-US" sz="1600" dirty="0">
                 <a:solidFill>
                   <a:srgbClr val="001B3C"/>
                 </a:solidFill>
@@ -5803,7 +5398,7 @@
               <a:t> </a:t>
             </a:r>
             <a:r>
-              <a:rPr lang="en-US" sz="1500" dirty="0" smtClean="0">
+              <a:rPr lang="en-US" sz="1600" dirty="0" smtClean="0">
                 <a:solidFill>
                   <a:srgbClr val="001B3C"/>
                 </a:solidFill>
@@ -5813,7 +5408,7 @@
               <a:t>and contains </a:t>
             </a:r>
             <a:r>
-              <a:rPr lang="en-US" sz="1500" dirty="0">
+              <a:rPr lang="en-US" sz="1600" dirty="0">
                 <a:solidFill>
                   <a:srgbClr val="001B3C"/>
                 </a:solidFill>
@@ -5823,7 +5418,7 @@
               <a:t>copies of lattice </a:t>
             </a:r>
             <a:r>
-              <a:rPr lang="en-US" sz="1500" dirty="0" smtClean="0">
+              <a:rPr lang="en-US" sz="1600" dirty="0" smtClean="0">
                 <a:solidFill>
                   <a:srgbClr val="001B3C"/>
                 </a:solidFill>
@@ -5833,7 +5428,7 @@
               <a:t>functions written </a:t>
             </a:r>
             <a:r>
-              <a:rPr lang="en-US" sz="1500" dirty="0">
+              <a:rPr lang="en-US" sz="1600" dirty="0">
                 <a:solidFill>
                   <a:srgbClr val="001B3C"/>
                 </a:solidFill>
@@ -5843,7 +5438,7 @@
               <a:t>by </a:t>
             </a:r>
             <a:r>
-              <a:rPr lang="en-US" sz="1500" dirty="0" err="1" smtClean="0">
+              <a:rPr lang="en-US" sz="1600" dirty="0" err="1" smtClean="0">
                 <a:solidFill>
                   <a:srgbClr val="001B3C"/>
                 </a:solidFill>
@@ -5853,7 +5448,7 @@
               <a:t>Deepayan</a:t>
             </a:r>
             <a:r>
-              <a:rPr lang="en-US" sz="1500" dirty="0" smtClean="0">
+              <a:rPr lang="en-US" sz="1600" dirty="0" smtClean="0">
                 <a:solidFill>
                   <a:srgbClr val="001B3C"/>
                 </a:solidFill>
@@ -5863,7 +5458,7 @@
               <a:t> </a:t>
             </a:r>
             <a:r>
-              <a:rPr lang="en-US" sz="1500" dirty="0" err="1" smtClean="0">
+              <a:rPr lang="en-US" sz="1600" dirty="0" err="1" smtClean="0">
                 <a:solidFill>
                   <a:srgbClr val="001B3C"/>
                 </a:solidFill>
@@ -5873,7 +5468,7 @@
               <a:t>Sarkar</a:t>
             </a:r>
             <a:r>
-              <a:rPr lang="en-US" sz="1500" dirty="0">
+              <a:rPr lang="en-US" sz="1600" dirty="0">
                 <a:solidFill>
                   <a:srgbClr val="001B3C"/>
                 </a:solidFill>
@@ -5883,7 +5478,7 @@
               <a:t> </a:t>
             </a:r>
             <a:r>
-              <a:rPr lang="en-US" sz="1500" dirty="0" smtClean="0">
+              <a:rPr lang="en-US" sz="1600" dirty="0" smtClean="0">
                 <a:solidFill>
                   <a:srgbClr val="001B3C"/>
                 </a:solidFill>
@@ -5893,7 +5488,7 @@
               <a:t>(</a:t>
             </a:r>
             <a:r>
-              <a:rPr lang="en-US" sz="1500" dirty="0">
+              <a:rPr lang="en-US" sz="1600" dirty="0">
                 <a:solidFill>
                   <a:srgbClr val="001B3C"/>
                 </a:solidFill>
@@ -5903,7 +5498,7 @@
               <a:t>2015)</a:t>
             </a:r>
             <a:r>
-              <a:rPr lang="en-US" sz="1500" dirty="0" smtClean="0">
+              <a:rPr lang="en-US" sz="1600" dirty="0" smtClean="0">
                 <a:solidFill>
                   <a:srgbClr val="001B3C"/>
                 </a:solidFill>
@@ -5913,7 +5508,7 @@
               <a:t>. </a:t>
             </a:r>
             <a:r>
-              <a:rPr lang="en-US" sz="1500" dirty="0" err="1" smtClean="0">
+              <a:rPr lang="en-US" sz="1600" dirty="0" err="1" smtClean="0">
                 <a:solidFill>
                   <a:srgbClr val="001B3C"/>
                 </a:solidFill>
@@ -5923,7 +5518,7 @@
               <a:t>hexbin</a:t>
             </a:r>
             <a:r>
-              <a:rPr lang="en-US" sz="1500" dirty="0">
+              <a:rPr lang="en-US" sz="1600" dirty="0">
                 <a:solidFill>
                   <a:srgbClr val="001B3C"/>
                 </a:solidFill>
@@ -5933,7 +5528,7 @@
               <a:t>: Hexagonal Binning </a:t>
             </a:r>
             <a:r>
-              <a:rPr lang="en-US" sz="1500" dirty="0" smtClean="0">
+              <a:rPr lang="en-US" sz="1600" dirty="0" smtClean="0">
                 <a:solidFill>
                   <a:srgbClr val="001B3C"/>
                 </a:solidFill>
@@ -5943,7 +5538,7 @@
               <a:t>Routines. R package </a:t>
             </a:r>
             <a:r>
-              <a:rPr lang="en-US" sz="1500" dirty="0">
+              <a:rPr lang="en-US" sz="1600" dirty="0">
                 <a:solidFill>
                   <a:srgbClr val="001B3C"/>
                 </a:solidFill>
@@ -5953,7 +5548,7 @@
               <a:t>version 1.27.1</a:t>
             </a:r>
             <a:r>
-              <a:rPr lang="en-US" sz="1500" dirty="0" smtClean="0">
+              <a:rPr lang="en-US" sz="1600" dirty="0" smtClean="0">
                 <a:solidFill>
                   <a:srgbClr val="001B3C"/>
                 </a:solidFill>
@@ -5965,7 +5560,7 @@
           </a:p>
           <a:p>
             <a:pPr indent="-457200"/>
-            <a:endParaRPr lang="en-US" sz="1000" dirty="0" smtClean="0">
+            <a:endParaRPr lang="en-US" sz="1600" dirty="0" smtClean="0">
               <a:solidFill>
                 <a:srgbClr val="001B3C"/>
               </a:solidFill>
@@ -5976,7 +5571,7 @@
           <a:p>
             <a:pPr indent="-457200"/>
             <a:r>
-              <a:rPr lang="en-US" sz="1500" dirty="0">
+              <a:rPr lang="en-US" sz="1600" dirty="0">
                 <a:solidFill>
                   <a:srgbClr val="001B3C"/>
                 </a:solidFill>
@@ -5986,7 +5581,7 @@
               <a:t>Hadley Wickham (2007). </a:t>
             </a:r>
             <a:r>
-              <a:rPr lang="en-US" sz="1500" dirty="0" smtClean="0">
+              <a:rPr lang="en-US" sz="1600" dirty="0" smtClean="0">
                 <a:solidFill>
                   <a:srgbClr val="001B3C"/>
                 </a:solidFill>
@@ -5996,7 +5591,7 @@
               <a:t>Reshaping Data </a:t>
             </a:r>
             <a:r>
-              <a:rPr lang="en-US" sz="1500" dirty="0">
+              <a:rPr lang="en-US" sz="1600" dirty="0">
                 <a:solidFill>
                   <a:srgbClr val="001B3C"/>
                 </a:solidFill>
@@ -6006,7 +5601,7 @@
               <a:t>with the reshape Package</a:t>
             </a:r>
             <a:r>
-              <a:rPr lang="en-US" sz="1500" dirty="0" smtClean="0">
+              <a:rPr lang="en-US" sz="1600" dirty="0" smtClean="0">
                 <a:solidFill>
                   <a:srgbClr val="001B3C"/>
                 </a:solidFill>
@@ -6016,7 +5611,7 @@
               <a:t>. </a:t>
             </a:r>
             <a:r>
-              <a:rPr lang="en-US" sz="1500" dirty="0">
+              <a:rPr lang="en-US" sz="1600" dirty="0">
                 <a:solidFill>
                   <a:srgbClr val="001B3C"/>
                 </a:solidFill>
@@ -6026,7 +5621,7 @@
               <a:t>Journal of Statistical Software</a:t>
             </a:r>
             <a:r>
-              <a:rPr lang="en-US" sz="1500" dirty="0" smtClean="0">
+              <a:rPr lang="en-US" sz="1600" dirty="0" smtClean="0">
                 <a:solidFill>
                   <a:srgbClr val="001B3C"/>
                 </a:solidFill>
@@ -6036,7 +5631,7 @@
               <a:t>, 21</a:t>
             </a:r>
             <a:r>
-              <a:rPr lang="en-US" sz="1500" dirty="0">
+              <a:rPr lang="en-US" sz="1600" dirty="0">
                 <a:solidFill>
                   <a:srgbClr val="001B3C"/>
                 </a:solidFill>
@@ -6046,7 +5641,7 @@
               <a:t>(12), 1-20</a:t>
             </a:r>
             <a:r>
-              <a:rPr lang="en-US" sz="1500" dirty="0" smtClean="0">
+              <a:rPr lang="en-US" sz="1600" dirty="0" smtClean="0">
                 <a:solidFill>
                   <a:srgbClr val="001B3C"/>
                 </a:solidFill>
@@ -6058,7 +5653,7 @@
           </a:p>
           <a:p>
             <a:pPr indent="-457200"/>
-            <a:endParaRPr lang="en-US" sz="1000" dirty="0" smtClean="0">
+            <a:endParaRPr lang="en-US" sz="1600" dirty="0" smtClean="0">
               <a:solidFill>
                 <a:srgbClr val="001B3C"/>
               </a:solidFill>
@@ -6069,7 +5664,7 @@
           <a:p>
             <a:pPr indent="-457200"/>
             <a:r>
-              <a:rPr lang="en-US" sz="1500" dirty="0" smtClean="0">
+              <a:rPr lang="en-US" sz="1600" dirty="0" smtClean="0">
                 <a:solidFill>
                   <a:srgbClr val="001B3C"/>
                 </a:solidFill>
@@ -6079,7 +5674,7 @@
               <a:t>Winston </a:t>
             </a:r>
             <a:r>
-              <a:rPr lang="en-US" sz="1500" dirty="0">
+              <a:rPr lang="en-US" sz="1600" dirty="0">
                 <a:solidFill>
                   <a:srgbClr val="001B3C"/>
                 </a:solidFill>
@@ -6089,7 +5684,7 @@
               <a:t>Chang, (2014). </a:t>
             </a:r>
             <a:r>
-              <a:rPr lang="en-US" sz="1500" dirty="0" err="1" smtClean="0">
+              <a:rPr lang="en-US" sz="1600" dirty="0" err="1" smtClean="0">
                 <a:solidFill>
                   <a:srgbClr val="001B3C"/>
                 </a:solidFill>
@@ -6099,7 +5694,7 @@
               <a:t>Extrafont</a:t>
             </a:r>
             <a:r>
-              <a:rPr lang="en-US" sz="1500" dirty="0" smtClean="0">
+              <a:rPr lang="en-US" sz="1600" dirty="0" smtClean="0">
                 <a:solidFill>
                   <a:srgbClr val="001B3C"/>
                 </a:solidFill>
@@ -6109,7 +5704,7 @@
               <a:t>: Tools </a:t>
             </a:r>
             <a:r>
-              <a:rPr lang="en-US" sz="1500" dirty="0">
+              <a:rPr lang="en-US" sz="1600" dirty="0">
                 <a:solidFill>
                   <a:srgbClr val="001B3C"/>
                 </a:solidFill>
@@ -6119,7 +5714,7 @@
               <a:t>for using fonts. R </a:t>
             </a:r>
             <a:r>
-              <a:rPr lang="en-US" sz="1500" dirty="0" smtClean="0">
+              <a:rPr lang="en-US" sz="1600" dirty="0" smtClean="0">
                 <a:solidFill>
                   <a:srgbClr val="001B3C"/>
                 </a:solidFill>
@@ -6129,7 +5724,7 @@
               <a:t>package version </a:t>
             </a:r>
             <a:r>
-              <a:rPr lang="en-US" sz="1500" dirty="0">
+              <a:rPr lang="en-US" sz="1600" dirty="0">
                 <a:solidFill>
                   <a:srgbClr val="001B3C"/>
                 </a:solidFill>
@@ -6139,7 +5734,7 @@
               <a:t>0.17</a:t>
             </a:r>
             <a:r>
-              <a:rPr lang="en-US" sz="1500" dirty="0" smtClean="0">
+              <a:rPr lang="en-US" sz="1600" dirty="0" smtClean="0">
                 <a:solidFill>
                   <a:srgbClr val="001B3C"/>
                 </a:solidFill>
@@ -6148,7 +5743,7 @@
               </a:rPr>
               <a:t>.</a:t>
             </a:r>
-            <a:endParaRPr lang="en-US" sz="1500" dirty="0">
+            <a:endParaRPr lang="en-US" sz="1600" dirty="0">
               <a:solidFill>
                 <a:srgbClr val="001B3C"/>
               </a:solidFill>
@@ -6158,7 +5753,7 @@
           </a:p>
           <a:p>
             <a:pPr indent="-457200"/>
-            <a:endParaRPr lang="en-US" sz="1000" dirty="0" smtClean="0">
+            <a:endParaRPr lang="en-US" sz="1600" dirty="0" smtClean="0">
               <a:solidFill>
                 <a:srgbClr val="001B3C"/>
               </a:solidFill>
@@ -6169,7 +5764,7 @@
           <a:p>
             <a:pPr indent="-457200"/>
             <a:r>
-              <a:rPr lang="en-US" sz="1500" dirty="0">
+              <a:rPr lang="en-US" sz="1600" dirty="0">
                 <a:solidFill>
                   <a:srgbClr val="001B3C"/>
                 </a:solidFill>
@@ -6179,7 +5774,7 @@
               <a:t>"Introduction to Volume 1: CKD in the United States." American Journal of Kidney Diseases </a:t>
             </a:r>
             <a:r>
-              <a:rPr lang="en-US" sz="1500" dirty="0" smtClean="0">
+              <a:rPr lang="en-US" sz="1600" dirty="0" smtClean="0">
                 <a:solidFill>
                   <a:srgbClr val="001B3C"/>
                 </a:solidFill>
@@ -6189,7 +5784,7 @@
               <a:t>67.3 (</a:t>
             </a:r>
             <a:r>
-              <a:rPr lang="en-US" sz="1500" dirty="0">
+              <a:rPr lang="en-US" sz="1600" dirty="0">
                 <a:solidFill>
                   <a:srgbClr val="001B3C"/>
                 </a:solidFill>
@@ -6199,7 +5794,7 @@
               <a:t>2016): n. </a:t>
             </a:r>
             <a:r>
-              <a:rPr lang="en-US" sz="1500" dirty="0" err="1">
+              <a:rPr lang="en-US" sz="1600" dirty="0" err="1">
                 <a:solidFill>
                   <a:srgbClr val="001B3C"/>
                 </a:solidFill>
@@ -6209,7 +5804,7 @@
               <a:t>pag</a:t>
             </a:r>
             <a:r>
-              <a:rPr lang="en-US" sz="1500" dirty="0">
+              <a:rPr lang="en-US" sz="1600" dirty="0">
                 <a:solidFill>
                   <a:srgbClr val="001B3C"/>
                 </a:solidFill>
@@ -6219,7 +5814,7 @@
               <a:t>. Web</a:t>
             </a:r>
             <a:r>
-              <a:rPr lang="en-US" sz="1500" dirty="0" smtClean="0">
+              <a:rPr lang="en-US" sz="1600" dirty="0" smtClean="0">
                 <a:solidFill>
                   <a:srgbClr val="001B3C"/>
                 </a:solidFill>
@@ -6231,7 +5826,7 @@
           </a:p>
           <a:p>
             <a:pPr indent="-457200"/>
-            <a:endParaRPr lang="en-US" sz="1000" dirty="0" smtClean="0">
+            <a:endParaRPr lang="en-US" sz="1600" dirty="0" smtClean="0">
               <a:solidFill>
                 <a:srgbClr val="001B3C"/>
               </a:solidFill>
@@ -6241,39 +5836,46 @@
           </a:p>
           <a:p>
             <a:r>
-              <a:rPr lang="en-US" sz="1500" dirty="0">
+              <a:rPr lang="en-US" sz="1600" dirty="0">
                 <a:latin typeface="Garamond"/>
                 <a:cs typeface="Garamond"/>
               </a:rPr>
               <a:t>"UNITED STATES RENAL DATA SYSTEM." USRDS Home Page. </a:t>
             </a:r>
             <a:r>
-              <a:rPr lang="en-US" sz="1500" dirty="0" err="1">
+              <a:rPr lang="en-US" sz="1600" dirty="0" err="1">
                 <a:latin typeface="Garamond"/>
                 <a:cs typeface="Garamond"/>
               </a:rPr>
               <a:t>N.p</a:t>
             </a:r>
             <a:r>
-              <a:rPr lang="en-US" sz="1500" dirty="0">
+              <a:rPr lang="en-US" sz="1600" dirty="0">
                 <a:latin typeface="Garamond"/>
                 <a:cs typeface="Garamond"/>
               </a:rPr>
               <a:t>., </a:t>
             </a:r>
             <a:r>
-              <a:rPr lang="en-US" sz="1500" dirty="0" err="1">
+              <a:rPr lang="en-US" sz="1600" dirty="0" err="1">
                 <a:latin typeface="Garamond"/>
                 <a:cs typeface="Garamond"/>
               </a:rPr>
               <a:t>n.d.</a:t>
             </a:r>
             <a:r>
-              <a:rPr lang="en-US" sz="1500" dirty="0">
-                <a:latin typeface="Garamond"/>
-                <a:cs typeface="Garamond"/>
-              </a:rPr>
-              <a:t> Web. 17 July 2016.</a:t>
+              <a:rPr lang="en-US" sz="1600" dirty="0">
+                <a:latin typeface="Garamond"/>
+                <a:cs typeface="Garamond"/>
+              </a:rPr>
+              <a:t> Web. 17 July 2016</a:t>
+            </a:r>
+            <a:r>
+              <a:rPr lang="en-US" sz="1600" dirty="0" smtClean="0">
+                <a:latin typeface="Garamond"/>
+                <a:cs typeface="Garamond"/>
+              </a:rPr>
+              <a:t>.</a:t>
             </a:r>
           </a:p>
           <a:p>
@@ -6301,7 +5903,7 @@
         </p:nvSpPr>
         <p:spPr>
           <a:xfrm>
-            <a:off x="13406334" y="8331482"/>
+            <a:off x="12441134" y="8331482"/>
             <a:ext cx="7342383" cy="6924973"/>
           </a:xfrm>
           <a:prstGeom prst="rect">
@@ -6467,50 +6069,13 @@
       </p:sp>
       <p:sp>
         <p:nvSpPr>
-          <p:cNvPr id="28" name="TextBox 27"/>
-          <p:cNvSpPr txBox="1"/>
-          <p:nvPr/>
-        </p:nvSpPr>
-        <p:spPr>
-          <a:xfrm>
-            <a:off x="12654331" y="16134372"/>
-            <a:ext cx="8483896" cy="707886"/>
-          </a:xfrm>
-          <a:prstGeom prst="rect">
-            <a:avLst/>
-          </a:prstGeom>
-          <a:noFill/>
-        </p:spPr>
-        <p:txBody>
-          <a:bodyPr wrap="square" rtlCol="0">
-            <a:spAutoFit/>
-          </a:bodyPr>
-          <a:lstStyle/>
-          <a:p>
-            <a:pPr algn="ctr"/>
-            <a:r>
-              <a:rPr lang="en-US" sz="2000" dirty="0" smtClean="0">
-                <a:latin typeface="Garamond"/>
-                <a:cs typeface="Garamond"/>
-              </a:rPr>
-              <a:t>Parallel sets visualization used to understand relationships between categorical variables in multivariate datasets</a:t>
-            </a:r>
-            <a:endParaRPr lang="en-US" sz="2000" dirty="0">
-              <a:latin typeface="Garamond"/>
-              <a:cs typeface="Garamond"/>
-            </a:endParaRPr>
-          </a:p>
-        </p:txBody>
-      </p:sp>
-      <p:sp>
-        <p:nvSpPr>
           <p:cNvPr id="29" name="TextBox 28"/>
           <p:cNvSpPr txBox="1"/>
           <p:nvPr/>
         </p:nvSpPr>
         <p:spPr>
           <a:xfrm>
-            <a:off x="23113500" y="21210262"/>
+            <a:off x="22139979" y="21797991"/>
             <a:ext cx="8392877" cy="5509200"/>
           </a:xfrm>
           <a:prstGeom prst="rect">
@@ -6551,8 +6116,48 @@
                 <a:latin typeface="Garamond"/>
                 <a:cs typeface="Garamond"/>
               </a:rPr>
-              <a:t>Penalize errors on higher-weight observations by weighting errors on specific PSUs by corresponding survey weight to maintain internal consistency.</a:t>
-            </a:r>
+              <a:t>Penalize errors on higher-weight observations by weighting errors on specific PSUs </a:t>
+            </a:r>
+            <a:r>
+              <a:rPr lang="en-US" sz="3600" dirty="0" smtClean="0">
+                <a:latin typeface="Garamond"/>
+                <a:cs typeface="Garamond"/>
+              </a:rPr>
+              <a:t>to </a:t>
+            </a:r>
+            <a:r>
+              <a:rPr lang="en-US" sz="3600" dirty="0" smtClean="0">
+                <a:latin typeface="Garamond"/>
+                <a:cs typeface="Garamond"/>
+              </a:rPr>
+              <a:t>maintain internal consistency</a:t>
+            </a:r>
+            <a:r>
+              <a:rPr lang="en-US" sz="3600" dirty="0" smtClean="0">
+                <a:latin typeface="Garamond"/>
+                <a:cs typeface="Garamond"/>
+              </a:rPr>
+              <a:t>.</a:t>
+            </a:r>
+            <a:r>
+              <a:rPr lang="en-US" sz="3600" b="1" dirty="0">
+                <a:solidFill>
+                  <a:srgbClr val="001B3C"/>
+                </a:solidFill>
+                <a:latin typeface="Garamond"/>
+                <a:cs typeface="Garamond"/>
+              </a:rPr>
+              <a:t> </a:t>
+            </a:r>
+            <a:endParaRPr lang="en-US" sz="3600" b="1" dirty="0" smtClean="0">
+              <a:solidFill>
+                <a:srgbClr val="001B3C"/>
+              </a:solidFill>
+              <a:latin typeface="Garamond"/>
+              <a:cs typeface="Garamond"/>
+            </a:endParaRPr>
+          </a:p>
+          <a:p>
             <a:endParaRPr lang="en-US" sz="3600" dirty="0">
               <a:latin typeface="Garamond"/>
               <a:cs typeface="Garamond"/>
@@ -6570,8 +6175,8 @@
             </p:nvSpPr>
             <p:spPr>
               <a:xfrm>
-                <a:off x="23105179" y="16837980"/>
-                <a:ext cx="8382461" cy="3744230"/>
+                <a:off x="22139979" y="16837980"/>
+                <a:ext cx="8382461" cy="5406224"/>
               </a:xfrm>
               <a:prstGeom prst="rect">
                 <a:avLst/>
@@ -6655,7 +6260,7 @@
                   </a:lnSpc>
                 </a:pPr>
                 <a14:m>
-                  <m:oMathPara xmlns:m="http://schemas.openxmlformats.org/officeDocument/2006/math" xmlns="">
+                  <m:oMathPara xmlns:m="http://schemas.openxmlformats.org/officeDocument/2006/math">
                     <m:oMathParaPr>
                       <m:jc m:val="centerGroup"/>
                     </m:oMathParaPr>
@@ -7007,8 +6612,46 @@
                     <a:latin typeface="Garamond"/>
                     <a:cs typeface="Garamond"/>
                   </a:rPr>
-                  <a:t>Adjust the initial set of variables after finding that some were never significant.</a:t>
+                  <a:t>Test with different initial sets of variables.</a:t>
                 </a:r>
+              </a:p>
+              <a:p>
+                <a:r>
+                  <a:rPr lang="en-US" sz="3600" b="1" dirty="0">
+                    <a:solidFill>
+                      <a:srgbClr val="001B3C"/>
+                    </a:solidFill>
+                    <a:latin typeface="Garamond"/>
+                    <a:cs typeface="Garamond"/>
+                  </a:rPr>
+                  <a:t>Final Multiple Linear Regression Model:</a:t>
+                </a:r>
+              </a:p>
+              <a:p>
+                <a:r>
+                  <a:rPr lang="en-US" sz="3600" dirty="0">
+                    <a:solidFill>
+                      <a:srgbClr val="001B3C"/>
+                    </a:solidFill>
+                    <a:latin typeface="Garamond"/>
+                    <a:cs typeface="Garamond"/>
+                  </a:rPr>
+                  <a:t> eGFR ~ Hypertension + Gender + Diabetes</a:t>
+                </a:r>
+              </a:p>
+              <a:p>
+                <a:r>
+                  <a:rPr lang="en-US" sz="3600" dirty="0">
+                    <a:solidFill>
+                      <a:srgbClr val="001B3C"/>
+                    </a:solidFill>
+                    <a:latin typeface="Garamond"/>
+                    <a:cs typeface="Garamond"/>
+                  </a:rPr>
+                  <a:t> + Race + Age Group</a:t>
+                </a:r>
+              </a:p>
+              <a:p>
                 <a:endParaRPr lang="en-US" sz="3600" dirty="0"/>
               </a:p>
             </p:txBody>
@@ -7025,16 +6668,16 @@
             </p:nvSpPr>
             <p:spPr>
               <a:xfrm>
-                <a:off x="23105179" y="16837980"/>
-                <a:ext cx="8382461" cy="3744230"/>
+                <a:off x="22139979" y="16837980"/>
+                <a:ext cx="8382461" cy="5406224"/>
               </a:xfrm>
               <a:prstGeom prst="rect">
                 <a:avLst/>
               </a:prstGeom>
-              <a:blipFill rotWithShape="1">
-                <a:blip r:embed="rId5"/>
+              <a:blipFill rotWithShape="0">
+                <a:blip r:embed="rId4"/>
                 <a:stretch>
-                  <a:fillRect b="-136098"/>
+                  <a:fillRect l="-2982" t="-2255" r="-1164"/>
                 </a:stretch>
               </a:blipFill>
             </p:spPr>
@@ -7061,7 +6704,7 @@
         </p:nvCxnSpPr>
         <p:spPr>
           <a:xfrm>
-            <a:off x="33954861" y="24462505"/>
+            <a:off x="33669102" y="24611164"/>
             <a:ext cx="9605564" cy="0"/>
           </a:xfrm>
           <a:prstGeom prst="line">
@@ -7106,7 +6749,7 @@
         </p:nvCxnSpPr>
         <p:spPr>
           <a:xfrm>
-            <a:off x="33954861" y="28216641"/>
+            <a:off x="33656389" y="28521441"/>
             <a:ext cx="9605564" cy="0"/>
           </a:xfrm>
           <a:prstGeom prst="line">
@@ -7152,7 +6795,7 @@
           <p:nvPr/>
         </p:nvPicPr>
         <p:blipFill>
-          <a:blip r:embed="rId6">
+          <a:blip r:embed="rId5">
             <a:extLst>
               <a:ext uri="{28A0092B-C50C-407E-A947-70E740481C1C}">
                 <a14:useLocalDpi xmlns:a14="http://schemas.microsoft.com/office/drawing/2010/main" val="0"/>
@@ -7165,7 +6808,7 @@
         </p:blipFill>
         <p:spPr>
           <a:xfrm>
-            <a:off x="40016251" y="1874060"/>
+            <a:off x="40143203" y="1747212"/>
             <a:ext cx="2921201" cy="3189952"/>
           </a:xfrm>
           <a:prstGeom prst="rect">
@@ -7182,7 +6825,7 @@
           <p:nvPr/>
         </p:nvPicPr>
         <p:blipFill>
-          <a:blip r:embed="rId7">
+          <a:blip r:embed="rId6">
             <a:extLst>
               <a:ext uri="{28A0092B-C50C-407E-A947-70E740481C1C}">
                 <a14:useLocalDpi xmlns:a14="http://schemas.microsoft.com/office/drawing/2010/main" val="0"/>
@@ -7195,31 +6838,8 @@
         </p:blipFill>
         <p:spPr>
           <a:xfrm>
-            <a:off x="769632" y="16055358"/>
-            <a:ext cx="9441168" cy="6144242"/>
-          </a:xfrm>
-          <a:prstGeom prst="rect">
-            <a:avLst/>
-          </a:prstGeom>
-        </p:spPr>
-      </p:pic>
-      <p:pic>
-        <p:nvPicPr>
-          <p:cNvPr id="21" name="Picture 20"/>
-          <p:cNvPicPr>
-            <a:picLocks noChangeAspect="1"/>
-          </p:cNvPicPr>
-          <p:nvPr/>
-        </p:nvPicPr>
-        <p:blipFill rotWithShape="1">
-          <a:blip r:embed="rId8"/>
-          <a:srcRect t="11010"/>
-          <a:stretch/>
-        </p:blipFill>
-        <p:spPr>
-          <a:xfrm>
-            <a:off x="29010149" y="27652118"/>
-            <a:ext cx="2579074" cy="4562897"/>
+            <a:off x="769632" y="16512559"/>
+            <a:ext cx="9047000" cy="5548384"/>
           </a:xfrm>
           <a:prstGeom prst="rect">
             <a:avLst/>
@@ -7257,118 +6877,183 @@
           </a:fontRef>
         </p:style>
       </p:cxnSp>
-      <p:sp>
-        <p:nvSpPr>
-          <p:cNvPr id="30" name="TextBox 29"/>
-          <p:cNvSpPr txBox="1"/>
+      <p:pic>
+        <p:nvPicPr>
+          <p:cNvPr id="1026" name="Picture 2" descr="ttps://raw.githubusercontent.com/hertlen/bdsi16ehr/master/Parallel%20Sets.png"/>
+          <p:cNvPicPr>
+            <a:picLocks noChangeAspect="1" noChangeArrowheads="1"/>
+          </p:cNvPicPr>
           <p:nvPr/>
-        </p:nvSpPr>
-        <p:spPr>
+        </p:nvPicPr>
+        <p:blipFill>
+          <a:blip r:embed="rId7">
+            <a:extLst>
+              <a:ext uri="{28A0092B-C50C-407E-A947-70E740481C1C}">
+                <a14:useLocalDpi xmlns:a14="http://schemas.microsoft.com/office/drawing/2010/main" val="0"/>
+              </a:ext>
+            </a:extLst>
+          </a:blip>
+          <a:srcRect/>
+          <a:stretch>
+            <a:fillRect/>
+          </a:stretch>
+        </p:blipFill>
+        <p:spPr bwMode="auto">
           <a:xfrm>
-            <a:off x="29219280" y="27032899"/>
-            <a:ext cx="2579074" cy="630942"/>
+            <a:off x="11384673" y="15697176"/>
+            <a:ext cx="10740981" cy="8052235"/>
           </a:xfrm>
           <a:prstGeom prst="rect">
             <a:avLst/>
           </a:prstGeom>
           <a:noFill/>
+          <a:extLst>
+            <a:ext uri="{909E8E84-426E-40DD-AFC4-6F175D3DCCD1}">
+              <a14:hiddenFill xmlns:a14="http://schemas.microsoft.com/office/drawing/2010/main">
+                <a:solidFill>
+                  <a:srgbClr val="FFFFFF"/>
+                </a:solidFill>
+              </a14:hiddenFill>
+            </a:ext>
+          </a:extLst>
         </p:spPr>
-        <p:txBody>
-          <a:bodyPr wrap="square" rtlCol="0">
-            <a:spAutoFit/>
-          </a:bodyPr>
-          <a:lstStyle/>
-          <a:p>
-            <a:r>
-              <a:rPr lang="en-US" sz="3500" b="1" dirty="0" err="1" smtClean="0"/>
-              <a:t>Pr</a:t>
-            </a:r>
-            <a:r>
-              <a:rPr lang="en-US" sz="3500" b="1" dirty="0" smtClean="0"/>
-              <a:t>(&gt;|t|)</a:t>
-            </a:r>
-            <a:endParaRPr lang="en-US" sz="3500" b="1" dirty="0"/>
-          </a:p>
-        </p:txBody>
-      </p:sp>
-      <p:sp>
-        <p:nvSpPr>
-          <p:cNvPr id="41" name="TextBox 40"/>
-          <p:cNvSpPr txBox="1"/>
-          <p:nvPr/>
-        </p:nvSpPr>
-        <p:spPr>
-          <a:xfrm>
-            <a:off x="22635497" y="27032899"/>
-            <a:ext cx="2579074" cy="630942"/>
-          </a:xfrm>
-          <a:prstGeom prst="rect">
-            <a:avLst/>
-          </a:prstGeom>
-          <a:noFill/>
-        </p:spPr>
-        <p:txBody>
-          <a:bodyPr wrap="square" rtlCol="0">
-            <a:spAutoFit/>
-          </a:bodyPr>
-          <a:lstStyle/>
-          <a:p>
-            <a:r>
-              <a:rPr lang="en-US" sz="3500" b="1" dirty="0" smtClean="0"/>
-              <a:t>Coefficient</a:t>
-            </a:r>
-            <a:endParaRPr lang="en-US" sz="3500" b="1" dirty="0"/>
-          </a:p>
-        </p:txBody>
-      </p:sp>
+      </p:pic>
       <p:pic>
         <p:nvPicPr>
-          <p:cNvPr id="42" name="Picture 41"/>
+          <p:cNvPr id="23" name="Picture 22"/>
           <p:cNvPicPr>
             <a:picLocks noChangeAspect="1"/>
           </p:cNvPicPr>
           <p:nvPr/>
         </p:nvPicPr>
         <p:blipFill>
-          <a:blip r:embed="rId9"/>
+          <a:blip r:embed="rId8"/>
           <a:stretch>
             <a:fillRect/>
           </a:stretch>
         </p:blipFill>
         <p:spPr>
           <a:xfrm>
-            <a:off x="22635497" y="27575350"/>
-            <a:ext cx="6197671" cy="4728594"/>
+            <a:off x="24653755" y="26962264"/>
+            <a:ext cx="5893426" cy="5664872"/>
           </a:xfrm>
           <a:prstGeom prst="rect">
             <a:avLst/>
           </a:prstGeom>
         </p:spPr>
       </p:pic>
+      <p:sp>
+        <p:nvSpPr>
+          <p:cNvPr id="28" name="Rectangle 27"/>
+          <p:cNvSpPr/>
+          <p:nvPr/>
+        </p:nvSpPr>
+        <p:spPr>
+          <a:xfrm>
+            <a:off x="33656389" y="21795470"/>
+            <a:ext cx="17288458" cy="1754326"/>
+          </a:xfrm>
+          <a:prstGeom prst="rect">
+            <a:avLst/>
+          </a:prstGeom>
+        </p:spPr>
+        <p:txBody>
+          <a:bodyPr wrap="square">
+            <a:spAutoFit/>
+          </a:bodyPr>
+          <a:lstStyle/>
+          <a:p>
+            <a:r>
+              <a:rPr lang="en-US" sz="3600" b="1" dirty="0" smtClean="0">
+                <a:solidFill>
+                  <a:srgbClr val="001B3C"/>
+                </a:solidFill>
+                <a:latin typeface="Garamond"/>
+                <a:cs typeface="Garamond"/>
+              </a:rPr>
+              <a:t>10-fold </a:t>
+            </a:r>
+            <a:r>
+              <a:rPr lang="en-US" sz="3600" b="1" dirty="0">
+                <a:solidFill>
+                  <a:srgbClr val="001B3C"/>
+                </a:solidFill>
+                <a:latin typeface="Garamond"/>
+                <a:cs typeface="Garamond"/>
+              </a:rPr>
+              <a:t>Cross-Validation results:</a:t>
+            </a:r>
+          </a:p>
+          <a:p>
+            <a:r>
+              <a:rPr lang="en-US" sz="3600" dirty="0">
+                <a:solidFill>
+                  <a:srgbClr val="001B3C"/>
+                </a:solidFill>
+                <a:latin typeface="Garamond"/>
+                <a:cs typeface="Garamond"/>
+              </a:rPr>
+              <a:t>Root Mean Squared Error: </a:t>
+            </a:r>
+            <a:r>
+              <a:rPr lang="en-US" sz="3600" b="1" dirty="0">
+                <a:solidFill>
+                  <a:srgbClr val="001B3C"/>
+                </a:solidFill>
+                <a:latin typeface="Garamond"/>
+                <a:cs typeface="Garamond"/>
+              </a:rPr>
+              <a:t>12.902</a:t>
+            </a:r>
+          </a:p>
+          <a:p>
+            <a:r>
+              <a:rPr lang="en-US" sz="3600" dirty="0">
+                <a:solidFill>
+                  <a:srgbClr val="001B3C"/>
+                </a:solidFill>
+                <a:latin typeface="Garamond"/>
+                <a:cs typeface="Garamond"/>
+              </a:rPr>
+              <a:t>Root MSE standard deviation: </a:t>
+            </a:r>
+            <a:r>
+              <a:rPr lang="en-US" sz="3600" b="1" dirty="0">
+                <a:solidFill>
+                  <a:srgbClr val="001B3C"/>
+                </a:solidFill>
+                <a:latin typeface="Garamond"/>
+                <a:cs typeface="Garamond"/>
+              </a:rPr>
+              <a:t>0.0771</a:t>
+            </a:r>
+            <a:endParaRPr lang="en-US" sz="3600" b="1" dirty="0">
+              <a:solidFill>
+                <a:srgbClr val="001B3C"/>
+              </a:solidFill>
+              <a:latin typeface="Garamond"/>
+              <a:cs typeface="Garamond"/>
+            </a:endParaRPr>
+          </a:p>
+        </p:txBody>
+      </p:sp>
       <p:pic>
         <p:nvPicPr>
-          <p:cNvPr id="10" name="Picture 9" descr="Screen Shot 2016-07-18 at 3.49.55 PM.png"/>
+          <p:cNvPr id="44" name="Picture 43"/>
           <p:cNvPicPr>
             <a:picLocks noChangeAspect="1"/>
           </p:cNvPicPr>
           <p:nvPr/>
         </p:nvPicPr>
-        <p:blipFill>
-          <a:blip r:embed="rId10">
-            <a:extLst>
-              <a:ext uri="{28A0092B-C50C-407E-A947-70E740481C1C}">
-                <a14:useLocalDpi xmlns:a14="http://schemas.microsoft.com/office/drawing/2010/main" val="0"/>
-              </a:ext>
-            </a:extLst>
-          </a:blip>
-          <a:stretch>
-            <a:fillRect/>
-          </a:stretch>
+        <p:blipFill rotWithShape="1">
+          <a:blip r:embed="rId9"/>
+          <a:srcRect b="9781"/>
+          <a:stretch/>
         </p:blipFill>
         <p:spPr>
-          <a:xfrm>
-            <a:off x="12296931" y="17295180"/>
-            <a:ext cx="10663111" cy="7993839"/>
+          <a:xfrm flipV="1">
+            <a:off x="18692218" y="27952285"/>
+            <a:ext cx="6037317" cy="5090949"/>
           </a:xfrm>
           <a:prstGeom prst="rect">
             <a:avLst/>
@@ -7388,7 +7073,7 @@
   <p:timing>
     <p:tnLst>
       <p:par>
-        <p:cTn xmlns:p14="http://schemas.microsoft.com/office/powerpoint/2010/main" id="1" dur="indefinite" restart="never" nodeType="tmRoot"/>
+        <p:cTn id="1" dur="indefinite" restart="never" nodeType="tmRoot"/>
       </p:par>
     </p:tnLst>
   </p:timing>
